--- a/WickedDomainModels/Crafting Wicked Domain Models.pptx
+++ b/WickedDomainModels/Crafting Wicked Domain Models.pptx
@@ -5,7 +5,7 @@
     <p:sldMasterId id="2147483696" r:id="rId1"/>
   </p:sldMasterIdLst>
   <p:notesMasterIdLst>
-    <p:notesMasterId r:id="rId25"/>
+    <p:notesMasterId r:id="rId22"/>
   </p:notesMasterIdLst>
   <p:sldIdLst>
     <p:sldId id="284" r:id="rId2"/>
@@ -21,16 +21,13 @@
     <p:sldId id="266" r:id="rId12"/>
     <p:sldId id="267" r:id="rId13"/>
     <p:sldId id="274" r:id="rId14"/>
-    <p:sldId id="268" r:id="rId15"/>
-    <p:sldId id="269" r:id="rId16"/>
-    <p:sldId id="276" r:id="rId17"/>
-    <p:sldId id="277" r:id="rId18"/>
-    <p:sldId id="278" r:id="rId19"/>
-    <p:sldId id="279" r:id="rId20"/>
-    <p:sldId id="280" r:id="rId21"/>
-    <p:sldId id="281" r:id="rId22"/>
-    <p:sldId id="282" r:id="rId23"/>
-    <p:sldId id="283" r:id="rId24"/>
+    <p:sldId id="269" r:id="rId15"/>
+    <p:sldId id="276" r:id="rId16"/>
+    <p:sldId id="277" r:id="rId17"/>
+    <p:sldId id="278" r:id="rId18"/>
+    <p:sldId id="279" r:id="rId19"/>
+    <p:sldId id="280" r:id="rId20"/>
+    <p:sldId id="283" r:id="rId21"/>
   </p:sldIdLst>
   <p:sldSz cx="9144000" cy="6858000" type="screen4x3"/>
   <p:notesSz cx="6858000" cy="9144000"/>
@@ -214,7 +211,7 @@
           <a:p>
             <a:fld id="{F951DA03-8BC9-4A63-9B91-EA366045B0E8}" type="datetimeFigureOut">
               <a:rPr lang="en-US" smtClean="0"/>
-              <a:t>8/19/2011</a:t>
+              <a:t>6/5/2012</a:t>
             </a:fld>
             <a:endParaRPr lang="en-US"/>
           </a:p>
@@ -1024,6 +1021,14 @@
           <a:bodyPr/>
           <a:lstStyle/>
           <a:p>
+            <a:r>
+              <a:rPr lang="en-US" dirty="0" smtClean="0"/>
+              <a:t>Paying</a:t>
+            </a:r>
+            <a:r>
+              <a:rPr lang="en-US" baseline="0" dirty="0" smtClean="0"/>
+              <a:t> attention to code smells, model smells, OO and refactoring</a:t>
+            </a:r>
             <a:endParaRPr lang="en-US" dirty="0"/>
           </a:p>
         </p:txBody>
@@ -1045,267 +1050,7 @@
           <a:p>
             <a:fld id="{CCC3FF49-3932-43E0-8B20-094659508D18}" type="slidenum">
               <a:rPr lang="en-US" smtClean="0"/>
-              <a:t>15</a:t>
-            </a:fld>
-            <a:endParaRPr lang="en-US"/>
-          </a:p>
-        </p:txBody>
-      </p:sp>
-    </p:spTree>
-    <p:extLst>
-      <p:ext uri="{BB962C8B-B14F-4D97-AF65-F5344CB8AC3E}">
-        <p14:creationId xmlns:p14="http://schemas.microsoft.com/office/powerpoint/2010/main" val="1209981210"/>
-      </p:ext>
-    </p:extLst>
-  </p:cSld>
-  <p:clrMapOvr>
-    <a:masterClrMapping/>
-  </p:clrMapOvr>
-</p:notes>
-</file>
-
-<file path=ppt/notesSlides/notesSlide15.xml><?xml version="1.0" encoding="utf-8"?>
-<p:notes xmlns:a="http://schemas.openxmlformats.org/drawingml/2006/main" xmlns:r="http://schemas.openxmlformats.org/officeDocument/2006/relationships" xmlns:p="http://schemas.openxmlformats.org/presentationml/2006/main">
-  <p:cSld>
-    <p:spTree>
-      <p:nvGrpSpPr>
-        <p:cNvPr id="1" name=""/>
-        <p:cNvGrpSpPr/>
-        <p:nvPr/>
-      </p:nvGrpSpPr>
-      <p:grpSpPr>
-        <a:xfrm>
-          <a:off x="0" y="0"/>
-          <a:ext cx="0" cy="0"/>
-          <a:chOff x="0" y="0"/>
-          <a:chExt cx="0" cy="0"/>
-        </a:xfrm>
-      </p:grpSpPr>
-      <p:sp>
-        <p:nvSpPr>
-          <p:cNvPr id="2" name="Slide Image Placeholder 1"/>
-          <p:cNvSpPr>
-            <a:spLocks noGrp="1" noRot="1" noChangeAspect="1"/>
-          </p:cNvSpPr>
-          <p:nvPr>
-            <p:ph type="sldImg"/>
-          </p:nvPr>
-        </p:nvSpPr>
-        <p:spPr/>
-      </p:sp>
-      <p:sp>
-        <p:nvSpPr>
-          <p:cNvPr id="3" name="Notes Placeholder 2"/>
-          <p:cNvSpPr>
-            <a:spLocks noGrp="1"/>
-          </p:cNvSpPr>
-          <p:nvPr>
-            <p:ph type="body" idx="1"/>
-          </p:nvPr>
-        </p:nvSpPr>
-        <p:spPr/>
-        <p:txBody>
-          <a:bodyPr/>
-          <a:lstStyle/>
-          <a:p>
-            <a:endParaRPr lang="en-US" dirty="0"/>
-          </a:p>
-        </p:txBody>
-      </p:sp>
-      <p:sp>
-        <p:nvSpPr>
-          <p:cNvPr id="4" name="Slide Number Placeholder 3"/>
-          <p:cNvSpPr>
-            <a:spLocks noGrp="1"/>
-          </p:cNvSpPr>
-          <p:nvPr>
-            <p:ph type="sldNum" sz="quarter" idx="10"/>
-          </p:nvPr>
-        </p:nvSpPr>
-        <p:spPr/>
-        <p:txBody>
-          <a:bodyPr/>
-          <a:lstStyle/>
-          <a:p>
-            <a:fld id="{CCC3FF49-3932-43E0-8B20-094659508D18}" type="slidenum">
-              <a:rPr lang="en-US" smtClean="0"/>
-              <a:t>21</a:t>
-            </a:fld>
-            <a:endParaRPr lang="en-US"/>
-          </a:p>
-        </p:txBody>
-      </p:sp>
-    </p:spTree>
-    <p:extLst>
-      <p:ext uri="{BB962C8B-B14F-4D97-AF65-F5344CB8AC3E}">
-        <p14:creationId xmlns:p14="http://schemas.microsoft.com/office/powerpoint/2010/main" val="1209981210"/>
-      </p:ext>
-    </p:extLst>
-  </p:cSld>
-  <p:clrMapOvr>
-    <a:masterClrMapping/>
-  </p:clrMapOvr>
-</p:notes>
-</file>
-
-<file path=ppt/notesSlides/notesSlide16.xml><?xml version="1.0" encoding="utf-8"?>
-<p:notes xmlns:a="http://schemas.openxmlformats.org/drawingml/2006/main" xmlns:r="http://schemas.openxmlformats.org/officeDocument/2006/relationships" xmlns:p="http://schemas.openxmlformats.org/presentationml/2006/main">
-  <p:cSld>
-    <p:spTree>
-      <p:nvGrpSpPr>
-        <p:cNvPr id="1" name=""/>
-        <p:cNvGrpSpPr/>
-        <p:nvPr/>
-      </p:nvGrpSpPr>
-      <p:grpSpPr>
-        <a:xfrm>
-          <a:off x="0" y="0"/>
-          <a:ext cx="0" cy="0"/>
-          <a:chOff x="0" y="0"/>
-          <a:chExt cx="0" cy="0"/>
-        </a:xfrm>
-      </p:grpSpPr>
-      <p:sp>
-        <p:nvSpPr>
-          <p:cNvPr id="2" name="Slide Image Placeholder 1"/>
-          <p:cNvSpPr>
-            <a:spLocks noGrp="1" noRot="1" noChangeAspect="1"/>
-          </p:cNvSpPr>
-          <p:nvPr>
-            <p:ph type="sldImg"/>
-          </p:nvPr>
-        </p:nvSpPr>
-        <p:spPr/>
-      </p:sp>
-      <p:sp>
-        <p:nvSpPr>
-          <p:cNvPr id="3" name="Notes Placeholder 2"/>
-          <p:cNvSpPr>
-            <a:spLocks noGrp="1"/>
-          </p:cNvSpPr>
-          <p:nvPr>
-            <p:ph type="body" idx="1"/>
-          </p:nvPr>
-        </p:nvSpPr>
-        <p:spPr/>
-        <p:txBody>
-          <a:bodyPr/>
-          <a:lstStyle/>
-          <a:p>
-            <a:endParaRPr lang="en-US" dirty="0"/>
-          </a:p>
-        </p:txBody>
-      </p:sp>
-      <p:sp>
-        <p:nvSpPr>
-          <p:cNvPr id="4" name="Slide Number Placeholder 3"/>
-          <p:cNvSpPr>
-            <a:spLocks noGrp="1"/>
-          </p:cNvSpPr>
-          <p:nvPr>
-            <p:ph type="sldNum" sz="quarter" idx="10"/>
-          </p:nvPr>
-        </p:nvSpPr>
-        <p:spPr/>
-        <p:txBody>
-          <a:bodyPr/>
-          <a:lstStyle/>
-          <a:p>
-            <a:fld id="{CCC3FF49-3932-43E0-8B20-094659508D18}" type="slidenum">
-              <a:rPr lang="en-US" smtClean="0"/>
-              <a:t>22</a:t>
-            </a:fld>
-            <a:endParaRPr lang="en-US"/>
-          </a:p>
-        </p:txBody>
-      </p:sp>
-    </p:spTree>
-    <p:extLst>
-      <p:ext uri="{BB962C8B-B14F-4D97-AF65-F5344CB8AC3E}">
-        <p14:creationId xmlns:p14="http://schemas.microsoft.com/office/powerpoint/2010/main" val="1209981210"/>
-      </p:ext>
-    </p:extLst>
-  </p:cSld>
-  <p:clrMapOvr>
-    <a:masterClrMapping/>
-  </p:clrMapOvr>
-</p:notes>
-</file>
-
-<file path=ppt/notesSlides/notesSlide17.xml><?xml version="1.0" encoding="utf-8"?>
-<p:notes xmlns:a="http://schemas.openxmlformats.org/drawingml/2006/main" xmlns:r="http://schemas.openxmlformats.org/officeDocument/2006/relationships" xmlns:p="http://schemas.openxmlformats.org/presentationml/2006/main">
-  <p:cSld>
-    <p:spTree>
-      <p:nvGrpSpPr>
-        <p:cNvPr id="1" name=""/>
-        <p:cNvGrpSpPr/>
-        <p:nvPr/>
-      </p:nvGrpSpPr>
-      <p:grpSpPr>
-        <a:xfrm>
-          <a:off x="0" y="0"/>
-          <a:ext cx="0" cy="0"/>
-          <a:chOff x="0" y="0"/>
-          <a:chExt cx="0" cy="0"/>
-        </a:xfrm>
-      </p:grpSpPr>
-      <p:sp>
-        <p:nvSpPr>
-          <p:cNvPr id="2" name="Slide Image Placeholder 1"/>
-          <p:cNvSpPr>
-            <a:spLocks noGrp="1" noRot="1" noChangeAspect="1"/>
-          </p:cNvSpPr>
-          <p:nvPr>
-            <p:ph type="sldImg"/>
-          </p:nvPr>
-        </p:nvSpPr>
-        <p:spPr/>
-      </p:sp>
-      <p:sp>
-        <p:nvSpPr>
-          <p:cNvPr id="3" name="Notes Placeholder 2"/>
-          <p:cNvSpPr>
-            <a:spLocks noGrp="1"/>
-          </p:cNvSpPr>
-          <p:nvPr>
-            <p:ph type="body" idx="1"/>
-          </p:nvPr>
-        </p:nvSpPr>
-        <p:spPr/>
-        <p:txBody>
-          <a:bodyPr/>
-          <a:lstStyle/>
-          <a:p>
-            <a:r>
-              <a:rPr lang="en-US" dirty="0" smtClean="0"/>
-              <a:t>Paying</a:t>
-            </a:r>
-            <a:r>
-              <a:rPr lang="en-US" baseline="0" dirty="0" smtClean="0"/>
-              <a:t> attention to code smells, model smells, OO and refactoring</a:t>
-            </a:r>
-            <a:endParaRPr lang="en-US" dirty="0"/>
-          </a:p>
-        </p:txBody>
-      </p:sp>
-      <p:sp>
-        <p:nvSpPr>
-          <p:cNvPr id="4" name="Slide Number Placeholder 3"/>
-          <p:cNvSpPr>
-            <a:spLocks noGrp="1"/>
-          </p:cNvSpPr>
-          <p:nvPr>
-            <p:ph type="sldNum" sz="quarter" idx="10"/>
-          </p:nvPr>
-        </p:nvSpPr>
-        <p:spPr/>
-        <p:txBody>
-          <a:bodyPr/>
-          <a:lstStyle/>
-          <a:p>
-            <a:fld id="{CCC3FF49-3932-43E0-8B20-094659508D18}" type="slidenum">
-              <a:rPr lang="en-US" smtClean="0"/>
-              <a:t>23</a:t>
+              <a:t>20</a:t>
             </a:fld>
             <a:endParaRPr lang="en-US"/>
           </a:p>
@@ -3892,7 +3637,7 @@
           <a:p>
             <a:r>
               <a:rPr lang="en-US" dirty="0" smtClean="0"/>
-              <a:t>jimmy@headspring.com</a:t>
+              <a:t>Jimmybogard.lostechies.com</a:t>
             </a:r>
             <a:endParaRPr lang="en-US" dirty="0"/>
           </a:p>
@@ -4287,10 +4032,10 @@
           <a:lstStyle/>
           <a:p>
             <a:r>
-              <a:rPr lang="en-US" sz="8800" dirty="0" smtClean="0"/>
-              <a:t>Pop the hood</a:t>
-            </a:r>
-            <a:endParaRPr lang="en-US" sz="8800" dirty="0"/>
+              <a:rPr lang="en-US" dirty="0" smtClean="0"/>
+              <a:t>Offer Assignment Service</a:t>
+            </a:r>
+            <a:endParaRPr lang="en-US" dirty="0"/>
           </a:p>
         </p:txBody>
       </p:sp>
@@ -4315,73 +4060,6 @@
 </file>
 
 <file path=ppt/slides/slide15.xml><?xml version="1.0" encoding="utf-8"?>
-<p:sld xmlns:a="http://schemas.openxmlformats.org/drawingml/2006/main" xmlns:r="http://schemas.openxmlformats.org/officeDocument/2006/relationships" xmlns:p="http://schemas.openxmlformats.org/presentationml/2006/main">
-  <p:cSld>
-    <p:spTree>
-      <p:nvGrpSpPr>
-        <p:cNvPr id="1" name=""/>
-        <p:cNvGrpSpPr/>
-        <p:nvPr/>
-      </p:nvGrpSpPr>
-      <p:grpSpPr>
-        <a:xfrm>
-          <a:off x="0" y="0"/>
-          <a:ext cx="0" cy="0"/>
-          <a:chOff x="0" y="0"/>
-          <a:chExt cx="0" cy="0"/>
-        </a:xfrm>
-      </p:grpSpPr>
-      <p:sp>
-        <p:nvSpPr>
-          <p:cNvPr id="3" name="Text Placeholder 2"/>
-          <p:cNvSpPr>
-            <a:spLocks noGrp="1"/>
-          </p:cNvSpPr>
-          <p:nvPr>
-            <p:ph type="body" idx="1"/>
-          </p:nvPr>
-        </p:nvSpPr>
-        <p:spPr>
-          <a:xfrm>
-            <a:off x="762000" y="2767013"/>
-            <a:ext cx="7772400" cy="1500187"/>
-          </a:xfrm>
-        </p:spPr>
-        <p:txBody>
-          <a:bodyPr>
-            <a:noAutofit/>
-          </a:bodyPr>
-          <a:lstStyle/>
-          <a:p>
-            <a:r>
-              <a:rPr lang="en-US" dirty="0" smtClean="0"/>
-              <a:t>Offer Assignment Service</a:t>
-            </a:r>
-            <a:endParaRPr lang="en-US" dirty="0"/>
-          </a:p>
-        </p:txBody>
-      </p:sp>
-    </p:spTree>
-    <p:extLst>
-      <p:ext uri="{BB962C8B-B14F-4D97-AF65-F5344CB8AC3E}">
-        <p14:creationId xmlns:p14="http://schemas.microsoft.com/office/powerpoint/2010/main" val="1861451711"/>
-      </p:ext>
-    </p:extLst>
-  </p:cSld>
-  <p:clrMapOvr>
-    <a:masterClrMapping/>
-  </p:clrMapOvr>
-  <p:timing>
-    <p:tnLst>
-      <p:par>
-        <p:cTn id="1" dur="indefinite" restart="never" nodeType="tmRoot"/>
-      </p:par>
-    </p:tnLst>
-  </p:timing>
-</p:sld>
-</file>
-
-<file path=ppt/slides/slide16.xml><?xml version="1.0" encoding="utf-8"?>
 <p:sld xmlns:a="http://schemas.openxmlformats.org/drawingml/2006/main" xmlns:r="http://schemas.openxmlformats.org/officeDocument/2006/relationships" xmlns:p="http://schemas.openxmlformats.org/presentationml/2006/main">
   <p:cSld>
     <p:spTree>
@@ -4501,7 +4179,7 @@
 </p:sld>
 </file>
 
-<file path=ppt/slides/slide17.xml><?xml version="1.0" encoding="utf-8"?>
+<file path=ppt/slides/slide16.xml><?xml version="1.0" encoding="utf-8"?>
 <p:sld xmlns:a="http://schemas.openxmlformats.org/drawingml/2006/main" xmlns:r="http://schemas.openxmlformats.org/officeDocument/2006/relationships" xmlns:p="http://schemas.openxmlformats.org/presentationml/2006/main">
   <p:cSld>
     <p:spTree>
@@ -4621,7 +4299,7 @@
 </p:sld>
 </file>
 
-<file path=ppt/slides/slide18.xml><?xml version="1.0" encoding="utf-8"?>
+<file path=ppt/slides/slide17.xml><?xml version="1.0" encoding="utf-8"?>
 <p:sld xmlns:a="http://schemas.openxmlformats.org/drawingml/2006/main" xmlns:r="http://schemas.openxmlformats.org/officeDocument/2006/relationships" xmlns:p="http://schemas.openxmlformats.org/presentationml/2006/main">
   <p:cSld>
     <p:spTree>
@@ -4760,7 +4438,7 @@
 </p:sld>
 </file>
 
-<file path=ppt/slides/slide19.xml><?xml version="1.0" encoding="utf-8"?>
+<file path=ppt/slides/slide18.xml><?xml version="1.0" encoding="utf-8"?>
 <p:sld xmlns:a="http://schemas.openxmlformats.org/drawingml/2006/main" xmlns:r="http://schemas.openxmlformats.org/officeDocument/2006/relationships" xmlns:p="http://schemas.openxmlformats.org/presentationml/2006/main">
   <p:cSld>
     <p:spTree>
@@ -4880,74 +4558,7 @@
 </p:sld>
 </file>
 
-<file path=ppt/slides/slide2.xml><?xml version="1.0" encoding="utf-8"?>
-<p:sld xmlns:a="http://schemas.openxmlformats.org/drawingml/2006/main" xmlns:r="http://schemas.openxmlformats.org/officeDocument/2006/relationships" xmlns:p="http://schemas.openxmlformats.org/presentationml/2006/main">
-  <p:cSld>
-    <p:spTree>
-      <p:nvGrpSpPr>
-        <p:cNvPr id="1" name=""/>
-        <p:cNvGrpSpPr/>
-        <p:nvPr/>
-      </p:nvGrpSpPr>
-      <p:grpSpPr>
-        <a:xfrm>
-          <a:off x="0" y="0"/>
-          <a:ext cx="0" cy="0"/>
-          <a:chOff x="0" y="0"/>
-          <a:chExt cx="0" cy="0"/>
-        </a:xfrm>
-      </p:grpSpPr>
-      <p:sp>
-        <p:nvSpPr>
-          <p:cNvPr id="3" name="Text Placeholder 2"/>
-          <p:cNvSpPr>
-            <a:spLocks noGrp="1"/>
-          </p:cNvSpPr>
-          <p:nvPr>
-            <p:ph type="body" idx="1"/>
-          </p:nvPr>
-        </p:nvSpPr>
-        <p:spPr>
-          <a:xfrm>
-            <a:off x="762000" y="2767013"/>
-            <a:ext cx="7772400" cy="1500187"/>
-          </a:xfrm>
-        </p:spPr>
-        <p:txBody>
-          <a:bodyPr>
-            <a:noAutofit/>
-          </a:bodyPr>
-          <a:lstStyle/>
-          <a:p>
-            <a:r>
-              <a:rPr lang="en-US" dirty="0" smtClean="0"/>
-              <a:t>What is a domain model?</a:t>
-            </a:r>
-            <a:endParaRPr lang="en-US" dirty="0"/>
-          </a:p>
-        </p:txBody>
-      </p:sp>
-    </p:spTree>
-    <p:extLst>
-      <p:ext uri="{BB962C8B-B14F-4D97-AF65-F5344CB8AC3E}">
-        <p14:creationId xmlns:p14="http://schemas.microsoft.com/office/powerpoint/2010/main" val="2234195537"/>
-      </p:ext>
-    </p:extLst>
-  </p:cSld>
-  <p:clrMapOvr>
-    <a:masterClrMapping/>
-  </p:clrMapOvr>
-  <p:timing>
-    <p:tnLst>
-      <p:par>
-        <p:cTn id="1" dur="indefinite" restart="never" nodeType="tmRoot"/>
-      </p:par>
-    </p:tnLst>
-  </p:timing>
-</p:sld>
-</file>
-
-<file path=ppt/slides/slide20.xml><?xml version="1.0" encoding="utf-8"?>
+<file path=ppt/slides/slide19.xml><?xml version="1.0" encoding="utf-8"?>
 <p:sld xmlns:a="http://schemas.openxmlformats.org/drawingml/2006/main" xmlns:r="http://schemas.openxmlformats.org/officeDocument/2006/relationships" xmlns:p="http://schemas.openxmlformats.org/presentationml/2006/main">
   <p:cSld>
     <p:spTree>
@@ -5067,7 +4678,7 @@
 </p:sld>
 </file>
 
-<file path=ppt/slides/slide21.xml><?xml version="1.0" encoding="utf-8"?>
+<file path=ppt/slides/slide2.xml><?xml version="1.0" encoding="utf-8"?>
 <p:sld xmlns:a="http://schemas.openxmlformats.org/drawingml/2006/main" xmlns:r="http://schemas.openxmlformats.org/officeDocument/2006/relationships" xmlns:p="http://schemas.openxmlformats.org/presentationml/2006/main">
   <p:cSld>
     <p:spTree>
@@ -5107,17 +4718,17 @@
           <a:lstStyle/>
           <a:p>
             <a:r>
-              <a:rPr lang="en-US" sz="6600" dirty="0" smtClean="0"/>
-              <a:t>Behavior is there…</a:t>
-            </a:r>
-            <a:endParaRPr lang="en-US" sz="6600" dirty="0"/>
+              <a:rPr lang="en-US" dirty="0" smtClean="0"/>
+              <a:t>What is a domain model?</a:t>
+            </a:r>
+            <a:endParaRPr lang="en-US" dirty="0"/>
           </a:p>
         </p:txBody>
       </p:sp>
     </p:spTree>
     <p:extLst>
       <p:ext uri="{BB962C8B-B14F-4D97-AF65-F5344CB8AC3E}">
-        <p14:creationId xmlns:p14="http://schemas.microsoft.com/office/powerpoint/2010/main" val="74110495"/>
+        <p14:creationId xmlns:p14="http://schemas.microsoft.com/office/powerpoint/2010/main" val="2234195537"/>
       </p:ext>
     </p:extLst>
   </p:cSld>
@@ -5134,74 +4745,7 @@
 </p:sld>
 </file>
 
-<file path=ppt/slides/slide22.xml><?xml version="1.0" encoding="utf-8"?>
-<p:sld xmlns:a="http://schemas.openxmlformats.org/drawingml/2006/main" xmlns:r="http://schemas.openxmlformats.org/officeDocument/2006/relationships" xmlns:p="http://schemas.openxmlformats.org/presentationml/2006/main">
-  <p:cSld>
-    <p:spTree>
-      <p:nvGrpSpPr>
-        <p:cNvPr id="1" name=""/>
-        <p:cNvGrpSpPr/>
-        <p:nvPr/>
-      </p:nvGrpSpPr>
-      <p:grpSpPr>
-        <a:xfrm>
-          <a:off x="0" y="0"/>
-          <a:ext cx="0" cy="0"/>
-          <a:chOff x="0" y="0"/>
-          <a:chExt cx="0" cy="0"/>
-        </a:xfrm>
-      </p:grpSpPr>
-      <p:sp>
-        <p:nvSpPr>
-          <p:cNvPr id="3" name="Text Placeholder 2"/>
-          <p:cNvSpPr>
-            <a:spLocks noGrp="1"/>
-          </p:cNvSpPr>
-          <p:nvPr>
-            <p:ph type="body" idx="1"/>
-          </p:nvPr>
-        </p:nvSpPr>
-        <p:spPr>
-          <a:xfrm>
-            <a:off x="762000" y="2767013"/>
-            <a:ext cx="7772400" cy="1500187"/>
-          </a:xfrm>
-        </p:spPr>
-        <p:txBody>
-          <a:bodyPr>
-            <a:noAutofit/>
-          </a:bodyPr>
-          <a:lstStyle/>
-          <a:p>
-            <a:r>
-              <a:rPr lang="en-US" dirty="0" smtClean="0"/>
-              <a:t>…but in the wrong place!</a:t>
-            </a:r>
-            <a:endParaRPr lang="en-US" dirty="0"/>
-          </a:p>
-        </p:txBody>
-      </p:sp>
-    </p:spTree>
-    <p:extLst>
-      <p:ext uri="{BB962C8B-B14F-4D97-AF65-F5344CB8AC3E}">
-        <p14:creationId xmlns:p14="http://schemas.microsoft.com/office/powerpoint/2010/main" val="3073474642"/>
-      </p:ext>
-    </p:extLst>
-  </p:cSld>
-  <p:clrMapOvr>
-    <a:masterClrMapping/>
-  </p:clrMapOvr>
-  <p:timing>
-    <p:tnLst>
-      <p:par>
-        <p:cTn id="1" dur="indefinite" restart="never" nodeType="tmRoot"/>
-      </p:par>
-    </p:tnLst>
-  </p:timing>
-</p:sld>
-</file>
-
-<file path=ppt/slides/slide23.xml><?xml version="1.0" encoding="utf-8"?>
+<file path=ppt/slides/slide20.xml><?xml version="1.0" encoding="utf-8"?>
 <p:sld xmlns:a="http://schemas.openxmlformats.org/drawingml/2006/main" xmlns:r="http://schemas.openxmlformats.org/officeDocument/2006/relationships" xmlns:p="http://schemas.openxmlformats.org/presentationml/2006/main">
   <p:cSld>
     <p:spTree>

--- a/WickedDomainModels/Crafting Wicked Domain Models.pptx
+++ b/WickedDomainModels/Crafting Wicked Domain Models.pptx
@@ -5,29 +5,28 @@
     <p:sldMasterId id="2147483696" r:id="rId1"/>
   </p:sldMasterIdLst>
   <p:notesMasterIdLst>
-    <p:notesMasterId r:id="rId22"/>
+    <p:notesMasterId r:id="rId21"/>
   </p:notesMasterIdLst>
   <p:sldIdLst>
     <p:sldId id="284" r:id="rId2"/>
     <p:sldId id="260" r:id="rId3"/>
     <p:sldId id="262" r:id="rId4"/>
-    <p:sldId id="263" r:id="rId5"/>
-    <p:sldId id="275" r:id="rId6"/>
-    <p:sldId id="270" r:id="rId7"/>
-    <p:sldId id="271" r:id="rId8"/>
-    <p:sldId id="272" r:id="rId9"/>
-    <p:sldId id="273" r:id="rId10"/>
-    <p:sldId id="264" r:id="rId11"/>
-    <p:sldId id="266" r:id="rId12"/>
-    <p:sldId id="267" r:id="rId13"/>
-    <p:sldId id="274" r:id="rId14"/>
-    <p:sldId id="269" r:id="rId15"/>
-    <p:sldId id="276" r:id="rId16"/>
-    <p:sldId id="277" r:id="rId17"/>
-    <p:sldId id="278" r:id="rId18"/>
-    <p:sldId id="279" r:id="rId19"/>
-    <p:sldId id="280" r:id="rId20"/>
-    <p:sldId id="283" r:id="rId21"/>
+    <p:sldId id="275" r:id="rId5"/>
+    <p:sldId id="270" r:id="rId6"/>
+    <p:sldId id="271" r:id="rId7"/>
+    <p:sldId id="272" r:id="rId8"/>
+    <p:sldId id="273" r:id="rId9"/>
+    <p:sldId id="264" r:id="rId10"/>
+    <p:sldId id="266" r:id="rId11"/>
+    <p:sldId id="267" r:id="rId12"/>
+    <p:sldId id="274" r:id="rId13"/>
+    <p:sldId id="269" r:id="rId14"/>
+    <p:sldId id="276" r:id="rId15"/>
+    <p:sldId id="277" r:id="rId16"/>
+    <p:sldId id="278" r:id="rId17"/>
+    <p:sldId id="279" r:id="rId18"/>
+    <p:sldId id="280" r:id="rId19"/>
+    <p:sldId id="283" r:id="rId20"/>
   </p:sldIdLst>
   <p:sldSz cx="9144000" cy="6858000" type="screen4x3"/>
   <p:notesSz cx="6858000" cy="9144000"/>
@@ -733,6 +732,42 @@
           <a:bodyPr/>
           <a:lstStyle/>
           <a:p>
+            <a:r>
+              <a:rPr lang="en-US" sz="1200" b="0" i="0" kern="1200" dirty="0" smtClean="0">
+                <a:solidFill>
+                  <a:schemeClr val="tx1"/>
+                </a:solidFill>
+                <a:effectLst/>
+                <a:latin typeface="+mn-lt"/>
+                <a:ea typeface="+mn-ea"/>
+                <a:cs typeface="+mn-cs"/>
+              </a:rPr>
+              <a:t>The basic symptom of an Anemic Domain Model is that at first blush it looks like the real thing. There are objects, many named after the nouns in the domain space, and these objects are connected with the rich relationships and structure that true domain models have. The catch comes when you look at the behavior, and you realize that there is hardly any behavior on these objects, making them little more than bags of getters and setters. Indeed often these models come with design rules that say that you are not to put any domain logic in the </a:t>
+            </a:r>
+            <a:r>
+              <a:rPr lang="en-US" sz="1200" b="0" i="0" kern="1200" dirty="0" err="1" smtClean="0">
+                <a:solidFill>
+                  <a:schemeClr val="tx1"/>
+                </a:solidFill>
+                <a:effectLst/>
+                <a:latin typeface="+mn-lt"/>
+                <a:ea typeface="+mn-ea"/>
+                <a:cs typeface="+mn-cs"/>
+              </a:rPr>
+              <a:t>the</a:t>
+            </a:r>
+            <a:r>
+              <a:rPr lang="en-US" sz="1200" b="0" i="0" kern="1200" dirty="0" smtClean="0">
+                <a:solidFill>
+                  <a:schemeClr val="tx1"/>
+                </a:solidFill>
+                <a:effectLst/>
+                <a:latin typeface="+mn-lt"/>
+                <a:ea typeface="+mn-ea"/>
+                <a:cs typeface="+mn-cs"/>
+              </a:rPr>
+              <a:t> domain objects. Instead there are a set of service objects which capture all the domain logic. These services live on top of the domain model and use the domain model for data.</a:t>
+            </a:r>
             <a:endParaRPr lang="en-US" dirty="0"/>
           </a:p>
         </p:txBody>
@@ -817,42 +852,6 @@
           <a:bodyPr/>
           <a:lstStyle/>
           <a:p>
-            <a:r>
-              <a:rPr lang="en-US" sz="1200" b="0" i="0" kern="1200" dirty="0" smtClean="0">
-                <a:solidFill>
-                  <a:schemeClr val="tx1"/>
-                </a:solidFill>
-                <a:effectLst/>
-                <a:latin typeface="+mn-lt"/>
-                <a:ea typeface="+mn-ea"/>
-                <a:cs typeface="+mn-cs"/>
-              </a:rPr>
-              <a:t>The basic symptom of an Anemic Domain Model is that at first blush it looks like the real thing. There are objects, many named after the nouns in the domain space, and these objects are connected with the rich relationships and structure that true domain models have. The catch comes when you look at the behavior, and you realize that there is hardly any behavior on these objects, making them little more than bags of getters and setters. Indeed often these models come with design rules that say that you are not to put any domain logic in the </a:t>
-            </a:r>
-            <a:r>
-              <a:rPr lang="en-US" sz="1200" b="0" i="0" kern="1200" dirty="0" err="1" smtClean="0">
-                <a:solidFill>
-                  <a:schemeClr val="tx1"/>
-                </a:solidFill>
-                <a:effectLst/>
-                <a:latin typeface="+mn-lt"/>
-                <a:ea typeface="+mn-ea"/>
-                <a:cs typeface="+mn-cs"/>
-              </a:rPr>
-              <a:t>the</a:t>
-            </a:r>
-            <a:r>
-              <a:rPr lang="en-US" sz="1200" b="0" i="0" kern="1200" dirty="0" smtClean="0">
-                <a:solidFill>
-                  <a:schemeClr val="tx1"/>
-                </a:solidFill>
-                <a:effectLst/>
-                <a:latin typeface="+mn-lt"/>
-                <a:ea typeface="+mn-ea"/>
-                <a:cs typeface="+mn-cs"/>
-              </a:rPr>
-              <a:t> domain objects. Instead there are a set of service objects which capture all the domain logic. These services live on top of the domain model and use the domain model for data.</a:t>
-            </a:r>
             <a:endParaRPr lang="en-US" dirty="0"/>
           </a:p>
         </p:txBody>
@@ -937,6 +936,14 @@
           <a:bodyPr/>
           <a:lstStyle/>
           <a:p>
+            <a:r>
+              <a:rPr lang="en-US" dirty="0" smtClean="0"/>
+              <a:t>Paying</a:t>
+            </a:r>
+            <a:r>
+              <a:rPr lang="en-US" baseline="0" dirty="0" smtClean="0"/>
+              <a:t> attention to code smells, model smells, OO and refactoring</a:t>
+            </a:r>
             <a:endParaRPr lang="en-US" dirty="0"/>
           </a:p>
         </p:txBody>
@@ -958,99 +965,7 @@
           <a:p>
             <a:fld id="{CCC3FF49-3932-43E0-8B20-094659508D18}" type="slidenum">
               <a:rPr lang="en-US" smtClean="0"/>
-              <a:t>14</a:t>
-            </a:fld>
-            <a:endParaRPr lang="en-US"/>
-          </a:p>
-        </p:txBody>
-      </p:sp>
-    </p:spTree>
-    <p:extLst>
-      <p:ext uri="{BB962C8B-B14F-4D97-AF65-F5344CB8AC3E}">
-        <p14:creationId xmlns:p14="http://schemas.microsoft.com/office/powerpoint/2010/main" val="1209981210"/>
-      </p:ext>
-    </p:extLst>
-  </p:cSld>
-  <p:clrMapOvr>
-    <a:masterClrMapping/>
-  </p:clrMapOvr>
-</p:notes>
-</file>
-
-<file path=ppt/notesSlides/notesSlide14.xml><?xml version="1.0" encoding="utf-8"?>
-<p:notes xmlns:a="http://schemas.openxmlformats.org/drawingml/2006/main" xmlns:r="http://schemas.openxmlformats.org/officeDocument/2006/relationships" xmlns:p="http://schemas.openxmlformats.org/presentationml/2006/main">
-  <p:cSld>
-    <p:spTree>
-      <p:nvGrpSpPr>
-        <p:cNvPr id="1" name=""/>
-        <p:cNvGrpSpPr/>
-        <p:nvPr/>
-      </p:nvGrpSpPr>
-      <p:grpSpPr>
-        <a:xfrm>
-          <a:off x="0" y="0"/>
-          <a:ext cx="0" cy="0"/>
-          <a:chOff x="0" y="0"/>
-          <a:chExt cx="0" cy="0"/>
-        </a:xfrm>
-      </p:grpSpPr>
-      <p:sp>
-        <p:nvSpPr>
-          <p:cNvPr id="2" name="Slide Image Placeholder 1"/>
-          <p:cNvSpPr>
-            <a:spLocks noGrp="1" noRot="1" noChangeAspect="1"/>
-          </p:cNvSpPr>
-          <p:nvPr>
-            <p:ph type="sldImg"/>
-          </p:nvPr>
-        </p:nvSpPr>
-        <p:spPr/>
-      </p:sp>
-      <p:sp>
-        <p:nvSpPr>
-          <p:cNvPr id="3" name="Notes Placeholder 2"/>
-          <p:cNvSpPr>
-            <a:spLocks noGrp="1"/>
-          </p:cNvSpPr>
-          <p:nvPr>
-            <p:ph type="body" idx="1"/>
-          </p:nvPr>
-        </p:nvSpPr>
-        <p:spPr/>
-        <p:txBody>
-          <a:bodyPr/>
-          <a:lstStyle/>
-          <a:p>
-            <a:r>
-              <a:rPr lang="en-US" dirty="0" smtClean="0"/>
-              <a:t>Paying</a:t>
-            </a:r>
-            <a:r>
-              <a:rPr lang="en-US" baseline="0" dirty="0" smtClean="0"/>
-              <a:t> attention to code smells, model smells, OO and refactoring</a:t>
-            </a:r>
-            <a:endParaRPr lang="en-US" dirty="0"/>
-          </a:p>
-        </p:txBody>
-      </p:sp>
-      <p:sp>
-        <p:nvSpPr>
-          <p:cNvPr id="4" name="Slide Number Placeholder 3"/>
-          <p:cNvSpPr>
-            <a:spLocks noGrp="1"/>
-          </p:cNvSpPr>
-          <p:nvPr>
-            <p:ph type="sldNum" sz="quarter" idx="10"/>
-          </p:nvPr>
-        </p:nvSpPr>
-        <p:spPr/>
-        <p:txBody>
-          <a:bodyPr/>
-          <a:lstStyle/>
-          <a:p>
-            <a:fld id="{CCC3FF49-3932-43E0-8B20-094659508D18}" type="slidenum">
-              <a:rPr lang="en-US" smtClean="0"/>
-              <a:t>20</a:t>
+              <a:t>19</a:t>
             </a:fld>
             <a:endParaRPr lang="en-US"/>
           </a:p>
@@ -1128,8 +1043,22 @@
           <a:p>
             <a:r>
               <a:rPr lang="en-US" baseline="0" dirty="0" smtClean="0"/>
-              <a:t>When you should – complex domain, or a long-lived project where behavior gets added piece by piece</a:t>
-            </a:r>
+              <a:t>When you should – complex domain, or a long-lived project where behavior gets added piece by </a:t>
+            </a:r>
+            <a:r>
+              <a:rPr lang="en-US" baseline="0" dirty="0" smtClean="0"/>
+              <a:t>piece</a:t>
+            </a:r>
+          </a:p>
+          <a:p>
+            <a:endParaRPr lang="en-US" baseline="0" dirty="0" smtClean="0"/>
+          </a:p>
+          <a:p>
+            <a:r>
+              <a:rPr lang="en-US" baseline="0" dirty="0" smtClean="0"/>
+              <a:t>Good news – we can delay this decision until it’s needed</a:t>
+            </a:r>
+            <a:endParaRPr lang="en-US" baseline="0" dirty="0" smtClean="0"/>
           </a:p>
         </p:txBody>
       </p:sp>
@@ -1213,10 +1142,6 @@
           <a:bodyPr/>
           <a:lstStyle/>
           <a:p>
-            <a:r>
-              <a:rPr lang="en-US" dirty="0" smtClean="0"/>
-              <a:t>We can delay the decision and design until it’s needed</a:t>
-            </a:r>
             <a:endParaRPr lang="en-US" dirty="0"/>
           </a:p>
         </p:txBody>
@@ -1301,6 +1226,23 @@
           <a:bodyPr/>
           <a:lstStyle/>
           <a:p>
+            <a:r>
+              <a:rPr lang="en-US" dirty="0" smtClean="0"/>
+              <a:t>Loyalty program</a:t>
+            </a:r>
+          </a:p>
+          <a:p>
+            <a:endParaRPr lang="en-US" dirty="0" smtClean="0"/>
+          </a:p>
+          <a:p>
+            <a:r>
+              <a:rPr lang="en-US" dirty="0" smtClean="0"/>
+              <a:t>Looks rich,</a:t>
+            </a:r>
+            <a:r>
+              <a:rPr lang="en-US" baseline="0" dirty="0" smtClean="0"/>
+              <a:t> right?</a:t>
+            </a:r>
             <a:endParaRPr lang="en-US" dirty="0"/>
           </a:p>
         </p:txBody>
@@ -1789,23 +1731,6 @@
           <a:bodyPr/>
           <a:lstStyle/>
           <a:p>
-            <a:r>
-              <a:rPr lang="en-US" dirty="0" smtClean="0"/>
-              <a:t>Loyalty program</a:t>
-            </a:r>
-          </a:p>
-          <a:p>
-            <a:endParaRPr lang="en-US" dirty="0" smtClean="0"/>
-          </a:p>
-          <a:p>
-            <a:r>
-              <a:rPr lang="en-US" dirty="0" smtClean="0"/>
-              <a:t>Looks rich,</a:t>
-            </a:r>
-            <a:r>
-              <a:rPr lang="en-US" baseline="0" dirty="0" smtClean="0"/>
-              <a:t> right?</a:t>
-            </a:r>
             <a:endParaRPr lang="en-US" dirty="0"/>
           </a:p>
         </p:txBody>
@@ -1867,7 +1792,11 @@
         <p:nvSpPr>
           <p:cNvPr id="13" name="Rectangle 12"/>
           <p:cNvSpPr/>
-          <p:nvPr/>
+          <p:nvPr>
+            <p:custDataLst>
+              <p:tags r:id="rId1"/>
+            </p:custDataLst>
+          </p:nvPr>
         </p:nvSpPr>
         <p:spPr>
           <a:xfrm>
@@ -1913,7 +1842,11 @@
         <p:nvSpPr>
           <p:cNvPr id="9" name="Rectangle 8"/>
           <p:cNvSpPr/>
-          <p:nvPr/>
+          <p:nvPr>
+            <p:custDataLst>
+              <p:tags r:id="rId2"/>
+            </p:custDataLst>
+          </p:nvPr>
         </p:nvSpPr>
         <p:spPr>
           <a:xfrm>
@@ -1963,7 +1896,11 @@
         <p:nvSpPr>
           <p:cNvPr id="8" name="Rectangle 7"/>
           <p:cNvSpPr/>
-          <p:nvPr/>
+          <p:nvPr>
+            <p:custDataLst>
+              <p:tags r:id="rId3"/>
+            </p:custDataLst>
+          </p:nvPr>
         </p:nvSpPr>
         <p:spPr>
           <a:xfrm>
@@ -2015,6 +1952,9 @@
           </p:cNvSpPr>
           <p:nvPr>
             <p:ph type="ctrTitle"/>
+            <p:custDataLst>
+              <p:tags r:id="rId4"/>
+            </p:custDataLst>
           </p:nvPr>
         </p:nvSpPr>
         <p:spPr>
@@ -2057,6 +1997,9 @@
           </p:cNvSpPr>
           <p:nvPr>
             <p:ph type="subTitle" idx="1"/>
+            <p:custDataLst>
+              <p:tags r:id="rId5"/>
+            </p:custDataLst>
           </p:nvPr>
         </p:nvSpPr>
         <p:spPr>
@@ -2180,10 +2123,14 @@
           <p:cNvPicPr>
             <a:picLocks noChangeAspect="1"/>
           </p:cNvPicPr>
-          <p:nvPr/>
+          <p:nvPr>
+            <p:custDataLst>
+              <p:tags r:id="rId6"/>
+            </p:custDataLst>
+          </p:nvPr>
         </p:nvPicPr>
         <p:blipFill>
-          <a:blip r:embed="rId2" cstate="print">
+          <a:blip r:embed="rId10" cstate="print">
             <a:extLst>
               <a:ext uri="{28A0092B-C50C-407E-A947-70E740481C1C}">
                 <a14:useLocalDpi xmlns:a14="http://schemas.microsoft.com/office/drawing/2010/main" val="0"/>
@@ -2208,7 +2155,11 @@
         <p:nvSpPr>
           <p:cNvPr id="17" name="Rectangle 16"/>
           <p:cNvSpPr/>
-          <p:nvPr/>
+          <p:nvPr>
+            <p:custDataLst>
+              <p:tags r:id="rId7"/>
+            </p:custDataLst>
+          </p:nvPr>
         </p:nvSpPr>
         <p:spPr>
           <a:xfrm>
@@ -2256,7 +2207,11 @@
         <p:nvSpPr>
           <p:cNvPr id="18" name="Rectangle 17"/>
           <p:cNvSpPr/>
-          <p:nvPr/>
+          <p:nvPr>
+            <p:custDataLst>
+              <p:tags r:id="rId8"/>
+            </p:custDataLst>
+          </p:nvPr>
         </p:nvSpPr>
         <p:spPr>
           <a:xfrm>
@@ -2340,6 +2295,9 @@
           </p:cNvSpPr>
           <p:nvPr>
             <p:ph type="title"/>
+            <p:custDataLst>
+              <p:tags r:id="rId1"/>
+            </p:custDataLst>
           </p:nvPr>
         </p:nvSpPr>
         <p:spPr/>
@@ -2363,6 +2321,9 @@
           </p:cNvSpPr>
           <p:nvPr>
             <p:ph idx="1"/>
+            <p:custDataLst>
+              <p:tags r:id="rId2"/>
+            </p:custDataLst>
           </p:nvPr>
         </p:nvSpPr>
         <p:spPr>
@@ -2452,6 +2413,9 @@
           </p:cNvSpPr>
           <p:nvPr>
             <p:ph type="title"/>
+            <p:custDataLst>
+              <p:tags r:id="rId1"/>
+            </p:custDataLst>
           </p:nvPr>
         </p:nvSpPr>
         <p:spPr/>
@@ -2475,6 +2439,9 @@
           </p:cNvSpPr>
           <p:nvPr>
             <p:ph sz="half" idx="1"/>
+            <p:custDataLst>
+              <p:tags r:id="rId2"/>
+            </p:custDataLst>
           </p:nvPr>
         </p:nvSpPr>
         <p:spPr>
@@ -2560,6 +2527,9 @@
           </p:cNvSpPr>
           <p:nvPr>
             <p:ph sz="half" idx="2"/>
+            <p:custDataLst>
+              <p:tags r:id="rId3"/>
+            </p:custDataLst>
           </p:nvPr>
         </p:nvSpPr>
         <p:spPr>
@@ -2677,6 +2647,9 @@
           </p:cNvSpPr>
           <p:nvPr>
             <p:ph type="title"/>
+            <p:custDataLst>
+              <p:tags r:id="rId1"/>
+            </p:custDataLst>
           </p:nvPr>
         </p:nvSpPr>
         <p:spPr/>
@@ -2704,6 +2677,9 @@
           </p:cNvSpPr>
           <p:nvPr>
             <p:ph type="body" idx="1"/>
+            <p:custDataLst>
+              <p:tags r:id="rId2"/>
+            </p:custDataLst>
           </p:nvPr>
         </p:nvSpPr>
         <p:spPr>
@@ -2774,6 +2750,9 @@
           </p:cNvSpPr>
           <p:nvPr>
             <p:ph sz="half" idx="2"/>
+            <p:custDataLst>
+              <p:tags r:id="rId3"/>
+            </p:custDataLst>
           </p:nvPr>
         </p:nvSpPr>
         <p:spPr>
@@ -2859,6 +2838,9 @@
           </p:cNvSpPr>
           <p:nvPr>
             <p:ph type="body" sz="quarter" idx="3"/>
+            <p:custDataLst>
+              <p:tags r:id="rId4"/>
+            </p:custDataLst>
           </p:nvPr>
         </p:nvSpPr>
         <p:spPr>
@@ -2904,6 +2886,9 @@
           </p:cNvSpPr>
           <p:nvPr>
             <p:ph sz="quarter" idx="4"/>
+            <p:custDataLst>
+              <p:tags r:id="rId5"/>
+            </p:custDataLst>
           </p:nvPr>
         </p:nvSpPr>
         <p:spPr>
@@ -3021,6 +3006,9 @@
           </p:cNvSpPr>
           <p:nvPr>
             <p:ph type="title"/>
+            <p:custDataLst>
+              <p:tags r:id="rId1"/>
+            </p:custDataLst>
           </p:nvPr>
         </p:nvSpPr>
         <p:spPr>
@@ -3053,6 +3041,9 @@
           </p:cNvSpPr>
           <p:nvPr>
             <p:ph type="body" idx="1"/>
+            <p:custDataLst>
+              <p:tags r:id="rId2"/>
+            </p:custDataLst>
           </p:nvPr>
         </p:nvSpPr>
         <p:spPr>
@@ -3126,7 +3117,7 @@
     <p:bg>
       <p:bgPr>
         <a:blipFill dpi="0" rotWithShape="1">
-          <a:blip r:embed="rId7">
+          <a:blip r:embed="rId10">
             <a:lum/>
           </a:blip>
           <a:srcRect/>
@@ -3159,6 +3150,9 @@
           </p:cNvSpPr>
           <p:nvPr>
             <p:ph type="title"/>
+            <p:custDataLst>
+              <p:tags r:id="rId7"/>
+            </p:custDataLst>
           </p:nvPr>
         </p:nvSpPr>
         <p:spPr>
@@ -3197,6 +3191,9 @@
           </p:cNvSpPr>
           <p:nvPr>
             <p:ph type="body" idx="1"/>
+            <p:custDataLst>
+              <p:tags r:id="rId8"/>
+            </p:custDataLst>
           </p:nvPr>
         </p:nvSpPr>
         <p:spPr>
@@ -3262,10 +3259,14 @@
           <p:cNvPicPr>
             <a:picLocks noChangeAspect="1"/>
           </p:cNvPicPr>
-          <p:nvPr/>
+          <p:nvPr>
+            <p:custDataLst>
+              <p:tags r:id="rId9"/>
+            </p:custDataLst>
+          </p:nvPr>
         </p:nvPicPr>
         <p:blipFill>
-          <a:blip r:embed="rId8" cstate="print">
+          <a:blip r:embed="rId11" cstate="print">
             <a:extLst>
               <a:ext uri="{28A0092B-C50C-407E-A947-70E740481C1C}">
                 <a14:useLocalDpi xmlns:a14="http://schemas.microsoft.com/office/drawing/2010/main" val="0"/>
@@ -3581,6 +3582,9 @@
           </p:cNvSpPr>
           <p:nvPr>
             <p:ph type="ctrTitle"/>
+            <p:custDataLst>
+              <p:tags r:id="rId2"/>
+            </p:custDataLst>
           </p:nvPr>
         </p:nvSpPr>
         <p:spPr/>
@@ -3604,6 +3608,9 @@
           </p:cNvSpPr>
           <p:nvPr>
             <p:ph type="subTitle" idx="1"/>
+            <p:custDataLst>
+              <p:tags r:id="rId3"/>
+            </p:custDataLst>
           </p:nvPr>
         </p:nvSpPr>
         <p:spPr/>
@@ -3644,6 +3651,9 @@
         </p:txBody>
       </p:sp>
     </p:spTree>
+    <p:custDataLst>
+      <p:tags r:id="rId1"/>
+    </p:custDataLst>
     <p:extLst>
       <p:ext uri="{BB962C8B-B14F-4D97-AF65-F5344CB8AC3E}">
         <p14:creationId xmlns:p14="http://schemas.microsoft.com/office/powerpoint/2010/main" val="3209948613"/>
@@ -3653,10 +3663,1740 @@
   <p:clrMapOvr>
     <a:masterClrMapping/>
   </p:clrMapOvr>
+  <p:timing>
+    <p:tnLst>
+      <p:par>
+        <p:cTn id="1" dur="indefinite" restart="never" nodeType="tmRoot"/>
+      </p:par>
+    </p:tnLst>
+  </p:timing>
 </p:sld>
 </file>
 
 <file path=ppt/slides/slide10.xml><?xml version="1.0" encoding="utf-8"?>
+<p:sld xmlns:a="http://schemas.openxmlformats.org/drawingml/2006/main" xmlns:r="http://schemas.openxmlformats.org/officeDocument/2006/relationships" xmlns:p="http://schemas.openxmlformats.org/presentationml/2006/main">
+  <p:cSld>
+    <p:spTree>
+      <p:nvGrpSpPr>
+        <p:cNvPr id="1" name=""/>
+        <p:cNvGrpSpPr/>
+        <p:nvPr/>
+      </p:nvGrpSpPr>
+      <p:grpSpPr>
+        <a:xfrm>
+          <a:off x="0" y="0"/>
+          <a:ext cx="0" cy="0"/>
+          <a:chOff x="0" y="0"/>
+          <a:chExt cx="0" cy="0"/>
+        </a:xfrm>
+      </p:grpSpPr>
+      <p:sp>
+        <p:nvSpPr>
+          <p:cNvPr id="3" name="Text Placeholder 2"/>
+          <p:cNvSpPr>
+            <a:spLocks noGrp="1"/>
+          </p:cNvSpPr>
+          <p:nvPr>
+            <p:ph type="body" idx="1"/>
+            <p:custDataLst>
+              <p:tags r:id="rId2"/>
+            </p:custDataLst>
+          </p:nvPr>
+        </p:nvSpPr>
+        <p:spPr>
+          <a:xfrm>
+            <a:off x="762000" y="2767013"/>
+            <a:ext cx="7772400" cy="1500187"/>
+          </a:xfrm>
+        </p:spPr>
+        <p:txBody>
+          <a:bodyPr>
+            <a:noAutofit/>
+          </a:bodyPr>
+          <a:lstStyle/>
+          <a:p>
+            <a:r>
+              <a:rPr lang="en-US" sz="5400" dirty="0" smtClean="0"/>
+              <a:t>Where’s the behavior?</a:t>
+            </a:r>
+            <a:endParaRPr lang="en-US" sz="5400" dirty="0"/>
+          </a:p>
+        </p:txBody>
+      </p:sp>
+    </p:spTree>
+    <p:custDataLst>
+      <p:tags r:id="rId1"/>
+    </p:custDataLst>
+    <p:extLst>
+      <p:ext uri="{BB962C8B-B14F-4D97-AF65-F5344CB8AC3E}">
+        <p14:creationId xmlns:p14="http://schemas.microsoft.com/office/powerpoint/2010/main" val="21984998"/>
+      </p:ext>
+    </p:extLst>
+  </p:cSld>
+  <p:clrMapOvr>
+    <a:masterClrMapping/>
+  </p:clrMapOvr>
+  <p:timing>
+    <p:tnLst>
+      <p:par>
+        <p:cTn id="1" dur="indefinite" restart="never" nodeType="tmRoot"/>
+      </p:par>
+    </p:tnLst>
+  </p:timing>
+</p:sld>
+</file>
+
+<file path=ppt/slides/slide11.xml><?xml version="1.0" encoding="utf-8"?>
+<p:sld xmlns:a="http://schemas.openxmlformats.org/drawingml/2006/main" xmlns:r="http://schemas.openxmlformats.org/officeDocument/2006/relationships" xmlns:p="http://schemas.openxmlformats.org/presentationml/2006/main">
+  <p:cSld>
+    <p:spTree>
+      <p:nvGrpSpPr>
+        <p:cNvPr id="1" name=""/>
+        <p:cNvGrpSpPr/>
+        <p:nvPr/>
+      </p:nvGrpSpPr>
+      <p:grpSpPr>
+        <a:xfrm>
+          <a:off x="0" y="0"/>
+          <a:ext cx="0" cy="0"/>
+          <a:chOff x="0" y="0"/>
+          <a:chExt cx="0" cy="0"/>
+        </a:xfrm>
+      </p:grpSpPr>
+      <p:pic>
+        <p:nvPicPr>
+          <p:cNvPr id="2050" name="Picture 2"/>
+          <p:cNvPicPr>
+            <a:picLocks noChangeAspect="1" noChangeArrowheads="1"/>
+          </p:cNvPicPr>
+          <p:nvPr>
+            <p:custDataLst>
+              <p:tags r:id="rId2"/>
+            </p:custDataLst>
+          </p:nvPr>
+        </p:nvPicPr>
+        <p:blipFill>
+          <a:blip r:embed="rId5">
+            <a:extLst>
+              <a:ext uri="{28A0092B-C50C-407E-A947-70E740481C1C}">
+                <a14:useLocalDpi xmlns:a14="http://schemas.microsoft.com/office/drawing/2010/main" val="0"/>
+              </a:ext>
+            </a:extLst>
+          </a:blip>
+          <a:srcRect/>
+          <a:stretch>
+            <a:fillRect/>
+          </a:stretch>
+        </p:blipFill>
+        <p:spPr bwMode="auto">
+          <a:xfrm>
+            <a:off x="838200" y="1115290"/>
+            <a:ext cx="7162800" cy="5027735"/>
+          </a:xfrm>
+          <a:prstGeom prst="rect">
+            <a:avLst/>
+          </a:prstGeom>
+          <a:noFill/>
+          <a:ln>
+            <a:noFill/>
+          </a:ln>
+          <a:effectLst/>
+          <a:extLst>
+            <a:ext uri="{909E8E84-426E-40DD-AFC4-6F175D3DCCD1}">
+              <a14:hiddenFill xmlns:a14="http://schemas.microsoft.com/office/drawing/2010/main">
+                <a:solidFill>
+                  <a:schemeClr val="accent1"/>
+                </a:solidFill>
+              </a14:hiddenFill>
+            </a:ext>
+            <a:ext uri="{91240B29-F687-4F45-9708-019B960494DF}">
+              <a14:hiddenLine xmlns:a14="http://schemas.microsoft.com/office/drawing/2010/main" w="9525">
+                <a:solidFill>
+                  <a:schemeClr val="tx1"/>
+                </a:solidFill>
+                <a:miter lim="800000"/>
+                <a:headEnd/>
+                <a:tailEnd/>
+              </a14:hiddenLine>
+            </a:ext>
+            <a:ext uri="{AF507438-7753-43E0-B8FC-AC1667EBCBE1}">
+              <a14:hiddenEffects xmlns:a14="http://schemas.microsoft.com/office/drawing/2010/main">
+                <a:effectLst>
+                  <a:outerShdw dist="35921" dir="2700000" algn="ctr" rotWithShape="0">
+                    <a:schemeClr val="bg2"/>
+                  </a:outerShdw>
+                </a:effectLst>
+              </a14:hiddenEffects>
+            </a:ext>
+          </a:extLst>
+        </p:spPr>
+      </p:pic>
+    </p:spTree>
+    <p:custDataLst>
+      <p:tags r:id="rId1"/>
+    </p:custDataLst>
+    <p:extLst>
+      <p:ext uri="{BB962C8B-B14F-4D97-AF65-F5344CB8AC3E}">
+        <p14:creationId xmlns:p14="http://schemas.microsoft.com/office/powerpoint/2010/main" val="2079946211"/>
+      </p:ext>
+    </p:extLst>
+  </p:cSld>
+  <p:clrMapOvr>
+    <a:masterClrMapping/>
+  </p:clrMapOvr>
+  <p:timing>
+    <p:tnLst>
+      <p:par>
+        <p:cTn id="1" dur="indefinite" restart="never" nodeType="tmRoot"/>
+      </p:par>
+    </p:tnLst>
+  </p:timing>
+</p:sld>
+</file>
+
+<file path=ppt/slides/slide12.xml><?xml version="1.0" encoding="utf-8"?>
+<p:sld xmlns:a="http://schemas.openxmlformats.org/drawingml/2006/main" xmlns:r="http://schemas.openxmlformats.org/officeDocument/2006/relationships" xmlns:p="http://schemas.openxmlformats.org/presentationml/2006/main">
+  <p:cSld>
+    <p:spTree>
+      <p:nvGrpSpPr>
+        <p:cNvPr id="1" name=""/>
+        <p:cNvGrpSpPr/>
+        <p:nvPr/>
+      </p:nvGrpSpPr>
+      <p:grpSpPr>
+        <a:xfrm>
+          <a:off x="0" y="0"/>
+          <a:ext cx="0" cy="0"/>
+          <a:chOff x="0" y="0"/>
+          <a:chExt cx="0" cy="0"/>
+        </a:xfrm>
+      </p:grpSpPr>
+      <p:sp>
+        <p:nvSpPr>
+          <p:cNvPr id="3" name="Text Placeholder 2"/>
+          <p:cNvSpPr>
+            <a:spLocks noGrp="1"/>
+          </p:cNvSpPr>
+          <p:nvPr>
+            <p:ph type="body" idx="1"/>
+            <p:custDataLst>
+              <p:tags r:id="rId2"/>
+            </p:custDataLst>
+          </p:nvPr>
+        </p:nvSpPr>
+        <p:spPr>
+          <a:xfrm>
+            <a:off x="762000" y="2767013"/>
+            <a:ext cx="7772400" cy="1500187"/>
+          </a:xfrm>
+        </p:spPr>
+        <p:txBody>
+          <a:bodyPr>
+            <a:noAutofit/>
+          </a:bodyPr>
+          <a:lstStyle/>
+          <a:p>
+            <a:r>
+              <a:rPr lang="en-US" sz="5400" dirty="0" smtClean="0"/>
+              <a:t>Anemic domain models</a:t>
+            </a:r>
+            <a:endParaRPr lang="en-US" sz="5400" dirty="0"/>
+          </a:p>
+        </p:txBody>
+      </p:sp>
+    </p:spTree>
+    <p:custDataLst>
+      <p:tags r:id="rId1"/>
+    </p:custDataLst>
+    <p:extLst>
+      <p:ext uri="{BB962C8B-B14F-4D97-AF65-F5344CB8AC3E}">
+        <p14:creationId xmlns:p14="http://schemas.microsoft.com/office/powerpoint/2010/main" val="1711875874"/>
+      </p:ext>
+    </p:extLst>
+  </p:cSld>
+  <p:clrMapOvr>
+    <a:masterClrMapping/>
+  </p:clrMapOvr>
+  <p:timing>
+    <p:tnLst>
+      <p:par>
+        <p:cTn id="1" dur="indefinite" restart="never" nodeType="tmRoot"/>
+      </p:par>
+    </p:tnLst>
+  </p:timing>
+</p:sld>
+</file>
+
+<file path=ppt/slides/slide13.xml><?xml version="1.0" encoding="utf-8"?>
+<p:sld xmlns:a="http://schemas.openxmlformats.org/drawingml/2006/main" xmlns:r="http://schemas.openxmlformats.org/officeDocument/2006/relationships" xmlns:p="http://schemas.openxmlformats.org/presentationml/2006/main">
+  <p:cSld>
+    <p:spTree>
+      <p:nvGrpSpPr>
+        <p:cNvPr id="1" name=""/>
+        <p:cNvGrpSpPr/>
+        <p:nvPr/>
+      </p:nvGrpSpPr>
+      <p:grpSpPr>
+        <a:xfrm>
+          <a:off x="0" y="0"/>
+          <a:ext cx="0" cy="0"/>
+          <a:chOff x="0" y="0"/>
+          <a:chExt cx="0" cy="0"/>
+        </a:xfrm>
+      </p:grpSpPr>
+      <p:sp>
+        <p:nvSpPr>
+          <p:cNvPr id="3" name="Text Placeholder 2"/>
+          <p:cNvSpPr>
+            <a:spLocks noGrp="1"/>
+          </p:cNvSpPr>
+          <p:nvPr>
+            <p:ph type="body" idx="1"/>
+            <p:custDataLst>
+              <p:tags r:id="rId2"/>
+            </p:custDataLst>
+          </p:nvPr>
+        </p:nvSpPr>
+        <p:spPr>
+          <a:xfrm>
+            <a:off x="762000" y="2767013"/>
+            <a:ext cx="7772400" cy="1500187"/>
+          </a:xfrm>
+        </p:spPr>
+        <p:txBody>
+          <a:bodyPr>
+            <a:noAutofit/>
+          </a:bodyPr>
+          <a:lstStyle/>
+          <a:p>
+            <a:r>
+              <a:rPr lang="en-US" dirty="0" smtClean="0"/>
+              <a:t>Offer Assignment Service</a:t>
+            </a:r>
+            <a:endParaRPr lang="en-US" dirty="0"/>
+          </a:p>
+        </p:txBody>
+      </p:sp>
+    </p:spTree>
+    <p:custDataLst>
+      <p:tags r:id="rId1"/>
+    </p:custDataLst>
+    <p:extLst>
+      <p:ext uri="{BB962C8B-B14F-4D97-AF65-F5344CB8AC3E}">
+        <p14:creationId xmlns:p14="http://schemas.microsoft.com/office/powerpoint/2010/main" val="1861451711"/>
+      </p:ext>
+    </p:extLst>
+  </p:cSld>
+  <p:clrMapOvr>
+    <a:masterClrMapping/>
+  </p:clrMapOvr>
+  <p:timing>
+    <p:tnLst>
+      <p:par>
+        <p:cTn id="1" dur="indefinite" restart="never" nodeType="tmRoot"/>
+      </p:par>
+    </p:tnLst>
+  </p:timing>
+</p:sld>
+</file>
+
+<file path=ppt/slides/slide14.xml><?xml version="1.0" encoding="utf-8"?>
+<p:sld xmlns:a="http://schemas.openxmlformats.org/drawingml/2006/main" xmlns:r="http://schemas.openxmlformats.org/officeDocument/2006/relationships" xmlns:p="http://schemas.openxmlformats.org/presentationml/2006/main">
+  <p:cSld>
+    <p:spTree>
+      <p:nvGrpSpPr>
+        <p:cNvPr id="1" name=""/>
+        <p:cNvGrpSpPr/>
+        <p:nvPr/>
+      </p:nvGrpSpPr>
+      <p:grpSpPr>
+        <a:xfrm>
+          <a:off x="0" y="0"/>
+          <a:ext cx="0" cy="0"/>
+          <a:chOff x="0" y="0"/>
+          <a:chExt cx="0" cy="0"/>
+        </a:xfrm>
+      </p:grpSpPr>
+      <p:sp>
+        <p:nvSpPr>
+          <p:cNvPr id="2" name="Title 1"/>
+          <p:cNvSpPr>
+            <a:spLocks noGrp="1"/>
+          </p:cNvSpPr>
+          <p:nvPr>
+            <p:ph type="title"/>
+            <p:custDataLst>
+              <p:tags r:id="rId2"/>
+            </p:custDataLst>
+          </p:nvPr>
+        </p:nvSpPr>
+        <p:spPr/>
+        <p:txBody>
+          <a:bodyPr/>
+          <a:lstStyle/>
+          <a:p>
+            <a:endParaRPr lang="en-US"/>
+          </a:p>
+        </p:txBody>
+      </p:sp>
+      <p:pic>
+        <p:nvPicPr>
+          <p:cNvPr id="7170" name="Picture 2"/>
+          <p:cNvPicPr>
+            <a:picLocks noChangeAspect="1" noChangeArrowheads="1"/>
+          </p:cNvPicPr>
+          <p:nvPr>
+            <p:custDataLst>
+              <p:tags r:id="rId3"/>
+            </p:custDataLst>
+          </p:nvPr>
+        </p:nvPicPr>
+        <p:blipFill>
+          <a:blip r:embed="rId5">
+            <a:extLst>
+              <a:ext uri="{28A0092B-C50C-407E-A947-70E740481C1C}">
+                <a14:useLocalDpi xmlns:a14="http://schemas.microsoft.com/office/drawing/2010/main" val="0"/>
+              </a:ext>
+            </a:extLst>
+          </a:blip>
+          <a:srcRect/>
+          <a:stretch>
+            <a:fillRect/>
+          </a:stretch>
+        </p:blipFill>
+        <p:spPr bwMode="auto">
+          <a:xfrm>
+            <a:off x="381000" y="1000125"/>
+            <a:ext cx="8001000" cy="5434642"/>
+          </a:xfrm>
+          <a:prstGeom prst="rect">
+            <a:avLst/>
+          </a:prstGeom>
+          <a:noFill/>
+          <a:ln>
+            <a:noFill/>
+          </a:ln>
+          <a:effectLst/>
+          <a:extLst>
+            <a:ext uri="{909E8E84-426E-40DD-AFC4-6F175D3DCCD1}">
+              <a14:hiddenFill xmlns:a14="http://schemas.microsoft.com/office/drawing/2010/main">
+                <a:solidFill>
+                  <a:schemeClr val="accent1"/>
+                </a:solidFill>
+              </a14:hiddenFill>
+            </a:ext>
+            <a:ext uri="{91240B29-F687-4F45-9708-019B960494DF}">
+              <a14:hiddenLine xmlns:a14="http://schemas.microsoft.com/office/drawing/2010/main" w="9525">
+                <a:solidFill>
+                  <a:schemeClr val="tx1"/>
+                </a:solidFill>
+                <a:miter lim="800000"/>
+                <a:headEnd/>
+                <a:tailEnd/>
+              </a14:hiddenLine>
+            </a:ext>
+            <a:ext uri="{AF507438-7753-43E0-B8FC-AC1667EBCBE1}">
+              <a14:hiddenEffects xmlns:a14="http://schemas.microsoft.com/office/drawing/2010/main">
+                <a:effectLst>
+                  <a:outerShdw dist="35921" dir="2700000" algn="ctr" rotWithShape="0">
+                    <a:schemeClr val="bg2"/>
+                  </a:outerShdw>
+                </a:effectLst>
+              </a14:hiddenEffects>
+            </a:ext>
+          </a:extLst>
+        </p:spPr>
+      </p:pic>
+    </p:spTree>
+    <p:custDataLst>
+      <p:tags r:id="rId1"/>
+    </p:custDataLst>
+    <p:extLst>
+      <p:ext uri="{BB962C8B-B14F-4D97-AF65-F5344CB8AC3E}">
+        <p14:creationId xmlns:p14="http://schemas.microsoft.com/office/powerpoint/2010/main" val="1360281514"/>
+      </p:ext>
+    </p:extLst>
+  </p:cSld>
+  <p:clrMapOvr>
+    <a:masterClrMapping/>
+  </p:clrMapOvr>
+  <p:timing>
+    <p:tnLst>
+      <p:par>
+        <p:cTn id="1" dur="indefinite" restart="never" nodeType="tmRoot"/>
+      </p:par>
+    </p:tnLst>
+  </p:timing>
+</p:sld>
+</file>
+
+<file path=ppt/slides/slide15.xml><?xml version="1.0" encoding="utf-8"?>
+<p:sld xmlns:a="http://schemas.openxmlformats.org/drawingml/2006/main" xmlns:r="http://schemas.openxmlformats.org/officeDocument/2006/relationships" xmlns:p="http://schemas.openxmlformats.org/presentationml/2006/main">
+  <p:cSld>
+    <p:spTree>
+      <p:nvGrpSpPr>
+        <p:cNvPr id="1" name=""/>
+        <p:cNvGrpSpPr/>
+        <p:nvPr/>
+      </p:nvGrpSpPr>
+      <p:grpSpPr>
+        <a:xfrm>
+          <a:off x="0" y="0"/>
+          <a:ext cx="0" cy="0"/>
+          <a:chOff x="0" y="0"/>
+          <a:chExt cx="0" cy="0"/>
+        </a:xfrm>
+      </p:grpSpPr>
+      <p:sp>
+        <p:nvSpPr>
+          <p:cNvPr id="2" name="Title 1"/>
+          <p:cNvSpPr>
+            <a:spLocks noGrp="1"/>
+          </p:cNvSpPr>
+          <p:nvPr>
+            <p:ph type="title"/>
+            <p:custDataLst>
+              <p:tags r:id="rId2"/>
+            </p:custDataLst>
+          </p:nvPr>
+        </p:nvSpPr>
+        <p:spPr/>
+        <p:txBody>
+          <a:bodyPr/>
+          <a:lstStyle/>
+          <a:p>
+            <a:endParaRPr lang="en-US"/>
+          </a:p>
+        </p:txBody>
+      </p:sp>
+      <p:pic>
+        <p:nvPicPr>
+          <p:cNvPr id="8194" name="Picture 2"/>
+          <p:cNvPicPr>
+            <a:picLocks noChangeAspect="1" noChangeArrowheads="1"/>
+          </p:cNvPicPr>
+          <p:nvPr>
+            <p:custDataLst>
+              <p:tags r:id="rId3"/>
+            </p:custDataLst>
+          </p:nvPr>
+        </p:nvPicPr>
+        <p:blipFill>
+          <a:blip r:embed="rId5">
+            <a:extLst>
+              <a:ext uri="{28A0092B-C50C-407E-A947-70E740481C1C}">
+                <a14:useLocalDpi xmlns:a14="http://schemas.microsoft.com/office/drawing/2010/main" val="0"/>
+              </a:ext>
+            </a:extLst>
+          </a:blip>
+          <a:srcRect/>
+          <a:stretch>
+            <a:fillRect/>
+          </a:stretch>
+        </p:blipFill>
+        <p:spPr bwMode="auto">
+          <a:xfrm>
+            <a:off x="76200" y="2438400"/>
+            <a:ext cx="8892988" cy="2362200"/>
+          </a:xfrm>
+          <a:prstGeom prst="rect">
+            <a:avLst/>
+          </a:prstGeom>
+          <a:noFill/>
+          <a:ln>
+            <a:noFill/>
+          </a:ln>
+          <a:effectLst/>
+          <a:extLst>
+            <a:ext uri="{909E8E84-426E-40DD-AFC4-6F175D3DCCD1}">
+              <a14:hiddenFill xmlns:a14="http://schemas.microsoft.com/office/drawing/2010/main">
+                <a:solidFill>
+                  <a:schemeClr val="accent1"/>
+                </a:solidFill>
+              </a14:hiddenFill>
+            </a:ext>
+            <a:ext uri="{91240B29-F687-4F45-9708-019B960494DF}">
+              <a14:hiddenLine xmlns:a14="http://schemas.microsoft.com/office/drawing/2010/main" w="9525">
+                <a:solidFill>
+                  <a:schemeClr val="tx1"/>
+                </a:solidFill>
+                <a:miter lim="800000"/>
+                <a:headEnd/>
+                <a:tailEnd/>
+              </a14:hiddenLine>
+            </a:ext>
+            <a:ext uri="{AF507438-7753-43E0-B8FC-AC1667EBCBE1}">
+              <a14:hiddenEffects xmlns:a14="http://schemas.microsoft.com/office/drawing/2010/main">
+                <a:effectLst>
+                  <a:outerShdw dist="35921" dir="2700000" algn="ctr" rotWithShape="0">
+                    <a:schemeClr val="bg2"/>
+                  </a:outerShdw>
+                </a:effectLst>
+              </a14:hiddenEffects>
+            </a:ext>
+          </a:extLst>
+        </p:spPr>
+      </p:pic>
+    </p:spTree>
+    <p:custDataLst>
+      <p:tags r:id="rId1"/>
+    </p:custDataLst>
+    <p:extLst>
+      <p:ext uri="{BB962C8B-B14F-4D97-AF65-F5344CB8AC3E}">
+        <p14:creationId xmlns:p14="http://schemas.microsoft.com/office/powerpoint/2010/main" val="4027872341"/>
+      </p:ext>
+    </p:extLst>
+  </p:cSld>
+  <p:clrMapOvr>
+    <a:masterClrMapping/>
+  </p:clrMapOvr>
+  <p:timing>
+    <p:tnLst>
+      <p:par>
+        <p:cTn id="1" dur="indefinite" restart="never" nodeType="tmRoot"/>
+      </p:par>
+    </p:tnLst>
+  </p:timing>
+</p:sld>
+</file>
+
+<file path=ppt/slides/slide16.xml><?xml version="1.0" encoding="utf-8"?>
+<p:sld xmlns:a="http://schemas.openxmlformats.org/drawingml/2006/main" xmlns:r="http://schemas.openxmlformats.org/officeDocument/2006/relationships" xmlns:p="http://schemas.openxmlformats.org/presentationml/2006/main">
+  <p:cSld>
+    <p:spTree>
+      <p:nvGrpSpPr>
+        <p:cNvPr id="1" name=""/>
+        <p:cNvGrpSpPr/>
+        <p:nvPr/>
+      </p:nvGrpSpPr>
+      <p:grpSpPr>
+        <a:xfrm>
+          <a:off x="0" y="0"/>
+          <a:ext cx="0" cy="0"/>
+          <a:chOff x="0" y="0"/>
+          <a:chExt cx="0" cy="0"/>
+        </a:xfrm>
+      </p:grpSpPr>
+      <p:sp>
+        <p:nvSpPr>
+          <p:cNvPr id="2" name="Title 1"/>
+          <p:cNvSpPr>
+            <a:spLocks noGrp="1"/>
+          </p:cNvSpPr>
+          <p:nvPr>
+            <p:ph type="title"/>
+            <p:custDataLst>
+              <p:tags r:id="rId2"/>
+            </p:custDataLst>
+          </p:nvPr>
+        </p:nvSpPr>
+        <p:spPr/>
+        <p:txBody>
+          <a:bodyPr/>
+          <a:lstStyle/>
+          <a:p>
+            <a:endParaRPr lang="en-US"/>
+          </a:p>
+        </p:txBody>
+      </p:sp>
+      <p:sp>
+        <p:nvSpPr>
+          <p:cNvPr id="3" name="Text Placeholder 2"/>
+          <p:cNvSpPr>
+            <a:spLocks noGrp="1"/>
+          </p:cNvSpPr>
+          <p:nvPr>
+            <p:ph type="body" idx="1"/>
+            <p:custDataLst>
+              <p:tags r:id="rId3"/>
+            </p:custDataLst>
+          </p:nvPr>
+        </p:nvSpPr>
+        <p:spPr/>
+        <p:txBody>
+          <a:bodyPr/>
+          <a:lstStyle/>
+          <a:p>
+            <a:endParaRPr lang="en-US"/>
+          </a:p>
+        </p:txBody>
+      </p:sp>
+      <p:pic>
+        <p:nvPicPr>
+          <p:cNvPr id="9218" name="Picture 2"/>
+          <p:cNvPicPr>
+            <a:picLocks noChangeAspect="1" noChangeArrowheads="1"/>
+          </p:cNvPicPr>
+          <p:nvPr>
+            <p:custDataLst>
+              <p:tags r:id="rId4"/>
+            </p:custDataLst>
+          </p:nvPr>
+        </p:nvPicPr>
+        <p:blipFill>
+          <a:blip r:embed="rId6">
+            <a:extLst>
+              <a:ext uri="{28A0092B-C50C-407E-A947-70E740481C1C}">
+                <a14:useLocalDpi xmlns:a14="http://schemas.microsoft.com/office/drawing/2010/main" val="0"/>
+              </a:ext>
+            </a:extLst>
+          </a:blip>
+          <a:srcRect/>
+          <a:stretch>
+            <a:fillRect/>
+          </a:stretch>
+        </p:blipFill>
+        <p:spPr bwMode="auto">
+          <a:xfrm>
+            <a:off x="228600" y="1219200"/>
+            <a:ext cx="8780501" cy="4953000"/>
+          </a:xfrm>
+          <a:prstGeom prst="rect">
+            <a:avLst/>
+          </a:prstGeom>
+          <a:noFill/>
+          <a:ln>
+            <a:noFill/>
+          </a:ln>
+          <a:effectLst/>
+          <a:extLst>
+            <a:ext uri="{909E8E84-426E-40DD-AFC4-6F175D3DCCD1}">
+              <a14:hiddenFill xmlns:a14="http://schemas.microsoft.com/office/drawing/2010/main">
+                <a:solidFill>
+                  <a:schemeClr val="accent1"/>
+                </a:solidFill>
+              </a14:hiddenFill>
+            </a:ext>
+            <a:ext uri="{91240B29-F687-4F45-9708-019B960494DF}">
+              <a14:hiddenLine xmlns:a14="http://schemas.microsoft.com/office/drawing/2010/main" w="9525">
+                <a:solidFill>
+                  <a:schemeClr val="tx1"/>
+                </a:solidFill>
+                <a:miter lim="800000"/>
+                <a:headEnd/>
+                <a:tailEnd/>
+              </a14:hiddenLine>
+            </a:ext>
+            <a:ext uri="{AF507438-7753-43E0-B8FC-AC1667EBCBE1}">
+              <a14:hiddenEffects xmlns:a14="http://schemas.microsoft.com/office/drawing/2010/main">
+                <a:effectLst>
+                  <a:outerShdw dist="35921" dir="2700000" algn="ctr" rotWithShape="0">
+                    <a:schemeClr val="bg2"/>
+                  </a:outerShdw>
+                </a:effectLst>
+              </a14:hiddenEffects>
+            </a:ext>
+          </a:extLst>
+        </p:spPr>
+      </p:pic>
+    </p:spTree>
+    <p:custDataLst>
+      <p:tags r:id="rId1"/>
+    </p:custDataLst>
+    <p:extLst>
+      <p:ext uri="{BB962C8B-B14F-4D97-AF65-F5344CB8AC3E}">
+        <p14:creationId xmlns:p14="http://schemas.microsoft.com/office/powerpoint/2010/main" val="3562491923"/>
+      </p:ext>
+    </p:extLst>
+  </p:cSld>
+  <p:clrMapOvr>
+    <a:masterClrMapping/>
+  </p:clrMapOvr>
+  <p:timing>
+    <p:tnLst>
+      <p:par>
+        <p:cTn id="1" dur="indefinite" restart="never" nodeType="tmRoot"/>
+      </p:par>
+    </p:tnLst>
+  </p:timing>
+</p:sld>
+</file>
+
+<file path=ppt/slides/slide17.xml><?xml version="1.0" encoding="utf-8"?>
+<p:sld xmlns:a="http://schemas.openxmlformats.org/drawingml/2006/main" xmlns:r="http://schemas.openxmlformats.org/officeDocument/2006/relationships" xmlns:p="http://schemas.openxmlformats.org/presentationml/2006/main">
+  <p:cSld>
+    <p:spTree>
+      <p:nvGrpSpPr>
+        <p:cNvPr id="1" name=""/>
+        <p:cNvGrpSpPr/>
+        <p:nvPr/>
+      </p:nvGrpSpPr>
+      <p:grpSpPr>
+        <a:xfrm>
+          <a:off x="0" y="0"/>
+          <a:ext cx="0" cy="0"/>
+          <a:chOff x="0" y="0"/>
+          <a:chExt cx="0" cy="0"/>
+        </a:xfrm>
+      </p:grpSpPr>
+      <p:sp>
+        <p:nvSpPr>
+          <p:cNvPr id="2" name="Title 1"/>
+          <p:cNvSpPr>
+            <a:spLocks noGrp="1"/>
+          </p:cNvSpPr>
+          <p:nvPr>
+            <p:ph type="title"/>
+            <p:custDataLst>
+              <p:tags r:id="rId2"/>
+            </p:custDataLst>
+          </p:nvPr>
+        </p:nvSpPr>
+        <p:spPr/>
+        <p:txBody>
+          <a:bodyPr/>
+          <a:lstStyle/>
+          <a:p>
+            <a:endParaRPr lang="en-US"/>
+          </a:p>
+        </p:txBody>
+      </p:sp>
+      <p:pic>
+        <p:nvPicPr>
+          <p:cNvPr id="10242" name="Picture 2"/>
+          <p:cNvPicPr>
+            <a:picLocks noChangeAspect="1" noChangeArrowheads="1"/>
+          </p:cNvPicPr>
+          <p:nvPr>
+            <p:custDataLst>
+              <p:tags r:id="rId3"/>
+            </p:custDataLst>
+          </p:nvPr>
+        </p:nvPicPr>
+        <p:blipFill>
+          <a:blip r:embed="rId5">
+            <a:extLst>
+              <a:ext uri="{28A0092B-C50C-407E-A947-70E740481C1C}">
+                <a14:useLocalDpi xmlns:a14="http://schemas.microsoft.com/office/drawing/2010/main" val="0"/>
+              </a:ext>
+            </a:extLst>
+          </a:blip>
+          <a:srcRect/>
+          <a:stretch>
+            <a:fillRect/>
+          </a:stretch>
+        </p:blipFill>
+        <p:spPr bwMode="auto">
+          <a:xfrm>
+            <a:off x="1066800" y="1144979"/>
+            <a:ext cx="6858000" cy="4926169"/>
+          </a:xfrm>
+          <a:prstGeom prst="rect">
+            <a:avLst/>
+          </a:prstGeom>
+          <a:noFill/>
+          <a:ln>
+            <a:noFill/>
+          </a:ln>
+          <a:effectLst/>
+          <a:extLst>
+            <a:ext uri="{909E8E84-426E-40DD-AFC4-6F175D3DCCD1}">
+              <a14:hiddenFill xmlns:a14="http://schemas.microsoft.com/office/drawing/2010/main">
+                <a:solidFill>
+                  <a:schemeClr val="accent1"/>
+                </a:solidFill>
+              </a14:hiddenFill>
+            </a:ext>
+            <a:ext uri="{91240B29-F687-4F45-9708-019B960494DF}">
+              <a14:hiddenLine xmlns:a14="http://schemas.microsoft.com/office/drawing/2010/main" w="9525">
+                <a:solidFill>
+                  <a:schemeClr val="tx1"/>
+                </a:solidFill>
+                <a:miter lim="800000"/>
+                <a:headEnd/>
+                <a:tailEnd/>
+              </a14:hiddenLine>
+            </a:ext>
+            <a:ext uri="{AF507438-7753-43E0-B8FC-AC1667EBCBE1}">
+              <a14:hiddenEffects xmlns:a14="http://schemas.microsoft.com/office/drawing/2010/main">
+                <a:effectLst>
+                  <a:outerShdw dist="35921" dir="2700000" algn="ctr" rotWithShape="0">
+                    <a:schemeClr val="bg2"/>
+                  </a:outerShdw>
+                </a:effectLst>
+              </a14:hiddenEffects>
+            </a:ext>
+          </a:extLst>
+        </p:spPr>
+      </p:pic>
+    </p:spTree>
+    <p:custDataLst>
+      <p:tags r:id="rId1"/>
+    </p:custDataLst>
+    <p:extLst>
+      <p:ext uri="{BB962C8B-B14F-4D97-AF65-F5344CB8AC3E}">
+        <p14:creationId xmlns:p14="http://schemas.microsoft.com/office/powerpoint/2010/main" val="3251861078"/>
+      </p:ext>
+    </p:extLst>
+  </p:cSld>
+  <p:clrMapOvr>
+    <a:masterClrMapping/>
+  </p:clrMapOvr>
+  <p:timing>
+    <p:tnLst>
+      <p:par>
+        <p:cTn id="1" dur="indefinite" restart="never" nodeType="tmRoot"/>
+      </p:par>
+    </p:tnLst>
+  </p:timing>
+</p:sld>
+</file>
+
+<file path=ppt/slides/slide18.xml><?xml version="1.0" encoding="utf-8"?>
+<p:sld xmlns:a="http://schemas.openxmlformats.org/drawingml/2006/main" xmlns:r="http://schemas.openxmlformats.org/officeDocument/2006/relationships" xmlns:p="http://schemas.openxmlformats.org/presentationml/2006/main">
+  <p:cSld>
+    <p:spTree>
+      <p:nvGrpSpPr>
+        <p:cNvPr id="1" name=""/>
+        <p:cNvGrpSpPr/>
+        <p:nvPr/>
+      </p:nvGrpSpPr>
+      <p:grpSpPr>
+        <a:xfrm>
+          <a:off x="0" y="0"/>
+          <a:ext cx="0" cy="0"/>
+          <a:chOff x="0" y="0"/>
+          <a:chExt cx="0" cy="0"/>
+        </a:xfrm>
+      </p:grpSpPr>
+      <p:sp>
+        <p:nvSpPr>
+          <p:cNvPr id="2" name="Title 1"/>
+          <p:cNvSpPr>
+            <a:spLocks noGrp="1"/>
+          </p:cNvSpPr>
+          <p:nvPr>
+            <p:ph type="title"/>
+            <p:custDataLst>
+              <p:tags r:id="rId2"/>
+            </p:custDataLst>
+          </p:nvPr>
+        </p:nvSpPr>
+        <p:spPr/>
+        <p:txBody>
+          <a:bodyPr/>
+          <a:lstStyle/>
+          <a:p>
+            <a:endParaRPr lang="en-US"/>
+          </a:p>
+        </p:txBody>
+      </p:sp>
+      <p:pic>
+        <p:nvPicPr>
+          <p:cNvPr id="11266" name="Picture 2"/>
+          <p:cNvPicPr>
+            <a:picLocks noChangeAspect="1" noChangeArrowheads="1"/>
+          </p:cNvPicPr>
+          <p:nvPr>
+            <p:custDataLst>
+              <p:tags r:id="rId3"/>
+            </p:custDataLst>
+          </p:nvPr>
+        </p:nvPicPr>
+        <p:blipFill>
+          <a:blip r:embed="rId5">
+            <a:extLst>
+              <a:ext uri="{28A0092B-C50C-407E-A947-70E740481C1C}">
+                <a14:useLocalDpi xmlns:a14="http://schemas.microsoft.com/office/drawing/2010/main" val="0"/>
+              </a:ext>
+            </a:extLst>
+          </a:blip>
+          <a:srcRect/>
+          <a:stretch>
+            <a:fillRect/>
+          </a:stretch>
+        </p:blipFill>
+        <p:spPr bwMode="auto">
+          <a:xfrm>
+            <a:off x="1066800" y="1143000"/>
+            <a:ext cx="6789270" cy="4876800"/>
+          </a:xfrm>
+          <a:prstGeom prst="rect">
+            <a:avLst/>
+          </a:prstGeom>
+          <a:noFill/>
+          <a:ln>
+            <a:noFill/>
+          </a:ln>
+          <a:effectLst/>
+          <a:extLst>
+            <a:ext uri="{909E8E84-426E-40DD-AFC4-6F175D3DCCD1}">
+              <a14:hiddenFill xmlns:a14="http://schemas.microsoft.com/office/drawing/2010/main">
+                <a:solidFill>
+                  <a:schemeClr val="accent1"/>
+                </a:solidFill>
+              </a14:hiddenFill>
+            </a:ext>
+            <a:ext uri="{91240B29-F687-4F45-9708-019B960494DF}">
+              <a14:hiddenLine xmlns:a14="http://schemas.microsoft.com/office/drawing/2010/main" w="9525">
+                <a:solidFill>
+                  <a:schemeClr val="tx1"/>
+                </a:solidFill>
+                <a:miter lim="800000"/>
+                <a:headEnd/>
+                <a:tailEnd/>
+              </a14:hiddenLine>
+            </a:ext>
+            <a:ext uri="{AF507438-7753-43E0-B8FC-AC1667EBCBE1}">
+              <a14:hiddenEffects xmlns:a14="http://schemas.microsoft.com/office/drawing/2010/main">
+                <a:effectLst>
+                  <a:outerShdw dist="35921" dir="2700000" algn="ctr" rotWithShape="0">
+                    <a:schemeClr val="bg2"/>
+                  </a:outerShdw>
+                </a:effectLst>
+              </a14:hiddenEffects>
+            </a:ext>
+          </a:extLst>
+        </p:spPr>
+      </p:pic>
+    </p:spTree>
+    <p:custDataLst>
+      <p:tags r:id="rId1"/>
+    </p:custDataLst>
+    <p:extLst>
+      <p:ext uri="{BB962C8B-B14F-4D97-AF65-F5344CB8AC3E}">
+        <p14:creationId xmlns:p14="http://schemas.microsoft.com/office/powerpoint/2010/main" val="2763436465"/>
+      </p:ext>
+    </p:extLst>
+  </p:cSld>
+  <p:clrMapOvr>
+    <a:masterClrMapping/>
+  </p:clrMapOvr>
+  <p:timing>
+    <p:tnLst>
+      <p:par>
+        <p:cTn id="1" dur="indefinite" restart="never" nodeType="tmRoot"/>
+      </p:par>
+    </p:tnLst>
+  </p:timing>
+</p:sld>
+</file>
+
+<file path=ppt/slides/slide19.xml><?xml version="1.0" encoding="utf-8"?>
+<p:sld xmlns:a="http://schemas.openxmlformats.org/drawingml/2006/main" xmlns:r="http://schemas.openxmlformats.org/officeDocument/2006/relationships" xmlns:p="http://schemas.openxmlformats.org/presentationml/2006/main">
+  <p:cSld>
+    <p:spTree>
+      <p:nvGrpSpPr>
+        <p:cNvPr id="1" name=""/>
+        <p:cNvGrpSpPr/>
+        <p:nvPr/>
+      </p:nvGrpSpPr>
+      <p:grpSpPr>
+        <a:xfrm>
+          <a:off x="0" y="0"/>
+          <a:ext cx="0" cy="0"/>
+          <a:chOff x="0" y="0"/>
+          <a:chExt cx="0" cy="0"/>
+        </a:xfrm>
+      </p:grpSpPr>
+      <p:sp>
+        <p:nvSpPr>
+          <p:cNvPr id="3" name="Text Placeholder 2"/>
+          <p:cNvSpPr>
+            <a:spLocks noGrp="1"/>
+          </p:cNvSpPr>
+          <p:nvPr>
+            <p:ph type="body" idx="1"/>
+            <p:custDataLst>
+              <p:tags r:id="rId2"/>
+            </p:custDataLst>
+          </p:nvPr>
+        </p:nvSpPr>
+        <p:spPr>
+          <a:xfrm>
+            <a:off x="762000" y="2767013"/>
+            <a:ext cx="7772400" cy="1500187"/>
+          </a:xfrm>
+        </p:spPr>
+        <p:txBody>
+          <a:bodyPr>
+            <a:noAutofit/>
+          </a:bodyPr>
+          <a:lstStyle/>
+          <a:p>
+            <a:r>
+              <a:rPr lang="en-US" sz="8800" dirty="0" smtClean="0"/>
+              <a:t>Solution</a:t>
+            </a:r>
+            <a:endParaRPr lang="en-US" sz="8800" dirty="0"/>
+          </a:p>
+        </p:txBody>
+      </p:sp>
+    </p:spTree>
+    <p:custDataLst>
+      <p:tags r:id="rId1"/>
+    </p:custDataLst>
+    <p:extLst>
+      <p:ext uri="{BB962C8B-B14F-4D97-AF65-F5344CB8AC3E}">
+        <p14:creationId xmlns:p14="http://schemas.microsoft.com/office/powerpoint/2010/main" val="3440422625"/>
+      </p:ext>
+    </p:extLst>
+  </p:cSld>
+  <p:clrMapOvr>
+    <a:masterClrMapping/>
+  </p:clrMapOvr>
+  <p:timing>
+    <p:tnLst>
+      <p:par>
+        <p:cTn id="1" dur="indefinite" restart="never" nodeType="tmRoot"/>
+      </p:par>
+    </p:tnLst>
+  </p:timing>
+</p:sld>
+</file>
+
+<file path=ppt/slides/slide2.xml><?xml version="1.0" encoding="utf-8"?>
+<p:sld xmlns:a="http://schemas.openxmlformats.org/drawingml/2006/main" xmlns:r="http://schemas.openxmlformats.org/officeDocument/2006/relationships" xmlns:p="http://schemas.openxmlformats.org/presentationml/2006/main">
+  <p:cSld>
+    <p:spTree>
+      <p:nvGrpSpPr>
+        <p:cNvPr id="1" name=""/>
+        <p:cNvGrpSpPr/>
+        <p:nvPr/>
+      </p:nvGrpSpPr>
+      <p:grpSpPr>
+        <a:xfrm>
+          <a:off x="0" y="0"/>
+          <a:ext cx="0" cy="0"/>
+          <a:chOff x="0" y="0"/>
+          <a:chExt cx="0" cy="0"/>
+        </a:xfrm>
+      </p:grpSpPr>
+      <p:sp>
+        <p:nvSpPr>
+          <p:cNvPr id="3" name="Text Placeholder 2"/>
+          <p:cNvSpPr>
+            <a:spLocks noGrp="1"/>
+          </p:cNvSpPr>
+          <p:nvPr>
+            <p:ph type="body" idx="1"/>
+            <p:custDataLst>
+              <p:tags r:id="rId2"/>
+            </p:custDataLst>
+          </p:nvPr>
+        </p:nvSpPr>
+        <p:spPr>
+          <a:xfrm>
+            <a:off x="762000" y="2767013"/>
+            <a:ext cx="7772400" cy="1500187"/>
+          </a:xfrm>
+        </p:spPr>
+        <p:txBody>
+          <a:bodyPr>
+            <a:noAutofit/>
+          </a:bodyPr>
+          <a:lstStyle/>
+          <a:p>
+            <a:r>
+              <a:rPr lang="en-US" dirty="0" smtClean="0"/>
+              <a:t>What is a domain model?</a:t>
+            </a:r>
+            <a:endParaRPr lang="en-US" dirty="0"/>
+          </a:p>
+        </p:txBody>
+      </p:sp>
+    </p:spTree>
+    <p:custDataLst>
+      <p:tags r:id="rId1"/>
+    </p:custDataLst>
+    <p:extLst>
+      <p:ext uri="{BB962C8B-B14F-4D97-AF65-F5344CB8AC3E}">
+        <p14:creationId xmlns:p14="http://schemas.microsoft.com/office/powerpoint/2010/main" val="2234195537"/>
+      </p:ext>
+    </p:extLst>
+  </p:cSld>
+  <p:clrMapOvr>
+    <a:masterClrMapping/>
+  </p:clrMapOvr>
+  <p:timing>
+    <p:tnLst>
+      <p:par>
+        <p:cTn id="1" dur="indefinite" restart="never" nodeType="tmRoot"/>
+      </p:par>
+    </p:tnLst>
+  </p:timing>
+</p:sld>
+</file>
+
+<file path=ppt/slides/slide3.xml><?xml version="1.0" encoding="utf-8"?>
+<p:sld xmlns:a="http://schemas.openxmlformats.org/drawingml/2006/main" xmlns:r="http://schemas.openxmlformats.org/officeDocument/2006/relationships" xmlns:p="http://schemas.openxmlformats.org/presentationml/2006/main">
+  <p:cSld>
+    <p:spTree>
+      <p:nvGrpSpPr>
+        <p:cNvPr id="1" name=""/>
+        <p:cNvGrpSpPr/>
+        <p:nvPr/>
+      </p:nvGrpSpPr>
+      <p:grpSpPr>
+        <a:xfrm>
+          <a:off x="0" y="0"/>
+          <a:ext cx="0" cy="0"/>
+          <a:chOff x="0" y="0"/>
+          <a:chExt cx="0" cy="0"/>
+        </a:xfrm>
+      </p:grpSpPr>
+      <p:sp>
+        <p:nvSpPr>
+          <p:cNvPr id="3" name="Text Placeholder 2"/>
+          <p:cNvSpPr>
+            <a:spLocks noGrp="1"/>
+          </p:cNvSpPr>
+          <p:nvPr>
+            <p:ph type="body" idx="1"/>
+            <p:custDataLst>
+              <p:tags r:id="rId2"/>
+            </p:custDataLst>
+          </p:nvPr>
+        </p:nvSpPr>
+        <p:spPr>
+          <a:xfrm>
+            <a:off x="762000" y="2767013"/>
+            <a:ext cx="7772400" cy="1500187"/>
+          </a:xfrm>
+        </p:spPr>
+        <p:txBody>
+          <a:bodyPr>
+            <a:noAutofit/>
+          </a:bodyPr>
+          <a:lstStyle/>
+          <a:p>
+            <a:r>
+              <a:rPr lang="en-US" sz="6000" dirty="0" smtClean="0"/>
+              <a:t>Why should I care?</a:t>
+            </a:r>
+            <a:endParaRPr lang="en-US" sz="6000" dirty="0"/>
+          </a:p>
+        </p:txBody>
+      </p:sp>
+    </p:spTree>
+    <p:custDataLst>
+      <p:tags r:id="rId1"/>
+    </p:custDataLst>
+    <p:extLst>
+      <p:ext uri="{BB962C8B-B14F-4D97-AF65-F5344CB8AC3E}">
+        <p14:creationId xmlns:p14="http://schemas.microsoft.com/office/powerpoint/2010/main" val="3584807295"/>
+      </p:ext>
+    </p:extLst>
+  </p:cSld>
+  <p:clrMapOvr>
+    <a:masterClrMapping/>
+  </p:clrMapOvr>
+  <p:timing>
+    <p:tnLst>
+      <p:par>
+        <p:cTn id="1" dur="indefinite" restart="never" nodeType="tmRoot"/>
+      </p:par>
+    </p:tnLst>
+  </p:timing>
+</p:sld>
+</file>
+
+<file path=ppt/slides/slide4.xml><?xml version="1.0" encoding="utf-8"?>
+<p:sld xmlns:a="http://schemas.openxmlformats.org/drawingml/2006/main" xmlns:r="http://schemas.openxmlformats.org/officeDocument/2006/relationships" xmlns:p="http://schemas.openxmlformats.org/presentationml/2006/main">
+  <p:cSld>
+    <p:spTree>
+      <p:nvGrpSpPr>
+        <p:cNvPr id="1" name=""/>
+        <p:cNvGrpSpPr/>
+        <p:nvPr/>
+      </p:nvGrpSpPr>
+      <p:grpSpPr>
+        <a:xfrm>
+          <a:off x="0" y="0"/>
+          <a:ext cx="0" cy="0"/>
+          <a:chOff x="0" y="0"/>
+          <a:chExt cx="0" cy="0"/>
+        </a:xfrm>
+      </p:grpSpPr>
+      <p:sp>
+        <p:nvSpPr>
+          <p:cNvPr id="3" name="Text Placeholder 2"/>
+          <p:cNvSpPr>
+            <a:spLocks noGrp="1"/>
+          </p:cNvSpPr>
+          <p:nvPr>
+            <p:ph type="body" idx="1"/>
+            <p:custDataLst>
+              <p:tags r:id="rId2"/>
+            </p:custDataLst>
+          </p:nvPr>
+        </p:nvSpPr>
+        <p:spPr>
+          <a:xfrm>
+            <a:off x="762000" y="2767013"/>
+            <a:ext cx="7772400" cy="1500187"/>
+          </a:xfrm>
+        </p:spPr>
+        <p:txBody>
+          <a:bodyPr>
+            <a:noAutofit/>
+          </a:bodyPr>
+          <a:lstStyle/>
+          <a:p>
+            <a:r>
+              <a:rPr lang="en-US" sz="8800" dirty="0" smtClean="0"/>
+              <a:t>Current State</a:t>
+            </a:r>
+            <a:endParaRPr lang="en-US" sz="8800" dirty="0"/>
+          </a:p>
+        </p:txBody>
+      </p:sp>
+    </p:spTree>
+    <p:custDataLst>
+      <p:tags r:id="rId1"/>
+    </p:custDataLst>
+    <p:extLst>
+      <p:ext uri="{BB962C8B-B14F-4D97-AF65-F5344CB8AC3E}">
+        <p14:creationId xmlns:p14="http://schemas.microsoft.com/office/powerpoint/2010/main" val="2454386320"/>
+      </p:ext>
+    </p:extLst>
+  </p:cSld>
+  <p:clrMapOvr>
+    <a:masterClrMapping/>
+  </p:clrMapOvr>
+  <p:timing>
+    <p:tnLst>
+      <p:par>
+        <p:cTn id="1" dur="indefinite" restart="never" nodeType="tmRoot"/>
+      </p:par>
+    </p:tnLst>
+  </p:timing>
+</p:sld>
+</file>
+
+<file path=ppt/slides/slide5.xml><?xml version="1.0" encoding="utf-8"?>
+<p:sld xmlns:a="http://schemas.openxmlformats.org/drawingml/2006/main" xmlns:r="http://schemas.openxmlformats.org/officeDocument/2006/relationships" xmlns:p="http://schemas.openxmlformats.org/presentationml/2006/main">
+  <p:cSld>
+    <p:spTree>
+      <p:nvGrpSpPr>
+        <p:cNvPr id="1" name=""/>
+        <p:cNvGrpSpPr/>
+        <p:nvPr/>
+      </p:nvGrpSpPr>
+      <p:grpSpPr>
+        <a:xfrm>
+          <a:off x="0" y="0"/>
+          <a:ext cx="0" cy="0"/>
+          <a:chOff x="0" y="0"/>
+          <a:chExt cx="0" cy="0"/>
+        </a:xfrm>
+      </p:grpSpPr>
+      <p:pic>
+        <p:nvPicPr>
+          <p:cNvPr id="3074" name="Picture 2"/>
+          <p:cNvPicPr>
+            <a:picLocks noChangeAspect="1" noChangeArrowheads="1"/>
+          </p:cNvPicPr>
+          <p:nvPr>
+            <p:custDataLst>
+              <p:tags r:id="rId2"/>
+            </p:custDataLst>
+          </p:nvPr>
+        </p:nvPicPr>
+        <p:blipFill>
+          <a:blip r:embed="rId5">
+            <a:extLst>
+              <a:ext uri="{28A0092B-C50C-407E-A947-70E740481C1C}">
+                <a14:useLocalDpi xmlns:a14="http://schemas.microsoft.com/office/drawing/2010/main" val="0"/>
+              </a:ext>
+            </a:extLst>
+          </a:blip>
+          <a:srcRect/>
+          <a:stretch>
+            <a:fillRect/>
+          </a:stretch>
+        </p:blipFill>
+        <p:spPr bwMode="auto">
+          <a:xfrm>
+            <a:off x="71207" y="1180605"/>
+            <a:ext cx="8996593" cy="4565214"/>
+          </a:xfrm>
+          <a:prstGeom prst="rect">
+            <a:avLst/>
+          </a:prstGeom>
+          <a:noFill/>
+          <a:ln>
+            <a:noFill/>
+          </a:ln>
+          <a:effectLst/>
+          <a:extLst>
+            <a:ext uri="{909E8E84-426E-40DD-AFC4-6F175D3DCCD1}">
+              <a14:hiddenFill xmlns:a14="http://schemas.microsoft.com/office/drawing/2010/main">
+                <a:solidFill>
+                  <a:schemeClr val="accent1"/>
+                </a:solidFill>
+              </a14:hiddenFill>
+            </a:ext>
+            <a:ext uri="{91240B29-F687-4F45-9708-019B960494DF}">
+              <a14:hiddenLine xmlns:a14="http://schemas.microsoft.com/office/drawing/2010/main" w="9525">
+                <a:solidFill>
+                  <a:schemeClr val="tx1"/>
+                </a:solidFill>
+                <a:miter lim="800000"/>
+                <a:headEnd/>
+                <a:tailEnd/>
+              </a14:hiddenLine>
+            </a:ext>
+            <a:ext uri="{AF507438-7753-43E0-B8FC-AC1667EBCBE1}">
+              <a14:hiddenEffects xmlns:a14="http://schemas.microsoft.com/office/drawing/2010/main">
+                <a:effectLst>
+                  <a:outerShdw dist="35921" dir="2700000" algn="ctr" rotWithShape="0">
+                    <a:schemeClr val="bg2"/>
+                  </a:outerShdw>
+                </a:effectLst>
+              </a14:hiddenEffects>
+            </a:ext>
+          </a:extLst>
+        </p:spPr>
+      </p:pic>
+    </p:spTree>
+    <p:custDataLst>
+      <p:tags r:id="rId1"/>
+    </p:custDataLst>
+    <p:extLst>
+      <p:ext uri="{BB962C8B-B14F-4D97-AF65-F5344CB8AC3E}">
+        <p14:creationId xmlns:p14="http://schemas.microsoft.com/office/powerpoint/2010/main" val="392081175"/>
+      </p:ext>
+    </p:extLst>
+  </p:cSld>
+  <p:clrMapOvr>
+    <a:masterClrMapping/>
+  </p:clrMapOvr>
+  <p:timing>
+    <p:tnLst>
+      <p:par>
+        <p:cTn id="1" dur="indefinite" restart="never" nodeType="tmRoot"/>
+      </p:par>
+    </p:tnLst>
+  </p:timing>
+</p:sld>
+</file>
+
+<file path=ppt/slides/slide6.xml><?xml version="1.0" encoding="utf-8"?>
+<p:sld xmlns:a="http://schemas.openxmlformats.org/drawingml/2006/main" xmlns:r="http://schemas.openxmlformats.org/officeDocument/2006/relationships" xmlns:p="http://schemas.openxmlformats.org/presentationml/2006/main">
+  <p:cSld>
+    <p:spTree>
+      <p:nvGrpSpPr>
+        <p:cNvPr id="1" name=""/>
+        <p:cNvGrpSpPr/>
+        <p:nvPr/>
+      </p:nvGrpSpPr>
+      <p:grpSpPr>
+        <a:xfrm>
+          <a:off x="0" y="0"/>
+          <a:ext cx="0" cy="0"/>
+          <a:chOff x="0" y="0"/>
+          <a:chExt cx="0" cy="0"/>
+        </a:xfrm>
+      </p:grpSpPr>
+      <p:pic>
+        <p:nvPicPr>
+          <p:cNvPr id="4098" name="Picture 2"/>
+          <p:cNvPicPr>
+            <a:picLocks noChangeAspect="1" noChangeArrowheads="1"/>
+          </p:cNvPicPr>
+          <p:nvPr>
+            <p:custDataLst>
+              <p:tags r:id="rId2"/>
+            </p:custDataLst>
+          </p:nvPr>
+        </p:nvPicPr>
+        <p:blipFill>
+          <a:blip r:embed="rId5">
+            <a:extLst>
+              <a:ext uri="{28A0092B-C50C-407E-A947-70E740481C1C}">
+                <a14:useLocalDpi xmlns:a14="http://schemas.microsoft.com/office/drawing/2010/main" val="0"/>
+              </a:ext>
+            </a:extLst>
+          </a:blip>
+          <a:srcRect/>
+          <a:stretch>
+            <a:fillRect/>
+          </a:stretch>
+        </p:blipFill>
+        <p:spPr bwMode="auto">
+          <a:xfrm>
+            <a:off x="28074" y="1981200"/>
+            <a:ext cx="9039726" cy="3200400"/>
+          </a:xfrm>
+          <a:prstGeom prst="rect">
+            <a:avLst/>
+          </a:prstGeom>
+          <a:noFill/>
+          <a:ln>
+            <a:noFill/>
+          </a:ln>
+          <a:effectLst/>
+          <a:extLst>
+            <a:ext uri="{909E8E84-426E-40DD-AFC4-6F175D3DCCD1}">
+              <a14:hiddenFill xmlns:a14="http://schemas.microsoft.com/office/drawing/2010/main">
+                <a:solidFill>
+                  <a:schemeClr val="accent1"/>
+                </a:solidFill>
+              </a14:hiddenFill>
+            </a:ext>
+            <a:ext uri="{91240B29-F687-4F45-9708-019B960494DF}">
+              <a14:hiddenLine xmlns:a14="http://schemas.microsoft.com/office/drawing/2010/main" w="9525">
+                <a:solidFill>
+                  <a:schemeClr val="tx1"/>
+                </a:solidFill>
+                <a:miter lim="800000"/>
+                <a:headEnd/>
+                <a:tailEnd/>
+              </a14:hiddenLine>
+            </a:ext>
+            <a:ext uri="{AF507438-7753-43E0-B8FC-AC1667EBCBE1}">
+              <a14:hiddenEffects xmlns:a14="http://schemas.microsoft.com/office/drawing/2010/main">
+                <a:effectLst>
+                  <a:outerShdw dist="35921" dir="2700000" algn="ctr" rotWithShape="0">
+                    <a:schemeClr val="bg2"/>
+                  </a:outerShdw>
+                </a:effectLst>
+              </a14:hiddenEffects>
+            </a:ext>
+          </a:extLst>
+        </p:spPr>
+      </p:pic>
+    </p:spTree>
+    <p:custDataLst>
+      <p:tags r:id="rId1"/>
+    </p:custDataLst>
+    <p:extLst>
+      <p:ext uri="{BB962C8B-B14F-4D97-AF65-F5344CB8AC3E}">
+        <p14:creationId xmlns:p14="http://schemas.microsoft.com/office/powerpoint/2010/main" val="3521129657"/>
+      </p:ext>
+    </p:extLst>
+  </p:cSld>
+  <p:clrMapOvr>
+    <a:masterClrMapping/>
+  </p:clrMapOvr>
+  <p:timing>
+    <p:tnLst>
+      <p:par>
+        <p:cTn id="1" dur="indefinite" restart="never" nodeType="tmRoot"/>
+      </p:par>
+    </p:tnLst>
+  </p:timing>
+</p:sld>
+</file>
+
+<file path=ppt/slides/slide7.xml><?xml version="1.0" encoding="utf-8"?>
+<p:sld xmlns:a="http://schemas.openxmlformats.org/drawingml/2006/main" xmlns:r="http://schemas.openxmlformats.org/officeDocument/2006/relationships" xmlns:p="http://schemas.openxmlformats.org/presentationml/2006/main">
+  <p:cSld>
+    <p:spTree>
+      <p:nvGrpSpPr>
+        <p:cNvPr id="1" name=""/>
+        <p:cNvGrpSpPr/>
+        <p:nvPr/>
+      </p:nvGrpSpPr>
+      <p:grpSpPr>
+        <a:xfrm>
+          <a:off x="0" y="0"/>
+          <a:ext cx="0" cy="0"/>
+          <a:chOff x="0" y="0"/>
+          <a:chExt cx="0" cy="0"/>
+        </a:xfrm>
+      </p:grpSpPr>
+      <p:pic>
+        <p:nvPicPr>
+          <p:cNvPr id="5122" name="Picture 2"/>
+          <p:cNvPicPr>
+            <a:picLocks noChangeAspect="1" noChangeArrowheads="1"/>
+          </p:cNvPicPr>
+          <p:nvPr>
+            <p:custDataLst>
+              <p:tags r:id="rId2"/>
+            </p:custDataLst>
+          </p:nvPr>
+        </p:nvPicPr>
+        <p:blipFill>
+          <a:blip r:embed="rId5">
+            <a:extLst>
+              <a:ext uri="{28A0092B-C50C-407E-A947-70E740481C1C}">
+                <a14:useLocalDpi xmlns:a14="http://schemas.microsoft.com/office/drawing/2010/main" val="0"/>
+              </a:ext>
+            </a:extLst>
+          </a:blip>
+          <a:srcRect/>
+          <a:stretch>
+            <a:fillRect/>
+          </a:stretch>
+        </p:blipFill>
+        <p:spPr bwMode="auto">
+          <a:xfrm>
+            <a:off x="152400" y="2133600"/>
+            <a:ext cx="8862897" cy="2667000"/>
+          </a:xfrm>
+          <a:prstGeom prst="rect">
+            <a:avLst/>
+          </a:prstGeom>
+          <a:noFill/>
+          <a:ln>
+            <a:noFill/>
+          </a:ln>
+          <a:effectLst/>
+          <a:extLst>
+            <a:ext uri="{909E8E84-426E-40DD-AFC4-6F175D3DCCD1}">
+              <a14:hiddenFill xmlns:a14="http://schemas.microsoft.com/office/drawing/2010/main">
+                <a:solidFill>
+                  <a:schemeClr val="accent1"/>
+                </a:solidFill>
+              </a14:hiddenFill>
+            </a:ext>
+            <a:ext uri="{91240B29-F687-4F45-9708-019B960494DF}">
+              <a14:hiddenLine xmlns:a14="http://schemas.microsoft.com/office/drawing/2010/main" w="9525">
+                <a:solidFill>
+                  <a:schemeClr val="tx1"/>
+                </a:solidFill>
+                <a:miter lim="800000"/>
+                <a:headEnd/>
+                <a:tailEnd/>
+              </a14:hiddenLine>
+            </a:ext>
+            <a:ext uri="{AF507438-7753-43E0-B8FC-AC1667EBCBE1}">
+              <a14:hiddenEffects xmlns:a14="http://schemas.microsoft.com/office/drawing/2010/main">
+                <a:effectLst>
+                  <a:outerShdw dist="35921" dir="2700000" algn="ctr" rotWithShape="0">
+                    <a:schemeClr val="bg2"/>
+                  </a:outerShdw>
+                </a:effectLst>
+              </a14:hiddenEffects>
+            </a:ext>
+          </a:extLst>
+        </p:spPr>
+      </p:pic>
+    </p:spTree>
+    <p:custDataLst>
+      <p:tags r:id="rId1"/>
+    </p:custDataLst>
+    <p:extLst>
+      <p:ext uri="{BB962C8B-B14F-4D97-AF65-F5344CB8AC3E}">
+        <p14:creationId xmlns:p14="http://schemas.microsoft.com/office/powerpoint/2010/main" val="3727340800"/>
+      </p:ext>
+    </p:extLst>
+  </p:cSld>
+  <p:clrMapOvr>
+    <a:masterClrMapping/>
+  </p:clrMapOvr>
+  <p:timing>
+    <p:tnLst>
+      <p:par>
+        <p:cTn id="1" dur="indefinite" restart="never" nodeType="tmRoot"/>
+      </p:par>
+    </p:tnLst>
+  </p:timing>
+</p:sld>
+</file>
+
+<file path=ppt/slides/slide8.xml><?xml version="1.0" encoding="utf-8"?>
+<p:sld xmlns:a="http://schemas.openxmlformats.org/drawingml/2006/main" xmlns:r="http://schemas.openxmlformats.org/officeDocument/2006/relationships" xmlns:p="http://schemas.openxmlformats.org/presentationml/2006/main">
+  <p:cSld>
+    <p:spTree>
+      <p:nvGrpSpPr>
+        <p:cNvPr id="1" name=""/>
+        <p:cNvGrpSpPr/>
+        <p:nvPr/>
+      </p:nvGrpSpPr>
+      <p:grpSpPr>
+        <a:xfrm>
+          <a:off x="0" y="0"/>
+          <a:ext cx="0" cy="0"/>
+          <a:chOff x="0" y="0"/>
+          <a:chExt cx="0" cy="0"/>
+        </a:xfrm>
+      </p:grpSpPr>
+      <p:pic>
+        <p:nvPicPr>
+          <p:cNvPr id="6146" name="Picture 2"/>
+          <p:cNvPicPr>
+            <a:picLocks noChangeAspect="1" noChangeArrowheads="1"/>
+          </p:cNvPicPr>
+          <p:nvPr>
+            <p:custDataLst>
+              <p:tags r:id="rId2"/>
+            </p:custDataLst>
+          </p:nvPr>
+        </p:nvPicPr>
+        <p:blipFill>
+          <a:blip r:embed="rId5">
+            <a:extLst>
+              <a:ext uri="{28A0092B-C50C-407E-A947-70E740481C1C}">
+                <a14:useLocalDpi xmlns:a14="http://schemas.microsoft.com/office/drawing/2010/main" val="0"/>
+              </a:ext>
+            </a:extLst>
+          </a:blip>
+          <a:srcRect/>
+          <a:stretch>
+            <a:fillRect/>
+          </a:stretch>
+        </p:blipFill>
+        <p:spPr bwMode="auto">
+          <a:xfrm>
+            <a:off x="1295400" y="1905000"/>
+            <a:ext cx="6759677" cy="3048000"/>
+          </a:xfrm>
+          <a:prstGeom prst="rect">
+            <a:avLst/>
+          </a:prstGeom>
+          <a:noFill/>
+          <a:ln>
+            <a:noFill/>
+          </a:ln>
+          <a:effectLst/>
+          <a:extLst>
+            <a:ext uri="{909E8E84-426E-40DD-AFC4-6F175D3DCCD1}">
+              <a14:hiddenFill xmlns:a14="http://schemas.microsoft.com/office/drawing/2010/main">
+                <a:solidFill>
+                  <a:schemeClr val="accent1"/>
+                </a:solidFill>
+              </a14:hiddenFill>
+            </a:ext>
+            <a:ext uri="{91240B29-F687-4F45-9708-019B960494DF}">
+              <a14:hiddenLine xmlns:a14="http://schemas.microsoft.com/office/drawing/2010/main" w="9525">
+                <a:solidFill>
+                  <a:schemeClr val="tx1"/>
+                </a:solidFill>
+                <a:miter lim="800000"/>
+                <a:headEnd/>
+                <a:tailEnd/>
+              </a14:hiddenLine>
+            </a:ext>
+            <a:ext uri="{AF507438-7753-43E0-B8FC-AC1667EBCBE1}">
+              <a14:hiddenEffects xmlns:a14="http://schemas.microsoft.com/office/drawing/2010/main">
+                <a:effectLst>
+                  <a:outerShdw dist="35921" dir="2700000" algn="ctr" rotWithShape="0">
+                    <a:schemeClr val="bg2"/>
+                  </a:outerShdw>
+                </a:effectLst>
+              </a14:hiddenEffects>
+            </a:ext>
+          </a:extLst>
+        </p:spPr>
+      </p:pic>
+    </p:spTree>
+    <p:custDataLst>
+      <p:tags r:id="rId1"/>
+    </p:custDataLst>
+    <p:extLst>
+      <p:ext uri="{BB962C8B-B14F-4D97-AF65-F5344CB8AC3E}">
+        <p14:creationId xmlns:p14="http://schemas.microsoft.com/office/powerpoint/2010/main" val="2224897939"/>
+      </p:ext>
+    </p:extLst>
+  </p:cSld>
+  <p:clrMapOvr>
+    <a:masterClrMapping/>
+  </p:clrMapOvr>
+  <p:timing>
+    <p:tnLst>
+      <p:par>
+        <p:cTn id="1" dur="indefinite" restart="never" nodeType="tmRoot"/>
+      </p:par>
+    </p:tnLst>
+  </p:timing>
+</p:sld>
+</file>
+
+<file path=ppt/slides/slide9.xml><?xml version="1.0" encoding="utf-8"?>
 <p:sld xmlns:a="http://schemas.openxmlformats.org/drawingml/2006/main" xmlns:r="http://schemas.openxmlformats.org/officeDocument/2006/relationships" xmlns:p="http://schemas.openxmlformats.org/presentationml/2006/main">
   <p:cSld>
     <p:spTree>
@@ -3679,10 +5419,14 @@
           <p:cNvPicPr>
             <a:picLocks noChangeAspect="1" noChangeArrowheads="1"/>
           </p:cNvPicPr>
-          <p:nvPr/>
+          <p:nvPr>
+            <p:custDataLst>
+              <p:tags r:id="rId2"/>
+            </p:custDataLst>
+          </p:nvPr>
         </p:nvPicPr>
         <p:blipFill>
-          <a:blip r:embed="rId3">
+          <a:blip r:embed="rId5">
             <a:extLst>
               <a:ext uri="{28A0092B-C50C-407E-A947-70E740481C1C}">
                 <a14:useLocalDpi xmlns:a14="http://schemas.microsoft.com/office/drawing/2010/main" val="0"/>
@@ -3738,6 +5482,9 @@
         </p:spPr>
       </p:pic>
     </p:spTree>
+    <p:custDataLst>
+      <p:tags r:id="rId1"/>
+    </p:custDataLst>
     <p:extLst>
       <p:ext uri="{BB962C8B-B14F-4D97-AF65-F5344CB8AC3E}">
         <p14:creationId xmlns:p14="http://schemas.microsoft.com/office/powerpoint/2010/main" val="16975627"/>
@@ -3757,1664 +5504,412 @@
 </p:sld>
 </file>
 
-<file path=ppt/slides/slide11.xml><?xml version="1.0" encoding="utf-8"?>
-<p:sld xmlns:a="http://schemas.openxmlformats.org/drawingml/2006/main" xmlns:r="http://schemas.openxmlformats.org/officeDocument/2006/relationships" xmlns:p="http://schemas.openxmlformats.org/presentationml/2006/main">
-  <p:cSld>
-    <p:spTree>
-      <p:nvGrpSpPr>
-        <p:cNvPr id="1" name=""/>
-        <p:cNvGrpSpPr/>
-        <p:nvPr/>
-      </p:nvGrpSpPr>
-      <p:grpSpPr>
-        <a:xfrm>
-          <a:off x="0" y="0"/>
-          <a:ext cx="0" cy="0"/>
-          <a:chOff x="0" y="0"/>
-          <a:chExt cx="0" cy="0"/>
-        </a:xfrm>
-      </p:grpSpPr>
-      <p:sp>
-        <p:nvSpPr>
-          <p:cNvPr id="3" name="Text Placeholder 2"/>
-          <p:cNvSpPr>
-            <a:spLocks noGrp="1"/>
-          </p:cNvSpPr>
-          <p:nvPr>
-            <p:ph type="body" idx="1"/>
-          </p:nvPr>
-        </p:nvSpPr>
-        <p:spPr>
-          <a:xfrm>
-            <a:off x="762000" y="2767013"/>
-            <a:ext cx="7772400" cy="1500187"/>
-          </a:xfrm>
-        </p:spPr>
-        <p:txBody>
-          <a:bodyPr>
-            <a:noAutofit/>
-          </a:bodyPr>
-          <a:lstStyle/>
-          <a:p>
-            <a:r>
-              <a:rPr lang="en-US" sz="5400" dirty="0" smtClean="0"/>
-              <a:t>Where’s the behavior?</a:t>
-            </a:r>
-            <a:endParaRPr lang="en-US" sz="5400" dirty="0"/>
-          </a:p>
-        </p:txBody>
-      </p:sp>
-    </p:spTree>
-    <p:extLst>
-      <p:ext uri="{BB962C8B-B14F-4D97-AF65-F5344CB8AC3E}">
-        <p14:creationId xmlns:p14="http://schemas.microsoft.com/office/powerpoint/2010/main" val="21984998"/>
-      </p:ext>
-    </p:extLst>
-  </p:cSld>
-  <p:clrMapOvr>
-    <a:masterClrMapping/>
-  </p:clrMapOvr>
-  <p:timing>
-    <p:tnLst>
-      <p:par>
-        <p:cTn id="1" dur="indefinite" restart="never" nodeType="tmRoot"/>
-      </p:par>
-    </p:tnLst>
-  </p:timing>
-</p:sld>
-</file>
-
-<file path=ppt/slides/slide12.xml><?xml version="1.0" encoding="utf-8"?>
-<p:sld xmlns:a="http://schemas.openxmlformats.org/drawingml/2006/main" xmlns:r="http://schemas.openxmlformats.org/officeDocument/2006/relationships" xmlns:p="http://schemas.openxmlformats.org/presentationml/2006/main">
-  <p:cSld>
-    <p:spTree>
-      <p:nvGrpSpPr>
-        <p:cNvPr id="1" name=""/>
-        <p:cNvGrpSpPr/>
-        <p:nvPr/>
-      </p:nvGrpSpPr>
-      <p:grpSpPr>
-        <a:xfrm>
-          <a:off x="0" y="0"/>
-          <a:ext cx="0" cy="0"/>
-          <a:chOff x="0" y="0"/>
-          <a:chExt cx="0" cy="0"/>
-        </a:xfrm>
-      </p:grpSpPr>
-      <p:pic>
-        <p:nvPicPr>
-          <p:cNvPr id="2050" name="Picture 2"/>
-          <p:cNvPicPr>
-            <a:picLocks noChangeAspect="1" noChangeArrowheads="1"/>
-          </p:cNvPicPr>
-          <p:nvPr/>
-        </p:nvPicPr>
-        <p:blipFill>
-          <a:blip r:embed="rId3">
-            <a:extLst>
-              <a:ext uri="{28A0092B-C50C-407E-A947-70E740481C1C}">
-                <a14:useLocalDpi xmlns:a14="http://schemas.microsoft.com/office/drawing/2010/main" val="0"/>
-              </a:ext>
-            </a:extLst>
-          </a:blip>
-          <a:srcRect/>
-          <a:stretch>
-            <a:fillRect/>
-          </a:stretch>
-        </p:blipFill>
-        <p:spPr bwMode="auto">
-          <a:xfrm>
-            <a:off x="838200" y="1115290"/>
-            <a:ext cx="7162800" cy="5027735"/>
-          </a:xfrm>
-          <a:prstGeom prst="rect">
-            <a:avLst/>
-          </a:prstGeom>
-          <a:noFill/>
-          <a:ln>
-            <a:noFill/>
-          </a:ln>
-          <a:effectLst/>
-          <a:extLst>
-            <a:ext uri="{909E8E84-426E-40DD-AFC4-6F175D3DCCD1}">
-              <a14:hiddenFill xmlns:a14="http://schemas.microsoft.com/office/drawing/2010/main">
-                <a:solidFill>
-                  <a:schemeClr val="accent1"/>
-                </a:solidFill>
-              </a14:hiddenFill>
-            </a:ext>
-            <a:ext uri="{91240B29-F687-4F45-9708-019B960494DF}">
-              <a14:hiddenLine xmlns:a14="http://schemas.microsoft.com/office/drawing/2010/main" w="9525">
-                <a:solidFill>
-                  <a:schemeClr val="tx1"/>
-                </a:solidFill>
-                <a:miter lim="800000"/>
-                <a:headEnd/>
-                <a:tailEnd/>
-              </a14:hiddenLine>
-            </a:ext>
-            <a:ext uri="{AF507438-7753-43E0-B8FC-AC1667EBCBE1}">
-              <a14:hiddenEffects xmlns:a14="http://schemas.microsoft.com/office/drawing/2010/main">
-                <a:effectLst>
-                  <a:outerShdw dist="35921" dir="2700000" algn="ctr" rotWithShape="0">
-                    <a:schemeClr val="bg2"/>
-                  </a:outerShdw>
-                </a:effectLst>
-              </a14:hiddenEffects>
-            </a:ext>
-          </a:extLst>
-        </p:spPr>
-      </p:pic>
-    </p:spTree>
-    <p:extLst>
-      <p:ext uri="{BB962C8B-B14F-4D97-AF65-F5344CB8AC3E}">
-        <p14:creationId xmlns:p14="http://schemas.microsoft.com/office/powerpoint/2010/main" val="2079946211"/>
-      </p:ext>
-    </p:extLst>
-  </p:cSld>
-  <p:clrMapOvr>
-    <a:masterClrMapping/>
-  </p:clrMapOvr>
-  <p:timing>
-    <p:tnLst>
-      <p:par>
-        <p:cTn id="1" dur="indefinite" restart="never" nodeType="tmRoot"/>
-      </p:par>
-    </p:tnLst>
-  </p:timing>
-</p:sld>
-</file>
-
-<file path=ppt/slides/slide13.xml><?xml version="1.0" encoding="utf-8"?>
-<p:sld xmlns:a="http://schemas.openxmlformats.org/drawingml/2006/main" xmlns:r="http://schemas.openxmlformats.org/officeDocument/2006/relationships" xmlns:p="http://schemas.openxmlformats.org/presentationml/2006/main">
-  <p:cSld>
-    <p:spTree>
-      <p:nvGrpSpPr>
-        <p:cNvPr id="1" name=""/>
-        <p:cNvGrpSpPr/>
-        <p:nvPr/>
-      </p:nvGrpSpPr>
-      <p:grpSpPr>
-        <a:xfrm>
-          <a:off x="0" y="0"/>
-          <a:ext cx="0" cy="0"/>
-          <a:chOff x="0" y="0"/>
-          <a:chExt cx="0" cy="0"/>
-        </a:xfrm>
-      </p:grpSpPr>
-      <p:sp>
-        <p:nvSpPr>
-          <p:cNvPr id="3" name="Text Placeholder 2"/>
-          <p:cNvSpPr>
-            <a:spLocks noGrp="1"/>
-          </p:cNvSpPr>
-          <p:nvPr>
-            <p:ph type="body" idx="1"/>
-          </p:nvPr>
-        </p:nvSpPr>
-        <p:spPr>
-          <a:xfrm>
-            <a:off x="762000" y="2767013"/>
-            <a:ext cx="7772400" cy="1500187"/>
-          </a:xfrm>
-        </p:spPr>
-        <p:txBody>
-          <a:bodyPr>
-            <a:noAutofit/>
-          </a:bodyPr>
-          <a:lstStyle/>
-          <a:p>
-            <a:r>
-              <a:rPr lang="en-US" sz="5400" dirty="0" smtClean="0"/>
-              <a:t>Anemic domain models</a:t>
-            </a:r>
-            <a:endParaRPr lang="en-US" sz="5400" dirty="0"/>
-          </a:p>
-        </p:txBody>
-      </p:sp>
-    </p:spTree>
-    <p:extLst>
-      <p:ext uri="{BB962C8B-B14F-4D97-AF65-F5344CB8AC3E}">
-        <p14:creationId xmlns:p14="http://schemas.microsoft.com/office/powerpoint/2010/main" val="1711875874"/>
-      </p:ext>
-    </p:extLst>
-  </p:cSld>
-  <p:clrMapOvr>
-    <a:masterClrMapping/>
-  </p:clrMapOvr>
-  <p:timing>
-    <p:tnLst>
-      <p:par>
-        <p:cTn id="1" dur="indefinite" restart="never" nodeType="tmRoot"/>
-      </p:par>
-    </p:tnLst>
-  </p:timing>
-</p:sld>
-</file>
-
-<file path=ppt/slides/slide14.xml><?xml version="1.0" encoding="utf-8"?>
-<p:sld xmlns:a="http://schemas.openxmlformats.org/drawingml/2006/main" xmlns:r="http://schemas.openxmlformats.org/officeDocument/2006/relationships" xmlns:p="http://schemas.openxmlformats.org/presentationml/2006/main">
-  <p:cSld>
-    <p:spTree>
-      <p:nvGrpSpPr>
-        <p:cNvPr id="1" name=""/>
-        <p:cNvGrpSpPr/>
-        <p:nvPr/>
-      </p:nvGrpSpPr>
-      <p:grpSpPr>
-        <a:xfrm>
-          <a:off x="0" y="0"/>
-          <a:ext cx="0" cy="0"/>
-          <a:chOff x="0" y="0"/>
-          <a:chExt cx="0" cy="0"/>
-        </a:xfrm>
-      </p:grpSpPr>
-      <p:sp>
-        <p:nvSpPr>
-          <p:cNvPr id="3" name="Text Placeholder 2"/>
-          <p:cNvSpPr>
-            <a:spLocks noGrp="1"/>
-          </p:cNvSpPr>
-          <p:nvPr>
-            <p:ph type="body" idx="1"/>
-          </p:nvPr>
-        </p:nvSpPr>
-        <p:spPr>
-          <a:xfrm>
-            <a:off x="762000" y="2767013"/>
-            <a:ext cx="7772400" cy="1500187"/>
-          </a:xfrm>
-        </p:spPr>
-        <p:txBody>
-          <a:bodyPr>
-            <a:noAutofit/>
-          </a:bodyPr>
-          <a:lstStyle/>
-          <a:p>
-            <a:r>
-              <a:rPr lang="en-US" dirty="0" smtClean="0"/>
-              <a:t>Offer Assignment Service</a:t>
-            </a:r>
-            <a:endParaRPr lang="en-US" dirty="0"/>
-          </a:p>
-        </p:txBody>
-      </p:sp>
-    </p:spTree>
-    <p:extLst>
-      <p:ext uri="{BB962C8B-B14F-4D97-AF65-F5344CB8AC3E}">
-        <p14:creationId xmlns:p14="http://schemas.microsoft.com/office/powerpoint/2010/main" val="1861451711"/>
-      </p:ext>
-    </p:extLst>
-  </p:cSld>
-  <p:clrMapOvr>
-    <a:masterClrMapping/>
-  </p:clrMapOvr>
-  <p:timing>
-    <p:tnLst>
-      <p:par>
-        <p:cTn id="1" dur="indefinite" restart="never" nodeType="tmRoot"/>
-      </p:par>
-    </p:tnLst>
-  </p:timing>
-</p:sld>
-</file>
-
-<file path=ppt/slides/slide15.xml><?xml version="1.0" encoding="utf-8"?>
-<p:sld xmlns:a="http://schemas.openxmlformats.org/drawingml/2006/main" xmlns:r="http://schemas.openxmlformats.org/officeDocument/2006/relationships" xmlns:p="http://schemas.openxmlformats.org/presentationml/2006/main">
-  <p:cSld>
-    <p:spTree>
-      <p:nvGrpSpPr>
-        <p:cNvPr id="1" name=""/>
-        <p:cNvGrpSpPr/>
-        <p:nvPr/>
-      </p:nvGrpSpPr>
-      <p:grpSpPr>
-        <a:xfrm>
-          <a:off x="0" y="0"/>
-          <a:ext cx="0" cy="0"/>
-          <a:chOff x="0" y="0"/>
-          <a:chExt cx="0" cy="0"/>
-        </a:xfrm>
-      </p:grpSpPr>
-      <p:sp>
-        <p:nvSpPr>
-          <p:cNvPr id="2" name="Title 1"/>
-          <p:cNvSpPr>
-            <a:spLocks noGrp="1"/>
-          </p:cNvSpPr>
-          <p:nvPr>
-            <p:ph type="title"/>
-          </p:nvPr>
-        </p:nvSpPr>
-        <p:spPr/>
-        <p:txBody>
-          <a:bodyPr/>
-          <a:lstStyle/>
-          <a:p>
-            <a:endParaRPr lang="en-US"/>
-          </a:p>
-        </p:txBody>
-      </p:sp>
-      <p:pic>
-        <p:nvPicPr>
-          <p:cNvPr id="7170" name="Picture 2"/>
-          <p:cNvPicPr>
-            <a:picLocks noChangeAspect="1" noChangeArrowheads="1"/>
-          </p:cNvPicPr>
-          <p:nvPr/>
-        </p:nvPicPr>
-        <p:blipFill>
-          <a:blip r:embed="rId2">
-            <a:extLst>
-              <a:ext uri="{28A0092B-C50C-407E-A947-70E740481C1C}">
-                <a14:useLocalDpi xmlns:a14="http://schemas.microsoft.com/office/drawing/2010/main" val="0"/>
-              </a:ext>
-            </a:extLst>
-          </a:blip>
-          <a:srcRect/>
-          <a:stretch>
-            <a:fillRect/>
-          </a:stretch>
-        </p:blipFill>
-        <p:spPr bwMode="auto">
-          <a:xfrm>
-            <a:off x="381000" y="1000125"/>
-            <a:ext cx="8001000" cy="5434642"/>
-          </a:xfrm>
-          <a:prstGeom prst="rect">
-            <a:avLst/>
-          </a:prstGeom>
-          <a:noFill/>
-          <a:ln>
-            <a:noFill/>
-          </a:ln>
-          <a:effectLst/>
-          <a:extLst>
-            <a:ext uri="{909E8E84-426E-40DD-AFC4-6F175D3DCCD1}">
-              <a14:hiddenFill xmlns:a14="http://schemas.microsoft.com/office/drawing/2010/main">
-                <a:solidFill>
-                  <a:schemeClr val="accent1"/>
-                </a:solidFill>
-              </a14:hiddenFill>
-            </a:ext>
-            <a:ext uri="{91240B29-F687-4F45-9708-019B960494DF}">
-              <a14:hiddenLine xmlns:a14="http://schemas.microsoft.com/office/drawing/2010/main" w="9525">
-                <a:solidFill>
-                  <a:schemeClr val="tx1"/>
-                </a:solidFill>
-                <a:miter lim="800000"/>
-                <a:headEnd/>
-                <a:tailEnd/>
-              </a14:hiddenLine>
-            </a:ext>
-            <a:ext uri="{AF507438-7753-43E0-B8FC-AC1667EBCBE1}">
-              <a14:hiddenEffects xmlns:a14="http://schemas.microsoft.com/office/drawing/2010/main">
-                <a:effectLst>
-                  <a:outerShdw dist="35921" dir="2700000" algn="ctr" rotWithShape="0">
-                    <a:schemeClr val="bg2"/>
-                  </a:outerShdw>
-                </a:effectLst>
-              </a14:hiddenEffects>
-            </a:ext>
-          </a:extLst>
-        </p:spPr>
-      </p:pic>
-    </p:spTree>
-    <p:extLst>
-      <p:ext uri="{BB962C8B-B14F-4D97-AF65-F5344CB8AC3E}">
-        <p14:creationId xmlns:p14="http://schemas.microsoft.com/office/powerpoint/2010/main" val="1360281514"/>
-      </p:ext>
-    </p:extLst>
-  </p:cSld>
-  <p:clrMapOvr>
-    <a:masterClrMapping/>
-  </p:clrMapOvr>
-  <p:timing>
-    <p:tnLst>
-      <p:par>
-        <p:cTn id="1" dur="indefinite" restart="never" nodeType="tmRoot"/>
-      </p:par>
-    </p:tnLst>
-  </p:timing>
-</p:sld>
-</file>
-
-<file path=ppt/slides/slide16.xml><?xml version="1.0" encoding="utf-8"?>
-<p:sld xmlns:a="http://schemas.openxmlformats.org/drawingml/2006/main" xmlns:r="http://schemas.openxmlformats.org/officeDocument/2006/relationships" xmlns:p="http://schemas.openxmlformats.org/presentationml/2006/main">
-  <p:cSld>
-    <p:spTree>
-      <p:nvGrpSpPr>
-        <p:cNvPr id="1" name=""/>
-        <p:cNvGrpSpPr/>
-        <p:nvPr/>
-      </p:nvGrpSpPr>
-      <p:grpSpPr>
-        <a:xfrm>
-          <a:off x="0" y="0"/>
-          <a:ext cx="0" cy="0"/>
-          <a:chOff x="0" y="0"/>
-          <a:chExt cx="0" cy="0"/>
-        </a:xfrm>
-      </p:grpSpPr>
-      <p:sp>
-        <p:nvSpPr>
-          <p:cNvPr id="2" name="Title 1"/>
-          <p:cNvSpPr>
-            <a:spLocks noGrp="1"/>
-          </p:cNvSpPr>
-          <p:nvPr>
-            <p:ph type="title"/>
-          </p:nvPr>
-        </p:nvSpPr>
-        <p:spPr/>
-        <p:txBody>
-          <a:bodyPr/>
-          <a:lstStyle/>
-          <a:p>
-            <a:endParaRPr lang="en-US"/>
-          </a:p>
-        </p:txBody>
-      </p:sp>
-      <p:pic>
-        <p:nvPicPr>
-          <p:cNvPr id="8194" name="Picture 2"/>
-          <p:cNvPicPr>
-            <a:picLocks noChangeAspect="1" noChangeArrowheads="1"/>
-          </p:cNvPicPr>
-          <p:nvPr/>
-        </p:nvPicPr>
-        <p:blipFill>
-          <a:blip r:embed="rId2">
-            <a:extLst>
-              <a:ext uri="{28A0092B-C50C-407E-A947-70E740481C1C}">
-                <a14:useLocalDpi xmlns:a14="http://schemas.microsoft.com/office/drawing/2010/main" val="0"/>
-              </a:ext>
-            </a:extLst>
-          </a:blip>
-          <a:srcRect/>
-          <a:stretch>
-            <a:fillRect/>
-          </a:stretch>
-        </p:blipFill>
-        <p:spPr bwMode="auto">
-          <a:xfrm>
-            <a:off x="76200" y="2438400"/>
-            <a:ext cx="8892988" cy="2362200"/>
-          </a:xfrm>
-          <a:prstGeom prst="rect">
-            <a:avLst/>
-          </a:prstGeom>
-          <a:noFill/>
-          <a:ln>
-            <a:noFill/>
-          </a:ln>
-          <a:effectLst/>
-          <a:extLst>
-            <a:ext uri="{909E8E84-426E-40DD-AFC4-6F175D3DCCD1}">
-              <a14:hiddenFill xmlns:a14="http://schemas.microsoft.com/office/drawing/2010/main">
-                <a:solidFill>
-                  <a:schemeClr val="accent1"/>
-                </a:solidFill>
-              </a14:hiddenFill>
-            </a:ext>
-            <a:ext uri="{91240B29-F687-4F45-9708-019B960494DF}">
-              <a14:hiddenLine xmlns:a14="http://schemas.microsoft.com/office/drawing/2010/main" w="9525">
-                <a:solidFill>
-                  <a:schemeClr val="tx1"/>
-                </a:solidFill>
-                <a:miter lim="800000"/>
-                <a:headEnd/>
-                <a:tailEnd/>
-              </a14:hiddenLine>
-            </a:ext>
-            <a:ext uri="{AF507438-7753-43E0-B8FC-AC1667EBCBE1}">
-              <a14:hiddenEffects xmlns:a14="http://schemas.microsoft.com/office/drawing/2010/main">
-                <a:effectLst>
-                  <a:outerShdw dist="35921" dir="2700000" algn="ctr" rotWithShape="0">
-                    <a:schemeClr val="bg2"/>
-                  </a:outerShdw>
-                </a:effectLst>
-              </a14:hiddenEffects>
-            </a:ext>
-          </a:extLst>
-        </p:spPr>
-      </p:pic>
-    </p:spTree>
-    <p:extLst>
-      <p:ext uri="{BB962C8B-B14F-4D97-AF65-F5344CB8AC3E}">
-        <p14:creationId xmlns:p14="http://schemas.microsoft.com/office/powerpoint/2010/main" val="4027872341"/>
-      </p:ext>
-    </p:extLst>
-  </p:cSld>
-  <p:clrMapOvr>
-    <a:masterClrMapping/>
-  </p:clrMapOvr>
-  <p:timing>
-    <p:tnLst>
-      <p:par>
-        <p:cTn id="1" dur="indefinite" restart="never" nodeType="tmRoot"/>
-      </p:par>
-    </p:tnLst>
-  </p:timing>
-</p:sld>
-</file>
-
-<file path=ppt/slides/slide17.xml><?xml version="1.0" encoding="utf-8"?>
-<p:sld xmlns:a="http://schemas.openxmlformats.org/drawingml/2006/main" xmlns:r="http://schemas.openxmlformats.org/officeDocument/2006/relationships" xmlns:p="http://schemas.openxmlformats.org/presentationml/2006/main">
-  <p:cSld>
-    <p:spTree>
-      <p:nvGrpSpPr>
-        <p:cNvPr id="1" name=""/>
-        <p:cNvGrpSpPr/>
-        <p:nvPr/>
-      </p:nvGrpSpPr>
-      <p:grpSpPr>
-        <a:xfrm>
-          <a:off x="0" y="0"/>
-          <a:ext cx="0" cy="0"/>
-          <a:chOff x="0" y="0"/>
-          <a:chExt cx="0" cy="0"/>
-        </a:xfrm>
-      </p:grpSpPr>
-      <p:sp>
-        <p:nvSpPr>
-          <p:cNvPr id="2" name="Title 1"/>
-          <p:cNvSpPr>
-            <a:spLocks noGrp="1"/>
-          </p:cNvSpPr>
-          <p:nvPr>
-            <p:ph type="title"/>
-          </p:nvPr>
-        </p:nvSpPr>
-        <p:spPr/>
-        <p:txBody>
-          <a:bodyPr/>
-          <a:lstStyle/>
-          <a:p>
-            <a:endParaRPr lang="en-US"/>
-          </a:p>
-        </p:txBody>
-      </p:sp>
-      <p:sp>
-        <p:nvSpPr>
-          <p:cNvPr id="3" name="Text Placeholder 2"/>
-          <p:cNvSpPr>
-            <a:spLocks noGrp="1"/>
-          </p:cNvSpPr>
-          <p:nvPr>
-            <p:ph type="body" idx="1"/>
-          </p:nvPr>
-        </p:nvSpPr>
-        <p:spPr/>
-        <p:txBody>
-          <a:bodyPr/>
-          <a:lstStyle/>
-          <a:p>
-            <a:endParaRPr lang="en-US"/>
-          </a:p>
-        </p:txBody>
-      </p:sp>
-      <p:pic>
-        <p:nvPicPr>
-          <p:cNvPr id="9218" name="Picture 2"/>
-          <p:cNvPicPr>
-            <a:picLocks noChangeAspect="1" noChangeArrowheads="1"/>
-          </p:cNvPicPr>
-          <p:nvPr/>
-        </p:nvPicPr>
-        <p:blipFill>
-          <a:blip r:embed="rId2">
-            <a:extLst>
-              <a:ext uri="{28A0092B-C50C-407E-A947-70E740481C1C}">
-                <a14:useLocalDpi xmlns:a14="http://schemas.microsoft.com/office/drawing/2010/main" val="0"/>
-              </a:ext>
-            </a:extLst>
-          </a:blip>
-          <a:srcRect/>
-          <a:stretch>
-            <a:fillRect/>
-          </a:stretch>
-        </p:blipFill>
-        <p:spPr bwMode="auto">
-          <a:xfrm>
-            <a:off x="228600" y="1219200"/>
-            <a:ext cx="8780501" cy="4953000"/>
-          </a:xfrm>
-          <a:prstGeom prst="rect">
-            <a:avLst/>
-          </a:prstGeom>
-          <a:noFill/>
-          <a:ln>
-            <a:noFill/>
-          </a:ln>
-          <a:effectLst/>
-          <a:extLst>
-            <a:ext uri="{909E8E84-426E-40DD-AFC4-6F175D3DCCD1}">
-              <a14:hiddenFill xmlns:a14="http://schemas.microsoft.com/office/drawing/2010/main">
-                <a:solidFill>
-                  <a:schemeClr val="accent1"/>
-                </a:solidFill>
-              </a14:hiddenFill>
-            </a:ext>
-            <a:ext uri="{91240B29-F687-4F45-9708-019B960494DF}">
-              <a14:hiddenLine xmlns:a14="http://schemas.microsoft.com/office/drawing/2010/main" w="9525">
-                <a:solidFill>
-                  <a:schemeClr val="tx1"/>
-                </a:solidFill>
-                <a:miter lim="800000"/>
-                <a:headEnd/>
-                <a:tailEnd/>
-              </a14:hiddenLine>
-            </a:ext>
-            <a:ext uri="{AF507438-7753-43E0-B8FC-AC1667EBCBE1}">
-              <a14:hiddenEffects xmlns:a14="http://schemas.microsoft.com/office/drawing/2010/main">
-                <a:effectLst>
-                  <a:outerShdw dist="35921" dir="2700000" algn="ctr" rotWithShape="0">
-                    <a:schemeClr val="bg2"/>
-                  </a:outerShdw>
-                </a:effectLst>
-              </a14:hiddenEffects>
-            </a:ext>
-          </a:extLst>
-        </p:spPr>
-      </p:pic>
-    </p:spTree>
-    <p:extLst>
-      <p:ext uri="{BB962C8B-B14F-4D97-AF65-F5344CB8AC3E}">
-        <p14:creationId xmlns:p14="http://schemas.microsoft.com/office/powerpoint/2010/main" val="3562491923"/>
-      </p:ext>
-    </p:extLst>
-  </p:cSld>
-  <p:clrMapOvr>
-    <a:masterClrMapping/>
-  </p:clrMapOvr>
-  <p:timing>
-    <p:tnLst>
-      <p:par>
-        <p:cTn id="1" dur="indefinite" restart="never" nodeType="tmRoot"/>
-      </p:par>
-    </p:tnLst>
-  </p:timing>
-</p:sld>
-</file>
-
-<file path=ppt/slides/slide18.xml><?xml version="1.0" encoding="utf-8"?>
-<p:sld xmlns:a="http://schemas.openxmlformats.org/drawingml/2006/main" xmlns:r="http://schemas.openxmlformats.org/officeDocument/2006/relationships" xmlns:p="http://schemas.openxmlformats.org/presentationml/2006/main">
-  <p:cSld>
-    <p:spTree>
-      <p:nvGrpSpPr>
-        <p:cNvPr id="1" name=""/>
-        <p:cNvGrpSpPr/>
-        <p:nvPr/>
-      </p:nvGrpSpPr>
-      <p:grpSpPr>
-        <a:xfrm>
-          <a:off x="0" y="0"/>
-          <a:ext cx="0" cy="0"/>
-          <a:chOff x="0" y="0"/>
-          <a:chExt cx="0" cy="0"/>
-        </a:xfrm>
-      </p:grpSpPr>
-      <p:sp>
-        <p:nvSpPr>
-          <p:cNvPr id="2" name="Title 1"/>
-          <p:cNvSpPr>
-            <a:spLocks noGrp="1"/>
-          </p:cNvSpPr>
-          <p:nvPr>
-            <p:ph type="title"/>
-          </p:nvPr>
-        </p:nvSpPr>
-        <p:spPr/>
-        <p:txBody>
-          <a:bodyPr/>
-          <a:lstStyle/>
-          <a:p>
-            <a:endParaRPr lang="en-US"/>
-          </a:p>
-        </p:txBody>
-      </p:sp>
-      <p:pic>
-        <p:nvPicPr>
-          <p:cNvPr id="10242" name="Picture 2"/>
-          <p:cNvPicPr>
-            <a:picLocks noChangeAspect="1" noChangeArrowheads="1"/>
-          </p:cNvPicPr>
-          <p:nvPr/>
-        </p:nvPicPr>
-        <p:blipFill>
-          <a:blip r:embed="rId2">
-            <a:extLst>
-              <a:ext uri="{28A0092B-C50C-407E-A947-70E740481C1C}">
-                <a14:useLocalDpi xmlns:a14="http://schemas.microsoft.com/office/drawing/2010/main" val="0"/>
-              </a:ext>
-            </a:extLst>
-          </a:blip>
-          <a:srcRect/>
-          <a:stretch>
-            <a:fillRect/>
-          </a:stretch>
-        </p:blipFill>
-        <p:spPr bwMode="auto">
-          <a:xfrm>
-            <a:off x="1066800" y="1144979"/>
-            <a:ext cx="6858000" cy="4926169"/>
-          </a:xfrm>
-          <a:prstGeom prst="rect">
-            <a:avLst/>
-          </a:prstGeom>
-          <a:noFill/>
-          <a:ln>
-            <a:noFill/>
-          </a:ln>
-          <a:effectLst/>
-          <a:extLst>
-            <a:ext uri="{909E8E84-426E-40DD-AFC4-6F175D3DCCD1}">
-              <a14:hiddenFill xmlns:a14="http://schemas.microsoft.com/office/drawing/2010/main">
-                <a:solidFill>
-                  <a:schemeClr val="accent1"/>
-                </a:solidFill>
-              </a14:hiddenFill>
-            </a:ext>
-            <a:ext uri="{91240B29-F687-4F45-9708-019B960494DF}">
-              <a14:hiddenLine xmlns:a14="http://schemas.microsoft.com/office/drawing/2010/main" w="9525">
-                <a:solidFill>
-                  <a:schemeClr val="tx1"/>
-                </a:solidFill>
-                <a:miter lim="800000"/>
-                <a:headEnd/>
-                <a:tailEnd/>
-              </a14:hiddenLine>
-            </a:ext>
-            <a:ext uri="{AF507438-7753-43E0-B8FC-AC1667EBCBE1}">
-              <a14:hiddenEffects xmlns:a14="http://schemas.microsoft.com/office/drawing/2010/main">
-                <a:effectLst>
-                  <a:outerShdw dist="35921" dir="2700000" algn="ctr" rotWithShape="0">
-                    <a:schemeClr val="bg2"/>
-                  </a:outerShdw>
-                </a:effectLst>
-              </a14:hiddenEffects>
-            </a:ext>
-          </a:extLst>
-        </p:spPr>
-      </p:pic>
-    </p:spTree>
-    <p:extLst>
-      <p:ext uri="{BB962C8B-B14F-4D97-AF65-F5344CB8AC3E}">
-        <p14:creationId xmlns:p14="http://schemas.microsoft.com/office/powerpoint/2010/main" val="3251861078"/>
-      </p:ext>
-    </p:extLst>
-  </p:cSld>
-  <p:clrMapOvr>
-    <a:masterClrMapping/>
-  </p:clrMapOvr>
-  <p:timing>
-    <p:tnLst>
-      <p:par>
-        <p:cTn id="1" dur="indefinite" restart="never" nodeType="tmRoot"/>
-      </p:par>
-    </p:tnLst>
-  </p:timing>
-</p:sld>
-</file>
-
-<file path=ppt/slides/slide19.xml><?xml version="1.0" encoding="utf-8"?>
-<p:sld xmlns:a="http://schemas.openxmlformats.org/drawingml/2006/main" xmlns:r="http://schemas.openxmlformats.org/officeDocument/2006/relationships" xmlns:p="http://schemas.openxmlformats.org/presentationml/2006/main">
-  <p:cSld>
-    <p:spTree>
-      <p:nvGrpSpPr>
-        <p:cNvPr id="1" name=""/>
-        <p:cNvGrpSpPr/>
-        <p:nvPr/>
-      </p:nvGrpSpPr>
-      <p:grpSpPr>
-        <a:xfrm>
-          <a:off x="0" y="0"/>
-          <a:ext cx="0" cy="0"/>
-          <a:chOff x="0" y="0"/>
-          <a:chExt cx="0" cy="0"/>
-        </a:xfrm>
-      </p:grpSpPr>
-      <p:sp>
-        <p:nvSpPr>
-          <p:cNvPr id="2" name="Title 1"/>
-          <p:cNvSpPr>
-            <a:spLocks noGrp="1"/>
-          </p:cNvSpPr>
-          <p:nvPr>
-            <p:ph type="title"/>
-          </p:nvPr>
-        </p:nvSpPr>
-        <p:spPr/>
-        <p:txBody>
-          <a:bodyPr/>
-          <a:lstStyle/>
-          <a:p>
-            <a:endParaRPr lang="en-US"/>
-          </a:p>
-        </p:txBody>
-      </p:sp>
-      <p:pic>
-        <p:nvPicPr>
-          <p:cNvPr id="11266" name="Picture 2"/>
-          <p:cNvPicPr>
-            <a:picLocks noChangeAspect="1" noChangeArrowheads="1"/>
-          </p:cNvPicPr>
-          <p:nvPr/>
-        </p:nvPicPr>
-        <p:blipFill>
-          <a:blip r:embed="rId2">
-            <a:extLst>
-              <a:ext uri="{28A0092B-C50C-407E-A947-70E740481C1C}">
-                <a14:useLocalDpi xmlns:a14="http://schemas.microsoft.com/office/drawing/2010/main" val="0"/>
-              </a:ext>
-            </a:extLst>
-          </a:blip>
-          <a:srcRect/>
-          <a:stretch>
-            <a:fillRect/>
-          </a:stretch>
-        </p:blipFill>
-        <p:spPr bwMode="auto">
-          <a:xfrm>
-            <a:off x="1066800" y="1143000"/>
-            <a:ext cx="6789270" cy="4876800"/>
-          </a:xfrm>
-          <a:prstGeom prst="rect">
-            <a:avLst/>
-          </a:prstGeom>
-          <a:noFill/>
-          <a:ln>
-            <a:noFill/>
-          </a:ln>
-          <a:effectLst/>
-          <a:extLst>
-            <a:ext uri="{909E8E84-426E-40DD-AFC4-6F175D3DCCD1}">
-              <a14:hiddenFill xmlns:a14="http://schemas.microsoft.com/office/drawing/2010/main">
-                <a:solidFill>
-                  <a:schemeClr val="accent1"/>
-                </a:solidFill>
-              </a14:hiddenFill>
-            </a:ext>
-            <a:ext uri="{91240B29-F687-4F45-9708-019B960494DF}">
-              <a14:hiddenLine xmlns:a14="http://schemas.microsoft.com/office/drawing/2010/main" w="9525">
-                <a:solidFill>
-                  <a:schemeClr val="tx1"/>
-                </a:solidFill>
-                <a:miter lim="800000"/>
-                <a:headEnd/>
-                <a:tailEnd/>
-              </a14:hiddenLine>
-            </a:ext>
-            <a:ext uri="{AF507438-7753-43E0-B8FC-AC1667EBCBE1}">
-              <a14:hiddenEffects xmlns:a14="http://schemas.microsoft.com/office/drawing/2010/main">
-                <a:effectLst>
-                  <a:outerShdw dist="35921" dir="2700000" algn="ctr" rotWithShape="0">
-                    <a:schemeClr val="bg2"/>
-                  </a:outerShdw>
-                </a:effectLst>
-              </a14:hiddenEffects>
-            </a:ext>
-          </a:extLst>
-        </p:spPr>
-      </p:pic>
-    </p:spTree>
-    <p:extLst>
-      <p:ext uri="{BB962C8B-B14F-4D97-AF65-F5344CB8AC3E}">
-        <p14:creationId xmlns:p14="http://schemas.microsoft.com/office/powerpoint/2010/main" val="2763436465"/>
-      </p:ext>
-    </p:extLst>
-  </p:cSld>
-  <p:clrMapOvr>
-    <a:masterClrMapping/>
-  </p:clrMapOvr>
-  <p:timing>
-    <p:tnLst>
-      <p:par>
-        <p:cTn id="1" dur="indefinite" restart="never" nodeType="tmRoot"/>
-      </p:par>
-    </p:tnLst>
-  </p:timing>
-</p:sld>
-</file>
-
-<file path=ppt/slides/slide2.xml><?xml version="1.0" encoding="utf-8"?>
-<p:sld xmlns:a="http://schemas.openxmlformats.org/drawingml/2006/main" xmlns:r="http://schemas.openxmlformats.org/officeDocument/2006/relationships" xmlns:p="http://schemas.openxmlformats.org/presentationml/2006/main">
-  <p:cSld>
-    <p:spTree>
-      <p:nvGrpSpPr>
-        <p:cNvPr id="1" name=""/>
-        <p:cNvGrpSpPr/>
-        <p:nvPr/>
-      </p:nvGrpSpPr>
-      <p:grpSpPr>
-        <a:xfrm>
-          <a:off x="0" y="0"/>
-          <a:ext cx="0" cy="0"/>
-          <a:chOff x="0" y="0"/>
-          <a:chExt cx="0" cy="0"/>
-        </a:xfrm>
-      </p:grpSpPr>
-      <p:sp>
-        <p:nvSpPr>
-          <p:cNvPr id="3" name="Text Placeholder 2"/>
-          <p:cNvSpPr>
-            <a:spLocks noGrp="1"/>
-          </p:cNvSpPr>
-          <p:nvPr>
-            <p:ph type="body" idx="1"/>
-          </p:nvPr>
-        </p:nvSpPr>
-        <p:spPr>
-          <a:xfrm>
-            <a:off x="762000" y="2767013"/>
-            <a:ext cx="7772400" cy="1500187"/>
-          </a:xfrm>
-        </p:spPr>
-        <p:txBody>
-          <a:bodyPr>
-            <a:noAutofit/>
-          </a:bodyPr>
-          <a:lstStyle/>
-          <a:p>
-            <a:r>
-              <a:rPr lang="en-US" dirty="0" smtClean="0"/>
-              <a:t>What is a domain model?</a:t>
-            </a:r>
-            <a:endParaRPr lang="en-US" dirty="0"/>
-          </a:p>
-        </p:txBody>
-      </p:sp>
-    </p:spTree>
-    <p:extLst>
-      <p:ext uri="{BB962C8B-B14F-4D97-AF65-F5344CB8AC3E}">
-        <p14:creationId xmlns:p14="http://schemas.microsoft.com/office/powerpoint/2010/main" val="2234195537"/>
-      </p:ext>
-    </p:extLst>
-  </p:cSld>
-  <p:clrMapOvr>
-    <a:masterClrMapping/>
-  </p:clrMapOvr>
-  <p:timing>
-    <p:tnLst>
-      <p:par>
-        <p:cTn id="1" dur="indefinite" restart="never" nodeType="tmRoot"/>
-      </p:par>
-    </p:tnLst>
-  </p:timing>
-</p:sld>
-</file>
-
-<file path=ppt/slides/slide20.xml><?xml version="1.0" encoding="utf-8"?>
-<p:sld xmlns:a="http://schemas.openxmlformats.org/drawingml/2006/main" xmlns:r="http://schemas.openxmlformats.org/officeDocument/2006/relationships" xmlns:p="http://schemas.openxmlformats.org/presentationml/2006/main">
-  <p:cSld>
-    <p:spTree>
-      <p:nvGrpSpPr>
-        <p:cNvPr id="1" name=""/>
-        <p:cNvGrpSpPr/>
-        <p:nvPr/>
-      </p:nvGrpSpPr>
-      <p:grpSpPr>
-        <a:xfrm>
-          <a:off x="0" y="0"/>
-          <a:ext cx="0" cy="0"/>
-          <a:chOff x="0" y="0"/>
-          <a:chExt cx="0" cy="0"/>
-        </a:xfrm>
-      </p:grpSpPr>
-      <p:sp>
-        <p:nvSpPr>
-          <p:cNvPr id="3" name="Text Placeholder 2"/>
-          <p:cNvSpPr>
-            <a:spLocks noGrp="1"/>
-          </p:cNvSpPr>
-          <p:nvPr>
-            <p:ph type="body" idx="1"/>
-          </p:nvPr>
-        </p:nvSpPr>
-        <p:spPr>
-          <a:xfrm>
-            <a:off x="762000" y="2767013"/>
-            <a:ext cx="7772400" cy="1500187"/>
-          </a:xfrm>
-        </p:spPr>
-        <p:txBody>
-          <a:bodyPr>
-            <a:noAutofit/>
-          </a:bodyPr>
-          <a:lstStyle/>
-          <a:p>
-            <a:r>
-              <a:rPr lang="en-US" sz="8800" dirty="0" smtClean="0"/>
-              <a:t>Solution</a:t>
-            </a:r>
-            <a:endParaRPr lang="en-US" sz="8800" dirty="0"/>
-          </a:p>
-        </p:txBody>
-      </p:sp>
-    </p:spTree>
-    <p:extLst>
-      <p:ext uri="{BB962C8B-B14F-4D97-AF65-F5344CB8AC3E}">
-        <p14:creationId xmlns:p14="http://schemas.microsoft.com/office/powerpoint/2010/main" val="3440422625"/>
-      </p:ext>
-    </p:extLst>
-  </p:cSld>
-  <p:clrMapOvr>
-    <a:masterClrMapping/>
-  </p:clrMapOvr>
-  <p:timing>
-    <p:tnLst>
-      <p:par>
-        <p:cTn id="1" dur="indefinite" restart="never" nodeType="tmRoot"/>
-      </p:par>
-    </p:tnLst>
-  </p:timing>
-</p:sld>
-</file>
-
-<file path=ppt/slides/slide3.xml><?xml version="1.0" encoding="utf-8"?>
-<p:sld xmlns:a="http://schemas.openxmlformats.org/drawingml/2006/main" xmlns:r="http://schemas.openxmlformats.org/officeDocument/2006/relationships" xmlns:p="http://schemas.openxmlformats.org/presentationml/2006/main">
-  <p:cSld>
-    <p:spTree>
-      <p:nvGrpSpPr>
-        <p:cNvPr id="1" name=""/>
-        <p:cNvGrpSpPr/>
-        <p:nvPr/>
-      </p:nvGrpSpPr>
-      <p:grpSpPr>
-        <a:xfrm>
-          <a:off x="0" y="0"/>
-          <a:ext cx="0" cy="0"/>
-          <a:chOff x="0" y="0"/>
-          <a:chExt cx="0" cy="0"/>
-        </a:xfrm>
-      </p:grpSpPr>
-      <p:sp>
-        <p:nvSpPr>
-          <p:cNvPr id="3" name="Text Placeholder 2"/>
-          <p:cNvSpPr>
-            <a:spLocks noGrp="1"/>
-          </p:cNvSpPr>
-          <p:nvPr>
-            <p:ph type="body" idx="1"/>
-          </p:nvPr>
-        </p:nvSpPr>
-        <p:spPr>
-          <a:xfrm>
-            <a:off x="762000" y="2767013"/>
-            <a:ext cx="7772400" cy="1500187"/>
-          </a:xfrm>
-        </p:spPr>
-        <p:txBody>
-          <a:bodyPr>
-            <a:noAutofit/>
-          </a:bodyPr>
-          <a:lstStyle/>
-          <a:p>
-            <a:r>
-              <a:rPr lang="en-US" sz="6000" dirty="0" smtClean="0"/>
-              <a:t>Why should I care?</a:t>
-            </a:r>
-            <a:endParaRPr lang="en-US" sz="6000" dirty="0"/>
-          </a:p>
-        </p:txBody>
-      </p:sp>
-    </p:spTree>
-    <p:extLst>
-      <p:ext uri="{BB962C8B-B14F-4D97-AF65-F5344CB8AC3E}">
-        <p14:creationId xmlns:p14="http://schemas.microsoft.com/office/powerpoint/2010/main" val="3584807295"/>
-      </p:ext>
-    </p:extLst>
-  </p:cSld>
-  <p:clrMapOvr>
-    <a:masterClrMapping/>
-  </p:clrMapOvr>
-  <p:timing>
-    <p:tnLst>
-      <p:par>
-        <p:cTn id="1" dur="indefinite" restart="never" nodeType="tmRoot"/>
-      </p:par>
-    </p:tnLst>
-  </p:timing>
-</p:sld>
-</file>
-
-<file path=ppt/slides/slide4.xml><?xml version="1.0" encoding="utf-8"?>
-<p:sld xmlns:a="http://schemas.openxmlformats.org/drawingml/2006/main" xmlns:r="http://schemas.openxmlformats.org/officeDocument/2006/relationships" xmlns:p="http://schemas.openxmlformats.org/presentationml/2006/main">
-  <p:cSld>
-    <p:spTree>
-      <p:nvGrpSpPr>
-        <p:cNvPr id="1" name=""/>
-        <p:cNvGrpSpPr/>
-        <p:nvPr/>
-      </p:nvGrpSpPr>
-      <p:grpSpPr>
-        <a:xfrm>
-          <a:off x="0" y="0"/>
-          <a:ext cx="0" cy="0"/>
-          <a:chOff x="0" y="0"/>
-          <a:chExt cx="0" cy="0"/>
-        </a:xfrm>
-      </p:grpSpPr>
-      <p:sp>
-        <p:nvSpPr>
-          <p:cNvPr id="3" name="Text Placeholder 2"/>
-          <p:cNvSpPr>
-            <a:spLocks noGrp="1"/>
-          </p:cNvSpPr>
-          <p:nvPr>
-            <p:ph type="body" idx="1"/>
-          </p:nvPr>
-        </p:nvSpPr>
-        <p:spPr>
-          <a:xfrm>
-            <a:off x="762000" y="2767013"/>
-            <a:ext cx="7772400" cy="1500187"/>
-          </a:xfrm>
-        </p:spPr>
-        <p:txBody>
-          <a:bodyPr>
-            <a:noAutofit/>
-          </a:bodyPr>
-          <a:lstStyle/>
-          <a:p>
-            <a:r>
-              <a:rPr lang="en-US" sz="8800" dirty="0" smtClean="0"/>
-              <a:t>Good news</a:t>
-            </a:r>
-            <a:endParaRPr lang="en-US" sz="8800" dirty="0"/>
-          </a:p>
-        </p:txBody>
-      </p:sp>
-    </p:spTree>
-    <p:extLst>
-      <p:ext uri="{BB962C8B-B14F-4D97-AF65-F5344CB8AC3E}">
-        <p14:creationId xmlns:p14="http://schemas.microsoft.com/office/powerpoint/2010/main" val="3364507888"/>
-      </p:ext>
-    </p:extLst>
-  </p:cSld>
-  <p:clrMapOvr>
-    <a:masterClrMapping/>
-  </p:clrMapOvr>
-  <p:timing>
-    <p:tnLst>
-      <p:par>
-        <p:cTn id="1" dur="indefinite" restart="never" nodeType="tmRoot"/>
-      </p:par>
-    </p:tnLst>
-  </p:timing>
-</p:sld>
-</file>
-
-<file path=ppt/slides/slide5.xml><?xml version="1.0" encoding="utf-8"?>
-<p:sld xmlns:a="http://schemas.openxmlformats.org/drawingml/2006/main" xmlns:r="http://schemas.openxmlformats.org/officeDocument/2006/relationships" xmlns:p="http://schemas.openxmlformats.org/presentationml/2006/main">
-  <p:cSld>
-    <p:spTree>
-      <p:nvGrpSpPr>
-        <p:cNvPr id="1" name=""/>
-        <p:cNvGrpSpPr/>
-        <p:nvPr/>
-      </p:nvGrpSpPr>
-      <p:grpSpPr>
-        <a:xfrm>
-          <a:off x="0" y="0"/>
-          <a:ext cx="0" cy="0"/>
-          <a:chOff x="0" y="0"/>
-          <a:chExt cx="0" cy="0"/>
-        </a:xfrm>
-      </p:grpSpPr>
-      <p:sp>
-        <p:nvSpPr>
-          <p:cNvPr id="3" name="Text Placeholder 2"/>
-          <p:cNvSpPr>
-            <a:spLocks noGrp="1"/>
-          </p:cNvSpPr>
-          <p:nvPr>
-            <p:ph type="body" idx="1"/>
-          </p:nvPr>
-        </p:nvSpPr>
-        <p:spPr>
-          <a:xfrm>
-            <a:off x="762000" y="2767013"/>
-            <a:ext cx="7772400" cy="1500187"/>
-          </a:xfrm>
-        </p:spPr>
-        <p:txBody>
-          <a:bodyPr>
-            <a:noAutofit/>
-          </a:bodyPr>
-          <a:lstStyle/>
-          <a:p>
-            <a:r>
-              <a:rPr lang="en-US" sz="8800" dirty="0" smtClean="0"/>
-              <a:t>Current State</a:t>
-            </a:r>
-            <a:endParaRPr lang="en-US" sz="8800" dirty="0"/>
-          </a:p>
-        </p:txBody>
-      </p:sp>
-    </p:spTree>
-    <p:extLst>
-      <p:ext uri="{BB962C8B-B14F-4D97-AF65-F5344CB8AC3E}">
-        <p14:creationId xmlns:p14="http://schemas.microsoft.com/office/powerpoint/2010/main" val="2454386320"/>
-      </p:ext>
-    </p:extLst>
-  </p:cSld>
-  <p:clrMapOvr>
-    <a:masterClrMapping/>
-  </p:clrMapOvr>
-  <p:timing>
-    <p:tnLst>
-      <p:par>
-        <p:cTn id="1" dur="indefinite" restart="never" nodeType="tmRoot"/>
-      </p:par>
-    </p:tnLst>
-  </p:timing>
-</p:sld>
-</file>
-
-<file path=ppt/slides/slide6.xml><?xml version="1.0" encoding="utf-8"?>
-<p:sld xmlns:a="http://schemas.openxmlformats.org/drawingml/2006/main" xmlns:r="http://schemas.openxmlformats.org/officeDocument/2006/relationships" xmlns:p="http://schemas.openxmlformats.org/presentationml/2006/main">
-  <p:cSld>
-    <p:spTree>
-      <p:nvGrpSpPr>
-        <p:cNvPr id="1" name=""/>
-        <p:cNvGrpSpPr/>
-        <p:nvPr/>
-      </p:nvGrpSpPr>
-      <p:grpSpPr>
-        <a:xfrm>
-          <a:off x="0" y="0"/>
-          <a:ext cx="0" cy="0"/>
-          <a:chOff x="0" y="0"/>
-          <a:chExt cx="0" cy="0"/>
-        </a:xfrm>
-      </p:grpSpPr>
-      <p:pic>
-        <p:nvPicPr>
-          <p:cNvPr id="3074" name="Picture 2"/>
-          <p:cNvPicPr>
-            <a:picLocks noChangeAspect="1" noChangeArrowheads="1"/>
-          </p:cNvPicPr>
-          <p:nvPr/>
-        </p:nvPicPr>
-        <p:blipFill>
-          <a:blip r:embed="rId3">
-            <a:extLst>
-              <a:ext uri="{28A0092B-C50C-407E-A947-70E740481C1C}">
-                <a14:useLocalDpi xmlns:a14="http://schemas.microsoft.com/office/drawing/2010/main" val="0"/>
-              </a:ext>
-            </a:extLst>
-          </a:blip>
-          <a:srcRect/>
-          <a:stretch>
-            <a:fillRect/>
-          </a:stretch>
-        </p:blipFill>
-        <p:spPr bwMode="auto">
-          <a:xfrm>
-            <a:off x="71207" y="1180605"/>
-            <a:ext cx="8996593" cy="4565214"/>
-          </a:xfrm>
-          <a:prstGeom prst="rect">
-            <a:avLst/>
-          </a:prstGeom>
-          <a:noFill/>
-          <a:ln>
-            <a:noFill/>
-          </a:ln>
-          <a:effectLst/>
-          <a:extLst>
-            <a:ext uri="{909E8E84-426E-40DD-AFC4-6F175D3DCCD1}">
-              <a14:hiddenFill xmlns:a14="http://schemas.microsoft.com/office/drawing/2010/main">
-                <a:solidFill>
-                  <a:schemeClr val="accent1"/>
-                </a:solidFill>
-              </a14:hiddenFill>
-            </a:ext>
-            <a:ext uri="{91240B29-F687-4F45-9708-019B960494DF}">
-              <a14:hiddenLine xmlns:a14="http://schemas.microsoft.com/office/drawing/2010/main" w="9525">
-                <a:solidFill>
-                  <a:schemeClr val="tx1"/>
-                </a:solidFill>
-                <a:miter lim="800000"/>
-                <a:headEnd/>
-                <a:tailEnd/>
-              </a14:hiddenLine>
-            </a:ext>
-            <a:ext uri="{AF507438-7753-43E0-B8FC-AC1667EBCBE1}">
-              <a14:hiddenEffects xmlns:a14="http://schemas.microsoft.com/office/drawing/2010/main">
-                <a:effectLst>
-                  <a:outerShdw dist="35921" dir="2700000" algn="ctr" rotWithShape="0">
-                    <a:schemeClr val="bg2"/>
-                  </a:outerShdw>
-                </a:effectLst>
-              </a14:hiddenEffects>
-            </a:ext>
-          </a:extLst>
-        </p:spPr>
-      </p:pic>
-    </p:spTree>
-    <p:extLst>
-      <p:ext uri="{BB962C8B-B14F-4D97-AF65-F5344CB8AC3E}">
-        <p14:creationId xmlns:p14="http://schemas.microsoft.com/office/powerpoint/2010/main" val="392081175"/>
-      </p:ext>
-    </p:extLst>
-  </p:cSld>
-  <p:clrMapOvr>
-    <a:masterClrMapping/>
-  </p:clrMapOvr>
-  <p:timing>
-    <p:tnLst>
-      <p:par>
-        <p:cTn id="1" dur="indefinite" restart="never" nodeType="tmRoot"/>
-      </p:par>
-    </p:tnLst>
-  </p:timing>
-</p:sld>
-</file>
-
-<file path=ppt/slides/slide7.xml><?xml version="1.0" encoding="utf-8"?>
-<p:sld xmlns:a="http://schemas.openxmlformats.org/drawingml/2006/main" xmlns:r="http://schemas.openxmlformats.org/officeDocument/2006/relationships" xmlns:p="http://schemas.openxmlformats.org/presentationml/2006/main">
-  <p:cSld>
-    <p:spTree>
-      <p:nvGrpSpPr>
-        <p:cNvPr id="1" name=""/>
-        <p:cNvGrpSpPr/>
-        <p:nvPr/>
-      </p:nvGrpSpPr>
-      <p:grpSpPr>
-        <a:xfrm>
-          <a:off x="0" y="0"/>
-          <a:ext cx="0" cy="0"/>
-          <a:chOff x="0" y="0"/>
-          <a:chExt cx="0" cy="0"/>
-        </a:xfrm>
-      </p:grpSpPr>
-      <p:pic>
-        <p:nvPicPr>
-          <p:cNvPr id="4098" name="Picture 2"/>
-          <p:cNvPicPr>
-            <a:picLocks noChangeAspect="1" noChangeArrowheads="1"/>
-          </p:cNvPicPr>
-          <p:nvPr/>
-        </p:nvPicPr>
-        <p:blipFill>
-          <a:blip r:embed="rId3">
-            <a:extLst>
-              <a:ext uri="{28A0092B-C50C-407E-A947-70E740481C1C}">
-                <a14:useLocalDpi xmlns:a14="http://schemas.microsoft.com/office/drawing/2010/main" val="0"/>
-              </a:ext>
-            </a:extLst>
-          </a:blip>
-          <a:srcRect/>
-          <a:stretch>
-            <a:fillRect/>
-          </a:stretch>
-        </p:blipFill>
-        <p:spPr bwMode="auto">
-          <a:xfrm>
-            <a:off x="28074" y="1981200"/>
-            <a:ext cx="9039726" cy="3200400"/>
-          </a:xfrm>
-          <a:prstGeom prst="rect">
-            <a:avLst/>
-          </a:prstGeom>
-          <a:noFill/>
-          <a:ln>
-            <a:noFill/>
-          </a:ln>
-          <a:effectLst/>
-          <a:extLst>
-            <a:ext uri="{909E8E84-426E-40DD-AFC4-6F175D3DCCD1}">
-              <a14:hiddenFill xmlns:a14="http://schemas.microsoft.com/office/drawing/2010/main">
-                <a:solidFill>
-                  <a:schemeClr val="accent1"/>
-                </a:solidFill>
-              </a14:hiddenFill>
-            </a:ext>
-            <a:ext uri="{91240B29-F687-4F45-9708-019B960494DF}">
-              <a14:hiddenLine xmlns:a14="http://schemas.microsoft.com/office/drawing/2010/main" w="9525">
-                <a:solidFill>
-                  <a:schemeClr val="tx1"/>
-                </a:solidFill>
-                <a:miter lim="800000"/>
-                <a:headEnd/>
-                <a:tailEnd/>
-              </a14:hiddenLine>
-            </a:ext>
-            <a:ext uri="{AF507438-7753-43E0-B8FC-AC1667EBCBE1}">
-              <a14:hiddenEffects xmlns:a14="http://schemas.microsoft.com/office/drawing/2010/main">
-                <a:effectLst>
-                  <a:outerShdw dist="35921" dir="2700000" algn="ctr" rotWithShape="0">
-                    <a:schemeClr val="bg2"/>
-                  </a:outerShdw>
-                </a:effectLst>
-              </a14:hiddenEffects>
-            </a:ext>
-          </a:extLst>
-        </p:spPr>
-      </p:pic>
-    </p:spTree>
-    <p:extLst>
-      <p:ext uri="{BB962C8B-B14F-4D97-AF65-F5344CB8AC3E}">
-        <p14:creationId xmlns:p14="http://schemas.microsoft.com/office/powerpoint/2010/main" val="3521129657"/>
-      </p:ext>
-    </p:extLst>
-  </p:cSld>
-  <p:clrMapOvr>
-    <a:masterClrMapping/>
-  </p:clrMapOvr>
-  <p:timing>
-    <p:tnLst>
-      <p:par>
-        <p:cTn id="1" dur="indefinite" restart="never" nodeType="tmRoot"/>
-      </p:par>
-    </p:tnLst>
-  </p:timing>
-</p:sld>
-</file>
-
-<file path=ppt/slides/slide8.xml><?xml version="1.0" encoding="utf-8"?>
-<p:sld xmlns:a="http://schemas.openxmlformats.org/drawingml/2006/main" xmlns:r="http://schemas.openxmlformats.org/officeDocument/2006/relationships" xmlns:p="http://schemas.openxmlformats.org/presentationml/2006/main">
-  <p:cSld>
-    <p:spTree>
-      <p:nvGrpSpPr>
-        <p:cNvPr id="1" name=""/>
-        <p:cNvGrpSpPr/>
-        <p:nvPr/>
-      </p:nvGrpSpPr>
-      <p:grpSpPr>
-        <a:xfrm>
-          <a:off x="0" y="0"/>
-          <a:ext cx="0" cy="0"/>
-          <a:chOff x="0" y="0"/>
-          <a:chExt cx="0" cy="0"/>
-        </a:xfrm>
-      </p:grpSpPr>
-      <p:pic>
-        <p:nvPicPr>
-          <p:cNvPr id="5122" name="Picture 2"/>
-          <p:cNvPicPr>
-            <a:picLocks noChangeAspect="1" noChangeArrowheads="1"/>
-          </p:cNvPicPr>
-          <p:nvPr/>
-        </p:nvPicPr>
-        <p:blipFill>
-          <a:blip r:embed="rId3">
-            <a:extLst>
-              <a:ext uri="{28A0092B-C50C-407E-A947-70E740481C1C}">
-                <a14:useLocalDpi xmlns:a14="http://schemas.microsoft.com/office/drawing/2010/main" val="0"/>
-              </a:ext>
-            </a:extLst>
-          </a:blip>
-          <a:srcRect/>
-          <a:stretch>
-            <a:fillRect/>
-          </a:stretch>
-        </p:blipFill>
-        <p:spPr bwMode="auto">
-          <a:xfrm>
-            <a:off x="152400" y="2133600"/>
-            <a:ext cx="8862897" cy="2667000"/>
-          </a:xfrm>
-          <a:prstGeom prst="rect">
-            <a:avLst/>
-          </a:prstGeom>
-          <a:noFill/>
-          <a:ln>
-            <a:noFill/>
-          </a:ln>
-          <a:effectLst/>
-          <a:extLst>
-            <a:ext uri="{909E8E84-426E-40DD-AFC4-6F175D3DCCD1}">
-              <a14:hiddenFill xmlns:a14="http://schemas.microsoft.com/office/drawing/2010/main">
-                <a:solidFill>
-                  <a:schemeClr val="accent1"/>
-                </a:solidFill>
-              </a14:hiddenFill>
-            </a:ext>
-            <a:ext uri="{91240B29-F687-4F45-9708-019B960494DF}">
-              <a14:hiddenLine xmlns:a14="http://schemas.microsoft.com/office/drawing/2010/main" w="9525">
-                <a:solidFill>
-                  <a:schemeClr val="tx1"/>
-                </a:solidFill>
-                <a:miter lim="800000"/>
-                <a:headEnd/>
-                <a:tailEnd/>
-              </a14:hiddenLine>
-            </a:ext>
-            <a:ext uri="{AF507438-7753-43E0-B8FC-AC1667EBCBE1}">
-              <a14:hiddenEffects xmlns:a14="http://schemas.microsoft.com/office/drawing/2010/main">
-                <a:effectLst>
-                  <a:outerShdw dist="35921" dir="2700000" algn="ctr" rotWithShape="0">
-                    <a:schemeClr val="bg2"/>
-                  </a:outerShdw>
-                </a:effectLst>
-              </a14:hiddenEffects>
-            </a:ext>
-          </a:extLst>
-        </p:spPr>
-      </p:pic>
-    </p:spTree>
-    <p:extLst>
-      <p:ext uri="{BB962C8B-B14F-4D97-AF65-F5344CB8AC3E}">
-        <p14:creationId xmlns:p14="http://schemas.microsoft.com/office/powerpoint/2010/main" val="3727340800"/>
-      </p:ext>
-    </p:extLst>
-  </p:cSld>
-  <p:clrMapOvr>
-    <a:masterClrMapping/>
-  </p:clrMapOvr>
-  <p:timing>
-    <p:tnLst>
-      <p:par>
-        <p:cTn id="1" dur="indefinite" restart="never" nodeType="tmRoot"/>
-      </p:par>
-    </p:tnLst>
-  </p:timing>
-</p:sld>
-</file>
-
-<file path=ppt/slides/slide9.xml><?xml version="1.0" encoding="utf-8"?>
-<p:sld xmlns:a="http://schemas.openxmlformats.org/drawingml/2006/main" xmlns:r="http://schemas.openxmlformats.org/officeDocument/2006/relationships" xmlns:p="http://schemas.openxmlformats.org/presentationml/2006/main">
-  <p:cSld>
-    <p:spTree>
-      <p:nvGrpSpPr>
-        <p:cNvPr id="1" name=""/>
-        <p:cNvGrpSpPr/>
-        <p:nvPr/>
-      </p:nvGrpSpPr>
-      <p:grpSpPr>
-        <a:xfrm>
-          <a:off x="0" y="0"/>
-          <a:ext cx="0" cy="0"/>
-          <a:chOff x="0" y="0"/>
-          <a:chExt cx="0" cy="0"/>
-        </a:xfrm>
-      </p:grpSpPr>
-      <p:pic>
-        <p:nvPicPr>
-          <p:cNvPr id="6146" name="Picture 2"/>
-          <p:cNvPicPr>
-            <a:picLocks noChangeAspect="1" noChangeArrowheads="1"/>
-          </p:cNvPicPr>
-          <p:nvPr/>
-        </p:nvPicPr>
-        <p:blipFill>
-          <a:blip r:embed="rId3">
-            <a:extLst>
-              <a:ext uri="{28A0092B-C50C-407E-A947-70E740481C1C}">
-                <a14:useLocalDpi xmlns:a14="http://schemas.microsoft.com/office/drawing/2010/main" val="0"/>
-              </a:ext>
-            </a:extLst>
-          </a:blip>
-          <a:srcRect/>
-          <a:stretch>
-            <a:fillRect/>
-          </a:stretch>
-        </p:blipFill>
-        <p:spPr bwMode="auto">
-          <a:xfrm>
-            <a:off x="1295400" y="1905000"/>
-            <a:ext cx="6759677" cy="3048000"/>
-          </a:xfrm>
-          <a:prstGeom prst="rect">
-            <a:avLst/>
-          </a:prstGeom>
-          <a:noFill/>
-          <a:ln>
-            <a:noFill/>
-          </a:ln>
-          <a:effectLst/>
-          <a:extLst>
-            <a:ext uri="{909E8E84-426E-40DD-AFC4-6F175D3DCCD1}">
-              <a14:hiddenFill xmlns:a14="http://schemas.microsoft.com/office/drawing/2010/main">
-                <a:solidFill>
-                  <a:schemeClr val="accent1"/>
-                </a:solidFill>
-              </a14:hiddenFill>
-            </a:ext>
-            <a:ext uri="{91240B29-F687-4F45-9708-019B960494DF}">
-              <a14:hiddenLine xmlns:a14="http://schemas.microsoft.com/office/drawing/2010/main" w="9525">
-                <a:solidFill>
-                  <a:schemeClr val="tx1"/>
-                </a:solidFill>
-                <a:miter lim="800000"/>
-                <a:headEnd/>
-                <a:tailEnd/>
-              </a14:hiddenLine>
-            </a:ext>
-            <a:ext uri="{AF507438-7753-43E0-B8FC-AC1667EBCBE1}">
-              <a14:hiddenEffects xmlns:a14="http://schemas.microsoft.com/office/drawing/2010/main">
-                <a:effectLst>
-                  <a:outerShdw dist="35921" dir="2700000" algn="ctr" rotWithShape="0">
-                    <a:schemeClr val="bg2"/>
-                  </a:outerShdw>
-                </a:effectLst>
-              </a14:hiddenEffects>
-            </a:ext>
-          </a:extLst>
-        </p:spPr>
-      </p:pic>
-    </p:spTree>
-    <p:extLst>
-      <p:ext uri="{BB962C8B-B14F-4D97-AF65-F5344CB8AC3E}">
-        <p14:creationId xmlns:p14="http://schemas.microsoft.com/office/powerpoint/2010/main" val="2224897939"/>
-      </p:ext>
-    </p:extLst>
-  </p:cSld>
-  <p:clrMapOvr>
-    <a:masterClrMapping/>
-  </p:clrMapOvr>
-  <p:timing>
-    <p:tnLst>
-      <p:par>
-        <p:cTn id="1" dur="indefinite" restart="never" nodeType="tmRoot"/>
-      </p:par>
-    </p:tnLst>
-  </p:timing>
-</p:sld>
+<file path=ppt/tags/tag1.xml><?xml version="1.0" encoding="utf-8"?>
+<p:tagLst xmlns:a="http://schemas.openxmlformats.org/drawingml/2006/main" xmlns:r="http://schemas.openxmlformats.org/officeDocument/2006/relationships" xmlns:p="http://schemas.openxmlformats.org/presentationml/2006/main">
+  <p:tag name="DVSHAPEID" val="c15ziaJfYCcQja0CDalT7U"/>
+</p:tagLst>
+</file>
+
+<file path=ppt/tags/tag10.xml><?xml version="1.0" encoding="utf-8"?>
+<p:tagLst xmlns:a="http://schemas.openxmlformats.org/drawingml/2006/main" xmlns:r="http://schemas.openxmlformats.org/officeDocument/2006/relationships" xmlns:p="http://schemas.openxmlformats.org/presentationml/2006/main">
+  <p:tag name="DVSHAPEID" val="9G0MjT7ylTYTh4vo3x9Esp"/>
+</p:tagLst>
+</file>
+
+<file path=ppt/tags/tag11.xml><?xml version="1.0" encoding="utf-8"?>
+<p:tagLst xmlns:a="http://schemas.openxmlformats.org/drawingml/2006/main" xmlns:r="http://schemas.openxmlformats.org/officeDocument/2006/relationships" xmlns:p="http://schemas.openxmlformats.org/presentationml/2006/main">
+  <p:tag name="DVSHAPEID" val="Rrywzjr5EVB4HAiCxEeeQm"/>
+</p:tagLst>
+</file>
+
+<file path=ppt/tags/tag12.xml><?xml version="1.0" encoding="utf-8"?>
+<p:tagLst xmlns:a="http://schemas.openxmlformats.org/drawingml/2006/main" xmlns:r="http://schemas.openxmlformats.org/officeDocument/2006/relationships" xmlns:p="http://schemas.openxmlformats.org/presentationml/2006/main">
+  <p:tag name="DVSHAPEID" val="mJ7lXqTFtejJPydMkN7ff3"/>
+</p:tagLst>
+</file>
+
+<file path=ppt/tags/tag13.xml><?xml version="1.0" encoding="utf-8"?>
+<p:tagLst xmlns:a="http://schemas.openxmlformats.org/drawingml/2006/main" xmlns:r="http://schemas.openxmlformats.org/officeDocument/2006/relationships" xmlns:p="http://schemas.openxmlformats.org/presentationml/2006/main">
+  <p:tag name="DVSHAPEID" val="hcmV5rZupdyu4Oodm0cYrn"/>
+</p:tagLst>
+</file>
+
+<file path=ppt/tags/tag14.xml><?xml version="1.0" encoding="utf-8"?>
+<p:tagLst xmlns:a="http://schemas.openxmlformats.org/drawingml/2006/main" xmlns:r="http://schemas.openxmlformats.org/officeDocument/2006/relationships" xmlns:p="http://schemas.openxmlformats.org/presentationml/2006/main">
+  <p:tag name="DVSHAPEID" val="LXLKoLkr7A7jsVZ1lsGZP6"/>
+</p:tagLst>
+</file>
+
+<file path=ppt/tags/tag15.xml><?xml version="1.0" encoding="utf-8"?>
+<p:tagLst xmlns:a="http://schemas.openxmlformats.org/drawingml/2006/main" xmlns:r="http://schemas.openxmlformats.org/officeDocument/2006/relationships" xmlns:p="http://schemas.openxmlformats.org/presentationml/2006/main">
+  <p:tag name="DVSHAPEID" val="bkton6r63gBTrp9l3daY6X"/>
+</p:tagLst>
+</file>
+
+<file path=ppt/tags/tag16.xml><?xml version="1.0" encoding="utf-8"?>
+<p:tagLst xmlns:a="http://schemas.openxmlformats.org/drawingml/2006/main" xmlns:r="http://schemas.openxmlformats.org/officeDocument/2006/relationships" xmlns:p="http://schemas.openxmlformats.org/presentationml/2006/main">
+  <p:tag name="DVSHAPEID" val="nLmtekFKisyEMqhZndZ1xR"/>
+</p:tagLst>
+</file>
+
+<file path=ppt/tags/tag17.xml><?xml version="1.0" encoding="utf-8"?>
+<p:tagLst xmlns:a="http://schemas.openxmlformats.org/drawingml/2006/main" xmlns:r="http://schemas.openxmlformats.org/officeDocument/2006/relationships" xmlns:p="http://schemas.openxmlformats.org/presentationml/2006/main">
+  <p:tag name="DVSHAPEID" val="IyuzSZpsOQ0dXI2TS7rjX9"/>
+</p:tagLst>
+</file>
+
+<file path=ppt/tags/tag18.xml><?xml version="1.0" encoding="utf-8"?>
+<p:tagLst xmlns:a="http://schemas.openxmlformats.org/drawingml/2006/main" xmlns:r="http://schemas.openxmlformats.org/officeDocument/2006/relationships" xmlns:p="http://schemas.openxmlformats.org/presentationml/2006/main">
+  <p:tag name="DVSHAPEID" val="lMCI43QWY5qw2OZEsFlQDH"/>
+</p:tagLst>
+</file>
+
+<file path=ppt/tags/tag19.xml><?xml version="1.0" encoding="utf-8"?>
+<p:tagLst xmlns:a="http://schemas.openxmlformats.org/drawingml/2006/main" xmlns:r="http://schemas.openxmlformats.org/officeDocument/2006/relationships" xmlns:p="http://schemas.openxmlformats.org/presentationml/2006/main">
+  <p:tag name="DVSHAPEID" val="EztyXtlSzdTzdHW9VlCSSV"/>
+</p:tagLst>
+</file>
+
+<file path=ppt/tags/tag2.xml><?xml version="1.0" encoding="utf-8"?>
+<p:tagLst xmlns:a="http://schemas.openxmlformats.org/drawingml/2006/main" xmlns:r="http://schemas.openxmlformats.org/officeDocument/2006/relationships" xmlns:p="http://schemas.openxmlformats.org/presentationml/2006/main">
+  <p:tag name="DVSHAPEID" val="36u3ZExqgD1Ibr7Ou8GBJL"/>
+</p:tagLst>
+</file>
+
+<file path=ppt/tags/tag20.xml><?xml version="1.0" encoding="utf-8"?>
+<p:tagLst xmlns:a="http://schemas.openxmlformats.org/drawingml/2006/main" xmlns:r="http://schemas.openxmlformats.org/officeDocument/2006/relationships" xmlns:p="http://schemas.openxmlformats.org/presentationml/2006/main">
+  <p:tag name="DVSHAPEID" val="MqFdUeELY7vD73fv5mB6vc"/>
+</p:tagLst>
+</file>
+
+<file path=ppt/tags/tag21.xml><?xml version="1.0" encoding="utf-8"?>
+<p:tagLst xmlns:a="http://schemas.openxmlformats.org/drawingml/2006/main" xmlns:r="http://schemas.openxmlformats.org/officeDocument/2006/relationships" xmlns:p="http://schemas.openxmlformats.org/presentationml/2006/main">
+  <p:tag name="DVSHAPEID" val="CtBiHjKZdLPJM2TKz7dOfL"/>
+</p:tagLst>
+</file>
+
+<file path=ppt/tags/tag22.xml><?xml version="1.0" encoding="utf-8"?>
+<p:tagLst xmlns:a="http://schemas.openxmlformats.org/drawingml/2006/main" xmlns:r="http://schemas.openxmlformats.org/officeDocument/2006/relationships" xmlns:p="http://schemas.openxmlformats.org/presentationml/2006/main">
+  <p:tag name="DVSHAPEID" val="3zATTpfggMpzObCCwl0ZUK"/>
+</p:tagLst>
+</file>
+
+<file path=ppt/tags/tag23.xml><?xml version="1.0" encoding="utf-8"?>
+<p:tagLst xmlns:a="http://schemas.openxmlformats.org/drawingml/2006/main" xmlns:r="http://schemas.openxmlformats.org/officeDocument/2006/relationships" xmlns:p="http://schemas.openxmlformats.org/presentationml/2006/main">
+  <p:tag name="DVSHAPEID" val="OnhcClMuSGXRq1HOpkJXu2"/>
+</p:tagLst>
+</file>
+
+<file path=ppt/tags/tag24.xml><?xml version="1.0" encoding="utf-8"?>
+<p:tagLst xmlns:a="http://schemas.openxmlformats.org/drawingml/2006/main" xmlns:r="http://schemas.openxmlformats.org/officeDocument/2006/relationships" xmlns:p="http://schemas.openxmlformats.org/presentationml/2006/main">
+  <p:tag name="DVSECTIONID" val="3C0ysUuhA2MRjSTsyJAbhc"/>
+</p:tagLst>
+</file>
+
+<file path=ppt/tags/tag25.xml><?xml version="1.0" encoding="utf-8"?>
+<p:tagLst xmlns:a="http://schemas.openxmlformats.org/drawingml/2006/main" xmlns:r="http://schemas.openxmlformats.org/officeDocument/2006/relationships" xmlns:p="http://schemas.openxmlformats.org/presentationml/2006/main">
+  <p:tag name="DVSHAPEID" val="jMiABeJDkFJYdhOOh2C4gX"/>
+</p:tagLst>
+</file>
+
+<file path=ppt/tags/tag26.xml><?xml version="1.0" encoding="utf-8"?>
+<p:tagLst xmlns:a="http://schemas.openxmlformats.org/drawingml/2006/main" xmlns:r="http://schemas.openxmlformats.org/officeDocument/2006/relationships" xmlns:p="http://schemas.openxmlformats.org/presentationml/2006/main">
+  <p:tag name="DVSHAPEID" val="CoSpEST9jPaFXxF7pJn9aO"/>
+</p:tagLst>
+</file>
+
+<file path=ppt/tags/tag27.xml><?xml version="1.0" encoding="utf-8"?>
+<p:tagLst xmlns:a="http://schemas.openxmlformats.org/drawingml/2006/main" xmlns:r="http://schemas.openxmlformats.org/officeDocument/2006/relationships" xmlns:p="http://schemas.openxmlformats.org/presentationml/2006/main">
+  <p:tag name="DVSECTIONID" val="954DLsONlp9SVYKHguXKrn"/>
+</p:tagLst>
+</file>
+
+<file path=ppt/tags/tag28.xml><?xml version="1.0" encoding="utf-8"?>
+<p:tagLst xmlns:a="http://schemas.openxmlformats.org/drawingml/2006/main" xmlns:r="http://schemas.openxmlformats.org/officeDocument/2006/relationships" xmlns:p="http://schemas.openxmlformats.org/presentationml/2006/main">
+  <p:tag name="DVSHAPEID" val="y8xPSOljVmvmaUIbAQKblU"/>
+</p:tagLst>
+</file>
+
+<file path=ppt/tags/tag29.xml><?xml version="1.0" encoding="utf-8"?>
+<p:tagLst xmlns:a="http://schemas.openxmlformats.org/drawingml/2006/main" xmlns:r="http://schemas.openxmlformats.org/officeDocument/2006/relationships" xmlns:p="http://schemas.openxmlformats.org/presentationml/2006/main">
+  <p:tag name="DVSECTIONID" val="KWab8awL47ERtVtO91tNHm"/>
+</p:tagLst>
+</file>
+
+<file path=ppt/tags/tag3.xml><?xml version="1.0" encoding="utf-8"?>
+<p:tagLst xmlns:a="http://schemas.openxmlformats.org/drawingml/2006/main" xmlns:r="http://schemas.openxmlformats.org/officeDocument/2006/relationships" xmlns:p="http://schemas.openxmlformats.org/presentationml/2006/main">
+  <p:tag name="DVSHAPEID" val="kS9QljkOt6JhXY5fb4Ixly"/>
+</p:tagLst>
+</file>
+
+<file path=ppt/tags/tag30.xml><?xml version="1.0" encoding="utf-8"?>
+<p:tagLst xmlns:a="http://schemas.openxmlformats.org/drawingml/2006/main" xmlns:r="http://schemas.openxmlformats.org/officeDocument/2006/relationships" xmlns:p="http://schemas.openxmlformats.org/presentationml/2006/main">
+  <p:tag name="DVSHAPEID" val="Nxjg8aCSG7NOPJSP04O0UO"/>
+</p:tagLst>
+</file>
+
+<file path=ppt/tags/tag31.xml><?xml version="1.0" encoding="utf-8"?>
+<p:tagLst xmlns:a="http://schemas.openxmlformats.org/drawingml/2006/main" xmlns:r="http://schemas.openxmlformats.org/officeDocument/2006/relationships" xmlns:p="http://schemas.openxmlformats.org/presentationml/2006/main">
+  <p:tag name="DVSECTIONID" val="HqXVIQt6dwKMk7tzjDgzl1"/>
+</p:tagLst>
+</file>
+
+<file path=ppt/tags/tag32.xml><?xml version="1.0" encoding="utf-8"?>
+<p:tagLst xmlns:a="http://schemas.openxmlformats.org/drawingml/2006/main" xmlns:r="http://schemas.openxmlformats.org/officeDocument/2006/relationships" xmlns:p="http://schemas.openxmlformats.org/presentationml/2006/main">
+  <p:tag name="DVSHAPEID" val="aBnLoe9woYsEkZvBFaG2Gn"/>
+</p:tagLst>
+</file>
+
+<file path=ppt/tags/tag33.xml><?xml version="1.0" encoding="utf-8"?>
+<p:tagLst xmlns:a="http://schemas.openxmlformats.org/drawingml/2006/main" xmlns:r="http://schemas.openxmlformats.org/officeDocument/2006/relationships" xmlns:p="http://schemas.openxmlformats.org/presentationml/2006/main">
+  <p:tag name="DVSECTIONID" val="e4vPerkWhDFnfJedsGiXU8"/>
+</p:tagLst>
+</file>
+
+<file path=ppt/tags/tag34.xml><?xml version="1.0" encoding="utf-8"?>
+<p:tagLst xmlns:a="http://schemas.openxmlformats.org/drawingml/2006/main" xmlns:r="http://schemas.openxmlformats.org/officeDocument/2006/relationships" xmlns:p="http://schemas.openxmlformats.org/presentationml/2006/main">
+  <p:tag name="DVSHAPEID" val="yl4YjLQFnlZZnHTnMoJ9IO"/>
+</p:tagLst>
+</file>
+
+<file path=ppt/tags/tag35.xml><?xml version="1.0" encoding="utf-8"?>
+<p:tagLst xmlns:a="http://schemas.openxmlformats.org/drawingml/2006/main" xmlns:r="http://schemas.openxmlformats.org/officeDocument/2006/relationships" xmlns:p="http://schemas.openxmlformats.org/presentationml/2006/main">
+  <p:tag name="DVSECTIONID" val="6GAmlzIPx70FcTpTC1Lhe6"/>
+</p:tagLst>
+</file>
+
+<file path=ppt/tags/tag36.xml><?xml version="1.0" encoding="utf-8"?>
+<p:tagLst xmlns:a="http://schemas.openxmlformats.org/drawingml/2006/main" xmlns:r="http://schemas.openxmlformats.org/officeDocument/2006/relationships" xmlns:p="http://schemas.openxmlformats.org/presentationml/2006/main">
+  <p:tag name="DVSHAPEID" val="lapSjooDjR8M22GpUnGIB7"/>
+</p:tagLst>
+</file>
+
+<file path=ppt/tags/tag37.xml><?xml version="1.0" encoding="utf-8"?>
+<p:tagLst xmlns:a="http://schemas.openxmlformats.org/drawingml/2006/main" xmlns:r="http://schemas.openxmlformats.org/officeDocument/2006/relationships" xmlns:p="http://schemas.openxmlformats.org/presentationml/2006/main">
+  <p:tag name="DVSECTIONID" val="6WSJl6bzgn75XPeR6Les6x"/>
+</p:tagLst>
+</file>
+
+<file path=ppt/tags/tag38.xml><?xml version="1.0" encoding="utf-8"?>
+<p:tagLst xmlns:a="http://schemas.openxmlformats.org/drawingml/2006/main" xmlns:r="http://schemas.openxmlformats.org/officeDocument/2006/relationships" xmlns:p="http://schemas.openxmlformats.org/presentationml/2006/main">
+  <p:tag name="DVSHAPEID" val="EkCNIioijwFKZTzqrsgJ18"/>
+</p:tagLst>
+</file>
+
+<file path=ppt/tags/tag39.xml><?xml version="1.0" encoding="utf-8"?>
+<p:tagLst xmlns:a="http://schemas.openxmlformats.org/drawingml/2006/main" xmlns:r="http://schemas.openxmlformats.org/officeDocument/2006/relationships" xmlns:p="http://schemas.openxmlformats.org/presentationml/2006/main">
+  <p:tag name="DVSECTIONID" val="mzxkNy4hcCU0zEtCdBDYQC"/>
+</p:tagLst>
+</file>
+
+<file path=ppt/tags/tag4.xml><?xml version="1.0" encoding="utf-8"?>
+<p:tagLst xmlns:a="http://schemas.openxmlformats.org/drawingml/2006/main" xmlns:r="http://schemas.openxmlformats.org/officeDocument/2006/relationships" xmlns:p="http://schemas.openxmlformats.org/presentationml/2006/main">
+  <p:tag name="DVSHAPEID" val="PBYzuPFddvbiMBT8ie5saV"/>
+</p:tagLst>
+</file>
+
+<file path=ppt/tags/tag40.xml><?xml version="1.0" encoding="utf-8"?>
+<p:tagLst xmlns:a="http://schemas.openxmlformats.org/drawingml/2006/main" xmlns:r="http://schemas.openxmlformats.org/officeDocument/2006/relationships" xmlns:p="http://schemas.openxmlformats.org/presentationml/2006/main">
+  <p:tag name="DVSHAPEID" val="RAERGmtltZcew4gwG6e0yB"/>
+</p:tagLst>
+</file>
+
+<file path=ppt/tags/tag41.xml><?xml version="1.0" encoding="utf-8"?>
+<p:tagLst xmlns:a="http://schemas.openxmlformats.org/drawingml/2006/main" xmlns:r="http://schemas.openxmlformats.org/officeDocument/2006/relationships" xmlns:p="http://schemas.openxmlformats.org/presentationml/2006/main">
+  <p:tag name="DVSECTIONID" val="x6WAEKUZ3L0yzjb0jCvZbv"/>
+</p:tagLst>
+</file>
+
+<file path=ppt/tags/tag42.xml><?xml version="1.0" encoding="utf-8"?>
+<p:tagLst xmlns:a="http://schemas.openxmlformats.org/drawingml/2006/main" xmlns:r="http://schemas.openxmlformats.org/officeDocument/2006/relationships" xmlns:p="http://schemas.openxmlformats.org/presentationml/2006/main">
+  <p:tag name="DVSHAPEID" val="7i2NQtVdrR5wt18RC2PX2F"/>
+</p:tagLst>
+</file>
+
+<file path=ppt/tags/tag43.xml><?xml version="1.0" encoding="utf-8"?>
+<p:tagLst xmlns:a="http://schemas.openxmlformats.org/drawingml/2006/main" xmlns:r="http://schemas.openxmlformats.org/officeDocument/2006/relationships" xmlns:p="http://schemas.openxmlformats.org/presentationml/2006/main">
+  <p:tag name="DVSECTIONID" val="bWfAouxCP8HK1qodUjmcy8"/>
+</p:tagLst>
+</file>
+
+<file path=ppt/tags/tag44.xml><?xml version="1.0" encoding="utf-8"?>
+<p:tagLst xmlns:a="http://schemas.openxmlformats.org/drawingml/2006/main" xmlns:r="http://schemas.openxmlformats.org/officeDocument/2006/relationships" xmlns:p="http://schemas.openxmlformats.org/presentationml/2006/main">
+  <p:tag name="DVSHAPEID" val="xLnvaVMav0AftmOSwZpgyk"/>
+</p:tagLst>
+</file>
+
+<file path=ppt/tags/tag45.xml><?xml version="1.0" encoding="utf-8"?>
+<p:tagLst xmlns:a="http://schemas.openxmlformats.org/drawingml/2006/main" xmlns:r="http://schemas.openxmlformats.org/officeDocument/2006/relationships" xmlns:p="http://schemas.openxmlformats.org/presentationml/2006/main">
+  <p:tag name="DVSECTIONID" val="004aqdi0sRr2VZk4mqsrWS"/>
+</p:tagLst>
+</file>
+
+<file path=ppt/tags/tag46.xml><?xml version="1.0" encoding="utf-8"?>
+<p:tagLst xmlns:a="http://schemas.openxmlformats.org/drawingml/2006/main" xmlns:r="http://schemas.openxmlformats.org/officeDocument/2006/relationships" xmlns:p="http://schemas.openxmlformats.org/presentationml/2006/main">
+  <p:tag name="DVSHAPEID" val="9ZBenOucbAzsLhpli0rhm4"/>
+</p:tagLst>
+</file>
+
+<file path=ppt/tags/tag47.xml><?xml version="1.0" encoding="utf-8"?>
+<p:tagLst xmlns:a="http://schemas.openxmlformats.org/drawingml/2006/main" xmlns:r="http://schemas.openxmlformats.org/officeDocument/2006/relationships" xmlns:p="http://schemas.openxmlformats.org/presentationml/2006/main">
+  <p:tag name="DVSECTIONID" val="RPhLB6IbDYX2Wfve3jkOFP"/>
+</p:tagLst>
+</file>
+
+<file path=ppt/tags/tag48.xml><?xml version="1.0" encoding="utf-8"?>
+<p:tagLst xmlns:a="http://schemas.openxmlformats.org/drawingml/2006/main" xmlns:r="http://schemas.openxmlformats.org/officeDocument/2006/relationships" xmlns:p="http://schemas.openxmlformats.org/presentationml/2006/main">
+  <p:tag name="DVSHAPEID" val="WdyM2JwPxM7cBnTWyXGjOZ"/>
+</p:tagLst>
+</file>
+
+<file path=ppt/tags/tag49.xml><?xml version="1.0" encoding="utf-8"?>
+<p:tagLst xmlns:a="http://schemas.openxmlformats.org/drawingml/2006/main" xmlns:r="http://schemas.openxmlformats.org/officeDocument/2006/relationships" xmlns:p="http://schemas.openxmlformats.org/presentationml/2006/main">
+  <p:tag name="DVSECTIONID" val="iYupSPXVK7c88eSFBbihds"/>
+</p:tagLst>
+</file>
+
+<file path=ppt/tags/tag5.xml><?xml version="1.0" encoding="utf-8"?>
+<p:tagLst xmlns:a="http://schemas.openxmlformats.org/drawingml/2006/main" xmlns:r="http://schemas.openxmlformats.org/officeDocument/2006/relationships" xmlns:p="http://schemas.openxmlformats.org/presentationml/2006/main">
+  <p:tag name="DVSHAPEID" val="ZTt9JeWBTbpM3xSMOu8gSd"/>
+</p:tagLst>
+</file>
+
+<file path=ppt/tags/tag50.xml><?xml version="1.0" encoding="utf-8"?>
+<p:tagLst xmlns:a="http://schemas.openxmlformats.org/drawingml/2006/main" xmlns:r="http://schemas.openxmlformats.org/officeDocument/2006/relationships" xmlns:p="http://schemas.openxmlformats.org/presentationml/2006/main">
+  <p:tag name="DVSHAPEID" val="F1AxtbGpOhY43nGAMKFm2N"/>
+</p:tagLst>
+</file>
+
+<file path=ppt/tags/tag51.xml><?xml version="1.0" encoding="utf-8"?>
+<p:tagLst xmlns:a="http://schemas.openxmlformats.org/drawingml/2006/main" xmlns:r="http://schemas.openxmlformats.org/officeDocument/2006/relationships" xmlns:p="http://schemas.openxmlformats.org/presentationml/2006/main">
+  <p:tag name="DVSECTIONID" val="5T25y8m868c1xigcdTdHeP"/>
+</p:tagLst>
+</file>
+
+<file path=ppt/tags/tag52.xml><?xml version="1.0" encoding="utf-8"?>
+<p:tagLst xmlns:a="http://schemas.openxmlformats.org/drawingml/2006/main" xmlns:r="http://schemas.openxmlformats.org/officeDocument/2006/relationships" xmlns:p="http://schemas.openxmlformats.org/presentationml/2006/main">
+  <p:tag name="DVSHAPEID" val="lzF1rmstA3fWxwcugk88XP"/>
+</p:tagLst>
+</file>
+
+<file path=ppt/tags/tag53.xml><?xml version="1.0" encoding="utf-8"?>
+<p:tagLst xmlns:a="http://schemas.openxmlformats.org/drawingml/2006/main" xmlns:r="http://schemas.openxmlformats.org/officeDocument/2006/relationships" xmlns:p="http://schemas.openxmlformats.org/presentationml/2006/main">
+  <p:tag name="DVSHAPEID" val="dxkvfXbVDsWSG1SrJjXkGV"/>
+</p:tagLst>
+</file>
+
+<file path=ppt/tags/tag54.xml><?xml version="1.0" encoding="utf-8"?>
+<p:tagLst xmlns:a="http://schemas.openxmlformats.org/drawingml/2006/main" xmlns:r="http://schemas.openxmlformats.org/officeDocument/2006/relationships" xmlns:p="http://schemas.openxmlformats.org/presentationml/2006/main">
+  <p:tag name="DVSECTIONID" val="QO6hloI8woCPTBmMgPzB14"/>
+</p:tagLst>
+</file>
+
+<file path=ppt/tags/tag55.xml><?xml version="1.0" encoding="utf-8"?>
+<p:tagLst xmlns:a="http://schemas.openxmlformats.org/drawingml/2006/main" xmlns:r="http://schemas.openxmlformats.org/officeDocument/2006/relationships" xmlns:p="http://schemas.openxmlformats.org/presentationml/2006/main">
+  <p:tag name="DVSHAPEID" val="O7Q9ohuldUQvl8HV6uiFpM"/>
+</p:tagLst>
+</file>
+
+<file path=ppt/tags/tag56.xml><?xml version="1.0" encoding="utf-8"?>
+<p:tagLst xmlns:a="http://schemas.openxmlformats.org/drawingml/2006/main" xmlns:r="http://schemas.openxmlformats.org/officeDocument/2006/relationships" xmlns:p="http://schemas.openxmlformats.org/presentationml/2006/main">
+  <p:tag name="DVSHAPEID" val="ZFQbCOAOaC9iIcF6yTqif1"/>
+</p:tagLst>
+</file>
+
+<file path=ppt/tags/tag57.xml><?xml version="1.0" encoding="utf-8"?>
+<p:tagLst xmlns:a="http://schemas.openxmlformats.org/drawingml/2006/main" xmlns:r="http://schemas.openxmlformats.org/officeDocument/2006/relationships" xmlns:p="http://schemas.openxmlformats.org/presentationml/2006/main">
+  <p:tag name="DVSECTIONID" val="V6HzppYo3vef3dYhMYqXBO"/>
+</p:tagLst>
+</file>
+
+<file path=ppt/tags/tag58.xml><?xml version="1.0" encoding="utf-8"?>
+<p:tagLst xmlns:a="http://schemas.openxmlformats.org/drawingml/2006/main" xmlns:r="http://schemas.openxmlformats.org/officeDocument/2006/relationships" xmlns:p="http://schemas.openxmlformats.org/presentationml/2006/main">
+  <p:tag name="DVSHAPEID" val="1bFJJOds21v17bidEGKoKd"/>
+</p:tagLst>
+</file>
+
+<file path=ppt/tags/tag59.xml><?xml version="1.0" encoding="utf-8"?>
+<p:tagLst xmlns:a="http://schemas.openxmlformats.org/drawingml/2006/main" xmlns:r="http://schemas.openxmlformats.org/officeDocument/2006/relationships" xmlns:p="http://schemas.openxmlformats.org/presentationml/2006/main">
+  <p:tag name="DVSHAPEID" val="l3qug0Voe7xXDFvT5MBHA8"/>
+</p:tagLst>
+</file>
+
+<file path=ppt/tags/tag6.xml><?xml version="1.0" encoding="utf-8"?>
+<p:tagLst xmlns:a="http://schemas.openxmlformats.org/drawingml/2006/main" xmlns:r="http://schemas.openxmlformats.org/officeDocument/2006/relationships" xmlns:p="http://schemas.openxmlformats.org/presentationml/2006/main">
+  <p:tag name="DVSHAPEID" val="6Fbtl3MtrSoUC45l6qgCBZ"/>
+</p:tagLst>
+</file>
+
+<file path=ppt/tags/tag60.xml><?xml version="1.0" encoding="utf-8"?>
+<p:tagLst xmlns:a="http://schemas.openxmlformats.org/drawingml/2006/main" xmlns:r="http://schemas.openxmlformats.org/officeDocument/2006/relationships" xmlns:p="http://schemas.openxmlformats.org/presentationml/2006/main">
+  <p:tag name="DVSHAPEID" val="MG5uNlfKyRhOPCjexcwDNo"/>
+</p:tagLst>
+</file>
+
+<file path=ppt/tags/tag61.xml><?xml version="1.0" encoding="utf-8"?>
+<p:tagLst xmlns:a="http://schemas.openxmlformats.org/drawingml/2006/main" xmlns:r="http://schemas.openxmlformats.org/officeDocument/2006/relationships" xmlns:p="http://schemas.openxmlformats.org/presentationml/2006/main">
+  <p:tag name="DVSECTIONID" val="pHpEPrCo8COLT0zLZja7k6"/>
+</p:tagLst>
+</file>
+
+<file path=ppt/tags/tag62.xml><?xml version="1.0" encoding="utf-8"?>
+<p:tagLst xmlns:a="http://schemas.openxmlformats.org/drawingml/2006/main" xmlns:r="http://schemas.openxmlformats.org/officeDocument/2006/relationships" xmlns:p="http://schemas.openxmlformats.org/presentationml/2006/main">
+  <p:tag name="DVSHAPEID" val="u9xDILAXM2CdgJpMcA9tzG"/>
+</p:tagLst>
+</file>
+
+<file path=ppt/tags/tag63.xml><?xml version="1.0" encoding="utf-8"?>
+<p:tagLst xmlns:a="http://schemas.openxmlformats.org/drawingml/2006/main" xmlns:r="http://schemas.openxmlformats.org/officeDocument/2006/relationships" xmlns:p="http://schemas.openxmlformats.org/presentationml/2006/main">
+  <p:tag name="DVSHAPEID" val="GOPSzQepbXlnbVWaCuaA4f"/>
+</p:tagLst>
+</file>
+
+<file path=ppt/tags/tag64.xml><?xml version="1.0" encoding="utf-8"?>
+<p:tagLst xmlns:a="http://schemas.openxmlformats.org/drawingml/2006/main" xmlns:r="http://schemas.openxmlformats.org/officeDocument/2006/relationships" xmlns:p="http://schemas.openxmlformats.org/presentationml/2006/main">
+  <p:tag name="DVSECTIONID" val="AEy8NZ2Bb3s6HZaKzwMFnB"/>
+</p:tagLst>
+</file>
+
+<file path=ppt/tags/tag65.xml><?xml version="1.0" encoding="utf-8"?>
+<p:tagLst xmlns:a="http://schemas.openxmlformats.org/drawingml/2006/main" xmlns:r="http://schemas.openxmlformats.org/officeDocument/2006/relationships" xmlns:p="http://schemas.openxmlformats.org/presentationml/2006/main">
+  <p:tag name="DVSHAPEID" val="bCmzPL0WujPNtINPbKInRF"/>
+</p:tagLst>
+</file>
+
+<file path=ppt/tags/tag66.xml><?xml version="1.0" encoding="utf-8"?>
+<p:tagLst xmlns:a="http://schemas.openxmlformats.org/drawingml/2006/main" xmlns:r="http://schemas.openxmlformats.org/officeDocument/2006/relationships" xmlns:p="http://schemas.openxmlformats.org/presentationml/2006/main">
+  <p:tag name="DVSHAPEID" val="SSytP1XEjYBrDdw00tpft1"/>
+</p:tagLst>
+</file>
+
+<file path=ppt/tags/tag67.xml><?xml version="1.0" encoding="utf-8"?>
+<p:tagLst xmlns:a="http://schemas.openxmlformats.org/drawingml/2006/main" xmlns:r="http://schemas.openxmlformats.org/officeDocument/2006/relationships" xmlns:p="http://schemas.openxmlformats.org/presentationml/2006/main">
+  <p:tag name="DVSECTIONID" val="qhkYH0Y7Nuti7K6GDDlxrL"/>
+</p:tagLst>
+</file>
+
+<file path=ppt/tags/tag68.xml><?xml version="1.0" encoding="utf-8"?>
+<p:tagLst xmlns:a="http://schemas.openxmlformats.org/drawingml/2006/main" xmlns:r="http://schemas.openxmlformats.org/officeDocument/2006/relationships" xmlns:p="http://schemas.openxmlformats.org/presentationml/2006/main">
+  <p:tag name="DVSHAPEID" val="ynsdnNjpRHnwJt1mVYYP0Q"/>
+</p:tagLst>
+</file>
+
+<file path=ppt/tags/tag7.xml><?xml version="1.0" encoding="utf-8"?>
+<p:tagLst xmlns:a="http://schemas.openxmlformats.org/drawingml/2006/main" xmlns:r="http://schemas.openxmlformats.org/officeDocument/2006/relationships" xmlns:p="http://schemas.openxmlformats.org/presentationml/2006/main">
+  <p:tag name="DVSHAPEID" val="S0ylgvqAkT2LNNXfTTOpJw"/>
+</p:tagLst>
+</file>
+
+<file path=ppt/tags/tag8.xml><?xml version="1.0" encoding="utf-8"?>
+<p:tagLst xmlns:a="http://schemas.openxmlformats.org/drawingml/2006/main" xmlns:r="http://schemas.openxmlformats.org/officeDocument/2006/relationships" xmlns:p="http://schemas.openxmlformats.org/presentationml/2006/main">
+  <p:tag name="DVSHAPEID" val="n8VNGsoH0gB6NbVZMg3Qyu"/>
+</p:tagLst>
+</file>
+
+<file path=ppt/tags/tag9.xml><?xml version="1.0" encoding="utf-8"?>
+<p:tagLst xmlns:a="http://schemas.openxmlformats.org/drawingml/2006/main" xmlns:r="http://schemas.openxmlformats.org/officeDocument/2006/relationships" xmlns:p="http://schemas.openxmlformats.org/presentationml/2006/main">
+  <p:tag name="DVSHAPEID" val="RRhioRxmNcflCpqtPXcDSM"/>
+</p:tagLst>
 </file>
 
 <file path=ppt/theme/theme1.xml><?xml version="1.0" encoding="utf-8"?>

--- a/WickedDomainModels/Crafting Wicked Domain Models.pptx
+++ b/WickedDomainModels/Crafting Wicked Domain Models.pptx
@@ -2,13 +2,13 @@
 <file path=ppt/presentation.xml><?xml version="1.0" encoding="utf-8"?>
 <p:presentation xmlns:a="http://schemas.openxmlformats.org/drawingml/2006/main" xmlns:r="http://schemas.openxmlformats.org/officeDocument/2006/relationships" xmlns:p="http://schemas.openxmlformats.org/presentationml/2006/main" saveSubsetFonts="1">
   <p:sldMasterIdLst>
-    <p:sldMasterId id="2147483696" r:id="rId1"/>
+    <p:sldMasterId id="2147483702" r:id="rId1"/>
   </p:sldMasterIdLst>
   <p:notesMasterIdLst>
-    <p:notesMasterId r:id="rId21"/>
+    <p:notesMasterId r:id="rId17"/>
   </p:notesMasterIdLst>
   <p:sldIdLst>
-    <p:sldId id="284" r:id="rId2"/>
+    <p:sldId id="285" r:id="rId2"/>
     <p:sldId id="260" r:id="rId3"/>
     <p:sldId id="262" r:id="rId4"/>
     <p:sldId id="275" r:id="rId5"/>
@@ -22,11 +22,7 @@
     <p:sldId id="274" r:id="rId13"/>
     <p:sldId id="269" r:id="rId14"/>
     <p:sldId id="276" r:id="rId15"/>
-    <p:sldId id="277" r:id="rId16"/>
-    <p:sldId id="278" r:id="rId17"/>
-    <p:sldId id="279" r:id="rId18"/>
-    <p:sldId id="280" r:id="rId19"/>
-    <p:sldId id="283" r:id="rId20"/>
+    <p:sldId id="283" r:id="rId16"/>
   </p:sldIdLst>
   <p:sldSz cx="9144000" cy="6858000" type="screen4x3"/>
   <p:notesSz cx="6858000" cy="9144000"/>
@@ -125,6 +121,22 @@
       </a:defRPr>
     </a:lvl9pPr>
   </p:defaultTextStyle>
+  <p:extLst>
+    <p:ext uri="{EFAFB233-063F-42B5-8137-9DF3F51BA10A}">
+      <p15:sldGuideLst xmlns:p15="http://schemas.microsoft.com/office/powerpoint/2012/main">
+        <p15:guide id="1" orient="horz" pos="2160">
+          <p15:clr>
+            <a:srgbClr val="A4A3A4"/>
+          </p15:clr>
+        </p15:guide>
+        <p15:guide id="2" pos="2880">
+          <p15:clr>
+            <a:srgbClr val="A4A3A4"/>
+          </p15:clr>
+        </p15:guide>
+      </p15:sldGuideLst>
+    </p:ext>
+  </p:extLst>
 </p:presentation>
 </file>
 
@@ -210,7 +222,7 @@
           <a:p>
             <a:fld id="{F951DA03-8BC9-4A63-9B91-EA366045B0E8}" type="datetimeFigureOut">
               <a:rPr lang="en-US" smtClean="0"/>
-              <a:t>6/5/2012</a:t>
+              <a:t>11/4/2015</a:t>
             </a:fld>
             <a:endParaRPr lang="en-US"/>
           </a:p>
@@ -505,7 +517,12 @@
             <p:ph type="sldImg"/>
           </p:nvPr>
         </p:nvSpPr>
-        <p:spPr/>
+        <p:spPr>
+          <a:xfrm>
+            <a:off x="1143000" y="685800"/>
+            <a:ext cx="4572000" cy="3429000"/>
+          </a:xfrm>
+        </p:spPr>
       </p:sp>
       <p:sp>
         <p:nvSpPr>
@@ -522,49 +539,7 @@
           <a:bodyPr/>
           <a:lstStyle/>
           <a:p>
-            <a:r>
-              <a:rPr lang="en-US" dirty="0" smtClean="0"/>
-              <a:t>From </a:t>
-            </a:r>
-            <a:r>
-              <a:rPr lang="en-US" dirty="0" err="1" smtClean="0"/>
-              <a:t>PoEAA</a:t>
-            </a:r>
-            <a:r>
-              <a:rPr lang="en-US" dirty="0" smtClean="0"/>
-              <a:t>:</a:t>
-            </a:r>
-            <a:r>
-              <a:rPr lang="en-US" baseline="0" dirty="0" smtClean="0"/>
-              <a:t> </a:t>
-            </a:r>
-            <a:r>
-              <a:rPr lang="en-US" dirty="0" smtClean="0"/>
-              <a:t>An object model of the domain that incorporates both behavior and data.</a:t>
-            </a:r>
-          </a:p>
-          <a:p>
-            <a:endParaRPr lang="en-US" dirty="0" smtClean="0"/>
-          </a:p>
-          <a:p>
-            <a:r>
-              <a:rPr lang="en-US" dirty="0" smtClean="0"/>
-              <a:t>Key – data AND behavior</a:t>
-            </a:r>
-          </a:p>
-          <a:p>
-            <a:endParaRPr lang="en-US" dirty="0" smtClean="0"/>
-          </a:p>
-          <a:p>
-            <a:r>
-              <a:rPr lang="en-US" dirty="0" smtClean="0"/>
-              <a:t>Beyond nouns</a:t>
-            </a:r>
-            <a:r>
-              <a:rPr lang="en-US" baseline="0" dirty="0" smtClean="0"/>
-              <a:t> and verbs</a:t>
-            </a:r>
-            <a:endParaRPr lang="en-US" dirty="0"/>
+            <a:endParaRPr lang="en-US"/>
           </a:p>
         </p:txBody>
       </p:sp>
@@ -583,9 +558,9 @@
           <a:bodyPr/>
           <a:lstStyle/>
           <a:p>
-            <a:fld id="{CCC3FF49-3932-43E0-8B20-094659508D18}" type="slidenum">
-              <a:rPr lang="en-US" smtClean="0"/>
-              <a:t>2</a:t>
+            <a:fld id="{DC42B9C4-3265-4C64-80EB-D0107FD08979}" type="slidenum">
+              <a:rPr lang="en-US" smtClean="0"/>
+              <a:t>1</a:t>
             </a:fld>
             <a:endParaRPr lang="en-US"/>
           </a:p>
@@ -594,7 +569,7 @@
     </p:spTree>
     <p:extLst>
       <p:ext uri="{BB962C8B-B14F-4D97-AF65-F5344CB8AC3E}">
-        <p14:creationId xmlns:p14="http://schemas.microsoft.com/office/powerpoint/2010/main" val="1209981210"/>
+        <p14:creationId xmlns:p14="http://schemas.microsoft.com/office/powerpoint/2010/main" val="4145979652"/>
       </p:ext>
     </p:extLst>
   </p:cSld>
@@ -669,7 +644,7 @@
           <a:p>
             <a:fld id="{CCC3FF49-3932-43E0-8B20-094659508D18}" type="slidenum">
               <a:rPr lang="en-US" smtClean="0"/>
-              <a:t>11</a:t>
+              <a:t>10</a:t>
             </a:fld>
             <a:endParaRPr lang="en-US"/>
           </a:p>
@@ -732,42 +707,6 @@
           <a:bodyPr/>
           <a:lstStyle/>
           <a:p>
-            <a:r>
-              <a:rPr lang="en-US" sz="1200" b="0" i="0" kern="1200" dirty="0" smtClean="0">
-                <a:solidFill>
-                  <a:schemeClr val="tx1"/>
-                </a:solidFill>
-                <a:effectLst/>
-                <a:latin typeface="+mn-lt"/>
-                <a:ea typeface="+mn-ea"/>
-                <a:cs typeface="+mn-cs"/>
-              </a:rPr>
-              <a:t>The basic symptom of an Anemic Domain Model is that at first blush it looks like the real thing. There are objects, many named after the nouns in the domain space, and these objects are connected with the rich relationships and structure that true domain models have. The catch comes when you look at the behavior, and you realize that there is hardly any behavior on these objects, making them little more than bags of getters and setters. Indeed often these models come with design rules that say that you are not to put any domain logic in the </a:t>
-            </a:r>
-            <a:r>
-              <a:rPr lang="en-US" sz="1200" b="0" i="0" kern="1200" dirty="0" err="1" smtClean="0">
-                <a:solidFill>
-                  <a:schemeClr val="tx1"/>
-                </a:solidFill>
-                <a:effectLst/>
-                <a:latin typeface="+mn-lt"/>
-                <a:ea typeface="+mn-ea"/>
-                <a:cs typeface="+mn-cs"/>
-              </a:rPr>
-              <a:t>the</a:t>
-            </a:r>
-            <a:r>
-              <a:rPr lang="en-US" sz="1200" b="0" i="0" kern="1200" dirty="0" smtClean="0">
-                <a:solidFill>
-                  <a:schemeClr val="tx1"/>
-                </a:solidFill>
-                <a:effectLst/>
-                <a:latin typeface="+mn-lt"/>
-                <a:ea typeface="+mn-ea"/>
-                <a:cs typeface="+mn-cs"/>
-              </a:rPr>
-              <a:t> domain objects. Instead there are a set of service objects which capture all the domain logic. These services live on top of the domain model and use the domain model for data.</a:t>
-            </a:r>
             <a:endParaRPr lang="en-US" dirty="0"/>
           </a:p>
         </p:txBody>
@@ -789,7 +728,7 @@
           <a:p>
             <a:fld id="{CCC3FF49-3932-43E0-8B20-094659508D18}" type="slidenum">
               <a:rPr lang="en-US" smtClean="0"/>
-              <a:t>12</a:t>
+              <a:t>11</a:t>
             </a:fld>
             <a:endParaRPr lang="en-US"/>
           </a:p>
@@ -852,6 +791,42 @@
           <a:bodyPr/>
           <a:lstStyle/>
           <a:p>
+            <a:r>
+              <a:rPr lang="en-US" sz="1200" b="0" i="0" kern="1200" dirty="0" smtClean="0">
+                <a:solidFill>
+                  <a:schemeClr val="tx1"/>
+                </a:solidFill>
+                <a:effectLst/>
+                <a:latin typeface="+mn-lt"/>
+                <a:ea typeface="+mn-ea"/>
+                <a:cs typeface="+mn-cs"/>
+              </a:rPr>
+              <a:t>The basic symptom of an Anemic Domain Model is that at first blush it looks like the real thing. There are objects, many named after the nouns in the domain space, and these objects are connected with the rich relationships and structure that true domain models have. The catch comes when you look at the behavior, and you realize that there is hardly any behavior on these objects, making them little more than bags of getters and setters. Indeed often these models come with design rules that say that you are not to put any domain logic in the </a:t>
+            </a:r>
+            <a:r>
+              <a:rPr lang="en-US" sz="1200" b="0" i="0" kern="1200" dirty="0" err="1" smtClean="0">
+                <a:solidFill>
+                  <a:schemeClr val="tx1"/>
+                </a:solidFill>
+                <a:effectLst/>
+                <a:latin typeface="+mn-lt"/>
+                <a:ea typeface="+mn-ea"/>
+                <a:cs typeface="+mn-cs"/>
+              </a:rPr>
+              <a:t>the</a:t>
+            </a:r>
+            <a:r>
+              <a:rPr lang="en-US" sz="1200" b="0" i="0" kern="1200" dirty="0" smtClean="0">
+                <a:solidFill>
+                  <a:schemeClr val="tx1"/>
+                </a:solidFill>
+                <a:effectLst/>
+                <a:latin typeface="+mn-lt"/>
+                <a:ea typeface="+mn-ea"/>
+                <a:cs typeface="+mn-cs"/>
+              </a:rPr>
+              <a:t> domain objects. Instead there are a set of service objects which capture all the domain logic. These services live on top of the domain model and use the domain model for data.</a:t>
+            </a:r>
             <a:endParaRPr lang="en-US" dirty="0"/>
           </a:p>
         </p:txBody>
@@ -873,7 +848,7 @@
           <a:p>
             <a:fld id="{CCC3FF49-3932-43E0-8B20-094659508D18}" type="slidenum">
               <a:rPr lang="en-US" smtClean="0"/>
-              <a:t>13</a:t>
+              <a:t>12</a:t>
             </a:fld>
             <a:endParaRPr lang="en-US"/>
           </a:p>
@@ -936,6 +911,90 @@
           <a:bodyPr/>
           <a:lstStyle/>
           <a:p>
+            <a:endParaRPr lang="en-US" dirty="0"/>
+          </a:p>
+        </p:txBody>
+      </p:sp>
+      <p:sp>
+        <p:nvSpPr>
+          <p:cNvPr id="4" name="Slide Number Placeholder 3"/>
+          <p:cNvSpPr>
+            <a:spLocks noGrp="1"/>
+          </p:cNvSpPr>
+          <p:nvPr>
+            <p:ph type="sldNum" sz="quarter" idx="10"/>
+          </p:nvPr>
+        </p:nvSpPr>
+        <p:spPr/>
+        <p:txBody>
+          <a:bodyPr/>
+          <a:lstStyle/>
+          <a:p>
+            <a:fld id="{CCC3FF49-3932-43E0-8B20-094659508D18}" type="slidenum">
+              <a:rPr lang="en-US" smtClean="0"/>
+              <a:t>13</a:t>
+            </a:fld>
+            <a:endParaRPr lang="en-US"/>
+          </a:p>
+        </p:txBody>
+      </p:sp>
+    </p:spTree>
+    <p:extLst>
+      <p:ext uri="{BB962C8B-B14F-4D97-AF65-F5344CB8AC3E}">
+        <p14:creationId xmlns:p14="http://schemas.microsoft.com/office/powerpoint/2010/main" val="1209981210"/>
+      </p:ext>
+    </p:extLst>
+  </p:cSld>
+  <p:clrMapOvr>
+    <a:masterClrMapping/>
+  </p:clrMapOvr>
+</p:notes>
+</file>
+
+<file path=ppt/notesSlides/notesSlide14.xml><?xml version="1.0" encoding="utf-8"?>
+<p:notes xmlns:a="http://schemas.openxmlformats.org/drawingml/2006/main" xmlns:r="http://schemas.openxmlformats.org/officeDocument/2006/relationships" xmlns:p="http://schemas.openxmlformats.org/presentationml/2006/main">
+  <p:cSld>
+    <p:spTree>
+      <p:nvGrpSpPr>
+        <p:cNvPr id="1" name=""/>
+        <p:cNvGrpSpPr/>
+        <p:nvPr/>
+      </p:nvGrpSpPr>
+      <p:grpSpPr>
+        <a:xfrm>
+          <a:off x="0" y="0"/>
+          <a:ext cx="0" cy="0"/>
+          <a:chOff x="0" y="0"/>
+          <a:chExt cx="0" cy="0"/>
+        </a:xfrm>
+      </p:grpSpPr>
+      <p:sp>
+        <p:nvSpPr>
+          <p:cNvPr id="2" name="Slide Image Placeholder 1"/>
+          <p:cNvSpPr>
+            <a:spLocks noGrp="1" noRot="1" noChangeAspect="1"/>
+          </p:cNvSpPr>
+          <p:nvPr>
+            <p:ph type="sldImg"/>
+          </p:nvPr>
+        </p:nvSpPr>
+        <p:spPr/>
+      </p:sp>
+      <p:sp>
+        <p:nvSpPr>
+          <p:cNvPr id="3" name="Notes Placeholder 2"/>
+          <p:cNvSpPr>
+            <a:spLocks noGrp="1"/>
+          </p:cNvSpPr>
+          <p:nvPr>
+            <p:ph type="body" idx="1"/>
+          </p:nvPr>
+        </p:nvSpPr>
+        <p:spPr/>
+        <p:txBody>
+          <a:bodyPr/>
+          <a:lstStyle/>
+          <a:p>
             <a:r>
               <a:rPr lang="en-US" dirty="0" smtClean="0"/>
               <a:t>Paying</a:t>
@@ -965,7 +1024,7 @@
           <a:p>
             <a:fld id="{CCC3FF49-3932-43E0-8B20-094659508D18}" type="slidenum">
               <a:rPr lang="en-US" smtClean="0"/>
-              <a:t>19</a:t>
+              <a:t>15</a:t>
             </a:fld>
             <a:endParaRPr lang="en-US"/>
           </a:p>
@@ -1030,35 +1089,47 @@
           <a:p>
             <a:r>
               <a:rPr lang="en-US" dirty="0" smtClean="0"/>
-              <a:t>A lot of times</a:t>
+              <a:t>From </a:t>
+            </a:r>
+            <a:r>
+              <a:rPr lang="en-US" dirty="0" err="1" smtClean="0"/>
+              <a:t>PoEAA</a:t>
+            </a:r>
+            <a:r>
+              <a:rPr lang="en-US" dirty="0" smtClean="0"/>
+              <a:t>:</a:t>
             </a:r>
             <a:r>
               <a:rPr lang="en-US" baseline="0" dirty="0" smtClean="0"/>
-              <a:t> – you shouldn’t</a:t>
-            </a:r>
-          </a:p>
-          <a:p>
-            <a:endParaRPr lang="en-US" baseline="0" dirty="0" smtClean="0"/>
-          </a:p>
-          <a:p>
+              <a:t> </a:t>
+            </a:r>
+            <a:r>
+              <a:rPr lang="en-US" dirty="0" smtClean="0"/>
+              <a:t>An object model of the domain that incorporates both behavior and data.</a:t>
+            </a:r>
+          </a:p>
+          <a:p>
+            <a:endParaRPr lang="en-US" dirty="0" smtClean="0"/>
+          </a:p>
+          <a:p>
+            <a:r>
+              <a:rPr lang="en-US" dirty="0" smtClean="0"/>
+              <a:t>Key – data AND behavior</a:t>
+            </a:r>
+          </a:p>
+          <a:p>
+            <a:endParaRPr lang="en-US" dirty="0" smtClean="0"/>
+          </a:p>
+          <a:p>
+            <a:r>
+              <a:rPr lang="en-US" dirty="0" smtClean="0"/>
+              <a:t>Beyond nouns</a:t>
+            </a:r>
             <a:r>
               <a:rPr lang="en-US" baseline="0" dirty="0" smtClean="0"/>
-              <a:t>When you should – complex domain, or a long-lived project where behavior gets added piece by </a:t>
-            </a:r>
-            <a:r>
-              <a:rPr lang="en-US" baseline="0" dirty="0" smtClean="0"/>
-              <a:t>piece</a:t>
-            </a:r>
-          </a:p>
-          <a:p>
-            <a:endParaRPr lang="en-US" baseline="0" dirty="0" smtClean="0"/>
-          </a:p>
-          <a:p>
-            <a:r>
-              <a:rPr lang="en-US" baseline="0" dirty="0" smtClean="0"/>
-              <a:t>Good news – we can delay this decision until it’s needed</a:t>
-            </a:r>
-            <a:endParaRPr lang="en-US" baseline="0" dirty="0" smtClean="0"/>
+              <a:t> and verbs</a:t>
+            </a:r>
+            <a:endParaRPr lang="en-US" dirty="0"/>
           </a:p>
         </p:txBody>
       </p:sp>
@@ -1079,7 +1150,7 @@
           <a:p>
             <a:fld id="{CCC3FF49-3932-43E0-8B20-094659508D18}" type="slidenum">
               <a:rPr lang="en-US" smtClean="0"/>
-              <a:t>3</a:t>
+              <a:t>2</a:t>
             </a:fld>
             <a:endParaRPr lang="en-US"/>
           </a:p>
@@ -1142,7 +1213,32 @@
           <a:bodyPr/>
           <a:lstStyle/>
           <a:p>
-            <a:endParaRPr lang="en-US" dirty="0"/>
+            <a:r>
+              <a:rPr lang="en-US" dirty="0" smtClean="0"/>
+              <a:t>A lot of times</a:t>
+            </a:r>
+            <a:r>
+              <a:rPr lang="en-US" baseline="0" dirty="0" smtClean="0"/>
+              <a:t> – you shouldn’t</a:t>
+            </a:r>
+          </a:p>
+          <a:p>
+            <a:endParaRPr lang="en-US" baseline="0" dirty="0" smtClean="0"/>
+          </a:p>
+          <a:p>
+            <a:r>
+              <a:rPr lang="en-US" baseline="0" dirty="0" smtClean="0"/>
+              <a:t>When you should – complex domain, or a long-lived project where behavior gets added piece by piece</a:t>
+            </a:r>
+          </a:p>
+          <a:p>
+            <a:endParaRPr lang="en-US" baseline="0" dirty="0" smtClean="0"/>
+          </a:p>
+          <a:p>
+            <a:r>
+              <a:rPr lang="en-US" baseline="0" dirty="0" smtClean="0"/>
+              <a:t>Good news – we can delay this decision until it’s needed</a:t>
+            </a:r>
           </a:p>
         </p:txBody>
       </p:sp>
@@ -1163,7 +1259,7 @@
           <a:p>
             <a:fld id="{CCC3FF49-3932-43E0-8B20-094659508D18}" type="slidenum">
               <a:rPr lang="en-US" smtClean="0"/>
-              <a:t>4</a:t>
+              <a:t>3</a:t>
             </a:fld>
             <a:endParaRPr lang="en-US"/>
           </a:p>
@@ -1226,23 +1322,6 @@
           <a:bodyPr/>
           <a:lstStyle/>
           <a:p>
-            <a:r>
-              <a:rPr lang="en-US" dirty="0" smtClean="0"/>
-              <a:t>Loyalty program</a:t>
-            </a:r>
-          </a:p>
-          <a:p>
-            <a:endParaRPr lang="en-US" dirty="0" smtClean="0"/>
-          </a:p>
-          <a:p>
-            <a:r>
-              <a:rPr lang="en-US" dirty="0" smtClean="0"/>
-              <a:t>Looks rich,</a:t>
-            </a:r>
-            <a:r>
-              <a:rPr lang="en-US" baseline="0" dirty="0" smtClean="0"/>
-              <a:t> right?</a:t>
-            </a:r>
             <a:endParaRPr lang="en-US" dirty="0"/>
           </a:p>
         </p:txBody>
@@ -1264,7 +1343,7 @@
           <a:p>
             <a:fld id="{CCC3FF49-3932-43E0-8B20-094659508D18}" type="slidenum">
               <a:rPr lang="en-US" smtClean="0"/>
-              <a:t>5</a:t>
+              <a:t>4</a:t>
             </a:fld>
             <a:endParaRPr lang="en-US"/>
           </a:p>
@@ -1365,7 +1444,7 @@
           <a:p>
             <a:fld id="{CCC3FF49-3932-43E0-8B20-094659508D18}" type="slidenum">
               <a:rPr lang="en-US" smtClean="0"/>
-              <a:t>6</a:t>
+              <a:t>5</a:t>
             </a:fld>
             <a:endParaRPr lang="en-US"/>
           </a:p>
@@ -1466,7 +1545,7 @@
           <a:p>
             <a:fld id="{CCC3FF49-3932-43E0-8B20-094659508D18}" type="slidenum">
               <a:rPr lang="en-US" smtClean="0"/>
-              <a:t>7</a:t>
+              <a:t>6</a:t>
             </a:fld>
             <a:endParaRPr lang="en-US"/>
           </a:p>
@@ -1567,7 +1646,7 @@
           <a:p>
             <a:fld id="{CCC3FF49-3932-43E0-8B20-094659508D18}" type="slidenum">
               <a:rPr lang="en-US" smtClean="0"/>
-              <a:t>8</a:t>
+              <a:t>7</a:t>
             </a:fld>
             <a:endParaRPr lang="en-US"/>
           </a:p>
@@ -1668,7 +1747,7 @@
           <a:p>
             <a:fld id="{CCC3FF49-3932-43E0-8B20-094659508D18}" type="slidenum">
               <a:rPr lang="en-US" smtClean="0"/>
-              <a:t>9</a:t>
+              <a:t>8</a:t>
             </a:fld>
             <a:endParaRPr lang="en-US"/>
           </a:p>
@@ -1731,6 +1810,23 @@
           <a:bodyPr/>
           <a:lstStyle/>
           <a:p>
+            <a:r>
+              <a:rPr lang="en-US" dirty="0" smtClean="0"/>
+              <a:t>Loyalty program</a:t>
+            </a:r>
+          </a:p>
+          <a:p>
+            <a:endParaRPr lang="en-US" dirty="0" smtClean="0"/>
+          </a:p>
+          <a:p>
+            <a:r>
+              <a:rPr lang="en-US" dirty="0" smtClean="0"/>
+              <a:t>Looks rich,</a:t>
+            </a:r>
+            <a:r>
+              <a:rPr lang="en-US" baseline="0" dirty="0" smtClean="0"/>
+              <a:t> right?</a:t>
+            </a:r>
             <a:endParaRPr lang="en-US" dirty="0"/>
           </a:p>
         </p:txBody>
@@ -1752,7 +1848,7 @@
           <a:p>
             <a:fld id="{CCC3FF49-3932-43E0-8B20-094659508D18}" type="slidenum">
               <a:rPr lang="en-US" smtClean="0"/>
-              <a:t>10</a:t>
+              <a:t>9</a:t>
             </a:fld>
             <a:endParaRPr lang="en-US"/>
           </a:p>
@@ -1790,322 +1886,90 @@
       </p:grpSpPr>
       <p:sp>
         <p:nvSpPr>
-          <p:cNvPr id="13" name="Rectangle 12"/>
-          <p:cNvSpPr/>
-          <p:nvPr>
-            <p:custDataLst>
-              <p:tags r:id="rId1"/>
-            </p:custDataLst>
+          <p:cNvPr id="2" name="Title 1"/>
+          <p:cNvSpPr>
+            <a:spLocks noGrp="1"/>
+          </p:cNvSpPr>
+          <p:nvPr>
+            <p:ph type="ctrTitle"/>
           </p:nvPr>
         </p:nvSpPr>
         <p:spPr>
           <a:xfrm>
-            <a:off x="0" y="5715000"/>
-            <a:ext cx="9144000" cy="1143000"/>
+            <a:off x="1143000" y="1122363"/>
+            <a:ext cx="6858000" cy="2387600"/>
           </a:xfrm>
-          <a:prstGeom prst="rect">
-            <a:avLst/>
-          </a:prstGeom>
-          <a:solidFill>
-            <a:schemeClr val="tx1"/>
-          </a:solidFill>
-          <a:ln>
-            <a:noFill/>
-          </a:ln>
         </p:spPr>
-        <p:style>
-          <a:lnRef idx="2">
-            <a:schemeClr val="accent1">
-              <a:shade val="50000"/>
-            </a:schemeClr>
-          </a:lnRef>
-          <a:fillRef idx="1">
-            <a:schemeClr val="accent1"/>
-          </a:fillRef>
-          <a:effectRef idx="0">
-            <a:schemeClr val="accent1"/>
-          </a:effectRef>
-          <a:fontRef idx="minor">
-            <a:schemeClr val="lt1"/>
-          </a:fontRef>
-        </p:style>
-        <p:txBody>
-          <a:bodyPr rtlCol="0" anchor="ctr"/>
-          <a:lstStyle/>
-          <a:p>
-            <a:pPr algn="ctr"/>
-            <a:endParaRPr lang="en-US"/>
-          </a:p>
-        </p:txBody>
-      </p:sp>
-      <p:sp>
-        <p:nvSpPr>
-          <p:cNvPr id="9" name="Rectangle 8"/>
-          <p:cNvSpPr/>
-          <p:nvPr>
-            <p:custDataLst>
-              <p:tags r:id="rId2"/>
-            </p:custDataLst>
+        <p:txBody>
+          <a:bodyPr anchor="b"/>
+          <a:lstStyle>
+            <a:lvl1pPr algn="ctr">
+              <a:defRPr sz="4500"/>
+            </a:lvl1pPr>
+          </a:lstStyle>
+          <a:p>
+            <a:r>
+              <a:rPr lang="en-US" smtClean="0"/>
+              <a:t>Click to edit Master title style</a:t>
+            </a:r>
+            <a:endParaRPr lang="en-US"/>
+          </a:p>
+        </p:txBody>
+      </p:sp>
+      <p:sp>
+        <p:nvSpPr>
+          <p:cNvPr id="3" name="Subtitle 2"/>
+          <p:cNvSpPr>
+            <a:spLocks noGrp="1"/>
+          </p:cNvSpPr>
+          <p:nvPr>
+            <p:ph type="subTitle" idx="1"/>
           </p:nvPr>
         </p:nvSpPr>
         <p:spPr>
           <a:xfrm>
-            <a:off x="228600" y="2057400"/>
-            <a:ext cx="8686800" cy="3886200"/>
+            <a:off x="1143000" y="3602038"/>
+            <a:ext cx="6858000" cy="1655762"/>
           </a:xfrm>
-          <a:prstGeom prst="rect">
-            <a:avLst/>
-          </a:prstGeom>
-          <a:solidFill>
-            <a:schemeClr val="bg1">
-              <a:alpha val="67000"/>
-            </a:schemeClr>
-          </a:solidFill>
-          <a:ln w="88900" cap="rnd">
-            <a:noFill/>
-          </a:ln>
         </p:spPr>
-        <p:style>
-          <a:lnRef idx="2">
-            <a:schemeClr val="accent1">
-              <a:shade val="50000"/>
-            </a:schemeClr>
-          </a:lnRef>
-          <a:fillRef idx="1">
-            <a:schemeClr val="accent1"/>
-          </a:fillRef>
-          <a:effectRef idx="0">
-            <a:schemeClr val="accent1"/>
-          </a:effectRef>
-          <a:fontRef idx="minor">
-            <a:schemeClr val="lt1"/>
-          </a:fontRef>
-        </p:style>
-        <p:txBody>
-          <a:bodyPr rtlCol="0" anchor="ctr"/>
-          <a:lstStyle/>
-          <a:p>
-            <a:pPr algn="ctr"/>
-            <a:endParaRPr lang="en-US">
-              <a:effectLst/>
-            </a:endParaRPr>
-          </a:p>
-        </p:txBody>
-      </p:sp>
-      <p:sp>
-        <p:nvSpPr>
-          <p:cNvPr id="8" name="Rectangle 7"/>
-          <p:cNvSpPr/>
-          <p:nvPr>
-            <p:custDataLst>
-              <p:tags r:id="rId3"/>
-            </p:custDataLst>
-          </p:nvPr>
-        </p:nvSpPr>
-        <p:spPr>
-          <a:xfrm>
-            <a:off x="0" y="342900"/>
-            <a:ext cx="9144000" cy="1397938"/>
-          </a:xfrm>
-          <a:prstGeom prst="rect">
-            <a:avLst/>
-          </a:prstGeom>
-          <a:solidFill>
-            <a:schemeClr val="tx1">
-              <a:alpha val="75000"/>
-            </a:schemeClr>
-          </a:solidFill>
-          <a:ln>
-            <a:noFill/>
-          </a:ln>
-        </p:spPr>
-        <p:style>
-          <a:lnRef idx="2">
-            <a:schemeClr val="accent1">
-              <a:shade val="50000"/>
-            </a:schemeClr>
-          </a:lnRef>
-          <a:fillRef idx="1">
-            <a:schemeClr val="accent1"/>
-          </a:fillRef>
-          <a:effectRef idx="0">
-            <a:schemeClr val="accent1"/>
-          </a:effectRef>
-          <a:fontRef idx="minor">
-            <a:schemeClr val="lt1"/>
-          </a:fontRef>
-        </p:style>
-        <p:txBody>
-          <a:bodyPr rtlCol="0" anchor="ctr"/>
-          <a:lstStyle/>
-          <a:p>
-            <a:pPr algn="ctr"/>
-            <a:endParaRPr lang="en-US"/>
-          </a:p>
-        </p:txBody>
-      </p:sp>
-      <p:sp>
-        <p:nvSpPr>
-          <p:cNvPr id="2" name="Title 1"/>
-          <p:cNvSpPr>
-            <a:spLocks noGrp="1"/>
-          </p:cNvSpPr>
-          <p:nvPr>
-            <p:ph type="ctrTitle"/>
-            <p:custDataLst>
-              <p:tags r:id="rId4"/>
-            </p:custDataLst>
-          </p:nvPr>
-        </p:nvSpPr>
-        <p:spPr>
-          <a:xfrm>
-            <a:off x="457200" y="2286000"/>
-            <a:ext cx="8229600" cy="1943100"/>
-          </a:xfrm>
-          <a:solidFill>
-            <a:schemeClr val="bg1">
-              <a:alpha val="67000"/>
-            </a:schemeClr>
-          </a:solidFill>
-          <a:effectLst/>
-        </p:spPr>
-        <p:txBody>
-          <a:bodyPr/>
-          <a:lstStyle>
-            <a:lvl1pPr algn="ctr">
-              <a:defRPr b="1">
-                <a:solidFill>
-                  <a:schemeClr val="tx1"/>
-                </a:solidFill>
-              </a:defRPr>
-            </a:lvl1pPr>
-          </a:lstStyle>
-          <a:p>
-            <a:r>
-              <a:rPr lang="en-US" smtClean="0"/>
-              <a:t>Click to edit Master title style</a:t>
-            </a:r>
-            <a:endParaRPr lang="en-US" dirty="0"/>
-          </a:p>
-        </p:txBody>
-      </p:sp>
-      <p:sp>
-        <p:nvSpPr>
-          <p:cNvPr id="3" name="Subtitle 2"/>
-          <p:cNvSpPr>
-            <a:spLocks noGrp="1"/>
-          </p:cNvSpPr>
-          <p:nvPr>
-            <p:ph type="subTitle" idx="1"/>
-            <p:custDataLst>
-              <p:tags r:id="rId5"/>
-            </p:custDataLst>
-          </p:nvPr>
-        </p:nvSpPr>
-        <p:spPr>
-          <a:xfrm>
-            <a:off x="457200" y="4457700"/>
-            <a:ext cx="8229600" cy="1257300"/>
-          </a:xfrm>
-          <a:solidFill>
-            <a:schemeClr val="bg1">
-              <a:alpha val="67000"/>
-            </a:schemeClr>
-          </a:solidFill>
-        </p:spPr>
-        <p:txBody>
-          <a:bodyPr wrap="square" anchor="ctr" anchorCtr="1">
-            <a:normAutofit/>
-          </a:bodyPr>
+        <p:txBody>
+          <a:bodyPr/>
           <a:lstStyle>
             <a:lvl1pPr marL="0" indent="0" algn="ctr">
               <a:buNone/>
-              <a:defRPr sz="2800" b="1" cap="all" baseline="0">
-                <a:solidFill>
-                  <a:srgbClr val="0069AA"/>
-                </a:solidFill>
-                <a:latin typeface="Arial Narrow" pitchFamily="34" charset="0"/>
-              </a:defRPr>
+              <a:defRPr sz="1800"/>
             </a:lvl1pPr>
-            <a:lvl2pPr marL="457200" indent="0" algn="ctr">
+            <a:lvl2pPr marL="342900" indent="0" algn="ctr">
               <a:buNone/>
-              <a:defRPr>
-                <a:solidFill>
-                  <a:schemeClr val="tx1">
-                    <a:tint val="75000"/>
-                  </a:schemeClr>
-                </a:solidFill>
-              </a:defRPr>
+              <a:defRPr sz="1500"/>
             </a:lvl2pPr>
-            <a:lvl3pPr marL="914400" indent="0" algn="ctr">
+            <a:lvl3pPr marL="685800" indent="0" algn="ctr">
               <a:buNone/>
-              <a:defRPr>
-                <a:solidFill>
-                  <a:schemeClr val="tx1">
-                    <a:tint val="75000"/>
-                  </a:schemeClr>
-                </a:solidFill>
-              </a:defRPr>
+              <a:defRPr sz="1350"/>
             </a:lvl3pPr>
-            <a:lvl4pPr marL="1371600" indent="0" algn="ctr">
+            <a:lvl4pPr marL="1028700" indent="0" algn="ctr">
               <a:buNone/>
-              <a:defRPr>
-                <a:solidFill>
-                  <a:schemeClr val="tx1">
-                    <a:tint val="75000"/>
-                  </a:schemeClr>
-                </a:solidFill>
-              </a:defRPr>
+              <a:defRPr sz="1200"/>
             </a:lvl4pPr>
-            <a:lvl5pPr marL="1828800" indent="0" algn="ctr">
+            <a:lvl5pPr marL="1371600" indent="0" algn="ctr">
               <a:buNone/>
-              <a:defRPr>
-                <a:solidFill>
-                  <a:schemeClr val="tx1">
-                    <a:tint val="75000"/>
-                  </a:schemeClr>
-                </a:solidFill>
-              </a:defRPr>
+              <a:defRPr sz="1200"/>
             </a:lvl5pPr>
-            <a:lvl6pPr marL="2286000" indent="0" algn="ctr">
+            <a:lvl6pPr marL="1714500" indent="0" algn="ctr">
               <a:buNone/>
-              <a:defRPr>
-                <a:solidFill>
-                  <a:schemeClr val="tx1">
-                    <a:tint val="75000"/>
-                  </a:schemeClr>
-                </a:solidFill>
-              </a:defRPr>
+              <a:defRPr sz="1200"/>
             </a:lvl6pPr>
-            <a:lvl7pPr marL="2743200" indent="0" algn="ctr">
+            <a:lvl7pPr marL="2057400" indent="0" algn="ctr">
               <a:buNone/>
-              <a:defRPr>
-                <a:solidFill>
-                  <a:schemeClr val="tx1">
-                    <a:tint val="75000"/>
-                  </a:schemeClr>
-                </a:solidFill>
-              </a:defRPr>
+              <a:defRPr sz="1200"/>
             </a:lvl7pPr>
-            <a:lvl8pPr marL="3200400" indent="0" algn="ctr">
+            <a:lvl8pPr marL="2400300" indent="0" algn="ctr">
               <a:buNone/>
-              <a:defRPr>
-                <a:solidFill>
-                  <a:schemeClr val="tx1">
-                    <a:tint val="75000"/>
-                  </a:schemeClr>
-                </a:solidFill>
-              </a:defRPr>
+              <a:defRPr sz="1200"/>
             </a:lvl8pPr>
-            <a:lvl9pPr marL="3657600" indent="0" algn="ctr">
+            <a:lvl9pPr marL="2743200" indent="0" algn="ctr">
               <a:buNone/>
-              <a:defRPr>
-                <a:solidFill>
-                  <a:schemeClr val="tx1">
-                    <a:tint val="75000"/>
-                  </a:schemeClr>
-                </a:solidFill>
-              </a:defRPr>
+              <a:defRPr sz="1200"/>
             </a:lvl9pPr>
           </a:lstStyle>
           <a:p>
@@ -2113,160 +1977,435 @@
               <a:rPr lang="en-US" smtClean="0"/>
               <a:t>Click to edit Master subtitle style</a:t>
             </a:r>
-            <a:endParaRPr lang="en-US" dirty="0"/>
-          </a:p>
-        </p:txBody>
-      </p:sp>
-      <p:pic>
-        <p:nvPicPr>
-          <p:cNvPr id="7" name="Picture 6"/>
-          <p:cNvPicPr>
-            <a:picLocks noChangeAspect="1"/>
-          </p:cNvPicPr>
-          <p:nvPr>
-            <p:custDataLst>
-              <p:tags r:id="rId6"/>
-            </p:custDataLst>
-          </p:nvPr>
-        </p:nvPicPr>
-        <p:blipFill>
-          <a:blip r:embed="rId10" cstate="print">
-            <a:extLst>
-              <a:ext uri="{28A0092B-C50C-407E-A947-70E740481C1C}">
-                <a14:useLocalDpi xmlns:a14="http://schemas.microsoft.com/office/drawing/2010/main" val="0"/>
-              </a:ext>
-            </a:extLst>
-          </a:blip>
-          <a:stretch>
-            <a:fillRect/>
-          </a:stretch>
-        </p:blipFill>
-        <p:spPr>
-          <a:xfrm>
-            <a:off x="1554474" y="575829"/>
-            <a:ext cx="6035052" cy="932081"/>
-          </a:xfrm>
-          <a:prstGeom prst="rect">
-            <a:avLst/>
-          </a:prstGeom>
-        </p:spPr>
-      </p:pic>
-      <p:sp>
-        <p:nvSpPr>
-          <p:cNvPr id="17" name="Rectangle 16"/>
-          <p:cNvSpPr/>
-          <p:nvPr>
-            <p:custDataLst>
-              <p:tags r:id="rId7"/>
-            </p:custDataLst>
-          </p:nvPr>
-        </p:nvSpPr>
-        <p:spPr>
-          <a:xfrm>
-            <a:off x="228600" y="6172200"/>
-            <a:ext cx="4229100" cy="457200"/>
-          </a:xfrm>
-          <a:prstGeom prst="rect">
-            <a:avLst/>
-          </a:prstGeom>
-          <a:noFill/>
-          <a:ln>
-            <a:noFill/>
-          </a:ln>
-        </p:spPr>
-        <p:style>
-          <a:lnRef idx="2">
-            <a:schemeClr val="accent1">
-              <a:shade val="50000"/>
-            </a:schemeClr>
-          </a:lnRef>
-          <a:fillRef idx="1">
-            <a:schemeClr val="accent1"/>
-          </a:fillRef>
-          <a:effectRef idx="0">
-            <a:schemeClr val="accent1"/>
-          </a:effectRef>
-          <a:fontRef idx="minor">
-            <a:schemeClr val="lt1"/>
-          </a:fontRef>
-        </p:style>
-        <p:txBody>
-          <a:bodyPr rtlCol="0" anchor="ctr"/>
-          <a:lstStyle/>
-          <a:p>
-            <a:pPr algn="ctr"/>
-            <a:r>
-              <a:rPr lang="en-US" b="0" dirty="0" smtClean="0"/>
-              <a:t>headspring.com</a:t>
-            </a:r>
-            <a:endParaRPr lang="en-US" b="0" dirty="0"/>
-          </a:p>
-        </p:txBody>
-      </p:sp>
-      <p:sp>
-        <p:nvSpPr>
-          <p:cNvPr id="18" name="Rectangle 17"/>
-          <p:cNvSpPr/>
-          <p:nvPr>
-            <p:custDataLst>
-              <p:tags r:id="rId8"/>
-            </p:custDataLst>
-          </p:nvPr>
-        </p:nvSpPr>
-        <p:spPr>
-          <a:xfrm>
-            <a:off x="4686300" y="6172200"/>
-            <a:ext cx="4229100" cy="457200"/>
-          </a:xfrm>
-          <a:prstGeom prst="rect">
-            <a:avLst/>
-          </a:prstGeom>
-          <a:noFill/>
-          <a:ln>
-            <a:noFill/>
-          </a:ln>
-        </p:spPr>
-        <p:style>
-          <a:lnRef idx="2">
-            <a:schemeClr val="accent1">
-              <a:shade val="50000"/>
-            </a:schemeClr>
-          </a:lnRef>
-          <a:fillRef idx="1">
-            <a:schemeClr val="accent1"/>
-          </a:fillRef>
-          <a:effectRef idx="0">
-            <a:schemeClr val="accent1"/>
-          </a:effectRef>
-          <a:fontRef idx="minor">
-            <a:schemeClr val="lt1"/>
-          </a:fontRef>
-        </p:style>
-        <p:txBody>
-          <a:bodyPr rtlCol="0" anchor="ctr"/>
-          <a:lstStyle/>
-          <a:p>
-            <a:pPr algn="ctr"/>
-            <a:r>
-              <a:rPr lang="en-US" dirty="0" smtClean="0"/>
-              <a:t>@headspring</a:t>
-            </a:r>
-            <a:endParaRPr lang="en-US" dirty="0"/>
+            <a:endParaRPr lang="en-US"/>
+          </a:p>
+        </p:txBody>
+      </p:sp>
+      <p:sp>
+        <p:nvSpPr>
+          <p:cNvPr id="4" name="Date Placeholder 3"/>
+          <p:cNvSpPr>
+            <a:spLocks noGrp="1"/>
+          </p:cNvSpPr>
+          <p:nvPr>
+            <p:ph type="dt" sz="half" idx="10"/>
+          </p:nvPr>
+        </p:nvSpPr>
+        <p:spPr/>
+        <p:txBody>
+          <a:bodyPr/>
+          <a:lstStyle/>
+          <a:p>
+            <a:fld id="{32045334-19B0-4D34-9FBB-D243F6BB4C04}" type="datetimeFigureOut">
+              <a:rPr lang="en-US" smtClean="0"/>
+              <a:t>11/5/2015</a:t>
+            </a:fld>
+            <a:endParaRPr lang="en-US"/>
+          </a:p>
+        </p:txBody>
+      </p:sp>
+      <p:sp>
+        <p:nvSpPr>
+          <p:cNvPr id="5" name="Footer Placeholder 4"/>
+          <p:cNvSpPr>
+            <a:spLocks noGrp="1"/>
+          </p:cNvSpPr>
+          <p:nvPr>
+            <p:ph type="ftr" sz="quarter" idx="11"/>
+          </p:nvPr>
+        </p:nvSpPr>
+        <p:spPr/>
+        <p:txBody>
+          <a:bodyPr/>
+          <a:lstStyle/>
+          <a:p>
+            <a:endParaRPr lang="en-US"/>
+          </a:p>
+        </p:txBody>
+      </p:sp>
+      <p:sp>
+        <p:nvSpPr>
+          <p:cNvPr id="6" name="Slide Number Placeholder 5"/>
+          <p:cNvSpPr>
+            <a:spLocks noGrp="1"/>
+          </p:cNvSpPr>
+          <p:nvPr>
+            <p:ph type="sldNum" sz="quarter" idx="12"/>
+          </p:nvPr>
+        </p:nvSpPr>
+        <p:spPr/>
+        <p:txBody>
+          <a:bodyPr/>
+          <a:lstStyle/>
+          <a:p>
+            <a:fld id="{E2D4E440-31B1-4F01-9300-CA15301D427E}" type="slidenum">
+              <a:rPr lang="en-US" smtClean="0"/>
+              <a:t>‹#›</a:t>
+            </a:fld>
+            <a:endParaRPr lang="en-US"/>
           </a:p>
         </p:txBody>
       </p:sp>
     </p:spTree>
+    <p:extLst>
+      <p:ext uri="{BB962C8B-B14F-4D97-AF65-F5344CB8AC3E}">
+        <p14:creationId xmlns:p14="http://schemas.microsoft.com/office/powerpoint/2010/main" val="262440193"/>
+      </p:ext>
+    </p:extLst>
   </p:cSld>
   <p:clrMapOvr>
     <a:masterClrMapping/>
   </p:clrMapOvr>
-  <p:timing>
-    <p:tnLst>
-      <p:par>
-        <p:cTn id="1" dur="indefinite" restart="never" nodeType="tmRoot"/>
-      </p:par>
-    </p:tnLst>
-  </p:timing>
+</p:sldLayout>
+</file>
+
+<file path=ppt/slideLayouts/slideLayout10.xml><?xml version="1.0" encoding="utf-8"?>
+<p:sldLayout xmlns:a="http://schemas.openxmlformats.org/drawingml/2006/main" xmlns:r="http://schemas.openxmlformats.org/officeDocument/2006/relationships" xmlns:p="http://schemas.openxmlformats.org/presentationml/2006/main" type="vertTx" preserve="1">
+  <p:cSld name="Title and Vertical Text">
+    <p:spTree>
+      <p:nvGrpSpPr>
+        <p:cNvPr id="1" name=""/>
+        <p:cNvGrpSpPr/>
+        <p:nvPr/>
+      </p:nvGrpSpPr>
+      <p:grpSpPr>
+        <a:xfrm>
+          <a:off x="0" y="0"/>
+          <a:ext cx="0" cy="0"/>
+          <a:chOff x="0" y="0"/>
+          <a:chExt cx="0" cy="0"/>
+        </a:xfrm>
+      </p:grpSpPr>
+      <p:sp>
+        <p:nvSpPr>
+          <p:cNvPr id="2" name="Title 1"/>
+          <p:cNvSpPr>
+            <a:spLocks noGrp="1"/>
+          </p:cNvSpPr>
+          <p:nvPr>
+            <p:ph type="title"/>
+          </p:nvPr>
+        </p:nvSpPr>
+        <p:spPr/>
+        <p:txBody>
+          <a:bodyPr/>
+          <a:lstStyle/>
+          <a:p>
+            <a:r>
+              <a:rPr lang="en-US" smtClean="0"/>
+              <a:t>Click to edit Master title style</a:t>
+            </a:r>
+            <a:endParaRPr lang="en-US"/>
+          </a:p>
+        </p:txBody>
+      </p:sp>
+      <p:sp>
+        <p:nvSpPr>
+          <p:cNvPr id="3" name="Vertical Text Placeholder 2"/>
+          <p:cNvSpPr>
+            <a:spLocks noGrp="1"/>
+          </p:cNvSpPr>
+          <p:nvPr>
+            <p:ph type="body" orient="vert" idx="1"/>
+          </p:nvPr>
+        </p:nvSpPr>
+        <p:spPr/>
+        <p:txBody>
+          <a:bodyPr vert="eaVert"/>
+          <a:lstStyle/>
+          <a:p>
+            <a:pPr lvl="0"/>
+            <a:r>
+              <a:rPr lang="en-US" smtClean="0"/>
+              <a:t>Click to edit Master text styles</a:t>
+            </a:r>
+          </a:p>
+          <a:p>
+            <a:pPr lvl="1"/>
+            <a:r>
+              <a:rPr lang="en-US" smtClean="0"/>
+              <a:t>Second level</a:t>
+            </a:r>
+          </a:p>
+          <a:p>
+            <a:pPr lvl="2"/>
+            <a:r>
+              <a:rPr lang="en-US" smtClean="0"/>
+              <a:t>Third level</a:t>
+            </a:r>
+          </a:p>
+          <a:p>
+            <a:pPr lvl="3"/>
+            <a:r>
+              <a:rPr lang="en-US" smtClean="0"/>
+              <a:t>Fourth level</a:t>
+            </a:r>
+          </a:p>
+          <a:p>
+            <a:pPr lvl="4"/>
+            <a:r>
+              <a:rPr lang="en-US" smtClean="0"/>
+              <a:t>Fifth level</a:t>
+            </a:r>
+            <a:endParaRPr lang="en-US"/>
+          </a:p>
+        </p:txBody>
+      </p:sp>
+      <p:sp>
+        <p:nvSpPr>
+          <p:cNvPr id="4" name="Date Placeholder 3"/>
+          <p:cNvSpPr>
+            <a:spLocks noGrp="1"/>
+          </p:cNvSpPr>
+          <p:nvPr>
+            <p:ph type="dt" sz="half" idx="10"/>
+          </p:nvPr>
+        </p:nvSpPr>
+        <p:spPr/>
+        <p:txBody>
+          <a:bodyPr/>
+          <a:lstStyle/>
+          <a:p>
+            <a:fld id="{32045334-19B0-4D34-9FBB-D243F6BB4C04}" type="datetimeFigureOut">
+              <a:rPr lang="en-US" smtClean="0"/>
+              <a:t>11/5/2015</a:t>
+            </a:fld>
+            <a:endParaRPr lang="en-US"/>
+          </a:p>
+        </p:txBody>
+      </p:sp>
+      <p:sp>
+        <p:nvSpPr>
+          <p:cNvPr id="5" name="Footer Placeholder 4"/>
+          <p:cNvSpPr>
+            <a:spLocks noGrp="1"/>
+          </p:cNvSpPr>
+          <p:nvPr>
+            <p:ph type="ftr" sz="quarter" idx="11"/>
+          </p:nvPr>
+        </p:nvSpPr>
+        <p:spPr/>
+        <p:txBody>
+          <a:bodyPr/>
+          <a:lstStyle/>
+          <a:p>
+            <a:endParaRPr lang="en-US"/>
+          </a:p>
+        </p:txBody>
+      </p:sp>
+      <p:sp>
+        <p:nvSpPr>
+          <p:cNvPr id="6" name="Slide Number Placeholder 5"/>
+          <p:cNvSpPr>
+            <a:spLocks noGrp="1"/>
+          </p:cNvSpPr>
+          <p:nvPr>
+            <p:ph type="sldNum" sz="quarter" idx="12"/>
+          </p:nvPr>
+        </p:nvSpPr>
+        <p:spPr/>
+        <p:txBody>
+          <a:bodyPr/>
+          <a:lstStyle/>
+          <a:p>
+            <a:fld id="{E2D4E440-31B1-4F01-9300-CA15301D427E}" type="slidenum">
+              <a:rPr lang="en-US" smtClean="0"/>
+              <a:t>‹#›</a:t>
+            </a:fld>
+            <a:endParaRPr lang="en-US"/>
+          </a:p>
+        </p:txBody>
+      </p:sp>
+    </p:spTree>
+    <p:extLst>
+      <p:ext uri="{BB962C8B-B14F-4D97-AF65-F5344CB8AC3E}">
+        <p14:creationId xmlns:p14="http://schemas.microsoft.com/office/powerpoint/2010/main" val="2670753557"/>
+      </p:ext>
+    </p:extLst>
+  </p:cSld>
+  <p:clrMapOvr>
+    <a:masterClrMapping/>
+  </p:clrMapOvr>
+</p:sldLayout>
+</file>
+
+<file path=ppt/slideLayouts/slideLayout11.xml><?xml version="1.0" encoding="utf-8"?>
+<p:sldLayout xmlns:a="http://schemas.openxmlformats.org/drawingml/2006/main" xmlns:r="http://schemas.openxmlformats.org/officeDocument/2006/relationships" xmlns:p="http://schemas.openxmlformats.org/presentationml/2006/main" type="vertTitleAndTx" preserve="1">
+  <p:cSld name="Vertical Title and Text">
+    <p:spTree>
+      <p:nvGrpSpPr>
+        <p:cNvPr id="1" name=""/>
+        <p:cNvGrpSpPr/>
+        <p:nvPr/>
+      </p:nvGrpSpPr>
+      <p:grpSpPr>
+        <a:xfrm>
+          <a:off x="0" y="0"/>
+          <a:ext cx="0" cy="0"/>
+          <a:chOff x="0" y="0"/>
+          <a:chExt cx="0" cy="0"/>
+        </a:xfrm>
+      </p:grpSpPr>
+      <p:sp>
+        <p:nvSpPr>
+          <p:cNvPr id="2" name="Vertical Title 1"/>
+          <p:cNvSpPr>
+            <a:spLocks noGrp="1"/>
+          </p:cNvSpPr>
+          <p:nvPr>
+            <p:ph type="title" orient="vert"/>
+          </p:nvPr>
+        </p:nvSpPr>
+        <p:spPr>
+          <a:xfrm>
+            <a:off x="6543675" y="365125"/>
+            <a:ext cx="1971675" cy="5811838"/>
+          </a:xfrm>
+        </p:spPr>
+        <p:txBody>
+          <a:bodyPr vert="eaVert"/>
+          <a:lstStyle/>
+          <a:p>
+            <a:r>
+              <a:rPr lang="en-US" smtClean="0"/>
+              <a:t>Click to edit Master title style</a:t>
+            </a:r>
+            <a:endParaRPr lang="en-US"/>
+          </a:p>
+        </p:txBody>
+      </p:sp>
+      <p:sp>
+        <p:nvSpPr>
+          <p:cNvPr id="3" name="Vertical Text Placeholder 2"/>
+          <p:cNvSpPr>
+            <a:spLocks noGrp="1"/>
+          </p:cNvSpPr>
+          <p:nvPr>
+            <p:ph type="body" orient="vert" idx="1"/>
+          </p:nvPr>
+        </p:nvSpPr>
+        <p:spPr>
+          <a:xfrm>
+            <a:off x="628650" y="365125"/>
+            <a:ext cx="5800725" cy="5811838"/>
+          </a:xfrm>
+        </p:spPr>
+        <p:txBody>
+          <a:bodyPr vert="eaVert"/>
+          <a:lstStyle/>
+          <a:p>
+            <a:pPr lvl="0"/>
+            <a:r>
+              <a:rPr lang="en-US" smtClean="0"/>
+              <a:t>Click to edit Master text styles</a:t>
+            </a:r>
+          </a:p>
+          <a:p>
+            <a:pPr lvl="1"/>
+            <a:r>
+              <a:rPr lang="en-US" smtClean="0"/>
+              <a:t>Second level</a:t>
+            </a:r>
+          </a:p>
+          <a:p>
+            <a:pPr lvl="2"/>
+            <a:r>
+              <a:rPr lang="en-US" smtClean="0"/>
+              <a:t>Third level</a:t>
+            </a:r>
+          </a:p>
+          <a:p>
+            <a:pPr lvl="3"/>
+            <a:r>
+              <a:rPr lang="en-US" smtClean="0"/>
+              <a:t>Fourth level</a:t>
+            </a:r>
+          </a:p>
+          <a:p>
+            <a:pPr lvl="4"/>
+            <a:r>
+              <a:rPr lang="en-US" smtClean="0"/>
+              <a:t>Fifth level</a:t>
+            </a:r>
+            <a:endParaRPr lang="en-US"/>
+          </a:p>
+        </p:txBody>
+      </p:sp>
+      <p:sp>
+        <p:nvSpPr>
+          <p:cNvPr id="4" name="Date Placeholder 3"/>
+          <p:cNvSpPr>
+            <a:spLocks noGrp="1"/>
+          </p:cNvSpPr>
+          <p:nvPr>
+            <p:ph type="dt" sz="half" idx="10"/>
+          </p:nvPr>
+        </p:nvSpPr>
+        <p:spPr/>
+        <p:txBody>
+          <a:bodyPr/>
+          <a:lstStyle/>
+          <a:p>
+            <a:fld id="{32045334-19B0-4D34-9FBB-D243F6BB4C04}" type="datetimeFigureOut">
+              <a:rPr lang="en-US" smtClean="0"/>
+              <a:t>11/5/2015</a:t>
+            </a:fld>
+            <a:endParaRPr lang="en-US"/>
+          </a:p>
+        </p:txBody>
+      </p:sp>
+      <p:sp>
+        <p:nvSpPr>
+          <p:cNvPr id="5" name="Footer Placeholder 4"/>
+          <p:cNvSpPr>
+            <a:spLocks noGrp="1"/>
+          </p:cNvSpPr>
+          <p:nvPr>
+            <p:ph type="ftr" sz="quarter" idx="11"/>
+          </p:nvPr>
+        </p:nvSpPr>
+        <p:spPr/>
+        <p:txBody>
+          <a:bodyPr/>
+          <a:lstStyle/>
+          <a:p>
+            <a:endParaRPr lang="en-US"/>
+          </a:p>
+        </p:txBody>
+      </p:sp>
+      <p:sp>
+        <p:nvSpPr>
+          <p:cNvPr id="6" name="Slide Number Placeholder 5"/>
+          <p:cNvSpPr>
+            <a:spLocks noGrp="1"/>
+          </p:cNvSpPr>
+          <p:nvPr>
+            <p:ph type="sldNum" sz="quarter" idx="12"/>
+          </p:nvPr>
+        </p:nvSpPr>
+        <p:spPr/>
+        <p:txBody>
+          <a:bodyPr/>
+          <a:lstStyle/>
+          <a:p>
+            <a:fld id="{E2D4E440-31B1-4F01-9300-CA15301D427E}" type="slidenum">
+              <a:rPr lang="en-US" smtClean="0"/>
+              <a:t>‹#›</a:t>
+            </a:fld>
+            <a:endParaRPr lang="en-US"/>
+          </a:p>
+        </p:txBody>
+      </p:sp>
+    </p:spTree>
+    <p:extLst>
+      <p:ext uri="{BB962C8B-B14F-4D97-AF65-F5344CB8AC3E}">
+        <p14:creationId xmlns:p14="http://schemas.microsoft.com/office/powerpoint/2010/main" val="1087796431"/>
+      </p:ext>
+    </p:extLst>
+  </p:cSld>
+  <p:clrMapOvr>
+    <a:masterClrMapping/>
+  </p:clrMapOvr>
 </p:sldLayout>
 </file>
 
@@ -2295,9 +2434,6 @@
           </p:cNvSpPr>
           <p:nvPr>
             <p:ph type="title"/>
-            <p:custDataLst>
-              <p:tags r:id="rId1"/>
-            </p:custDataLst>
           </p:nvPr>
         </p:nvSpPr>
         <p:spPr/>
@@ -2321,19 +2457,11 @@
           </p:cNvSpPr>
           <p:nvPr>
             <p:ph idx="1"/>
-            <p:custDataLst>
-              <p:tags r:id="rId2"/>
-            </p:custDataLst>
-          </p:nvPr>
-        </p:nvSpPr>
-        <p:spPr>
-          <a:xfrm>
-            <a:off x="228600" y="1485900"/>
-            <a:ext cx="8686800" cy="4686300"/>
-          </a:xfrm>
-        </p:spPr>
-        <p:txBody>
-          <a:bodyPr lIns="118872" tIns="118872" rIns="118872" bIns="118872"/>
+          </p:nvPr>
+        </p:nvSpPr>
+        <p:spPr/>
+        <p:txBody>
+          <a:bodyPr/>
           <a:lstStyle/>
           <a:p>
             <a:pPr lvl="0"/>
@@ -2373,22 +2501,331 @@
           </a:p>
         </p:txBody>
       </p:sp>
+      <p:sp>
+        <p:nvSpPr>
+          <p:cNvPr id="4" name="Date Placeholder 3"/>
+          <p:cNvSpPr>
+            <a:spLocks noGrp="1"/>
+          </p:cNvSpPr>
+          <p:nvPr>
+            <p:ph type="dt" sz="half" idx="10"/>
+          </p:nvPr>
+        </p:nvSpPr>
+        <p:spPr/>
+        <p:txBody>
+          <a:bodyPr/>
+          <a:lstStyle/>
+          <a:p>
+            <a:fld id="{32045334-19B0-4D34-9FBB-D243F6BB4C04}" type="datetimeFigureOut">
+              <a:rPr lang="en-US" smtClean="0"/>
+              <a:t>11/5/2015</a:t>
+            </a:fld>
+            <a:endParaRPr lang="en-US"/>
+          </a:p>
+        </p:txBody>
+      </p:sp>
+      <p:sp>
+        <p:nvSpPr>
+          <p:cNvPr id="5" name="Footer Placeholder 4"/>
+          <p:cNvSpPr>
+            <a:spLocks noGrp="1"/>
+          </p:cNvSpPr>
+          <p:nvPr>
+            <p:ph type="ftr" sz="quarter" idx="11"/>
+          </p:nvPr>
+        </p:nvSpPr>
+        <p:spPr/>
+        <p:txBody>
+          <a:bodyPr/>
+          <a:lstStyle/>
+          <a:p>
+            <a:endParaRPr lang="en-US"/>
+          </a:p>
+        </p:txBody>
+      </p:sp>
+      <p:sp>
+        <p:nvSpPr>
+          <p:cNvPr id="6" name="Slide Number Placeholder 5"/>
+          <p:cNvSpPr>
+            <a:spLocks noGrp="1"/>
+          </p:cNvSpPr>
+          <p:nvPr>
+            <p:ph type="sldNum" sz="quarter" idx="12"/>
+          </p:nvPr>
+        </p:nvSpPr>
+        <p:spPr/>
+        <p:txBody>
+          <a:bodyPr/>
+          <a:lstStyle/>
+          <a:p>
+            <a:fld id="{E2D4E440-31B1-4F01-9300-CA15301D427E}" type="slidenum">
+              <a:rPr lang="en-US" smtClean="0"/>
+              <a:t>‹#›</a:t>
+            </a:fld>
+            <a:endParaRPr lang="en-US"/>
+          </a:p>
+        </p:txBody>
+      </p:sp>
     </p:spTree>
+    <p:extLst>
+      <p:ext uri="{BB962C8B-B14F-4D97-AF65-F5344CB8AC3E}">
+        <p14:creationId xmlns:p14="http://schemas.microsoft.com/office/powerpoint/2010/main" val="2885503913"/>
+      </p:ext>
+    </p:extLst>
   </p:cSld>
   <p:clrMapOvr>
     <a:masterClrMapping/>
   </p:clrMapOvr>
-  <p:timing>
-    <p:tnLst>
-      <p:par>
-        <p:cTn id="1" dur="indefinite" restart="never" nodeType="tmRoot"/>
-      </p:par>
-    </p:tnLst>
-  </p:timing>
 </p:sldLayout>
 </file>
 
 <file path=ppt/slideLayouts/slideLayout3.xml><?xml version="1.0" encoding="utf-8"?>
+<p:sldLayout xmlns:a="http://schemas.openxmlformats.org/drawingml/2006/main" xmlns:r="http://schemas.openxmlformats.org/officeDocument/2006/relationships" xmlns:p="http://schemas.openxmlformats.org/presentationml/2006/main" type="secHead" preserve="1">
+  <p:cSld name="Section Header">
+    <p:spTree>
+      <p:nvGrpSpPr>
+        <p:cNvPr id="1" name=""/>
+        <p:cNvGrpSpPr/>
+        <p:nvPr/>
+      </p:nvGrpSpPr>
+      <p:grpSpPr>
+        <a:xfrm>
+          <a:off x="0" y="0"/>
+          <a:ext cx="0" cy="0"/>
+          <a:chOff x="0" y="0"/>
+          <a:chExt cx="0" cy="0"/>
+        </a:xfrm>
+      </p:grpSpPr>
+      <p:sp>
+        <p:nvSpPr>
+          <p:cNvPr id="2" name="Title 1"/>
+          <p:cNvSpPr>
+            <a:spLocks noGrp="1"/>
+          </p:cNvSpPr>
+          <p:nvPr>
+            <p:ph type="title"/>
+          </p:nvPr>
+        </p:nvSpPr>
+        <p:spPr>
+          <a:xfrm>
+            <a:off x="623888" y="1709739"/>
+            <a:ext cx="7886700" cy="2852737"/>
+          </a:xfrm>
+        </p:spPr>
+        <p:txBody>
+          <a:bodyPr anchor="b"/>
+          <a:lstStyle>
+            <a:lvl1pPr>
+              <a:defRPr sz="4500"/>
+            </a:lvl1pPr>
+          </a:lstStyle>
+          <a:p>
+            <a:r>
+              <a:rPr lang="en-US" smtClean="0"/>
+              <a:t>Click to edit Master title style</a:t>
+            </a:r>
+            <a:endParaRPr lang="en-US"/>
+          </a:p>
+        </p:txBody>
+      </p:sp>
+      <p:sp>
+        <p:nvSpPr>
+          <p:cNvPr id="3" name="Text Placeholder 2"/>
+          <p:cNvSpPr>
+            <a:spLocks noGrp="1"/>
+          </p:cNvSpPr>
+          <p:nvPr>
+            <p:ph type="body" idx="1"/>
+          </p:nvPr>
+        </p:nvSpPr>
+        <p:spPr>
+          <a:xfrm>
+            <a:off x="623888" y="4589464"/>
+            <a:ext cx="7886700" cy="1500187"/>
+          </a:xfrm>
+        </p:spPr>
+        <p:txBody>
+          <a:bodyPr/>
+          <a:lstStyle>
+            <a:lvl1pPr marL="0" indent="0">
+              <a:buNone/>
+              <a:defRPr sz="1800">
+                <a:solidFill>
+                  <a:schemeClr val="tx1">
+                    <a:tint val="75000"/>
+                  </a:schemeClr>
+                </a:solidFill>
+              </a:defRPr>
+            </a:lvl1pPr>
+            <a:lvl2pPr marL="342900" indent="0">
+              <a:buNone/>
+              <a:defRPr sz="1500">
+                <a:solidFill>
+                  <a:schemeClr val="tx1">
+                    <a:tint val="75000"/>
+                  </a:schemeClr>
+                </a:solidFill>
+              </a:defRPr>
+            </a:lvl2pPr>
+            <a:lvl3pPr marL="685800" indent="0">
+              <a:buNone/>
+              <a:defRPr sz="1350">
+                <a:solidFill>
+                  <a:schemeClr val="tx1">
+                    <a:tint val="75000"/>
+                  </a:schemeClr>
+                </a:solidFill>
+              </a:defRPr>
+            </a:lvl3pPr>
+            <a:lvl4pPr marL="1028700" indent="0">
+              <a:buNone/>
+              <a:defRPr sz="1200">
+                <a:solidFill>
+                  <a:schemeClr val="tx1">
+                    <a:tint val="75000"/>
+                  </a:schemeClr>
+                </a:solidFill>
+              </a:defRPr>
+            </a:lvl4pPr>
+            <a:lvl5pPr marL="1371600" indent="0">
+              <a:buNone/>
+              <a:defRPr sz="1200">
+                <a:solidFill>
+                  <a:schemeClr val="tx1">
+                    <a:tint val="75000"/>
+                  </a:schemeClr>
+                </a:solidFill>
+              </a:defRPr>
+            </a:lvl5pPr>
+            <a:lvl6pPr marL="1714500" indent="0">
+              <a:buNone/>
+              <a:defRPr sz="1200">
+                <a:solidFill>
+                  <a:schemeClr val="tx1">
+                    <a:tint val="75000"/>
+                  </a:schemeClr>
+                </a:solidFill>
+              </a:defRPr>
+            </a:lvl6pPr>
+            <a:lvl7pPr marL="2057400" indent="0">
+              <a:buNone/>
+              <a:defRPr sz="1200">
+                <a:solidFill>
+                  <a:schemeClr val="tx1">
+                    <a:tint val="75000"/>
+                  </a:schemeClr>
+                </a:solidFill>
+              </a:defRPr>
+            </a:lvl7pPr>
+            <a:lvl8pPr marL="2400300" indent="0">
+              <a:buNone/>
+              <a:defRPr sz="1200">
+                <a:solidFill>
+                  <a:schemeClr val="tx1">
+                    <a:tint val="75000"/>
+                  </a:schemeClr>
+                </a:solidFill>
+              </a:defRPr>
+            </a:lvl8pPr>
+            <a:lvl9pPr marL="2743200" indent="0">
+              <a:buNone/>
+              <a:defRPr sz="1200">
+                <a:solidFill>
+                  <a:schemeClr val="tx1">
+                    <a:tint val="75000"/>
+                  </a:schemeClr>
+                </a:solidFill>
+              </a:defRPr>
+            </a:lvl9pPr>
+          </a:lstStyle>
+          <a:p>
+            <a:pPr lvl="0"/>
+            <a:r>
+              <a:rPr lang="en-US" smtClean="0"/>
+              <a:t>Click to edit Master text styles</a:t>
+            </a:r>
+          </a:p>
+        </p:txBody>
+      </p:sp>
+      <p:sp>
+        <p:nvSpPr>
+          <p:cNvPr id="4" name="Date Placeholder 3"/>
+          <p:cNvSpPr>
+            <a:spLocks noGrp="1"/>
+          </p:cNvSpPr>
+          <p:nvPr>
+            <p:ph type="dt" sz="half" idx="10"/>
+          </p:nvPr>
+        </p:nvSpPr>
+        <p:spPr/>
+        <p:txBody>
+          <a:bodyPr/>
+          <a:lstStyle/>
+          <a:p>
+            <a:fld id="{32045334-19B0-4D34-9FBB-D243F6BB4C04}" type="datetimeFigureOut">
+              <a:rPr lang="en-US" smtClean="0"/>
+              <a:t>11/5/2015</a:t>
+            </a:fld>
+            <a:endParaRPr lang="en-US"/>
+          </a:p>
+        </p:txBody>
+      </p:sp>
+      <p:sp>
+        <p:nvSpPr>
+          <p:cNvPr id="5" name="Footer Placeholder 4"/>
+          <p:cNvSpPr>
+            <a:spLocks noGrp="1"/>
+          </p:cNvSpPr>
+          <p:nvPr>
+            <p:ph type="ftr" sz="quarter" idx="11"/>
+          </p:nvPr>
+        </p:nvSpPr>
+        <p:spPr/>
+        <p:txBody>
+          <a:bodyPr/>
+          <a:lstStyle/>
+          <a:p>
+            <a:endParaRPr lang="en-US"/>
+          </a:p>
+        </p:txBody>
+      </p:sp>
+      <p:sp>
+        <p:nvSpPr>
+          <p:cNvPr id="6" name="Slide Number Placeholder 5"/>
+          <p:cNvSpPr>
+            <a:spLocks noGrp="1"/>
+          </p:cNvSpPr>
+          <p:nvPr>
+            <p:ph type="sldNum" sz="quarter" idx="12"/>
+          </p:nvPr>
+        </p:nvSpPr>
+        <p:spPr/>
+        <p:txBody>
+          <a:bodyPr/>
+          <a:lstStyle/>
+          <a:p>
+            <a:fld id="{E2D4E440-31B1-4F01-9300-CA15301D427E}" type="slidenum">
+              <a:rPr lang="en-US" smtClean="0"/>
+              <a:t>‹#›</a:t>
+            </a:fld>
+            <a:endParaRPr lang="en-US"/>
+          </a:p>
+        </p:txBody>
+      </p:sp>
+    </p:spTree>
+    <p:extLst>
+      <p:ext uri="{BB962C8B-B14F-4D97-AF65-F5344CB8AC3E}">
+        <p14:creationId xmlns:p14="http://schemas.microsoft.com/office/powerpoint/2010/main" val="1534843220"/>
+      </p:ext>
+    </p:extLst>
+  </p:cSld>
+  <p:clrMapOvr>
+    <a:masterClrMapping/>
+  </p:clrMapOvr>
+</p:sldLayout>
+</file>
+
+<file path=ppt/slideLayouts/slideLayout4.xml><?xml version="1.0" encoding="utf-8"?>
 <p:sldLayout xmlns:a="http://schemas.openxmlformats.org/drawingml/2006/main" xmlns:r="http://schemas.openxmlformats.org/officeDocument/2006/relationships" xmlns:p="http://schemas.openxmlformats.org/presentationml/2006/main" type="twoObj" preserve="1">
   <p:cSld name="Two Content">
     <p:spTree>
@@ -2413,9 +2850,6 @@
           </p:cNvSpPr>
           <p:nvPr>
             <p:ph type="title"/>
-            <p:custDataLst>
-              <p:tags r:id="rId1"/>
-            </p:custDataLst>
           </p:nvPr>
         </p:nvSpPr>
         <p:spPr/>
@@ -2439,48 +2873,17 @@
           </p:cNvSpPr>
           <p:nvPr>
             <p:ph sz="half" idx="1"/>
-            <p:custDataLst>
-              <p:tags r:id="rId2"/>
-            </p:custDataLst>
           </p:nvPr>
         </p:nvSpPr>
         <p:spPr>
           <a:xfrm>
-            <a:off x="228600" y="1485900"/>
-            <a:ext cx="4267200" cy="4686300"/>
+            <a:off x="628650" y="1825625"/>
+            <a:ext cx="3886200" cy="4351338"/>
           </a:xfrm>
         </p:spPr>
         <p:txBody>
-          <a:bodyPr lIns="118872" tIns="118872" rIns="118872" bIns="118872"/>
-          <a:lstStyle>
-            <a:lvl1pPr>
-              <a:defRPr sz="2800"/>
-            </a:lvl1pPr>
-            <a:lvl2pPr>
-              <a:defRPr sz="2400"/>
-            </a:lvl2pPr>
-            <a:lvl3pPr>
-              <a:defRPr sz="2000"/>
-            </a:lvl3pPr>
-            <a:lvl4pPr>
-              <a:defRPr sz="1800"/>
-            </a:lvl4pPr>
-            <a:lvl5pPr>
-              <a:defRPr sz="1800"/>
-            </a:lvl5pPr>
-            <a:lvl6pPr>
-              <a:defRPr sz="1800"/>
-            </a:lvl6pPr>
-            <a:lvl7pPr>
-              <a:defRPr sz="1800"/>
-            </a:lvl7pPr>
-            <a:lvl8pPr>
-              <a:defRPr sz="1800"/>
-            </a:lvl8pPr>
-            <a:lvl9pPr>
-              <a:defRPr sz="1800"/>
-            </a:lvl9pPr>
-          </a:lstStyle>
+          <a:bodyPr/>
+          <a:lstStyle/>
           <a:p>
             <a:pPr lvl="0"/>
             <a:r>
@@ -2527,48 +2930,17 @@
           </p:cNvSpPr>
           <p:nvPr>
             <p:ph sz="half" idx="2"/>
-            <p:custDataLst>
-              <p:tags r:id="rId3"/>
-            </p:custDataLst>
           </p:nvPr>
         </p:nvSpPr>
         <p:spPr>
           <a:xfrm>
-            <a:off x="4648200" y="1485900"/>
-            <a:ext cx="4267200" cy="4686300"/>
+            <a:off x="4629150" y="1825625"/>
+            <a:ext cx="3886200" cy="4351338"/>
           </a:xfrm>
         </p:spPr>
         <p:txBody>
-          <a:bodyPr lIns="118872" tIns="118872" rIns="118872" bIns="118872"/>
-          <a:lstStyle>
-            <a:lvl1pPr>
-              <a:defRPr sz="2800"/>
-            </a:lvl1pPr>
-            <a:lvl2pPr>
-              <a:defRPr sz="2400"/>
-            </a:lvl2pPr>
-            <a:lvl3pPr>
-              <a:defRPr sz="2000"/>
-            </a:lvl3pPr>
-            <a:lvl4pPr>
-              <a:defRPr sz="1800"/>
-            </a:lvl4pPr>
-            <a:lvl5pPr>
-              <a:defRPr sz="1800"/>
-            </a:lvl5pPr>
-            <a:lvl6pPr>
-              <a:defRPr sz="1800"/>
-            </a:lvl6pPr>
-            <a:lvl7pPr>
-              <a:defRPr sz="1800"/>
-            </a:lvl7pPr>
-            <a:lvl8pPr>
-              <a:defRPr sz="1800"/>
-            </a:lvl8pPr>
-            <a:lvl9pPr>
-              <a:defRPr sz="1800"/>
-            </a:lvl9pPr>
-          </a:lstStyle>
+          <a:bodyPr/>
+          <a:lstStyle/>
           <a:p>
             <a:pPr lvl="0"/>
             <a:r>
@@ -2607,22 +2979,85 @@
           </a:p>
         </p:txBody>
       </p:sp>
+      <p:sp>
+        <p:nvSpPr>
+          <p:cNvPr id="5" name="Date Placeholder 4"/>
+          <p:cNvSpPr>
+            <a:spLocks noGrp="1"/>
+          </p:cNvSpPr>
+          <p:nvPr>
+            <p:ph type="dt" sz="half" idx="10"/>
+          </p:nvPr>
+        </p:nvSpPr>
+        <p:spPr/>
+        <p:txBody>
+          <a:bodyPr/>
+          <a:lstStyle/>
+          <a:p>
+            <a:fld id="{32045334-19B0-4D34-9FBB-D243F6BB4C04}" type="datetimeFigureOut">
+              <a:rPr lang="en-US" smtClean="0"/>
+              <a:t>11/5/2015</a:t>
+            </a:fld>
+            <a:endParaRPr lang="en-US"/>
+          </a:p>
+        </p:txBody>
+      </p:sp>
+      <p:sp>
+        <p:nvSpPr>
+          <p:cNvPr id="6" name="Footer Placeholder 5"/>
+          <p:cNvSpPr>
+            <a:spLocks noGrp="1"/>
+          </p:cNvSpPr>
+          <p:nvPr>
+            <p:ph type="ftr" sz="quarter" idx="11"/>
+          </p:nvPr>
+        </p:nvSpPr>
+        <p:spPr/>
+        <p:txBody>
+          <a:bodyPr/>
+          <a:lstStyle/>
+          <a:p>
+            <a:endParaRPr lang="en-US"/>
+          </a:p>
+        </p:txBody>
+      </p:sp>
+      <p:sp>
+        <p:nvSpPr>
+          <p:cNvPr id="7" name="Slide Number Placeholder 6"/>
+          <p:cNvSpPr>
+            <a:spLocks noGrp="1"/>
+          </p:cNvSpPr>
+          <p:nvPr>
+            <p:ph type="sldNum" sz="quarter" idx="12"/>
+          </p:nvPr>
+        </p:nvSpPr>
+        <p:spPr/>
+        <p:txBody>
+          <a:bodyPr/>
+          <a:lstStyle/>
+          <a:p>
+            <a:fld id="{E2D4E440-31B1-4F01-9300-CA15301D427E}" type="slidenum">
+              <a:rPr lang="en-US" smtClean="0"/>
+              <a:t>‹#›</a:t>
+            </a:fld>
+            <a:endParaRPr lang="en-US"/>
+          </a:p>
+        </p:txBody>
+      </p:sp>
     </p:spTree>
+    <p:extLst>
+      <p:ext uri="{BB962C8B-B14F-4D97-AF65-F5344CB8AC3E}">
+        <p14:creationId xmlns:p14="http://schemas.microsoft.com/office/powerpoint/2010/main" val="1658130430"/>
+      </p:ext>
+    </p:extLst>
   </p:cSld>
   <p:clrMapOvr>
     <a:masterClrMapping/>
   </p:clrMapOvr>
-  <p:timing>
-    <p:tnLst>
-      <p:par>
-        <p:cTn id="1" dur="indefinite" restart="never" nodeType="tmRoot"/>
-      </p:par>
-    </p:tnLst>
-  </p:timing>
 </p:sldLayout>
 </file>
 
-<file path=ppt/slideLayouts/slideLayout4.xml><?xml version="1.0" encoding="utf-8"?>
+<file path=ppt/slideLayouts/slideLayout5.xml><?xml version="1.0" encoding="utf-8"?>
 <p:sldLayout xmlns:a="http://schemas.openxmlformats.org/drawingml/2006/main" xmlns:r="http://schemas.openxmlformats.org/officeDocument/2006/relationships" xmlns:p="http://schemas.openxmlformats.org/presentationml/2006/main" type="twoTxTwoObj" preserve="1">
   <p:cSld name="Comparison">
     <p:spTree>
@@ -2647,90 +3082,80 @@
           </p:cNvSpPr>
           <p:nvPr>
             <p:ph type="title"/>
-            <p:custDataLst>
-              <p:tags r:id="rId1"/>
-            </p:custDataLst>
-          </p:nvPr>
-        </p:nvSpPr>
-        <p:spPr/>
-        <p:txBody>
-          <a:bodyPr/>
-          <a:lstStyle>
-            <a:lvl1pPr>
-              <a:defRPr/>
-            </a:lvl1pPr>
-          </a:lstStyle>
-          <a:p>
-            <a:r>
-              <a:rPr lang="en-US" smtClean="0"/>
-              <a:t>Click to edit Master title style</a:t>
-            </a:r>
-            <a:endParaRPr lang="en-US"/>
-          </a:p>
-        </p:txBody>
-      </p:sp>
-      <p:sp>
-        <p:nvSpPr>
-          <p:cNvPr id="3" name="Text Placeholder 2"/>
-          <p:cNvSpPr>
-            <a:spLocks noGrp="1"/>
-          </p:cNvSpPr>
-          <p:nvPr>
-            <p:ph type="body" idx="1"/>
-            <p:custDataLst>
-              <p:tags r:id="rId2"/>
-            </p:custDataLst>
           </p:nvPr>
         </p:nvSpPr>
         <p:spPr>
           <a:xfrm>
-            <a:off x="228600" y="1485900"/>
-            <a:ext cx="4268788" cy="688975"/>
+            <a:off x="629841" y="365126"/>
+            <a:ext cx="7886700" cy="1325563"/>
           </a:xfrm>
         </p:spPr>
         <p:txBody>
-          <a:bodyPr lIns="118872" tIns="0" rIns="118872" bIns="0" anchor="b"/>
+          <a:bodyPr/>
+          <a:lstStyle/>
+          <a:p>
+            <a:r>
+              <a:rPr lang="en-US" smtClean="0"/>
+              <a:t>Click to edit Master title style</a:t>
+            </a:r>
+            <a:endParaRPr lang="en-US"/>
+          </a:p>
+        </p:txBody>
+      </p:sp>
+      <p:sp>
+        <p:nvSpPr>
+          <p:cNvPr id="3" name="Text Placeholder 2"/>
+          <p:cNvSpPr>
+            <a:spLocks noGrp="1"/>
+          </p:cNvSpPr>
+          <p:nvPr>
+            <p:ph type="body" idx="1"/>
+          </p:nvPr>
+        </p:nvSpPr>
+        <p:spPr>
+          <a:xfrm>
+            <a:off x="629842" y="1681163"/>
+            <a:ext cx="3868340" cy="823912"/>
+          </a:xfrm>
+        </p:spPr>
+        <p:txBody>
+          <a:bodyPr anchor="b"/>
           <a:lstStyle>
-            <a:lvl1pPr marL="0" indent="0" algn="l">
-              <a:buNone/>
-              <a:defRPr sz="2400" b="1" cap="all" baseline="0">
-                <a:solidFill>
-                  <a:srgbClr val="0069AA"/>
-                </a:solidFill>
-                <a:latin typeface="Arial Narrow" pitchFamily="34" charset="0"/>
-              </a:defRPr>
-            </a:lvl1pPr>
-            <a:lvl2pPr marL="457200" indent="0">
-              <a:buNone/>
-              <a:defRPr sz="2000" b="1"/>
-            </a:lvl2pPr>
-            <a:lvl3pPr marL="914400" indent="0">
+            <a:lvl1pPr marL="0" indent="0">
               <a:buNone/>
               <a:defRPr sz="1800" b="1"/>
+            </a:lvl1pPr>
+            <a:lvl2pPr marL="342900" indent="0">
+              <a:buNone/>
+              <a:defRPr sz="1500" b="1"/>
+            </a:lvl2pPr>
+            <a:lvl3pPr marL="685800" indent="0">
+              <a:buNone/>
+              <a:defRPr sz="1350" b="1"/>
             </a:lvl3pPr>
-            <a:lvl4pPr marL="1371600" indent="0">
+            <a:lvl4pPr marL="1028700" indent="0">
               <a:buNone/>
-              <a:defRPr sz="1600" b="1"/>
+              <a:defRPr sz="1200" b="1"/>
             </a:lvl4pPr>
-            <a:lvl5pPr marL="1828800" indent="0">
+            <a:lvl5pPr marL="1371600" indent="0">
               <a:buNone/>
-              <a:defRPr sz="1600" b="1"/>
+              <a:defRPr sz="1200" b="1"/>
             </a:lvl5pPr>
-            <a:lvl6pPr marL="2286000" indent="0">
+            <a:lvl6pPr marL="1714500" indent="0">
               <a:buNone/>
-              <a:defRPr sz="1600" b="1"/>
+              <a:defRPr sz="1200" b="1"/>
             </a:lvl6pPr>
-            <a:lvl7pPr marL="2743200" indent="0">
+            <a:lvl7pPr marL="2057400" indent="0">
               <a:buNone/>
-              <a:defRPr sz="1600" b="1"/>
+              <a:defRPr sz="1200" b="1"/>
             </a:lvl7pPr>
-            <a:lvl8pPr marL="3200400" indent="0">
+            <a:lvl8pPr marL="2400300" indent="0">
               <a:buNone/>
-              <a:defRPr sz="1600" b="1"/>
+              <a:defRPr sz="1200" b="1"/>
             </a:lvl8pPr>
-            <a:lvl9pPr marL="3657600" indent="0">
+            <a:lvl9pPr marL="2743200" indent="0">
               <a:buNone/>
-              <a:defRPr sz="1600" b="1"/>
+              <a:defRPr sz="1200" b="1"/>
             </a:lvl9pPr>
           </a:lstStyle>
           <a:p>
@@ -2750,46 +3175,109 @@
           </p:cNvSpPr>
           <p:nvPr>
             <p:ph sz="half" idx="2"/>
-            <p:custDataLst>
-              <p:tags r:id="rId3"/>
-            </p:custDataLst>
           </p:nvPr>
         </p:nvSpPr>
         <p:spPr>
           <a:xfrm>
-            <a:off x="228600" y="2174874"/>
-            <a:ext cx="4268788" cy="3997325"/>
+            <a:off x="629842" y="2505075"/>
+            <a:ext cx="3868340" cy="3684588"/>
           </a:xfrm>
         </p:spPr>
         <p:txBody>
-          <a:bodyPr lIns="118872" tIns="118872" rIns="118872" bIns="118872"/>
+          <a:bodyPr/>
+          <a:lstStyle/>
+          <a:p>
+            <a:pPr lvl="0"/>
+            <a:r>
+              <a:rPr lang="en-US" smtClean="0"/>
+              <a:t>Click to edit Master text styles</a:t>
+            </a:r>
+          </a:p>
+          <a:p>
+            <a:pPr lvl="1"/>
+            <a:r>
+              <a:rPr lang="en-US" smtClean="0"/>
+              <a:t>Second level</a:t>
+            </a:r>
+          </a:p>
+          <a:p>
+            <a:pPr lvl="2"/>
+            <a:r>
+              <a:rPr lang="en-US" smtClean="0"/>
+              <a:t>Third level</a:t>
+            </a:r>
+          </a:p>
+          <a:p>
+            <a:pPr lvl="3"/>
+            <a:r>
+              <a:rPr lang="en-US" smtClean="0"/>
+              <a:t>Fourth level</a:t>
+            </a:r>
+          </a:p>
+          <a:p>
+            <a:pPr lvl="4"/>
+            <a:r>
+              <a:rPr lang="en-US" smtClean="0"/>
+              <a:t>Fifth level</a:t>
+            </a:r>
+            <a:endParaRPr lang="en-US"/>
+          </a:p>
+        </p:txBody>
+      </p:sp>
+      <p:sp>
+        <p:nvSpPr>
+          <p:cNvPr id="5" name="Text Placeholder 4"/>
+          <p:cNvSpPr>
+            <a:spLocks noGrp="1"/>
+          </p:cNvSpPr>
+          <p:nvPr>
+            <p:ph type="body" sz="quarter" idx="3"/>
+          </p:nvPr>
+        </p:nvSpPr>
+        <p:spPr>
+          <a:xfrm>
+            <a:off x="4629150" y="1681163"/>
+            <a:ext cx="3887391" cy="823912"/>
+          </a:xfrm>
+        </p:spPr>
+        <p:txBody>
+          <a:bodyPr anchor="b"/>
           <a:lstStyle>
-            <a:lvl1pPr>
-              <a:defRPr sz="2400"/>
+            <a:lvl1pPr marL="0" indent="0">
+              <a:buNone/>
+              <a:defRPr sz="1800" b="1"/>
             </a:lvl1pPr>
-            <a:lvl2pPr>
-              <a:defRPr sz="2000"/>
+            <a:lvl2pPr marL="342900" indent="0">
+              <a:buNone/>
+              <a:defRPr sz="1500" b="1"/>
             </a:lvl2pPr>
-            <a:lvl3pPr>
-              <a:defRPr sz="1800"/>
+            <a:lvl3pPr marL="685800" indent="0">
+              <a:buNone/>
+              <a:defRPr sz="1350" b="1"/>
             </a:lvl3pPr>
-            <a:lvl4pPr>
-              <a:defRPr sz="1600"/>
+            <a:lvl4pPr marL="1028700" indent="0">
+              <a:buNone/>
+              <a:defRPr sz="1200" b="1"/>
             </a:lvl4pPr>
-            <a:lvl5pPr>
-              <a:defRPr sz="1600"/>
+            <a:lvl5pPr marL="1371600" indent="0">
+              <a:buNone/>
+              <a:defRPr sz="1200" b="1"/>
             </a:lvl5pPr>
-            <a:lvl6pPr>
-              <a:defRPr sz="1600"/>
+            <a:lvl6pPr marL="1714500" indent="0">
+              <a:buNone/>
+              <a:defRPr sz="1200" b="1"/>
             </a:lvl6pPr>
-            <a:lvl7pPr>
-              <a:defRPr sz="1600"/>
+            <a:lvl7pPr marL="2057400" indent="0">
+              <a:buNone/>
+              <a:defRPr sz="1200" b="1"/>
             </a:lvl7pPr>
-            <a:lvl8pPr>
-              <a:defRPr sz="1600"/>
+            <a:lvl8pPr marL="2400300" indent="0">
+              <a:buNone/>
+              <a:defRPr sz="1200" b="1"/>
             </a:lvl8pPr>
-            <a:lvl9pPr>
-              <a:defRPr sz="1600"/>
+            <a:lvl9pPr marL="2743200" indent="0">
+              <a:buNone/>
+              <a:defRPr sz="1200" b="1"/>
             </a:lvl9pPr>
           </a:lstStyle>
           <a:p>
@@ -2799,135 +3287,27 @@
               <a:t>Click to edit Master text styles</a:t>
             </a:r>
           </a:p>
-          <a:p>
-            <a:pPr lvl="1"/>
-            <a:r>
-              <a:rPr lang="en-US" smtClean="0"/>
-              <a:t>Second level</a:t>
-            </a:r>
-          </a:p>
-          <a:p>
-            <a:pPr lvl="2"/>
-            <a:r>
-              <a:rPr lang="en-US" smtClean="0"/>
-              <a:t>Third level</a:t>
-            </a:r>
-          </a:p>
-          <a:p>
-            <a:pPr lvl="3"/>
-            <a:r>
-              <a:rPr lang="en-US" smtClean="0"/>
-              <a:t>Fourth level</a:t>
-            </a:r>
-          </a:p>
-          <a:p>
-            <a:pPr lvl="4"/>
-            <a:r>
-              <a:rPr lang="en-US" smtClean="0"/>
-              <a:t>Fifth level</a:t>
-            </a:r>
-            <a:endParaRPr lang="en-US" dirty="0"/>
-          </a:p>
-        </p:txBody>
-      </p:sp>
-      <p:sp>
-        <p:nvSpPr>
-          <p:cNvPr id="5" name="Text Placeholder 4"/>
-          <p:cNvSpPr>
-            <a:spLocks noGrp="1"/>
-          </p:cNvSpPr>
-          <p:nvPr>
-            <p:ph type="body" sz="quarter" idx="3"/>
-            <p:custDataLst>
-              <p:tags r:id="rId4"/>
-            </p:custDataLst>
+        </p:txBody>
+      </p:sp>
+      <p:sp>
+        <p:nvSpPr>
+          <p:cNvPr id="6" name="Content Placeholder 5"/>
+          <p:cNvSpPr>
+            <a:spLocks noGrp="1"/>
+          </p:cNvSpPr>
+          <p:nvPr>
+            <p:ph sz="quarter" idx="4"/>
           </p:nvPr>
         </p:nvSpPr>
         <p:spPr>
           <a:xfrm>
-            <a:off x="4645025" y="1485900"/>
-            <a:ext cx="4270375" cy="688975"/>
-          </a:xfrm>
-          <a:solidFill>
-            <a:schemeClr val="bg1">
-              <a:alpha val="85000"/>
-            </a:schemeClr>
-          </a:solidFill>
-        </p:spPr>
-        <p:txBody>
-          <a:bodyPr vert="horz" lIns="118872" tIns="0" rIns="118872" bIns="0" rtlCol="0" anchor="b">
-            <a:normAutofit/>
-          </a:bodyPr>
-          <a:lstStyle>
-            <a:lvl1pPr marL="342900" indent="-342900">
-              <a:buNone/>
-              <a:defRPr lang="en-US" sz="2400" b="1" cap="all" baseline="0" smtClean="0">
-                <a:solidFill>
-                  <a:srgbClr val="0069AA"/>
-                </a:solidFill>
-                <a:latin typeface="Arial Narrow" pitchFamily="34" charset="0"/>
-              </a:defRPr>
-            </a:lvl1pPr>
-          </a:lstStyle>
-          <a:p>
-            <a:pPr marL="0" lvl="0" indent="0"/>
-            <a:r>
-              <a:rPr lang="en-US" smtClean="0"/>
-              <a:t>Click to edit Master text styles</a:t>
-            </a:r>
-          </a:p>
-        </p:txBody>
-      </p:sp>
-      <p:sp>
-        <p:nvSpPr>
-          <p:cNvPr id="6" name="Content Placeholder 5"/>
-          <p:cNvSpPr>
-            <a:spLocks noGrp="1"/>
-          </p:cNvSpPr>
-          <p:nvPr>
-            <p:ph sz="quarter" idx="4"/>
-            <p:custDataLst>
-              <p:tags r:id="rId5"/>
-            </p:custDataLst>
-          </p:nvPr>
-        </p:nvSpPr>
-        <p:spPr>
-          <a:xfrm>
-            <a:off x="4645025" y="2174874"/>
-            <a:ext cx="4270375" cy="3997325"/>
+            <a:off x="4629150" y="2505075"/>
+            <a:ext cx="3887391" cy="3684588"/>
           </a:xfrm>
         </p:spPr>
         <p:txBody>
-          <a:bodyPr lIns="118872" tIns="118872" rIns="118872" bIns="118872"/>
-          <a:lstStyle>
-            <a:lvl1pPr>
-              <a:defRPr sz="2400"/>
-            </a:lvl1pPr>
-            <a:lvl2pPr>
-              <a:defRPr sz="2000"/>
-            </a:lvl2pPr>
-            <a:lvl3pPr>
-              <a:defRPr sz="1800"/>
-            </a:lvl3pPr>
-            <a:lvl4pPr>
-              <a:defRPr sz="1600"/>
-            </a:lvl4pPr>
-            <a:lvl5pPr>
-              <a:defRPr sz="1600"/>
-            </a:lvl5pPr>
-            <a:lvl6pPr>
-              <a:defRPr sz="1600"/>
-            </a:lvl6pPr>
-            <a:lvl7pPr>
-              <a:defRPr sz="1600"/>
-            </a:lvl7pPr>
-            <a:lvl8pPr>
-              <a:defRPr sz="1600"/>
-            </a:lvl8pPr>
-            <a:lvl9pPr>
-              <a:defRPr sz="1600"/>
-            </a:lvl9pPr>
-          </a:lstStyle>
+          <a:bodyPr/>
+          <a:lstStyle/>
           <a:p>
             <a:pPr lvl="0"/>
             <a:r>
@@ -2966,24 +3346,87 @@
           </a:p>
         </p:txBody>
       </p:sp>
+      <p:sp>
+        <p:nvSpPr>
+          <p:cNvPr id="7" name="Date Placeholder 6"/>
+          <p:cNvSpPr>
+            <a:spLocks noGrp="1"/>
+          </p:cNvSpPr>
+          <p:nvPr>
+            <p:ph type="dt" sz="half" idx="10"/>
+          </p:nvPr>
+        </p:nvSpPr>
+        <p:spPr/>
+        <p:txBody>
+          <a:bodyPr/>
+          <a:lstStyle/>
+          <a:p>
+            <a:fld id="{32045334-19B0-4D34-9FBB-D243F6BB4C04}" type="datetimeFigureOut">
+              <a:rPr lang="en-US" smtClean="0"/>
+              <a:t>11/5/2015</a:t>
+            </a:fld>
+            <a:endParaRPr lang="en-US"/>
+          </a:p>
+        </p:txBody>
+      </p:sp>
+      <p:sp>
+        <p:nvSpPr>
+          <p:cNvPr id="8" name="Footer Placeholder 7"/>
+          <p:cNvSpPr>
+            <a:spLocks noGrp="1"/>
+          </p:cNvSpPr>
+          <p:nvPr>
+            <p:ph type="ftr" sz="quarter" idx="11"/>
+          </p:nvPr>
+        </p:nvSpPr>
+        <p:spPr/>
+        <p:txBody>
+          <a:bodyPr/>
+          <a:lstStyle/>
+          <a:p>
+            <a:endParaRPr lang="en-US"/>
+          </a:p>
+        </p:txBody>
+      </p:sp>
+      <p:sp>
+        <p:nvSpPr>
+          <p:cNvPr id="9" name="Slide Number Placeholder 8"/>
+          <p:cNvSpPr>
+            <a:spLocks noGrp="1"/>
+          </p:cNvSpPr>
+          <p:nvPr>
+            <p:ph type="sldNum" sz="quarter" idx="12"/>
+          </p:nvPr>
+        </p:nvSpPr>
+        <p:spPr/>
+        <p:txBody>
+          <a:bodyPr/>
+          <a:lstStyle/>
+          <a:p>
+            <a:fld id="{E2D4E440-31B1-4F01-9300-CA15301D427E}" type="slidenum">
+              <a:rPr lang="en-US" smtClean="0"/>
+              <a:t>‹#›</a:t>
+            </a:fld>
+            <a:endParaRPr lang="en-US"/>
+          </a:p>
+        </p:txBody>
+      </p:sp>
     </p:spTree>
+    <p:extLst>
+      <p:ext uri="{BB962C8B-B14F-4D97-AF65-F5344CB8AC3E}">
+        <p14:creationId xmlns:p14="http://schemas.microsoft.com/office/powerpoint/2010/main" val="2795158138"/>
+      </p:ext>
+    </p:extLst>
   </p:cSld>
   <p:clrMapOvr>
     <a:masterClrMapping/>
   </p:clrMapOvr>
-  <p:timing>
-    <p:tnLst>
-      <p:par>
-        <p:cTn id="1" dur="indefinite" restart="never" nodeType="tmRoot"/>
-      </p:par>
-    </p:tnLst>
-  </p:timing>
 </p:sldLayout>
 </file>
 
-<file path=ppt/slideLayouts/slideLayout5.xml><?xml version="1.0" encoding="utf-8"?>
-<p:sldLayout xmlns:a="http://schemas.openxmlformats.org/drawingml/2006/main" xmlns:r="http://schemas.openxmlformats.org/officeDocument/2006/relationships" xmlns:p="http://schemas.openxmlformats.org/presentationml/2006/main" type="secHead">
-  <p:cSld name="Section Header">
+<file path=ppt/slideLayouts/slideLayout6.xml><?xml version="1.0" encoding="utf-8"?>
+<p:sldLayout xmlns:a="http://schemas.openxmlformats.org/drawingml/2006/main" xmlns:r="http://schemas.openxmlformats.org/officeDocument/2006/relationships" xmlns:p="http://schemas.openxmlformats.org/presentationml/2006/main" type="titleOnly" preserve="1">
+  <p:cSld name="Title Only">
     <p:spTree>
       <p:nvGrpSpPr>
         <p:cNvPr id="1" name=""/>
@@ -3006,104 +3449,92 @@
           </p:cNvSpPr>
           <p:nvPr>
             <p:ph type="title"/>
-            <p:custDataLst>
-              <p:tags r:id="rId1"/>
-            </p:custDataLst>
-          </p:nvPr>
-        </p:nvSpPr>
-        <p:spPr>
-          <a:xfrm>
-            <a:off x="722313" y="4406900"/>
-            <a:ext cx="7772400" cy="1362075"/>
-          </a:xfrm>
-        </p:spPr>
-        <p:txBody>
-          <a:bodyPr anchor="t"/>
-          <a:lstStyle>
-            <a:lvl1pPr algn="l">
-              <a:defRPr sz="4000" b="1" cap="all"/>
-            </a:lvl1pPr>
-          </a:lstStyle>
+          </p:nvPr>
+        </p:nvSpPr>
+        <p:spPr/>
+        <p:txBody>
+          <a:bodyPr/>
+          <a:lstStyle/>
           <a:p>
             <a:r>
               <a:rPr lang="en-US" smtClean="0"/>
               <a:t>Click to edit Master title style</a:t>
             </a:r>
-            <a:endParaRPr lang="en-US" dirty="0"/>
-          </a:p>
-        </p:txBody>
-      </p:sp>
-      <p:sp>
-        <p:nvSpPr>
-          <p:cNvPr id="3" name="Text Placeholder 2"/>
-          <p:cNvSpPr>
-            <a:spLocks noGrp="1"/>
-          </p:cNvSpPr>
-          <p:nvPr>
-            <p:ph type="body" idx="1"/>
-            <p:custDataLst>
-              <p:tags r:id="rId2"/>
-            </p:custDataLst>
-          </p:nvPr>
-        </p:nvSpPr>
-        <p:spPr>
-          <a:xfrm>
-            <a:off x="762000" y="2362200"/>
-            <a:ext cx="7772400" cy="1500187"/>
-          </a:xfrm>
-        </p:spPr>
-        <p:txBody>
-          <a:bodyPr anchor="ctr">
-            <a:normAutofit/>
-          </a:bodyPr>
-          <a:lstStyle>
-            <a:lvl1pPr marL="0" indent="0" algn="ctr">
-              <a:buNone/>
-              <a:defRPr sz="4800"/>
-            </a:lvl1pPr>
-            <a:lvl2pPr marL="457200" indent="0">
-              <a:buNone/>
-              <a:defRPr sz="1800"/>
-            </a:lvl2pPr>
-            <a:lvl3pPr marL="914400" indent="0">
-              <a:buNone/>
-              <a:defRPr sz="1600"/>
-            </a:lvl3pPr>
-            <a:lvl4pPr marL="1371600" indent="0">
-              <a:buNone/>
-              <a:defRPr sz="1400"/>
-            </a:lvl4pPr>
-            <a:lvl5pPr marL="1828800" indent="0">
-              <a:buNone/>
-              <a:defRPr sz="1400"/>
-            </a:lvl5pPr>
-            <a:lvl6pPr marL="2286000" indent="0">
-              <a:buNone/>
-              <a:defRPr sz="1400"/>
-            </a:lvl6pPr>
-            <a:lvl7pPr marL="2743200" indent="0">
-              <a:buNone/>
-              <a:defRPr sz="1400"/>
-            </a:lvl7pPr>
-            <a:lvl8pPr marL="3200400" indent="0">
-              <a:buNone/>
-              <a:defRPr sz="1400"/>
-            </a:lvl8pPr>
-            <a:lvl9pPr marL="3657600" indent="0">
-              <a:buNone/>
-              <a:defRPr sz="1400"/>
-            </a:lvl9pPr>
-          </a:lstStyle>
-          <a:p>
-            <a:pPr lvl="0"/>
-            <a:r>
-              <a:rPr lang="en-US" smtClean="0"/>
-              <a:t>Click to edit Master text styles</a:t>
-            </a:r>
+            <a:endParaRPr lang="en-US"/>
+          </a:p>
+        </p:txBody>
+      </p:sp>
+      <p:sp>
+        <p:nvSpPr>
+          <p:cNvPr id="3" name="Date Placeholder 2"/>
+          <p:cNvSpPr>
+            <a:spLocks noGrp="1"/>
+          </p:cNvSpPr>
+          <p:nvPr>
+            <p:ph type="dt" sz="half" idx="10"/>
+          </p:nvPr>
+        </p:nvSpPr>
+        <p:spPr/>
+        <p:txBody>
+          <a:bodyPr/>
+          <a:lstStyle/>
+          <a:p>
+            <a:fld id="{32045334-19B0-4D34-9FBB-D243F6BB4C04}" type="datetimeFigureOut">
+              <a:rPr lang="en-US" smtClean="0"/>
+              <a:t>11/5/2015</a:t>
+            </a:fld>
+            <a:endParaRPr lang="en-US"/>
+          </a:p>
+        </p:txBody>
+      </p:sp>
+      <p:sp>
+        <p:nvSpPr>
+          <p:cNvPr id="4" name="Footer Placeholder 3"/>
+          <p:cNvSpPr>
+            <a:spLocks noGrp="1"/>
+          </p:cNvSpPr>
+          <p:nvPr>
+            <p:ph type="ftr" sz="quarter" idx="11"/>
+          </p:nvPr>
+        </p:nvSpPr>
+        <p:spPr/>
+        <p:txBody>
+          <a:bodyPr/>
+          <a:lstStyle/>
+          <a:p>
+            <a:endParaRPr lang="en-US"/>
+          </a:p>
+        </p:txBody>
+      </p:sp>
+      <p:sp>
+        <p:nvSpPr>
+          <p:cNvPr id="5" name="Slide Number Placeholder 4"/>
+          <p:cNvSpPr>
+            <a:spLocks noGrp="1"/>
+          </p:cNvSpPr>
+          <p:nvPr>
+            <p:ph type="sldNum" sz="quarter" idx="12"/>
+          </p:nvPr>
+        </p:nvSpPr>
+        <p:spPr/>
+        <p:txBody>
+          <a:bodyPr/>
+          <a:lstStyle/>
+          <a:p>
+            <a:fld id="{E2D4E440-31B1-4F01-9300-CA15301D427E}" type="slidenum">
+              <a:rPr lang="en-US" smtClean="0"/>
+              <a:t>‹#›</a:t>
+            </a:fld>
+            <a:endParaRPr lang="en-US"/>
           </a:p>
         </p:txBody>
       </p:sp>
     </p:spTree>
+    <p:extLst>
+      <p:ext uri="{BB962C8B-B14F-4D97-AF65-F5344CB8AC3E}">
+        <p14:creationId xmlns:p14="http://schemas.microsoft.com/office/powerpoint/2010/main" val="552645331"/>
+      </p:ext>
+    </p:extLst>
   </p:cSld>
   <p:clrMapOvr>
     <a:masterClrMapping/>
@@ -3111,22 +3542,638 @@
 </p:sldLayout>
 </file>
 
+<file path=ppt/slideLayouts/slideLayout7.xml><?xml version="1.0" encoding="utf-8"?>
+<p:sldLayout xmlns:a="http://schemas.openxmlformats.org/drawingml/2006/main" xmlns:r="http://schemas.openxmlformats.org/officeDocument/2006/relationships" xmlns:p="http://schemas.openxmlformats.org/presentationml/2006/main" type="blank" preserve="1">
+  <p:cSld name="Blank">
+    <p:spTree>
+      <p:nvGrpSpPr>
+        <p:cNvPr id="1" name=""/>
+        <p:cNvGrpSpPr/>
+        <p:nvPr/>
+      </p:nvGrpSpPr>
+      <p:grpSpPr>
+        <a:xfrm>
+          <a:off x="0" y="0"/>
+          <a:ext cx="0" cy="0"/>
+          <a:chOff x="0" y="0"/>
+          <a:chExt cx="0" cy="0"/>
+        </a:xfrm>
+      </p:grpSpPr>
+      <p:sp>
+        <p:nvSpPr>
+          <p:cNvPr id="2" name="Date Placeholder 1"/>
+          <p:cNvSpPr>
+            <a:spLocks noGrp="1"/>
+          </p:cNvSpPr>
+          <p:nvPr>
+            <p:ph type="dt" sz="half" idx="10"/>
+          </p:nvPr>
+        </p:nvSpPr>
+        <p:spPr/>
+        <p:txBody>
+          <a:bodyPr/>
+          <a:lstStyle/>
+          <a:p>
+            <a:fld id="{32045334-19B0-4D34-9FBB-D243F6BB4C04}" type="datetimeFigureOut">
+              <a:rPr lang="en-US" smtClean="0"/>
+              <a:t>11/5/2015</a:t>
+            </a:fld>
+            <a:endParaRPr lang="en-US"/>
+          </a:p>
+        </p:txBody>
+      </p:sp>
+      <p:sp>
+        <p:nvSpPr>
+          <p:cNvPr id="3" name="Footer Placeholder 2"/>
+          <p:cNvSpPr>
+            <a:spLocks noGrp="1"/>
+          </p:cNvSpPr>
+          <p:nvPr>
+            <p:ph type="ftr" sz="quarter" idx="11"/>
+          </p:nvPr>
+        </p:nvSpPr>
+        <p:spPr/>
+        <p:txBody>
+          <a:bodyPr/>
+          <a:lstStyle/>
+          <a:p>
+            <a:endParaRPr lang="en-US"/>
+          </a:p>
+        </p:txBody>
+      </p:sp>
+      <p:sp>
+        <p:nvSpPr>
+          <p:cNvPr id="4" name="Slide Number Placeholder 3"/>
+          <p:cNvSpPr>
+            <a:spLocks noGrp="1"/>
+          </p:cNvSpPr>
+          <p:nvPr>
+            <p:ph type="sldNum" sz="quarter" idx="12"/>
+          </p:nvPr>
+        </p:nvSpPr>
+        <p:spPr/>
+        <p:txBody>
+          <a:bodyPr/>
+          <a:lstStyle/>
+          <a:p>
+            <a:fld id="{E2D4E440-31B1-4F01-9300-CA15301D427E}" type="slidenum">
+              <a:rPr lang="en-US" smtClean="0"/>
+              <a:t>‹#›</a:t>
+            </a:fld>
+            <a:endParaRPr lang="en-US"/>
+          </a:p>
+        </p:txBody>
+      </p:sp>
+    </p:spTree>
+    <p:extLst>
+      <p:ext uri="{BB962C8B-B14F-4D97-AF65-F5344CB8AC3E}">
+        <p14:creationId xmlns:p14="http://schemas.microsoft.com/office/powerpoint/2010/main" val="511813908"/>
+      </p:ext>
+    </p:extLst>
+  </p:cSld>
+  <p:clrMapOvr>
+    <a:masterClrMapping/>
+  </p:clrMapOvr>
+</p:sldLayout>
+</file>
+
+<file path=ppt/slideLayouts/slideLayout8.xml><?xml version="1.0" encoding="utf-8"?>
+<p:sldLayout xmlns:a="http://schemas.openxmlformats.org/drawingml/2006/main" xmlns:r="http://schemas.openxmlformats.org/officeDocument/2006/relationships" xmlns:p="http://schemas.openxmlformats.org/presentationml/2006/main" type="objTx" preserve="1">
+  <p:cSld name="Content with Caption">
+    <p:spTree>
+      <p:nvGrpSpPr>
+        <p:cNvPr id="1" name=""/>
+        <p:cNvGrpSpPr/>
+        <p:nvPr/>
+      </p:nvGrpSpPr>
+      <p:grpSpPr>
+        <a:xfrm>
+          <a:off x="0" y="0"/>
+          <a:ext cx="0" cy="0"/>
+          <a:chOff x="0" y="0"/>
+          <a:chExt cx="0" cy="0"/>
+        </a:xfrm>
+      </p:grpSpPr>
+      <p:sp>
+        <p:nvSpPr>
+          <p:cNvPr id="2" name="Title 1"/>
+          <p:cNvSpPr>
+            <a:spLocks noGrp="1"/>
+          </p:cNvSpPr>
+          <p:nvPr>
+            <p:ph type="title"/>
+          </p:nvPr>
+        </p:nvSpPr>
+        <p:spPr>
+          <a:xfrm>
+            <a:off x="629841" y="457200"/>
+            <a:ext cx="2949178" cy="1600200"/>
+          </a:xfrm>
+        </p:spPr>
+        <p:txBody>
+          <a:bodyPr anchor="b"/>
+          <a:lstStyle>
+            <a:lvl1pPr>
+              <a:defRPr sz="2400"/>
+            </a:lvl1pPr>
+          </a:lstStyle>
+          <a:p>
+            <a:r>
+              <a:rPr lang="en-US" smtClean="0"/>
+              <a:t>Click to edit Master title style</a:t>
+            </a:r>
+            <a:endParaRPr lang="en-US"/>
+          </a:p>
+        </p:txBody>
+      </p:sp>
+      <p:sp>
+        <p:nvSpPr>
+          <p:cNvPr id="3" name="Content Placeholder 2"/>
+          <p:cNvSpPr>
+            <a:spLocks noGrp="1"/>
+          </p:cNvSpPr>
+          <p:nvPr>
+            <p:ph idx="1"/>
+          </p:nvPr>
+        </p:nvSpPr>
+        <p:spPr>
+          <a:xfrm>
+            <a:off x="3887391" y="987426"/>
+            <a:ext cx="4629150" cy="4873625"/>
+          </a:xfrm>
+        </p:spPr>
+        <p:txBody>
+          <a:bodyPr/>
+          <a:lstStyle>
+            <a:lvl1pPr>
+              <a:defRPr sz="2400"/>
+            </a:lvl1pPr>
+            <a:lvl2pPr>
+              <a:defRPr sz="2100"/>
+            </a:lvl2pPr>
+            <a:lvl3pPr>
+              <a:defRPr sz="1800"/>
+            </a:lvl3pPr>
+            <a:lvl4pPr>
+              <a:defRPr sz="1500"/>
+            </a:lvl4pPr>
+            <a:lvl5pPr>
+              <a:defRPr sz="1500"/>
+            </a:lvl5pPr>
+            <a:lvl6pPr>
+              <a:defRPr sz="1500"/>
+            </a:lvl6pPr>
+            <a:lvl7pPr>
+              <a:defRPr sz="1500"/>
+            </a:lvl7pPr>
+            <a:lvl8pPr>
+              <a:defRPr sz="1500"/>
+            </a:lvl8pPr>
+            <a:lvl9pPr>
+              <a:defRPr sz="1500"/>
+            </a:lvl9pPr>
+          </a:lstStyle>
+          <a:p>
+            <a:pPr lvl="0"/>
+            <a:r>
+              <a:rPr lang="en-US" smtClean="0"/>
+              <a:t>Click to edit Master text styles</a:t>
+            </a:r>
+          </a:p>
+          <a:p>
+            <a:pPr lvl="1"/>
+            <a:r>
+              <a:rPr lang="en-US" smtClean="0"/>
+              <a:t>Second level</a:t>
+            </a:r>
+          </a:p>
+          <a:p>
+            <a:pPr lvl="2"/>
+            <a:r>
+              <a:rPr lang="en-US" smtClean="0"/>
+              <a:t>Third level</a:t>
+            </a:r>
+          </a:p>
+          <a:p>
+            <a:pPr lvl="3"/>
+            <a:r>
+              <a:rPr lang="en-US" smtClean="0"/>
+              <a:t>Fourth level</a:t>
+            </a:r>
+          </a:p>
+          <a:p>
+            <a:pPr lvl="4"/>
+            <a:r>
+              <a:rPr lang="en-US" smtClean="0"/>
+              <a:t>Fifth level</a:t>
+            </a:r>
+            <a:endParaRPr lang="en-US"/>
+          </a:p>
+        </p:txBody>
+      </p:sp>
+      <p:sp>
+        <p:nvSpPr>
+          <p:cNvPr id="4" name="Text Placeholder 3"/>
+          <p:cNvSpPr>
+            <a:spLocks noGrp="1"/>
+          </p:cNvSpPr>
+          <p:nvPr>
+            <p:ph type="body" sz="half" idx="2"/>
+          </p:nvPr>
+        </p:nvSpPr>
+        <p:spPr>
+          <a:xfrm>
+            <a:off x="629841" y="2057400"/>
+            <a:ext cx="2949178" cy="3811588"/>
+          </a:xfrm>
+        </p:spPr>
+        <p:txBody>
+          <a:bodyPr/>
+          <a:lstStyle>
+            <a:lvl1pPr marL="0" indent="0">
+              <a:buNone/>
+              <a:defRPr sz="1200"/>
+            </a:lvl1pPr>
+            <a:lvl2pPr marL="342900" indent="0">
+              <a:buNone/>
+              <a:defRPr sz="1050"/>
+            </a:lvl2pPr>
+            <a:lvl3pPr marL="685800" indent="0">
+              <a:buNone/>
+              <a:defRPr sz="900"/>
+            </a:lvl3pPr>
+            <a:lvl4pPr marL="1028700" indent="0">
+              <a:buNone/>
+              <a:defRPr sz="750"/>
+            </a:lvl4pPr>
+            <a:lvl5pPr marL="1371600" indent="0">
+              <a:buNone/>
+              <a:defRPr sz="750"/>
+            </a:lvl5pPr>
+            <a:lvl6pPr marL="1714500" indent="0">
+              <a:buNone/>
+              <a:defRPr sz="750"/>
+            </a:lvl6pPr>
+            <a:lvl7pPr marL="2057400" indent="0">
+              <a:buNone/>
+              <a:defRPr sz="750"/>
+            </a:lvl7pPr>
+            <a:lvl8pPr marL="2400300" indent="0">
+              <a:buNone/>
+              <a:defRPr sz="750"/>
+            </a:lvl8pPr>
+            <a:lvl9pPr marL="2743200" indent="0">
+              <a:buNone/>
+              <a:defRPr sz="750"/>
+            </a:lvl9pPr>
+          </a:lstStyle>
+          <a:p>
+            <a:pPr lvl="0"/>
+            <a:r>
+              <a:rPr lang="en-US" smtClean="0"/>
+              <a:t>Click to edit Master text styles</a:t>
+            </a:r>
+          </a:p>
+        </p:txBody>
+      </p:sp>
+      <p:sp>
+        <p:nvSpPr>
+          <p:cNvPr id="5" name="Date Placeholder 4"/>
+          <p:cNvSpPr>
+            <a:spLocks noGrp="1"/>
+          </p:cNvSpPr>
+          <p:nvPr>
+            <p:ph type="dt" sz="half" idx="10"/>
+          </p:nvPr>
+        </p:nvSpPr>
+        <p:spPr/>
+        <p:txBody>
+          <a:bodyPr/>
+          <a:lstStyle/>
+          <a:p>
+            <a:fld id="{32045334-19B0-4D34-9FBB-D243F6BB4C04}" type="datetimeFigureOut">
+              <a:rPr lang="en-US" smtClean="0"/>
+              <a:t>11/5/2015</a:t>
+            </a:fld>
+            <a:endParaRPr lang="en-US"/>
+          </a:p>
+        </p:txBody>
+      </p:sp>
+      <p:sp>
+        <p:nvSpPr>
+          <p:cNvPr id="6" name="Footer Placeholder 5"/>
+          <p:cNvSpPr>
+            <a:spLocks noGrp="1"/>
+          </p:cNvSpPr>
+          <p:nvPr>
+            <p:ph type="ftr" sz="quarter" idx="11"/>
+          </p:nvPr>
+        </p:nvSpPr>
+        <p:spPr/>
+        <p:txBody>
+          <a:bodyPr/>
+          <a:lstStyle/>
+          <a:p>
+            <a:endParaRPr lang="en-US"/>
+          </a:p>
+        </p:txBody>
+      </p:sp>
+      <p:sp>
+        <p:nvSpPr>
+          <p:cNvPr id="7" name="Slide Number Placeholder 6"/>
+          <p:cNvSpPr>
+            <a:spLocks noGrp="1"/>
+          </p:cNvSpPr>
+          <p:nvPr>
+            <p:ph type="sldNum" sz="quarter" idx="12"/>
+          </p:nvPr>
+        </p:nvSpPr>
+        <p:spPr/>
+        <p:txBody>
+          <a:bodyPr/>
+          <a:lstStyle/>
+          <a:p>
+            <a:fld id="{E2D4E440-31B1-4F01-9300-CA15301D427E}" type="slidenum">
+              <a:rPr lang="en-US" smtClean="0"/>
+              <a:t>‹#›</a:t>
+            </a:fld>
+            <a:endParaRPr lang="en-US"/>
+          </a:p>
+        </p:txBody>
+      </p:sp>
+    </p:spTree>
+    <p:extLst>
+      <p:ext uri="{BB962C8B-B14F-4D97-AF65-F5344CB8AC3E}">
+        <p14:creationId xmlns:p14="http://schemas.microsoft.com/office/powerpoint/2010/main" val="3296352691"/>
+      </p:ext>
+    </p:extLst>
+  </p:cSld>
+  <p:clrMapOvr>
+    <a:masterClrMapping/>
+  </p:clrMapOvr>
+</p:sldLayout>
+</file>
+
+<file path=ppt/slideLayouts/slideLayout9.xml><?xml version="1.0" encoding="utf-8"?>
+<p:sldLayout xmlns:a="http://schemas.openxmlformats.org/drawingml/2006/main" xmlns:r="http://schemas.openxmlformats.org/officeDocument/2006/relationships" xmlns:p="http://schemas.openxmlformats.org/presentationml/2006/main" type="picTx" preserve="1">
+  <p:cSld name="Picture with Caption">
+    <p:spTree>
+      <p:nvGrpSpPr>
+        <p:cNvPr id="1" name=""/>
+        <p:cNvGrpSpPr/>
+        <p:nvPr/>
+      </p:nvGrpSpPr>
+      <p:grpSpPr>
+        <a:xfrm>
+          <a:off x="0" y="0"/>
+          <a:ext cx="0" cy="0"/>
+          <a:chOff x="0" y="0"/>
+          <a:chExt cx="0" cy="0"/>
+        </a:xfrm>
+      </p:grpSpPr>
+      <p:sp>
+        <p:nvSpPr>
+          <p:cNvPr id="2" name="Title 1"/>
+          <p:cNvSpPr>
+            <a:spLocks noGrp="1"/>
+          </p:cNvSpPr>
+          <p:nvPr>
+            <p:ph type="title"/>
+          </p:nvPr>
+        </p:nvSpPr>
+        <p:spPr>
+          <a:xfrm>
+            <a:off x="629841" y="457200"/>
+            <a:ext cx="2949178" cy="1600200"/>
+          </a:xfrm>
+        </p:spPr>
+        <p:txBody>
+          <a:bodyPr anchor="b"/>
+          <a:lstStyle>
+            <a:lvl1pPr>
+              <a:defRPr sz="2400"/>
+            </a:lvl1pPr>
+          </a:lstStyle>
+          <a:p>
+            <a:r>
+              <a:rPr lang="en-US" smtClean="0"/>
+              <a:t>Click to edit Master title style</a:t>
+            </a:r>
+            <a:endParaRPr lang="en-US"/>
+          </a:p>
+        </p:txBody>
+      </p:sp>
+      <p:sp>
+        <p:nvSpPr>
+          <p:cNvPr id="3" name="Picture Placeholder 2"/>
+          <p:cNvSpPr>
+            <a:spLocks noGrp="1"/>
+          </p:cNvSpPr>
+          <p:nvPr>
+            <p:ph type="pic" idx="1"/>
+          </p:nvPr>
+        </p:nvSpPr>
+        <p:spPr>
+          <a:xfrm>
+            <a:off x="3887391" y="987426"/>
+            <a:ext cx="4629150" cy="4873625"/>
+          </a:xfrm>
+        </p:spPr>
+        <p:txBody>
+          <a:bodyPr/>
+          <a:lstStyle>
+            <a:lvl1pPr marL="0" indent="0">
+              <a:buNone/>
+              <a:defRPr sz="2400"/>
+            </a:lvl1pPr>
+            <a:lvl2pPr marL="342900" indent="0">
+              <a:buNone/>
+              <a:defRPr sz="2100"/>
+            </a:lvl2pPr>
+            <a:lvl3pPr marL="685800" indent="0">
+              <a:buNone/>
+              <a:defRPr sz="1800"/>
+            </a:lvl3pPr>
+            <a:lvl4pPr marL="1028700" indent="0">
+              <a:buNone/>
+              <a:defRPr sz="1500"/>
+            </a:lvl4pPr>
+            <a:lvl5pPr marL="1371600" indent="0">
+              <a:buNone/>
+              <a:defRPr sz="1500"/>
+            </a:lvl5pPr>
+            <a:lvl6pPr marL="1714500" indent="0">
+              <a:buNone/>
+              <a:defRPr sz="1500"/>
+            </a:lvl6pPr>
+            <a:lvl7pPr marL="2057400" indent="0">
+              <a:buNone/>
+              <a:defRPr sz="1500"/>
+            </a:lvl7pPr>
+            <a:lvl8pPr marL="2400300" indent="0">
+              <a:buNone/>
+              <a:defRPr sz="1500"/>
+            </a:lvl8pPr>
+            <a:lvl9pPr marL="2743200" indent="0">
+              <a:buNone/>
+              <a:defRPr sz="1500"/>
+            </a:lvl9pPr>
+          </a:lstStyle>
+          <a:p>
+            <a:endParaRPr lang="en-US"/>
+          </a:p>
+        </p:txBody>
+      </p:sp>
+      <p:sp>
+        <p:nvSpPr>
+          <p:cNvPr id="4" name="Text Placeholder 3"/>
+          <p:cNvSpPr>
+            <a:spLocks noGrp="1"/>
+          </p:cNvSpPr>
+          <p:nvPr>
+            <p:ph type="body" sz="half" idx="2"/>
+          </p:nvPr>
+        </p:nvSpPr>
+        <p:spPr>
+          <a:xfrm>
+            <a:off x="629841" y="2057400"/>
+            <a:ext cx="2949178" cy="3811588"/>
+          </a:xfrm>
+        </p:spPr>
+        <p:txBody>
+          <a:bodyPr/>
+          <a:lstStyle>
+            <a:lvl1pPr marL="0" indent="0">
+              <a:buNone/>
+              <a:defRPr sz="1200"/>
+            </a:lvl1pPr>
+            <a:lvl2pPr marL="342900" indent="0">
+              <a:buNone/>
+              <a:defRPr sz="1050"/>
+            </a:lvl2pPr>
+            <a:lvl3pPr marL="685800" indent="0">
+              <a:buNone/>
+              <a:defRPr sz="900"/>
+            </a:lvl3pPr>
+            <a:lvl4pPr marL="1028700" indent="0">
+              <a:buNone/>
+              <a:defRPr sz="750"/>
+            </a:lvl4pPr>
+            <a:lvl5pPr marL="1371600" indent="0">
+              <a:buNone/>
+              <a:defRPr sz="750"/>
+            </a:lvl5pPr>
+            <a:lvl6pPr marL="1714500" indent="0">
+              <a:buNone/>
+              <a:defRPr sz="750"/>
+            </a:lvl6pPr>
+            <a:lvl7pPr marL="2057400" indent="0">
+              <a:buNone/>
+              <a:defRPr sz="750"/>
+            </a:lvl7pPr>
+            <a:lvl8pPr marL="2400300" indent="0">
+              <a:buNone/>
+              <a:defRPr sz="750"/>
+            </a:lvl8pPr>
+            <a:lvl9pPr marL="2743200" indent="0">
+              <a:buNone/>
+              <a:defRPr sz="750"/>
+            </a:lvl9pPr>
+          </a:lstStyle>
+          <a:p>
+            <a:pPr lvl="0"/>
+            <a:r>
+              <a:rPr lang="en-US" smtClean="0"/>
+              <a:t>Click to edit Master text styles</a:t>
+            </a:r>
+          </a:p>
+        </p:txBody>
+      </p:sp>
+      <p:sp>
+        <p:nvSpPr>
+          <p:cNvPr id="5" name="Date Placeholder 4"/>
+          <p:cNvSpPr>
+            <a:spLocks noGrp="1"/>
+          </p:cNvSpPr>
+          <p:nvPr>
+            <p:ph type="dt" sz="half" idx="10"/>
+          </p:nvPr>
+        </p:nvSpPr>
+        <p:spPr/>
+        <p:txBody>
+          <a:bodyPr/>
+          <a:lstStyle/>
+          <a:p>
+            <a:fld id="{32045334-19B0-4D34-9FBB-D243F6BB4C04}" type="datetimeFigureOut">
+              <a:rPr lang="en-US" smtClean="0"/>
+              <a:t>11/5/2015</a:t>
+            </a:fld>
+            <a:endParaRPr lang="en-US"/>
+          </a:p>
+        </p:txBody>
+      </p:sp>
+      <p:sp>
+        <p:nvSpPr>
+          <p:cNvPr id="6" name="Footer Placeholder 5"/>
+          <p:cNvSpPr>
+            <a:spLocks noGrp="1"/>
+          </p:cNvSpPr>
+          <p:nvPr>
+            <p:ph type="ftr" sz="quarter" idx="11"/>
+          </p:nvPr>
+        </p:nvSpPr>
+        <p:spPr/>
+        <p:txBody>
+          <a:bodyPr/>
+          <a:lstStyle/>
+          <a:p>
+            <a:endParaRPr lang="en-US"/>
+          </a:p>
+        </p:txBody>
+      </p:sp>
+      <p:sp>
+        <p:nvSpPr>
+          <p:cNvPr id="7" name="Slide Number Placeholder 6"/>
+          <p:cNvSpPr>
+            <a:spLocks noGrp="1"/>
+          </p:cNvSpPr>
+          <p:nvPr>
+            <p:ph type="sldNum" sz="quarter" idx="12"/>
+          </p:nvPr>
+        </p:nvSpPr>
+        <p:spPr/>
+        <p:txBody>
+          <a:bodyPr/>
+          <a:lstStyle/>
+          <a:p>
+            <a:fld id="{E2D4E440-31B1-4F01-9300-CA15301D427E}" type="slidenum">
+              <a:rPr lang="en-US" smtClean="0"/>
+              <a:t>‹#›</a:t>
+            </a:fld>
+            <a:endParaRPr lang="en-US"/>
+          </a:p>
+        </p:txBody>
+      </p:sp>
+    </p:spTree>
+    <p:extLst>
+      <p:ext uri="{BB962C8B-B14F-4D97-AF65-F5344CB8AC3E}">
+        <p14:creationId xmlns:p14="http://schemas.microsoft.com/office/powerpoint/2010/main" val="1760129932"/>
+      </p:ext>
+    </p:extLst>
+  </p:cSld>
+  <p:clrMapOvr>
+    <a:masterClrMapping/>
+  </p:clrMapOvr>
+</p:sldLayout>
+</file>
+
 <file path=ppt/slideMasters/slideMaster1.xml><?xml version="1.0" encoding="utf-8"?>
 <p:sldMaster xmlns:a="http://schemas.openxmlformats.org/drawingml/2006/main" xmlns:r="http://schemas.openxmlformats.org/officeDocument/2006/relationships" xmlns:p="http://schemas.openxmlformats.org/presentationml/2006/main">
   <p:cSld>
     <p:bg>
-      <p:bgPr>
-        <a:blipFill dpi="0" rotWithShape="1">
-          <a:blip r:embed="rId10">
-            <a:lum/>
-          </a:blip>
-          <a:srcRect/>
-          <a:stretch>
-            <a:fillRect b="-34000"/>
-          </a:stretch>
-        </a:blipFill>
-        <a:effectLst/>
-      </p:bgPr>
+      <p:bgRef idx="1001">
+        <a:schemeClr val="bg1"/>
+      </p:bgRef>
     </p:bg>
     <p:spTree>
       <p:nvGrpSpPr>
@@ -3150,260 +4197,354 @@
           </p:cNvSpPr>
           <p:nvPr>
             <p:ph type="title"/>
-            <p:custDataLst>
-              <p:tags r:id="rId7"/>
-            </p:custDataLst>
           </p:nvPr>
         </p:nvSpPr>
         <p:spPr>
           <a:xfrm>
-            <a:off x="0" y="228600"/>
-            <a:ext cx="9144000" cy="914400"/>
-          </a:xfrm>
-          <a:prstGeom prst="rect">
-            <a:avLst/>
-          </a:prstGeom>
-          <a:solidFill>
-            <a:schemeClr val="tx1">
-              <a:alpha val="75000"/>
-            </a:schemeClr>
-          </a:solidFill>
-        </p:spPr>
-        <p:txBody>
-          <a:bodyPr vert="horz" lIns="228600" tIns="0" rIns="228600" bIns="0" rtlCol="0" anchor="ctr">
-            <a:normAutofit/>
-          </a:bodyPr>
-          <a:lstStyle/>
-          <a:p>
-            <a:r>
-              <a:rPr lang="en-US" smtClean="0"/>
-              <a:t>Click to edit Master title style</a:t>
-            </a:r>
-            <a:endParaRPr lang="en-US" dirty="0"/>
-          </a:p>
-        </p:txBody>
-      </p:sp>
-      <p:sp>
-        <p:nvSpPr>
-          <p:cNvPr id="3" name="Text Placeholder 2"/>
-          <p:cNvSpPr>
-            <a:spLocks noGrp="1"/>
-          </p:cNvSpPr>
-          <p:nvPr>
-            <p:ph type="body" idx="1"/>
-            <p:custDataLst>
-              <p:tags r:id="rId8"/>
-            </p:custDataLst>
-          </p:nvPr>
-        </p:nvSpPr>
-        <p:spPr>
-          <a:xfrm>
-            <a:off x="228600" y="1485900"/>
-            <a:ext cx="8686800" cy="4686300"/>
-          </a:xfrm>
-          <a:prstGeom prst="rect">
-            <a:avLst/>
-          </a:prstGeom>
-          <a:solidFill>
-            <a:schemeClr val="bg1">
-              <a:alpha val="85000"/>
-            </a:schemeClr>
-          </a:solidFill>
-        </p:spPr>
-        <p:txBody>
-          <a:bodyPr vert="horz" lIns="228600" tIns="228600" rIns="228600" bIns="228600" rtlCol="0">
-            <a:normAutofit/>
-          </a:bodyPr>
-          <a:lstStyle/>
-          <a:p>
-            <a:pPr lvl="0"/>
-            <a:r>
-              <a:rPr lang="en-US" smtClean="0"/>
-              <a:t>Click to edit Master text styles</a:t>
-            </a:r>
-          </a:p>
-          <a:p>
-            <a:pPr lvl="1"/>
-            <a:r>
-              <a:rPr lang="en-US" smtClean="0"/>
-              <a:t>Second level</a:t>
-            </a:r>
-          </a:p>
-          <a:p>
-            <a:pPr lvl="2"/>
-            <a:r>
-              <a:rPr lang="en-US" smtClean="0"/>
-              <a:t>Third level</a:t>
-            </a:r>
-          </a:p>
-          <a:p>
-            <a:pPr lvl="3"/>
-            <a:r>
-              <a:rPr lang="en-US" smtClean="0"/>
-              <a:t>Fourth level</a:t>
-            </a:r>
-          </a:p>
-          <a:p>
-            <a:pPr lvl="4"/>
-            <a:r>
-              <a:rPr lang="en-US" smtClean="0"/>
-              <a:t>Fifth level</a:t>
-            </a:r>
-            <a:endParaRPr lang="en-US"/>
-          </a:p>
-        </p:txBody>
-      </p:sp>
-      <p:pic>
-        <p:nvPicPr>
-          <p:cNvPr id="8" name="Picture 7"/>
-          <p:cNvPicPr>
-            <a:picLocks noChangeAspect="1"/>
-          </p:cNvPicPr>
-          <p:nvPr>
-            <p:custDataLst>
-              <p:tags r:id="rId9"/>
-            </p:custDataLst>
-          </p:nvPr>
-        </p:nvPicPr>
-        <p:blipFill>
-          <a:blip r:embed="rId11" cstate="print">
-            <a:extLst>
-              <a:ext uri="{28A0092B-C50C-407E-A947-70E740481C1C}">
-                <a14:useLocalDpi xmlns:a14="http://schemas.microsoft.com/office/drawing/2010/main" val="0"/>
-              </a:ext>
-            </a:extLst>
-          </a:blip>
-          <a:stretch>
-            <a:fillRect/>
-          </a:stretch>
-        </p:blipFill>
-        <p:spPr>
-          <a:xfrm>
-            <a:off x="6588626" y="6355767"/>
-            <a:ext cx="2326774" cy="359358"/>
+            <a:off x="628650" y="365126"/>
+            <a:ext cx="7886700" cy="1325563"/>
           </a:xfrm>
           <a:prstGeom prst="rect">
             <a:avLst/>
           </a:prstGeom>
         </p:spPr>
-      </p:pic>
+        <p:txBody>
+          <a:bodyPr vert="horz" lIns="91440" tIns="45720" rIns="91440" bIns="45720" rtlCol="0" anchor="ctr">
+            <a:normAutofit/>
+          </a:bodyPr>
+          <a:lstStyle/>
+          <a:p>
+            <a:r>
+              <a:rPr lang="en-US" smtClean="0"/>
+              <a:t>Click to edit Master title style</a:t>
+            </a:r>
+            <a:endParaRPr lang="en-US"/>
+          </a:p>
+        </p:txBody>
+      </p:sp>
+      <p:sp>
+        <p:nvSpPr>
+          <p:cNvPr id="3" name="Text Placeholder 2"/>
+          <p:cNvSpPr>
+            <a:spLocks noGrp="1"/>
+          </p:cNvSpPr>
+          <p:nvPr>
+            <p:ph type="body" idx="1"/>
+          </p:nvPr>
+        </p:nvSpPr>
+        <p:spPr>
+          <a:xfrm>
+            <a:off x="628650" y="1825625"/>
+            <a:ext cx="7886700" cy="4351338"/>
+          </a:xfrm>
+          <a:prstGeom prst="rect">
+            <a:avLst/>
+          </a:prstGeom>
+        </p:spPr>
+        <p:txBody>
+          <a:bodyPr vert="horz" lIns="91440" tIns="45720" rIns="91440" bIns="45720" rtlCol="0">
+            <a:normAutofit/>
+          </a:bodyPr>
+          <a:lstStyle/>
+          <a:p>
+            <a:pPr lvl="0"/>
+            <a:r>
+              <a:rPr lang="en-US" smtClean="0"/>
+              <a:t>Click to edit Master text styles</a:t>
+            </a:r>
+          </a:p>
+          <a:p>
+            <a:pPr lvl="1"/>
+            <a:r>
+              <a:rPr lang="en-US" smtClean="0"/>
+              <a:t>Second level</a:t>
+            </a:r>
+          </a:p>
+          <a:p>
+            <a:pPr lvl="2"/>
+            <a:r>
+              <a:rPr lang="en-US" smtClean="0"/>
+              <a:t>Third level</a:t>
+            </a:r>
+          </a:p>
+          <a:p>
+            <a:pPr lvl="3"/>
+            <a:r>
+              <a:rPr lang="en-US" smtClean="0"/>
+              <a:t>Fourth level</a:t>
+            </a:r>
+          </a:p>
+          <a:p>
+            <a:pPr lvl="4"/>
+            <a:r>
+              <a:rPr lang="en-US" smtClean="0"/>
+              <a:t>Fifth level</a:t>
+            </a:r>
+            <a:endParaRPr lang="en-US"/>
+          </a:p>
+        </p:txBody>
+      </p:sp>
+      <p:sp>
+        <p:nvSpPr>
+          <p:cNvPr id="4" name="Date Placeholder 3"/>
+          <p:cNvSpPr>
+            <a:spLocks noGrp="1"/>
+          </p:cNvSpPr>
+          <p:nvPr>
+            <p:ph type="dt" sz="half" idx="2"/>
+          </p:nvPr>
+        </p:nvSpPr>
+        <p:spPr>
+          <a:xfrm>
+            <a:off x="628650" y="6356351"/>
+            <a:ext cx="2057400" cy="365125"/>
+          </a:xfrm>
+          <a:prstGeom prst="rect">
+            <a:avLst/>
+          </a:prstGeom>
+        </p:spPr>
+        <p:txBody>
+          <a:bodyPr vert="horz" lIns="91440" tIns="45720" rIns="91440" bIns="45720" rtlCol="0" anchor="ctr"/>
+          <a:lstStyle>
+            <a:lvl1pPr algn="l">
+              <a:defRPr sz="900">
+                <a:solidFill>
+                  <a:schemeClr val="tx1">
+                    <a:tint val="75000"/>
+                  </a:schemeClr>
+                </a:solidFill>
+              </a:defRPr>
+            </a:lvl1pPr>
+          </a:lstStyle>
+          <a:p>
+            <a:fld id="{32045334-19B0-4D34-9FBB-D243F6BB4C04}" type="datetimeFigureOut">
+              <a:rPr lang="en-US" smtClean="0"/>
+              <a:t>11/5/2015</a:t>
+            </a:fld>
+            <a:endParaRPr lang="en-US"/>
+          </a:p>
+        </p:txBody>
+      </p:sp>
+      <p:sp>
+        <p:nvSpPr>
+          <p:cNvPr id="5" name="Footer Placeholder 4"/>
+          <p:cNvSpPr>
+            <a:spLocks noGrp="1"/>
+          </p:cNvSpPr>
+          <p:nvPr>
+            <p:ph type="ftr" sz="quarter" idx="3"/>
+          </p:nvPr>
+        </p:nvSpPr>
+        <p:spPr>
+          <a:xfrm>
+            <a:off x="3028950" y="6356351"/>
+            <a:ext cx="3086100" cy="365125"/>
+          </a:xfrm>
+          <a:prstGeom prst="rect">
+            <a:avLst/>
+          </a:prstGeom>
+        </p:spPr>
+        <p:txBody>
+          <a:bodyPr vert="horz" lIns="91440" tIns="45720" rIns="91440" bIns="45720" rtlCol="0" anchor="ctr"/>
+          <a:lstStyle>
+            <a:lvl1pPr algn="ctr">
+              <a:defRPr sz="900">
+                <a:solidFill>
+                  <a:schemeClr val="tx1">
+                    <a:tint val="75000"/>
+                  </a:schemeClr>
+                </a:solidFill>
+              </a:defRPr>
+            </a:lvl1pPr>
+          </a:lstStyle>
+          <a:p>
+            <a:endParaRPr lang="en-US"/>
+          </a:p>
+        </p:txBody>
+      </p:sp>
+      <p:sp>
+        <p:nvSpPr>
+          <p:cNvPr id="6" name="Slide Number Placeholder 5"/>
+          <p:cNvSpPr>
+            <a:spLocks noGrp="1"/>
+          </p:cNvSpPr>
+          <p:nvPr>
+            <p:ph type="sldNum" sz="quarter" idx="4"/>
+          </p:nvPr>
+        </p:nvSpPr>
+        <p:spPr>
+          <a:xfrm>
+            <a:off x="6457950" y="6356351"/>
+            <a:ext cx="2057400" cy="365125"/>
+          </a:xfrm>
+          <a:prstGeom prst="rect">
+            <a:avLst/>
+          </a:prstGeom>
+        </p:spPr>
+        <p:txBody>
+          <a:bodyPr vert="horz" lIns="91440" tIns="45720" rIns="91440" bIns="45720" rtlCol="0" anchor="ctr"/>
+          <a:lstStyle>
+            <a:lvl1pPr algn="r">
+              <a:defRPr sz="900">
+                <a:solidFill>
+                  <a:schemeClr val="tx1">
+                    <a:tint val="75000"/>
+                  </a:schemeClr>
+                </a:solidFill>
+              </a:defRPr>
+            </a:lvl1pPr>
+          </a:lstStyle>
+          <a:p>
+            <a:fld id="{E2D4E440-31B1-4F01-9300-CA15301D427E}" type="slidenum">
+              <a:rPr lang="en-US" smtClean="0"/>
+              <a:t>‹#›</a:t>
+            </a:fld>
+            <a:endParaRPr lang="en-US"/>
+          </a:p>
+        </p:txBody>
+      </p:sp>
     </p:spTree>
+    <p:extLst>
+      <p:ext uri="{BB962C8B-B14F-4D97-AF65-F5344CB8AC3E}">
+        <p14:creationId xmlns:p14="http://schemas.microsoft.com/office/powerpoint/2010/main" val="3336860123"/>
+      </p:ext>
+    </p:extLst>
   </p:cSld>
   <p:clrMap bg1="lt1" tx1="dk1" bg2="lt2" tx2="dk2" accent1="accent1" accent2="accent2" accent3="accent3" accent4="accent4" accent5="accent5" accent6="accent6" hlink="hlink" folHlink="folHlink"/>
   <p:sldLayoutIdLst>
-    <p:sldLayoutId id="2147483697" r:id="rId1"/>
-    <p:sldLayoutId id="2147483698" r:id="rId2"/>
-    <p:sldLayoutId id="2147483699" r:id="rId3"/>
-    <p:sldLayoutId id="2147483700" r:id="rId4"/>
-    <p:sldLayoutId id="2147483701" r:id="rId5"/>
+    <p:sldLayoutId id="2147483703" r:id="rId1"/>
+    <p:sldLayoutId id="2147483704" r:id="rId2"/>
+    <p:sldLayoutId id="2147483705" r:id="rId3"/>
+    <p:sldLayoutId id="2147483706" r:id="rId4"/>
+    <p:sldLayoutId id="2147483707" r:id="rId5"/>
+    <p:sldLayoutId id="2147483708" r:id="rId6"/>
+    <p:sldLayoutId id="2147483709" r:id="rId7"/>
+    <p:sldLayoutId id="2147483710" r:id="rId8"/>
+    <p:sldLayoutId id="2147483711" r:id="rId9"/>
+    <p:sldLayoutId id="2147483712" r:id="rId10"/>
+    <p:sldLayoutId id="2147483713" r:id="rId11"/>
   </p:sldLayoutIdLst>
-  <p:timing>
-    <p:tnLst>
-      <p:par>
-        <p:cTn id="1" dur="indefinite" restart="never" nodeType="tmRoot"/>
-      </p:par>
-    </p:tnLst>
-  </p:timing>
   <p:txStyles>
     <p:titleStyle>
-      <a:lvl1pPr algn="l" defTabSz="914400" rtl="0" eaLnBrk="1" latinLnBrk="0" hangingPunct="1">
+      <a:lvl1pPr algn="l" defTabSz="685800" rtl="0" eaLnBrk="1" latinLnBrk="0" hangingPunct="1">
+        <a:lnSpc>
+          <a:spcPct val="90000"/>
+        </a:lnSpc>
         <a:spcBef>
           <a:spcPct val="0"/>
         </a:spcBef>
         <a:buNone/>
-        <a:defRPr sz="4400" b="1" kern="1200">
+        <a:defRPr sz="3300" kern="1200">
           <a:solidFill>
-            <a:schemeClr val="bg1"/>
+            <a:schemeClr val="tx1"/>
           </a:solidFill>
-          <a:latin typeface="Arial" pitchFamily="34" charset="0"/>
+          <a:latin typeface="+mj-lt"/>
           <a:ea typeface="+mj-ea"/>
-          <a:cs typeface="Arial" pitchFamily="34" charset="0"/>
+          <a:cs typeface="+mj-cs"/>
         </a:defRPr>
       </a:lvl1pPr>
     </p:titleStyle>
     <p:bodyStyle>
-      <a:lvl1pPr marL="342900" indent="-342900" algn="l" defTabSz="914400" rtl="0" eaLnBrk="1" latinLnBrk="0" hangingPunct="1">
+      <a:lvl1pPr marL="171450" indent="-171450" algn="l" defTabSz="685800" rtl="0" eaLnBrk="1" latinLnBrk="0" hangingPunct="1">
+        <a:lnSpc>
+          <a:spcPct val="90000"/>
+        </a:lnSpc>
         <a:spcBef>
-          <a:spcPct val="20000"/>
+          <a:spcPts val="750"/>
         </a:spcBef>
-        <a:buFont typeface="Arial" pitchFamily="34" charset="0"/>
+        <a:buFont typeface="Arial" panose="020B0604020202020204" pitchFamily="34" charset="0"/>
         <a:buChar char="•"/>
-        <a:defRPr sz="3200" kern="1200">
+        <a:defRPr sz="2100" kern="1200">
           <a:solidFill>
             <a:schemeClr val="tx1"/>
           </a:solidFill>
-          <a:latin typeface="Arial" pitchFamily="34" charset="0"/>
+          <a:latin typeface="+mn-lt"/>
           <a:ea typeface="+mn-ea"/>
-          <a:cs typeface="Arial" pitchFamily="34" charset="0"/>
+          <a:cs typeface="+mn-cs"/>
         </a:defRPr>
       </a:lvl1pPr>
-      <a:lvl2pPr marL="742950" indent="-285750" algn="l" defTabSz="914400" rtl="0" eaLnBrk="1" latinLnBrk="0" hangingPunct="1">
+      <a:lvl2pPr marL="514350" indent="-171450" algn="l" defTabSz="685800" rtl="0" eaLnBrk="1" latinLnBrk="0" hangingPunct="1">
+        <a:lnSpc>
+          <a:spcPct val="90000"/>
+        </a:lnSpc>
         <a:spcBef>
-          <a:spcPct val="20000"/>
+          <a:spcPts val="375"/>
         </a:spcBef>
-        <a:buFont typeface="Arial" pitchFamily="34" charset="0"/>
-        <a:buChar char="–"/>
-        <a:defRPr sz="2800" kern="1200">
+        <a:buFont typeface="Arial" panose="020B0604020202020204" pitchFamily="34" charset="0"/>
+        <a:buChar char="•"/>
+        <a:defRPr sz="1800" kern="1200">
           <a:solidFill>
             <a:schemeClr val="tx1"/>
           </a:solidFill>
-          <a:latin typeface="Arial" pitchFamily="34" charset="0"/>
+          <a:latin typeface="+mn-lt"/>
           <a:ea typeface="+mn-ea"/>
-          <a:cs typeface="Arial" pitchFamily="34" charset="0"/>
+          <a:cs typeface="+mn-cs"/>
         </a:defRPr>
       </a:lvl2pPr>
-      <a:lvl3pPr marL="1143000" indent="-228600" algn="l" defTabSz="914400" rtl="0" eaLnBrk="1" latinLnBrk="0" hangingPunct="1">
+      <a:lvl3pPr marL="857250" indent="-171450" algn="l" defTabSz="685800" rtl="0" eaLnBrk="1" latinLnBrk="0" hangingPunct="1">
+        <a:lnSpc>
+          <a:spcPct val="90000"/>
+        </a:lnSpc>
         <a:spcBef>
-          <a:spcPct val="20000"/>
+          <a:spcPts val="375"/>
         </a:spcBef>
-        <a:buFont typeface="Arial" pitchFamily="34" charset="0"/>
+        <a:buFont typeface="Arial" panose="020B0604020202020204" pitchFamily="34" charset="0"/>
         <a:buChar char="•"/>
-        <a:defRPr sz="2400" kern="1200">
+        <a:defRPr sz="1500" kern="1200">
           <a:solidFill>
             <a:schemeClr val="tx1"/>
           </a:solidFill>
-          <a:latin typeface="Arial" pitchFamily="34" charset="0"/>
+          <a:latin typeface="+mn-lt"/>
           <a:ea typeface="+mn-ea"/>
-          <a:cs typeface="Arial" pitchFamily="34" charset="0"/>
+          <a:cs typeface="+mn-cs"/>
         </a:defRPr>
       </a:lvl3pPr>
-      <a:lvl4pPr marL="1600200" indent="-228600" algn="l" defTabSz="914400" rtl="0" eaLnBrk="1" latinLnBrk="0" hangingPunct="1">
+      <a:lvl4pPr marL="1200150" indent="-171450" algn="l" defTabSz="685800" rtl="0" eaLnBrk="1" latinLnBrk="0" hangingPunct="1">
+        <a:lnSpc>
+          <a:spcPct val="90000"/>
+        </a:lnSpc>
         <a:spcBef>
-          <a:spcPct val="20000"/>
+          <a:spcPts val="375"/>
         </a:spcBef>
-        <a:buFont typeface="Arial" pitchFamily="34" charset="0"/>
-        <a:buChar char="–"/>
-        <a:defRPr sz="2000" kern="1200">
+        <a:buFont typeface="Arial" panose="020B0604020202020204" pitchFamily="34" charset="0"/>
+        <a:buChar char="•"/>
+        <a:defRPr sz="1350" kern="1200">
           <a:solidFill>
             <a:schemeClr val="tx1"/>
           </a:solidFill>
-          <a:latin typeface="Arial" pitchFamily="34" charset="0"/>
+          <a:latin typeface="+mn-lt"/>
           <a:ea typeface="+mn-ea"/>
-          <a:cs typeface="Arial" pitchFamily="34" charset="0"/>
+          <a:cs typeface="+mn-cs"/>
         </a:defRPr>
       </a:lvl4pPr>
-      <a:lvl5pPr marL="2057400" indent="-228600" algn="l" defTabSz="914400" rtl="0" eaLnBrk="1" latinLnBrk="0" hangingPunct="1">
+      <a:lvl5pPr marL="1543050" indent="-171450" algn="l" defTabSz="685800" rtl="0" eaLnBrk="1" latinLnBrk="0" hangingPunct="1">
+        <a:lnSpc>
+          <a:spcPct val="90000"/>
+        </a:lnSpc>
         <a:spcBef>
-          <a:spcPct val="20000"/>
+          <a:spcPts val="375"/>
         </a:spcBef>
-        <a:buFont typeface="Arial" pitchFamily="34" charset="0"/>
-        <a:buChar char="»"/>
-        <a:defRPr sz="2000" kern="1200">
+        <a:buFont typeface="Arial" panose="020B0604020202020204" pitchFamily="34" charset="0"/>
+        <a:buChar char="•"/>
+        <a:defRPr sz="1350" kern="1200">
           <a:solidFill>
             <a:schemeClr val="tx1"/>
           </a:solidFill>
-          <a:latin typeface="Arial" pitchFamily="34" charset="0"/>
+          <a:latin typeface="+mn-lt"/>
           <a:ea typeface="+mn-ea"/>
-          <a:cs typeface="Arial" pitchFamily="34" charset="0"/>
+          <a:cs typeface="+mn-cs"/>
         </a:defRPr>
       </a:lvl5pPr>
-      <a:lvl6pPr marL="2514600" indent="-228600" algn="l" defTabSz="914400" rtl="0" eaLnBrk="1" latinLnBrk="0" hangingPunct="1">
+      <a:lvl6pPr marL="1885950" indent="-171450" algn="l" defTabSz="685800" rtl="0" eaLnBrk="1" latinLnBrk="0" hangingPunct="1">
+        <a:lnSpc>
+          <a:spcPct val="90000"/>
+        </a:lnSpc>
         <a:spcBef>
-          <a:spcPct val="20000"/>
+          <a:spcPts val="375"/>
         </a:spcBef>
-        <a:buFont typeface="Arial" pitchFamily="34" charset="0"/>
+        <a:buFont typeface="Arial" panose="020B0604020202020204" pitchFamily="34" charset="0"/>
         <a:buChar char="•"/>
-        <a:defRPr sz="2000" kern="1200">
+        <a:defRPr sz="1350" kern="1200">
           <a:solidFill>
             <a:schemeClr val="tx1"/>
           </a:solidFill>
@@ -3412,13 +4553,16 @@
           <a:cs typeface="+mn-cs"/>
         </a:defRPr>
       </a:lvl6pPr>
-      <a:lvl7pPr marL="2971800" indent="-228600" algn="l" defTabSz="914400" rtl="0" eaLnBrk="1" latinLnBrk="0" hangingPunct="1">
+      <a:lvl7pPr marL="2228850" indent="-171450" algn="l" defTabSz="685800" rtl="0" eaLnBrk="1" latinLnBrk="0" hangingPunct="1">
+        <a:lnSpc>
+          <a:spcPct val="90000"/>
+        </a:lnSpc>
         <a:spcBef>
-          <a:spcPct val="20000"/>
+          <a:spcPts val="375"/>
         </a:spcBef>
-        <a:buFont typeface="Arial" pitchFamily="34" charset="0"/>
+        <a:buFont typeface="Arial" panose="020B0604020202020204" pitchFamily="34" charset="0"/>
         <a:buChar char="•"/>
-        <a:defRPr sz="2000" kern="1200">
+        <a:defRPr sz="1350" kern="1200">
           <a:solidFill>
             <a:schemeClr val="tx1"/>
           </a:solidFill>
@@ -3427,13 +4571,16 @@
           <a:cs typeface="+mn-cs"/>
         </a:defRPr>
       </a:lvl7pPr>
-      <a:lvl8pPr marL="3429000" indent="-228600" algn="l" defTabSz="914400" rtl="0" eaLnBrk="1" latinLnBrk="0" hangingPunct="1">
+      <a:lvl8pPr marL="2571750" indent="-171450" algn="l" defTabSz="685800" rtl="0" eaLnBrk="1" latinLnBrk="0" hangingPunct="1">
+        <a:lnSpc>
+          <a:spcPct val="90000"/>
+        </a:lnSpc>
         <a:spcBef>
-          <a:spcPct val="20000"/>
+          <a:spcPts val="375"/>
         </a:spcBef>
-        <a:buFont typeface="Arial" pitchFamily="34" charset="0"/>
+        <a:buFont typeface="Arial" panose="020B0604020202020204" pitchFamily="34" charset="0"/>
         <a:buChar char="•"/>
-        <a:defRPr sz="2000" kern="1200">
+        <a:defRPr sz="1350" kern="1200">
           <a:solidFill>
             <a:schemeClr val="tx1"/>
           </a:solidFill>
@@ -3442,13 +4589,16 @@
           <a:cs typeface="+mn-cs"/>
         </a:defRPr>
       </a:lvl8pPr>
-      <a:lvl9pPr marL="3886200" indent="-228600" algn="l" defTabSz="914400" rtl="0" eaLnBrk="1" latinLnBrk="0" hangingPunct="1">
+      <a:lvl9pPr marL="2914650" indent="-171450" algn="l" defTabSz="685800" rtl="0" eaLnBrk="1" latinLnBrk="0" hangingPunct="1">
+        <a:lnSpc>
+          <a:spcPct val="90000"/>
+        </a:lnSpc>
         <a:spcBef>
-          <a:spcPct val="20000"/>
+          <a:spcPts val="375"/>
         </a:spcBef>
-        <a:buFont typeface="Arial" pitchFamily="34" charset="0"/>
+        <a:buFont typeface="Arial" panose="020B0604020202020204" pitchFamily="34" charset="0"/>
         <a:buChar char="•"/>
-        <a:defRPr sz="2000" kern="1200">
+        <a:defRPr sz="1350" kern="1200">
           <a:solidFill>
             <a:schemeClr val="tx1"/>
           </a:solidFill>
@@ -3462,8 +4612,8 @@
       <a:defPPr>
         <a:defRPr lang="en-US"/>
       </a:defPPr>
-      <a:lvl1pPr marL="0" algn="l" defTabSz="914400" rtl="0" eaLnBrk="1" latinLnBrk="0" hangingPunct="1">
-        <a:defRPr sz="1800" kern="1200">
+      <a:lvl1pPr marL="0" algn="l" defTabSz="685800" rtl="0" eaLnBrk="1" latinLnBrk="0" hangingPunct="1">
+        <a:defRPr sz="1350" kern="1200">
           <a:solidFill>
             <a:schemeClr val="tx1"/>
           </a:solidFill>
@@ -3472,8 +4622,8 @@
           <a:cs typeface="+mn-cs"/>
         </a:defRPr>
       </a:lvl1pPr>
-      <a:lvl2pPr marL="457200" algn="l" defTabSz="914400" rtl="0" eaLnBrk="1" latinLnBrk="0" hangingPunct="1">
-        <a:defRPr sz="1800" kern="1200">
+      <a:lvl2pPr marL="342900" algn="l" defTabSz="685800" rtl="0" eaLnBrk="1" latinLnBrk="0" hangingPunct="1">
+        <a:defRPr sz="1350" kern="1200">
           <a:solidFill>
             <a:schemeClr val="tx1"/>
           </a:solidFill>
@@ -3482,8 +4632,8 @@
           <a:cs typeface="+mn-cs"/>
         </a:defRPr>
       </a:lvl2pPr>
-      <a:lvl3pPr marL="914400" algn="l" defTabSz="914400" rtl="0" eaLnBrk="1" latinLnBrk="0" hangingPunct="1">
-        <a:defRPr sz="1800" kern="1200">
+      <a:lvl3pPr marL="685800" algn="l" defTabSz="685800" rtl="0" eaLnBrk="1" latinLnBrk="0" hangingPunct="1">
+        <a:defRPr sz="1350" kern="1200">
           <a:solidFill>
             <a:schemeClr val="tx1"/>
           </a:solidFill>
@@ -3492,8 +4642,8 @@
           <a:cs typeface="+mn-cs"/>
         </a:defRPr>
       </a:lvl3pPr>
-      <a:lvl4pPr marL="1371600" algn="l" defTabSz="914400" rtl="0" eaLnBrk="1" latinLnBrk="0" hangingPunct="1">
-        <a:defRPr sz="1800" kern="1200">
+      <a:lvl4pPr marL="1028700" algn="l" defTabSz="685800" rtl="0" eaLnBrk="1" latinLnBrk="0" hangingPunct="1">
+        <a:defRPr sz="1350" kern="1200">
           <a:solidFill>
             <a:schemeClr val="tx1"/>
           </a:solidFill>
@@ -3502,8 +4652,8 @@
           <a:cs typeface="+mn-cs"/>
         </a:defRPr>
       </a:lvl4pPr>
-      <a:lvl5pPr marL="1828800" algn="l" defTabSz="914400" rtl="0" eaLnBrk="1" latinLnBrk="0" hangingPunct="1">
-        <a:defRPr sz="1800" kern="1200">
+      <a:lvl5pPr marL="1371600" algn="l" defTabSz="685800" rtl="0" eaLnBrk="1" latinLnBrk="0" hangingPunct="1">
+        <a:defRPr sz="1350" kern="1200">
           <a:solidFill>
             <a:schemeClr val="tx1"/>
           </a:solidFill>
@@ -3512,8 +4662,8 @@
           <a:cs typeface="+mn-cs"/>
         </a:defRPr>
       </a:lvl5pPr>
-      <a:lvl6pPr marL="2286000" algn="l" defTabSz="914400" rtl="0" eaLnBrk="1" latinLnBrk="0" hangingPunct="1">
-        <a:defRPr sz="1800" kern="1200">
+      <a:lvl6pPr marL="1714500" algn="l" defTabSz="685800" rtl="0" eaLnBrk="1" latinLnBrk="0" hangingPunct="1">
+        <a:defRPr sz="1350" kern="1200">
           <a:solidFill>
             <a:schemeClr val="tx1"/>
           </a:solidFill>
@@ -3522,8 +4672,8 @@
           <a:cs typeface="+mn-cs"/>
         </a:defRPr>
       </a:lvl6pPr>
-      <a:lvl7pPr marL="2743200" algn="l" defTabSz="914400" rtl="0" eaLnBrk="1" latinLnBrk="0" hangingPunct="1">
-        <a:defRPr sz="1800" kern="1200">
+      <a:lvl7pPr marL="2057400" algn="l" defTabSz="685800" rtl="0" eaLnBrk="1" latinLnBrk="0" hangingPunct="1">
+        <a:defRPr sz="1350" kern="1200">
           <a:solidFill>
             <a:schemeClr val="tx1"/>
           </a:solidFill>
@@ -3532,8 +4682,8 @@
           <a:cs typeface="+mn-cs"/>
         </a:defRPr>
       </a:lvl7pPr>
-      <a:lvl8pPr marL="3200400" algn="l" defTabSz="914400" rtl="0" eaLnBrk="1" latinLnBrk="0" hangingPunct="1">
-        <a:defRPr sz="1800" kern="1200">
+      <a:lvl8pPr marL="2400300" algn="l" defTabSz="685800" rtl="0" eaLnBrk="1" latinLnBrk="0" hangingPunct="1">
+        <a:defRPr sz="1350" kern="1200">
           <a:solidFill>
             <a:schemeClr val="tx1"/>
           </a:solidFill>
@@ -3542,8 +4692,8 @@
           <a:cs typeface="+mn-cs"/>
         </a:defRPr>
       </a:lvl8pPr>
-      <a:lvl9pPr marL="3657600" algn="l" defTabSz="914400" rtl="0" eaLnBrk="1" latinLnBrk="0" hangingPunct="1">
-        <a:defRPr sz="1800" kern="1200">
+      <a:lvl9pPr marL="2743200" algn="l" defTabSz="685800" rtl="0" eaLnBrk="1" latinLnBrk="0" hangingPunct="1">
+        <a:defRPr sz="1350" kern="1200">
           <a:solidFill>
             <a:schemeClr val="tx1"/>
           </a:solidFill>
@@ -3587,13 +4737,20 @@
             </p:custDataLst>
           </p:nvPr>
         </p:nvSpPr>
-        <p:spPr/>
-        <p:txBody>
-          <a:bodyPr/>
-          <a:lstStyle/>
-          <a:p>
-            <a:r>
-              <a:rPr lang="en-US" dirty="0" smtClean="0"/>
+        <p:spPr>
+          <a:xfrm>
+            <a:off x="1319545" y="1042823"/>
+            <a:ext cx="6518495" cy="1790700"/>
+          </a:xfrm>
+        </p:spPr>
+        <p:txBody>
+          <a:bodyPr anchor="ctr">
+            <a:normAutofit/>
+          </a:bodyPr>
+          <a:lstStyle/>
+          <a:p>
+            <a:r>
+              <a:rPr lang="en-US" sz="5475" dirty="0" smtClean="0"/>
               <a:t>Crafting Wicked Domain Models</a:t>
             </a:r>
             <a:endParaRPr lang="en-US" dirty="0"/>
@@ -3613,22 +4770,22 @@
             </p:custDataLst>
           </p:nvPr>
         </p:nvSpPr>
-        <p:spPr/>
+        <p:spPr>
+          <a:xfrm>
+            <a:off x="2007039" y="2877298"/>
+            <a:ext cx="5143500" cy="1241822"/>
+          </a:xfrm>
+        </p:spPr>
         <p:txBody>
           <a:bodyPr>
-            <a:normAutofit fontScale="62500" lnSpcReduction="20000"/>
+            <a:normAutofit fontScale="92500" lnSpcReduction="10000"/>
           </a:bodyPr>
           <a:lstStyle/>
           <a:p>
             <a:r>
               <a:rPr lang="en-US" dirty="0" smtClean="0"/>
-              <a:t>Jimmy </a:t>
-            </a:r>
-            <a:r>
-              <a:rPr lang="en-US" dirty="0" err="1" smtClean="0"/>
-              <a:t>bogard</a:t>
-            </a:r>
-            <a:endParaRPr lang="en-US" dirty="0" smtClean="0"/>
+              <a:t>Jimmy Bogard</a:t>
+            </a:r>
           </a:p>
           <a:p>
             <a:r>
@@ -3644,19 +4801,152 @@
           <a:p>
             <a:r>
               <a:rPr lang="en-US" dirty="0" smtClean="0"/>
-              <a:t>Jimmybogard.lostechies.com</a:t>
-            </a:r>
-            <a:endParaRPr lang="en-US" dirty="0"/>
-          </a:p>
-        </p:txBody>
-      </p:sp>
+              <a:t>github.com/</a:t>
+            </a:r>
+            <a:r>
+              <a:rPr lang="en-US" dirty="0" err="1" smtClean="0"/>
+              <a:t>jbogard</a:t>
+            </a:r>
+            <a:endParaRPr lang="en-US" dirty="0" smtClean="0"/>
+          </a:p>
+          <a:p>
+            <a:r>
+              <a:rPr lang="en-US" dirty="0" smtClean="0"/>
+              <a:t>jimmybogard.lostechies.com</a:t>
+            </a:r>
+          </a:p>
+        </p:txBody>
+      </p:sp>
+      <p:pic>
+        <p:nvPicPr>
+          <p:cNvPr id="9" name="Picture 4" descr="https://mvp.support.microsoft.com/library/images/support/en-US/MVPLogo.gif"/>
+          <p:cNvPicPr>
+            <a:picLocks noChangeAspect="1" noChangeArrowheads="1"/>
+          </p:cNvPicPr>
+          <p:nvPr/>
+        </p:nvPicPr>
+        <p:blipFill>
+          <a:blip r:embed="rId6">
+            <a:extLst>
+              <a:ext uri="{28A0092B-C50C-407E-A947-70E740481C1C}">
+                <a14:useLocalDpi xmlns:a14="http://schemas.microsoft.com/office/drawing/2010/main" val="0"/>
+              </a:ext>
+            </a:extLst>
+          </a:blip>
+          <a:srcRect/>
+          <a:stretch>
+            <a:fillRect/>
+          </a:stretch>
+        </p:blipFill>
+        <p:spPr bwMode="auto">
+          <a:xfrm>
+            <a:off x="6227809" y="4326337"/>
+            <a:ext cx="821531" cy="1285875"/>
+          </a:xfrm>
+          <a:prstGeom prst="rect">
+            <a:avLst/>
+          </a:prstGeom>
+          <a:noFill/>
+          <a:extLst>
+            <a:ext uri="{909E8E84-426E-40DD-AFC4-6F175D3DCCD1}">
+              <a14:hiddenFill xmlns:a14="http://schemas.microsoft.com/office/drawing/2010/main">
+                <a:solidFill>
+                  <a:srgbClr val="FFFFFF"/>
+                </a:solidFill>
+              </a14:hiddenFill>
+            </a:ext>
+          </a:extLst>
+        </p:spPr>
+      </p:pic>
+      <p:pic>
+        <p:nvPicPr>
+          <p:cNvPr id="11" name="Picture 8" descr="http://lostechies.com/wp-content/themes/lostechies/images/lostechies_logo.png"/>
+          <p:cNvPicPr>
+            <a:picLocks noChangeAspect="1" noChangeArrowheads="1"/>
+          </p:cNvPicPr>
+          <p:nvPr/>
+        </p:nvPicPr>
+        <p:blipFill>
+          <a:blip r:embed="rId7">
+            <a:extLst>
+              <a:ext uri="{28A0092B-C50C-407E-A947-70E740481C1C}">
+                <a14:useLocalDpi xmlns:a14="http://schemas.microsoft.com/office/drawing/2010/main" val="0"/>
+              </a:ext>
+            </a:extLst>
+          </a:blip>
+          <a:srcRect/>
+          <a:stretch>
+            <a:fillRect/>
+          </a:stretch>
+        </p:blipFill>
+        <p:spPr bwMode="auto">
+          <a:xfrm>
+            <a:off x="1783643" y="4449980"/>
+            <a:ext cx="4535654" cy="550069"/>
+          </a:xfrm>
+          <a:prstGeom prst="rect">
+            <a:avLst/>
+          </a:prstGeom>
+          <a:noFill/>
+          <a:extLst>
+            <a:ext uri="{909E8E84-426E-40DD-AFC4-6F175D3DCCD1}">
+              <a14:hiddenFill xmlns:a14="http://schemas.microsoft.com/office/drawing/2010/main">
+                <a:solidFill>
+                  <a:srgbClr val="FFFFFF"/>
+                </a:solidFill>
+              </a14:hiddenFill>
+            </a:ext>
+          </a:extLst>
+        </p:spPr>
+      </p:pic>
+      <p:pic>
+        <p:nvPicPr>
+          <p:cNvPr id="12" name="Picture 12" descr="AutoMapper"/>
+          <p:cNvPicPr>
+            <a:picLocks noChangeAspect="1" noChangeArrowheads="1"/>
+          </p:cNvPicPr>
+          <p:nvPr/>
+        </p:nvPicPr>
+        <p:blipFill>
+          <a:blip r:embed="rId8">
+            <a:extLst>
+              <a:ext uri="{28A0092B-C50C-407E-A947-70E740481C1C}">
+                <a14:useLocalDpi xmlns:a14="http://schemas.microsoft.com/office/drawing/2010/main" val="0"/>
+              </a:ext>
+            </a:extLst>
+          </a:blip>
+          <a:srcRect/>
+          <a:stretch>
+            <a:fillRect/>
+          </a:stretch>
+        </p:blipFill>
+        <p:spPr bwMode="auto">
+          <a:xfrm>
+            <a:off x="2598781" y="5310174"/>
+            <a:ext cx="2800350" cy="286783"/>
+          </a:xfrm>
+          <a:prstGeom prst="rect">
+            <a:avLst/>
+          </a:prstGeom>
+          <a:noFill/>
+          <a:extLst>
+            <a:ext uri="{909E8E84-426E-40DD-AFC4-6F175D3DCCD1}">
+              <a14:hiddenFill xmlns:a14="http://schemas.microsoft.com/office/drawing/2010/main">
+                <a:solidFill>
+                  <a:srgbClr val="FFFFFF"/>
+                </a:solidFill>
+              </a14:hiddenFill>
+            </a:ext>
+          </a:extLst>
+        </p:spPr>
+      </p:pic>
     </p:spTree>
     <p:custDataLst>
       <p:tags r:id="rId1"/>
     </p:custDataLst>
     <p:extLst>
       <p:ext uri="{BB962C8B-B14F-4D97-AF65-F5344CB8AC3E}">
-        <p14:creationId xmlns:p14="http://schemas.microsoft.com/office/powerpoint/2010/main" val="3209948613"/>
+        <p14:creationId xmlns:p14="http://schemas.microsoft.com/office/powerpoint/2010/main" val="1713621237"/>
       </p:ext>
     </p:extLst>
   </p:cSld>
@@ -3692,6 +4982,30 @@
       </p:grpSpPr>
       <p:sp>
         <p:nvSpPr>
+          <p:cNvPr id="4" name="Title 3"/>
+          <p:cNvSpPr>
+            <a:spLocks noGrp="1"/>
+          </p:cNvSpPr>
+          <p:nvPr>
+            <p:ph type="title"/>
+          </p:nvPr>
+        </p:nvSpPr>
+        <p:spPr/>
+        <p:txBody>
+          <a:bodyPr anchor="ctr"/>
+          <a:lstStyle/>
+          <a:p>
+            <a:pPr algn="ctr"/>
+            <a:r>
+              <a:rPr lang="en-US" sz="4800" dirty="0" smtClean="0"/>
+              <a:t>Where’s the behavior?</a:t>
+            </a:r>
+            <a:endParaRPr lang="en-US" dirty="0"/>
+          </a:p>
+        </p:txBody>
+      </p:sp>
+      <p:sp>
+        <p:nvSpPr>
           <p:cNvPr id="3" name="Text Placeholder 2"/>
           <p:cNvSpPr>
             <a:spLocks noGrp="1"/>
@@ -3703,23 +5017,12 @@
             </p:custDataLst>
           </p:nvPr>
         </p:nvSpPr>
-        <p:spPr>
-          <a:xfrm>
-            <a:off x="762000" y="2767013"/>
-            <a:ext cx="7772400" cy="1500187"/>
-          </a:xfrm>
-        </p:spPr>
-        <p:txBody>
-          <a:bodyPr>
-            <a:noAutofit/>
-          </a:bodyPr>
-          <a:lstStyle/>
-          <a:p>
-            <a:r>
-              <a:rPr lang="en-US" sz="5400" dirty="0" smtClean="0"/>
-              <a:t>Where’s the behavior?</a:t>
-            </a:r>
-            <a:endParaRPr lang="en-US" sz="5400" dirty="0"/>
+        <p:spPr/>
+        <p:txBody>
+          <a:bodyPr/>
+          <a:lstStyle/>
+          <a:p>
+            <a:endParaRPr lang="en-US" dirty="0"/>
           </a:p>
         </p:txBody>
       </p:sp>
@@ -3873,6 +5176,30 @@
       </p:grpSpPr>
       <p:sp>
         <p:nvSpPr>
+          <p:cNvPr id="4" name="Title 3"/>
+          <p:cNvSpPr>
+            <a:spLocks noGrp="1"/>
+          </p:cNvSpPr>
+          <p:nvPr>
+            <p:ph type="title"/>
+          </p:nvPr>
+        </p:nvSpPr>
+        <p:spPr/>
+        <p:txBody>
+          <a:bodyPr anchor="ctr"/>
+          <a:lstStyle/>
+          <a:p>
+            <a:pPr algn="ctr"/>
+            <a:r>
+              <a:rPr lang="en-US" sz="4800" dirty="0" smtClean="0"/>
+              <a:t>Anemic domain models</a:t>
+            </a:r>
+            <a:endParaRPr lang="en-US" dirty="0"/>
+          </a:p>
+        </p:txBody>
+      </p:sp>
+      <p:sp>
+        <p:nvSpPr>
           <p:cNvPr id="3" name="Text Placeholder 2"/>
           <p:cNvSpPr>
             <a:spLocks noGrp="1"/>
@@ -3884,23 +5211,12 @@
             </p:custDataLst>
           </p:nvPr>
         </p:nvSpPr>
-        <p:spPr>
-          <a:xfrm>
-            <a:off x="762000" y="2767013"/>
-            <a:ext cx="7772400" cy="1500187"/>
-          </a:xfrm>
-        </p:spPr>
-        <p:txBody>
-          <a:bodyPr>
-            <a:noAutofit/>
-          </a:bodyPr>
-          <a:lstStyle/>
-          <a:p>
-            <a:r>
-              <a:rPr lang="en-US" sz="5400" dirty="0" smtClean="0"/>
-              <a:t>Anemic domain models</a:t>
-            </a:r>
-            <a:endParaRPr lang="en-US" sz="5400" dirty="0"/>
+        <p:spPr/>
+        <p:txBody>
+          <a:bodyPr/>
+          <a:lstStyle/>
+          <a:p>
+            <a:endParaRPr lang="en-US" dirty="0"/>
           </a:p>
         </p:txBody>
       </p:sp>
@@ -3946,6 +5262,30 @@
       </p:grpSpPr>
       <p:sp>
         <p:nvSpPr>
+          <p:cNvPr id="4" name="Title 3"/>
+          <p:cNvSpPr>
+            <a:spLocks noGrp="1"/>
+          </p:cNvSpPr>
+          <p:nvPr>
+            <p:ph type="title"/>
+          </p:nvPr>
+        </p:nvSpPr>
+        <p:spPr/>
+        <p:txBody>
+          <a:bodyPr anchor="ctr"/>
+          <a:lstStyle/>
+          <a:p>
+            <a:pPr algn="ctr"/>
+            <a:r>
+              <a:rPr lang="en-US" dirty="0" smtClean="0"/>
+              <a:t>Offer Assignment Service</a:t>
+            </a:r>
+            <a:endParaRPr lang="en-US" dirty="0"/>
+          </a:p>
+        </p:txBody>
+      </p:sp>
+      <p:sp>
+        <p:nvSpPr>
           <p:cNvPr id="3" name="Text Placeholder 2"/>
           <p:cNvSpPr>
             <a:spLocks noGrp="1"/>
@@ -3957,22 +5297,11 @@
             </p:custDataLst>
           </p:nvPr>
         </p:nvSpPr>
-        <p:spPr>
-          <a:xfrm>
-            <a:off x="762000" y="2767013"/>
-            <a:ext cx="7772400" cy="1500187"/>
-          </a:xfrm>
-        </p:spPr>
-        <p:txBody>
-          <a:bodyPr>
-            <a:noAutofit/>
-          </a:bodyPr>
-          <a:lstStyle/>
-          <a:p>
-            <a:r>
-              <a:rPr lang="en-US" dirty="0" smtClean="0"/>
-              <a:t>Offer Assignment Service</a:t>
-            </a:r>
+        <p:spPr/>
+        <p:txBody>
+          <a:bodyPr/>
+          <a:lstStyle/>
+          <a:p>
             <a:endParaRPr lang="en-US" dirty="0"/>
           </a:p>
         </p:txBody>
@@ -4149,546 +5478,28 @@
       </p:grpSpPr>
       <p:sp>
         <p:nvSpPr>
-          <p:cNvPr id="2" name="Title 1"/>
+          <p:cNvPr id="4" name="Title 3"/>
           <p:cNvSpPr>
             <a:spLocks noGrp="1"/>
           </p:cNvSpPr>
           <p:nvPr>
             <p:ph type="title"/>
-            <p:custDataLst>
-              <p:tags r:id="rId2"/>
-            </p:custDataLst>
-          </p:nvPr>
-        </p:nvSpPr>
-        <p:spPr/>
-        <p:txBody>
-          <a:bodyPr/>
-          <a:lstStyle/>
-          <a:p>
-            <a:endParaRPr lang="en-US"/>
-          </a:p>
-        </p:txBody>
-      </p:sp>
-      <p:pic>
-        <p:nvPicPr>
-          <p:cNvPr id="8194" name="Picture 2"/>
-          <p:cNvPicPr>
-            <a:picLocks noChangeAspect="1" noChangeArrowheads="1"/>
-          </p:cNvPicPr>
-          <p:nvPr>
-            <p:custDataLst>
-              <p:tags r:id="rId3"/>
-            </p:custDataLst>
-          </p:nvPr>
-        </p:nvPicPr>
-        <p:blipFill>
-          <a:blip r:embed="rId5">
-            <a:extLst>
-              <a:ext uri="{28A0092B-C50C-407E-A947-70E740481C1C}">
-                <a14:useLocalDpi xmlns:a14="http://schemas.microsoft.com/office/drawing/2010/main" val="0"/>
-              </a:ext>
-            </a:extLst>
-          </a:blip>
-          <a:srcRect/>
-          <a:stretch>
-            <a:fillRect/>
-          </a:stretch>
-        </p:blipFill>
-        <p:spPr bwMode="auto">
-          <a:xfrm>
-            <a:off x="76200" y="2438400"/>
-            <a:ext cx="8892988" cy="2362200"/>
-          </a:xfrm>
-          <a:prstGeom prst="rect">
-            <a:avLst/>
-          </a:prstGeom>
-          <a:noFill/>
-          <a:ln>
-            <a:noFill/>
-          </a:ln>
-          <a:effectLst/>
-          <a:extLst>
-            <a:ext uri="{909E8E84-426E-40DD-AFC4-6F175D3DCCD1}">
-              <a14:hiddenFill xmlns:a14="http://schemas.microsoft.com/office/drawing/2010/main">
-                <a:solidFill>
-                  <a:schemeClr val="accent1"/>
-                </a:solidFill>
-              </a14:hiddenFill>
-            </a:ext>
-            <a:ext uri="{91240B29-F687-4F45-9708-019B960494DF}">
-              <a14:hiddenLine xmlns:a14="http://schemas.microsoft.com/office/drawing/2010/main" w="9525">
-                <a:solidFill>
-                  <a:schemeClr val="tx1"/>
-                </a:solidFill>
-                <a:miter lim="800000"/>
-                <a:headEnd/>
-                <a:tailEnd/>
-              </a14:hiddenLine>
-            </a:ext>
-            <a:ext uri="{AF507438-7753-43E0-B8FC-AC1667EBCBE1}">
-              <a14:hiddenEffects xmlns:a14="http://schemas.microsoft.com/office/drawing/2010/main">
-                <a:effectLst>
-                  <a:outerShdw dist="35921" dir="2700000" algn="ctr" rotWithShape="0">
-                    <a:schemeClr val="bg2"/>
-                  </a:outerShdw>
-                </a:effectLst>
-              </a14:hiddenEffects>
-            </a:ext>
-          </a:extLst>
-        </p:spPr>
-      </p:pic>
-    </p:spTree>
-    <p:custDataLst>
-      <p:tags r:id="rId1"/>
-    </p:custDataLst>
-    <p:extLst>
-      <p:ext uri="{BB962C8B-B14F-4D97-AF65-F5344CB8AC3E}">
-        <p14:creationId xmlns:p14="http://schemas.microsoft.com/office/powerpoint/2010/main" val="4027872341"/>
-      </p:ext>
-    </p:extLst>
-  </p:cSld>
-  <p:clrMapOvr>
-    <a:masterClrMapping/>
-  </p:clrMapOvr>
-  <p:timing>
-    <p:tnLst>
-      <p:par>
-        <p:cTn id="1" dur="indefinite" restart="never" nodeType="tmRoot"/>
-      </p:par>
-    </p:tnLst>
-  </p:timing>
-</p:sld>
-</file>
-
-<file path=ppt/slides/slide16.xml><?xml version="1.0" encoding="utf-8"?>
-<p:sld xmlns:a="http://schemas.openxmlformats.org/drawingml/2006/main" xmlns:r="http://schemas.openxmlformats.org/officeDocument/2006/relationships" xmlns:p="http://schemas.openxmlformats.org/presentationml/2006/main">
-  <p:cSld>
-    <p:spTree>
-      <p:nvGrpSpPr>
-        <p:cNvPr id="1" name=""/>
-        <p:cNvGrpSpPr/>
-        <p:nvPr/>
-      </p:nvGrpSpPr>
-      <p:grpSpPr>
-        <a:xfrm>
-          <a:off x="0" y="0"/>
-          <a:ext cx="0" cy="0"/>
-          <a:chOff x="0" y="0"/>
-          <a:chExt cx="0" cy="0"/>
-        </a:xfrm>
-      </p:grpSpPr>
-      <p:sp>
-        <p:nvSpPr>
-          <p:cNvPr id="2" name="Title 1"/>
-          <p:cNvSpPr>
-            <a:spLocks noGrp="1"/>
-          </p:cNvSpPr>
-          <p:nvPr>
-            <p:ph type="title"/>
-            <p:custDataLst>
-              <p:tags r:id="rId2"/>
-            </p:custDataLst>
-          </p:nvPr>
-        </p:nvSpPr>
-        <p:spPr/>
-        <p:txBody>
-          <a:bodyPr/>
-          <a:lstStyle/>
-          <a:p>
-            <a:endParaRPr lang="en-US"/>
-          </a:p>
-        </p:txBody>
-      </p:sp>
-      <p:sp>
-        <p:nvSpPr>
-          <p:cNvPr id="3" name="Text Placeholder 2"/>
-          <p:cNvSpPr>
-            <a:spLocks noGrp="1"/>
-          </p:cNvSpPr>
-          <p:nvPr>
-            <p:ph type="body" idx="1"/>
-            <p:custDataLst>
-              <p:tags r:id="rId3"/>
-            </p:custDataLst>
-          </p:nvPr>
-        </p:nvSpPr>
-        <p:spPr/>
-        <p:txBody>
-          <a:bodyPr/>
-          <a:lstStyle/>
-          <a:p>
-            <a:endParaRPr lang="en-US"/>
-          </a:p>
-        </p:txBody>
-      </p:sp>
-      <p:pic>
-        <p:nvPicPr>
-          <p:cNvPr id="9218" name="Picture 2"/>
-          <p:cNvPicPr>
-            <a:picLocks noChangeAspect="1" noChangeArrowheads="1"/>
-          </p:cNvPicPr>
-          <p:nvPr>
-            <p:custDataLst>
-              <p:tags r:id="rId4"/>
-            </p:custDataLst>
-          </p:nvPr>
-        </p:nvPicPr>
-        <p:blipFill>
-          <a:blip r:embed="rId6">
-            <a:extLst>
-              <a:ext uri="{28A0092B-C50C-407E-A947-70E740481C1C}">
-                <a14:useLocalDpi xmlns:a14="http://schemas.microsoft.com/office/drawing/2010/main" val="0"/>
-              </a:ext>
-            </a:extLst>
-          </a:blip>
-          <a:srcRect/>
-          <a:stretch>
-            <a:fillRect/>
-          </a:stretch>
-        </p:blipFill>
-        <p:spPr bwMode="auto">
-          <a:xfrm>
-            <a:off x="228600" y="1219200"/>
-            <a:ext cx="8780501" cy="4953000"/>
-          </a:xfrm>
-          <a:prstGeom prst="rect">
-            <a:avLst/>
-          </a:prstGeom>
-          <a:noFill/>
-          <a:ln>
-            <a:noFill/>
-          </a:ln>
-          <a:effectLst/>
-          <a:extLst>
-            <a:ext uri="{909E8E84-426E-40DD-AFC4-6F175D3DCCD1}">
-              <a14:hiddenFill xmlns:a14="http://schemas.microsoft.com/office/drawing/2010/main">
-                <a:solidFill>
-                  <a:schemeClr val="accent1"/>
-                </a:solidFill>
-              </a14:hiddenFill>
-            </a:ext>
-            <a:ext uri="{91240B29-F687-4F45-9708-019B960494DF}">
-              <a14:hiddenLine xmlns:a14="http://schemas.microsoft.com/office/drawing/2010/main" w="9525">
-                <a:solidFill>
-                  <a:schemeClr val="tx1"/>
-                </a:solidFill>
-                <a:miter lim="800000"/>
-                <a:headEnd/>
-                <a:tailEnd/>
-              </a14:hiddenLine>
-            </a:ext>
-            <a:ext uri="{AF507438-7753-43E0-B8FC-AC1667EBCBE1}">
-              <a14:hiddenEffects xmlns:a14="http://schemas.microsoft.com/office/drawing/2010/main">
-                <a:effectLst>
-                  <a:outerShdw dist="35921" dir="2700000" algn="ctr" rotWithShape="0">
-                    <a:schemeClr val="bg2"/>
-                  </a:outerShdw>
-                </a:effectLst>
-              </a14:hiddenEffects>
-            </a:ext>
-          </a:extLst>
-        </p:spPr>
-      </p:pic>
-    </p:spTree>
-    <p:custDataLst>
-      <p:tags r:id="rId1"/>
-    </p:custDataLst>
-    <p:extLst>
-      <p:ext uri="{BB962C8B-B14F-4D97-AF65-F5344CB8AC3E}">
-        <p14:creationId xmlns:p14="http://schemas.microsoft.com/office/powerpoint/2010/main" val="3562491923"/>
-      </p:ext>
-    </p:extLst>
-  </p:cSld>
-  <p:clrMapOvr>
-    <a:masterClrMapping/>
-  </p:clrMapOvr>
-  <p:timing>
-    <p:tnLst>
-      <p:par>
-        <p:cTn id="1" dur="indefinite" restart="never" nodeType="tmRoot"/>
-      </p:par>
-    </p:tnLst>
-  </p:timing>
-</p:sld>
-</file>
-
-<file path=ppt/slides/slide17.xml><?xml version="1.0" encoding="utf-8"?>
-<p:sld xmlns:a="http://schemas.openxmlformats.org/drawingml/2006/main" xmlns:r="http://schemas.openxmlformats.org/officeDocument/2006/relationships" xmlns:p="http://schemas.openxmlformats.org/presentationml/2006/main">
-  <p:cSld>
-    <p:spTree>
-      <p:nvGrpSpPr>
-        <p:cNvPr id="1" name=""/>
-        <p:cNvGrpSpPr/>
-        <p:nvPr/>
-      </p:nvGrpSpPr>
-      <p:grpSpPr>
-        <a:xfrm>
-          <a:off x="0" y="0"/>
-          <a:ext cx="0" cy="0"/>
-          <a:chOff x="0" y="0"/>
-          <a:chExt cx="0" cy="0"/>
-        </a:xfrm>
-      </p:grpSpPr>
-      <p:sp>
-        <p:nvSpPr>
-          <p:cNvPr id="2" name="Title 1"/>
-          <p:cNvSpPr>
-            <a:spLocks noGrp="1"/>
-          </p:cNvSpPr>
-          <p:nvPr>
-            <p:ph type="title"/>
-            <p:custDataLst>
-              <p:tags r:id="rId2"/>
-            </p:custDataLst>
-          </p:nvPr>
-        </p:nvSpPr>
-        <p:spPr/>
-        <p:txBody>
-          <a:bodyPr/>
-          <a:lstStyle/>
-          <a:p>
-            <a:endParaRPr lang="en-US"/>
-          </a:p>
-        </p:txBody>
-      </p:sp>
-      <p:pic>
-        <p:nvPicPr>
-          <p:cNvPr id="10242" name="Picture 2"/>
-          <p:cNvPicPr>
-            <a:picLocks noChangeAspect="1" noChangeArrowheads="1"/>
-          </p:cNvPicPr>
-          <p:nvPr>
-            <p:custDataLst>
-              <p:tags r:id="rId3"/>
-            </p:custDataLst>
-          </p:nvPr>
-        </p:nvPicPr>
-        <p:blipFill>
-          <a:blip r:embed="rId5">
-            <a:extLst>
-              <a:ext uri="{28A0092B-C50C-407E-A947-70E740481C1C}">
-                <a14:useLocalDpi xmlns:a14="http://schemas.microsoft.com/office/drawing/2010/main" val="0"/>
-              </a:ext>
-            </a:extLst>
-          </a:blip>
-          <a:srcRect/>
-          <a:stretch>
-            <a:fillRect/>
-          </a:stretch>
-        </p:blipFill>
-        <p:spPr bwMode="auto">
-          <a:xfrm>
-            <a:off x="1066800" y="1144979"/>
-            <a:ext cx="6858000" cy="4926169"/>
-          </a:xfrm>
-          <a:prstGeom prst="rect">
-            <a:avLst/>
-          </a:prstGeom>
-          <a:noFill/>
-          <a:ln>
-            <a:noFill/>
-          </a:ln>
-          <a:effectLst/>
-          <a:extLst>
-            <a:ext uri="{909E8E84-426E-40DD-AFC4-6F175D3DCCD1}">
-              <a14:hiddenFill xmlns:a14="http://schemas.microsoft.com/office/drawing/2010/main">
-                <a:solidFill>
-                  <a:schemeClr val="accent1"/>
-                </a:solidFill>
-              </a14:hiddenFill>
-            </a:ext>
-            <a:ext uri="{91240B29-F687-4F45-9708-019B960494DF}">
-              <a14:hiddenLine xmlns:a14="http://schemas.microsoft.com/office/drawing/2010/main" w="9525">
-                <a:solidFill>
-                  <a:schemeClr val="tx1"/>
-                </a:solidFill>
-                <a:miter lim="800000"/>
-                <a:headEnd/>
-                <a:tailEnd/>
-              </a14:hiddenLine>
-            </a:ext>
-            <a:ext uri="{AF507438-7753-43E0-B8FC-AC1667EBCBE1}">
-              <a14:hiddenEffects xmlns:a14="http://schemas.microsoft.com/office/drawing/2010/main">
-                <a:effectLst>
-                  <a:outerShdw dist="35921" dir="2700000" algn="ctr" rotWithShape="0">
-                    <a:schemeClr val="bg2"/>
-                  </a:outerShdw>
-                </a:effectLst>
-              </a14:hiddenEffects>
-            </a:ext>
-          </a:extLst>
-        </p:spPr>
-      </p:pic>
-    </p:spTree>
-    <p:custDataLst>
-      <p:tags r:id="rId1"/>
-    </p:custDataLst>
-    <p:extLst>
-      <p:ext uri="{BB962C8B-B14F-4D97-AF65-F5344CB8AC3E}">
-        <p14:creationId xmlns:p14="http://schemas.microsoft.com/office/powerpoint/2010/main" val="3251861078"/>
-      </p:ext>
-    </p:extLst>
-  </p:cSld>
-  <p:clrMapOvr>
-    <a:masterClrMapping/>
-  </p:clrMapOvr>
-  <p:timing>
-    <p:tnLst>
-      <p:par>
-        <p:cTn id="1" dur="indefinite" restart="never" nodeType="tmRoot"/>
-      </p:par>
-    </p:tnLst>
-  </p:timing>
-</p:sld>
-</file>
-
-<file path=ppt/slides/slide18.xml><?xml version="1.0" encoding="utf-8"?>
-<p:sld xmlns:a="http://schemas.openxmlformats.org/drawingml/2006/main" xmlns:r="http://schemas.openxmlformats.org/officeDocument/2006/relationships" xmlns:p="http://schemas.openxmlformats.org/presentationml/2006/main">
-  <p:cSld>
-    <p:spTree>
-      <p:nvGrpSpPr>
-        <p:cNvPr id="1" name=""/>
-        <p:cNvGrpSpPr/>
-        <p:nvPr/>
-      </p:nvGrpSpPr>
-      <p:grpSpPr>
-        <a:xfrm>
-          <a:off x="0" y="0"/>
-          <a:ext cx="0" cy="0"/>
-          <a:chOff x="0" y="0"/>
-          <a:chExt cx="0" cy="0"/>
-        </a:xfrm>
-      </p:grpSpPr>
-      <p:sp>
-        <p:nvSpPr>
-          <p:cNvPr id="2" name="Title 1"/>
-          <p:cNvSpPr>
-            <a:spLocks noGrp="1"/>
-          </p:cNvSpPr>
-          <p:nvPr>
-            <p:ph type="title"/>
-            <p:custDataLst>
-              <p:tags r:id="rId2"/>
-            </p:custDataLst>
-          </p:nvPr>
-        </p:nvSpPr>
-        <p:spPr/>
-        <p:txBody>
-          <a:bodyPr/>
-          <a:lstStyle/>
-          <a:p>
-            <a:endParaRPr lang="en-US"/>
-          </a:p>
-        </p:txBody>
-      </p:sp>
-      <p:pic>
-        <p:nvPicPr>
-          <p:cNvPr id="11266" name="Picture 2"/>
-          <p:cNvPicPr>
-            <a:picLocks noChangeAspect="1" noChangeArrowheads="1"/>
-          </p:cNvPicPr>
-          <p:nvPr>
-            <p:custDataLst>
-              <p:tags r:id="rId3"/>
-            </p:custDataLst>
-          </p:nvPr>
-        </p:nvPicPr>
-        <p:blipFill>
-          <a:blip r:embed="rId5">
-            <a:extLst>
-              <a:ext uri="{28A0092B-C50C-407E-A947-70E740481C1C}">
-                <a14:useLocalDpi xmlns:a14="http://schemas.microsoft.com/office/drawing/2010/main" val="0"/>
-              </a:ext>
-            </a:extLst>
-          </a:blip>
-          <a:srcRect/>
-          <a:stretch>
-            <a:fillRect/>
-          </a:stretch>
-        </p:blipFill>
-        <p:spPr bwMode="auto">
-          <a:xfrm>
-            <a:off x="1066800" y="1143000"/>
-            <a:ext cx="6789270" cy="4876800"/>
-          </a:xfrm>
-          <a:prstGeom prst="rect">
-            <a:avLst/>
-          </a:prstGeom>
-          <a:noFill/>
-          <a:ln>
-            <a:noFill/>
-          </a:ln>
-          <a:effectLst/>
-          <a:extLst>
-            <a:ext uri="{909E8E84-426E-40DD-AFC4-6F175D3DCCD1}">
-              <a14:hiddenFill xmlns:a14="http://schemas.microsoft.com/office/drawing/2010/main">
-                <a:solidFill>
-                  <a:schemeClr val="accent1"/>
-                </a:solidFill>
-              </a14:hiddenFill>
-            </a:ext>
-            <a:ext uri="{91240B29-F687-4F45-9708-019B960494DF}">
-              <a14:hiddenLine xmlns:a14="http://schemas.microsoft.com/office/drawing/2010/main" w="9525">
-                <a:solidFill>
-                  <a:schemeClr val="tx1"/>
-                </a:solidFill>
-                <a:miter lim="800000"/>
-                <a:headEnd/>
-                <a:tailEnd/>
-              </a14:hiddenLine>
-            </a:ext>
-            <a:ext uri="{AF507438-7753-43E0-B8FC-AC1667EBCBE1}">
-              <a14:hiddenEffects xmlns:a14="http://schemas.microsoft.com/office/drawing/2010/main">
-                <a:effectLst>
-                  <a:outerShdw dist="35921" dir="2700000" algn="ctr" rotWithShape="0">
-                    <a:schemeClr val="bg2"/>
-                  </a:outerShdw>
-                </a:effectLst>
-              </a14:hiddenEffects>
-            </a:ext>
-          </a:extLst>
-        </p:spPr>
-      </p:pic>
-    </p:spTree>
-    <p:custDataLst>
-      <p:tags r:id="rId1"/>
-    </p:custDataLst>
-    <p:extLst>
-      <p:ext uri="{BB962C8B-B14F-4D97-AF65-F5344CB8AC3E}">
-        <p14:creationId xmlns:p14="http://schemas.microsoft.com/office/powerpoint/2010/main" val="2763436465"/>
-      </p:ext>
-    </p:extLst>
-  </p:cSld>
-  <p:clrMapOvr>
-    <a:masterClrMapping/>
-  </p:clrMapOvr>
-  <p:timing>
-    <p:tnLst>
-      <p:par>
-        <p:cTn id="1" dur="indefinite" restart="never" nodeType="tmRoot"/>
-      </p:par>
-    </p:tnLst>
-  </p:timing>
-</p:sld>
-</file>
-
-<file path=ppt/slides/slide19.xml><?xml version="1.0" encoding="utf-8"?>
-<p:sld xmlns:a="http://schemas.openxmlformats.org/drawingml/2006/main" xmlns:r="http://schemas.openxmlformats.org/officeDocument/2006/relationships" xmlns:p="http://schemas.openxmlformats.org/presentationml/2006/main">
-  <p:cSld>
-    <p:spTree>
-      <p:nvGrpSpPr>
-        <p:cNvPr id="1" name=""/>
-        <p:cNvGrpSpPr/>
-        <p:nvPr/>
-      </p:nvGrpSpPr>
-      <p:grpSpPr>
-        <a:xfrm>
-          <a:off x="0" y="0"/>
-          <a:ext cx="0" cy="0"/>
-          <a:chOff x="0" y="0"/>
-          <a:chExt cx="0" cy="0"/>
-        </a:xfrm>
-      </p:grpSpPr>
+          </p:nvPr>
+        </p:nvSpPr>
+        <p:spPr/>
+        <p:txBody>
+          <a:bodyPr anchor="ctr"/>
+          <a:lstStyle/>
+          <a:p>
+            <a:pPr algn="ctr"/>
+            <a:r>
+              <a:rPr lang="en-US" sz="4800" dirty="0" smtClean="0"/>
+              <a:t>Solution</a:t>
+            </a:r>
+            <a:endParaRPr lang="en-US" dirty="0"/>
+          </a:p>
+        </p:txBody>
+      </p:sp>
       <p:sp>
         <p:nvSpPr>
           <p:cNvPr id="3" name="Text Placeholder 2"/>
@@ -4702,23 +5513,12 @@
             </p:custDataLst>
           </p:nvPr>
         </p:nvSpPr>
-        <p:spPr>
-          <a:xfrm>
-            <a:off x="762000" y="2767013"/>
-            <a:ext cx="7772400" cy="1500187"/>
-          </a:xfrm>
-        </p:spPr>
-        <p:txBody>
-          <a:bodyPr>
-            <a:noAutofit/>
-          </a:bodyPr>
-          <a:lstStyle/>
-          <a:p>
-            <a:r>
-              <a:rPr lang="en-US" sz="8800" dirty="0" smtClean="0"/>
-              <a:t>Solution</a:t>
-            </a:r>
-            <a:endParaRPr lang="en-US" sz="8800" dirty="0"/>
+        <p:spPr/>
+        <p:txBody>
+          <a:bodyPr/>
+          <a:lstStyle/>
+          <a:p>
+            <a:endParaRPr lang="en-US" dirty="0"/>
           </a:p>
         </p:txBody>
       </p:sp>
@@ -4764,6 +5564,30 @@
       </p:grpSpPr>
       <p:sp>
         <p:nvSpPr>
+          <p:cNvPr id="4" name="Title 3"/>
+          <p:cNvSpPr>
+            <a:spLocks noGrp="1"/>
+          </p:cNvSpPr>
+          <p:nvPr>
+            <p:ph type="title"/>
+          </p:nvPr>
+        </p:nvSpPr>
+        <p:spPr/>
+        <p:txBody>
+          <a:bodyPr anchor="ctr"/>
+          <a:lstStyle/>
+          <a:p>
+            <a:pPr algn="ctr"/>
+            <a:r>
+              <a:rPr lang="en-US" dirty="0" smtClean="0"/>
+              <a:t>What is a domain model?</a:t>
+            </a:r>
+            <a:endParaRPr lang="en-US" dirty="0"/>
+          </a:p>
+        </p:txBody>
+      </p:sp>
+      <p:sp>
+        <p:nvSpPr>
           <p:cNvPr id="3" name="Text Placeholder 2"/>
           <p:cNvSpPr>
             <a:spLocks noGrp="1"/>
@@ -4775,22 +5599,11 @@
             </p:custDataLst>
           </p:nvPr>
         </p:nvSpPr>
-        <p:spPr>
-          <a:xfrm>
-            <a:off x="762000" y="2767013"/>
-            <a:ext cx="7772400" cy="1500187"/>
-          </a:xfrm>
-        </p:spPr>
-        <p:txBody>
-          <a:bodyPr>
-            <a:noAutofit/>
-          </a:bodyPr>
-          <a:lstStyle/>
-          <a:p>
-            <a:r>
-              <a:rPr lang="en-US" dirty="0" smtClean="0"/>
-              <a:t>What is a domain model?</a:t>
-            </a:r>
+        <p:spPr/>
+        <p:txBody>
+          <a:bodyPr/>
+          <a:lstStyle/>
+          <a:p>
             <a:endParaRPr lang="en-US" dirty="0"/>
           </a:p>
         </p:txBody>
@@ -4837,6 +5650,30 @@
       </p:grpSpPr>
       <p:sp>
         <p:nvSpPr>
+          <p:cNvPr id="4" name="Title 3"/>
+          <p:cNvSpPr>
+            <a:spLocks noGrp="1"/>
+          </p:cNvSpPr>
+          <p:nvPr>
+            <p:ph type="title"/>
+          </p:nvPr>
+        </p:nvSpPr>
+        <p:spPr/>
+        <p:txBody>
+          <a:bodyPr anchor="ctr"/>
+          <a:lstStyle/>
+          <a:p>
+            <a:pPr algn="ctr"/>
+            <a:r>
+              <a:rPr lang="en-US" dirty="0" smtClean="0"/>
+              <a:t>Why should I care?</a:t>
+            </a:r>
+            <a:endParaRPr lang="en-US" dirty="0"/>
+          </a:p>
+        </p:txBody>
+      </p:sp>
+      <p:sp>
+        <p:nvSpPr>
           <p:cNvPr id="3" name="Text Placeholder 2"/>
           <p:cNvSpPr>
             <a:spLocks noGrp="1"/>
@@ -4848,23 +5685,12 @@
             </p:custDataLst>
           </p:nvPr>
         </p:nvSpPr>
-        <p:spPr>
-          <a:xfrm>
-            <a:off x="762000" y="2767013"/>
-            <a:ext cx="7772400" cy="1500187"/>
-          </a:xfrm>
-        </p:spPr>
-        <p:txBody>
-          <a:bodyPr>
-            <a:noAutofit/>
-          </a:bodyPr>
-          <a:lstStyle/>
-          <a:p>
-            <a:r>
-              <a:rPr lang="en-US" sz="6000" dirty="0" smtClean="0"/>
-              <a:t>Why should I care?</a:t>
-            </a:r>
-            <a:endParaRPr lang="en-US" sz="6000" dirty="0"/>
+        <p:spPr/>
+        <p:txBody>
+          <a:bodyPr/>
+          <a:lstStyle/>
+          <a:p>
+            <a:endParaRPr lang="en-US" dirty="0"/>
           </a:p>
         </p:txBody>
       </p:sp>
@@ -4910,6 +5736,30 @@
       </p:grpSpPr>
       <p:sp>
         <p:nvSpPr>
+          <p:cNvPr id="4" name="Title 3"/>
+          <p:cNvSpPr>
+            <a:spLocks noGrp="1"/>
+          </p:cNvSpPr>
+          <p:nvPr>
+            <p:ph type="title"/>
+          </p:nvPr>
+        </p:nvSpPr>
+        <p:spPr/>
+        <p:txBody>
+          <a:bodyPr anchor="ctr"/>
+          <a:lstStyle/>
+          <a:p>
+            <a:pPr algn="ctr"/>
+            <a:r>
+              <a:rPr lang="en-US" dirty="0" smtClean="0"/>
+              <a:t>Current State</a:t>
+            </a:r>
+            <a:endParaRPr lang="en-US" dirty="0"/>
+          </a:p>
+        </p:txBody>
+      </p:sp>
+      <p:sp>
+        <p:nvSpPr>
           <p:cNvPr id="3" name="Text Placeholder 2"/>
           <p:cNvSpPr>
             <a:spLocks noGrp="1"/>
@@ -4921,23 +5771,12 @@
             </p:custDataLst>
           </p:nvPr>
         </p:nvSpPr>
-        <p:spPr>
-          <a:xfrm>
-            <a:off x="762000" y="2767013"/>
-            <a:ext cx="7772400" cy="1500187"/>
-          </a:xfrm>
-        </p:spPr>
-        <p:txBody>
-          <a:bodyPr>
-            <a:noAutofit/>
-          </a:bodyPr>
-          <a:lstStyle/>
-          <a:p>
-            <a:r>
-              <a:rPr lang="en-US" sz="8800" dirty="0" smtClean="0"/>
-              <a:t>Current State</a:t>
-            </a:r>
-            <a:endParaRPr lang="en-US" sz="8800" dirty="0"/>
+        <p:spPr/>
+        <p:txBody>
+          <a:bodyPr/>
+          <a:lstStyle/>
+          <a:p>
+            <a:endParaRPr lang="en-US" dirty="0"/>
           </a:p>
         </p:txBody>
       </p:sp>
@@ -5506,414 +6345,198 @@
 
 <file path=ppt/tags/tag1.xml><?xml version="1.0" encoding="utf-8"?>
 <p:tagLst xmlns:a="http://schemas.openxmlformats.org/drawingml/2006/main" xmlns:r="http://schemas.openxmlformats.org/officeDocument/2006/relationships" xmlns:p="http://schemas.openxmlformats.org/presentationml/2006/main">
-  <p:tag name="DVSHAPEID" val="c15ziaJfYCcQja0CDalT7U"/>
+  <p:tag name="DVSECTIONID" val="ULJKTtTuA1JYcmiIHNUWnZ"/>
 </p:tagLst>
 </file>
 
 <file path=ppt/tags/tag10.xml><?xml version="1.0" encoding="utf-8"?>
 <p:tagLst xmlns:a="http://schemas.openxmlformats.org/drawingml/2006/main" xmlns:r="http://schemas.openxmlformats.org/officeDocument/2006/relationships" xmlns:p="http://schemas.openxmlformats.org/presentationml/2006/main">
-  <p:tag name="DVSHAPEID" val="9G0MjT7ylTYTh4vo3x9Esp"/>
+  <p:tag name="DVSECTIONID" val="e4vPerkWhDFnfJedsGiXU8"/>
 </p:tagLst>
 </file>
 
 <file path=ppt/tags/tag11.xml><?xml version="1.0" encoding="utf-8"?>
 <p:tagLst xmlns:a="http://schemas.openxmlformats.org/drawingml/2006/main" xmlns:r="http://schemas.openxmlformats.org/officeDocument/2006/relationships" xmlns:p="http://schemas.openxmlformats.org/presentationml/2006/main">
-  <p:tag name="DVSHAPEID" val="Rrywzjr5EVB4HAiCxEeeQm"/>
+  <p:tag name="DVSHAPEID" val="yl4YjLQFnlZZnHTnMoJ9IO"/>
 </p:tagLst>
 </file>
 
 <file path=ppt/tags/tag12.xml><?xml version="1.0" encoding="utf-8"?>
 <p:tagLst xmlns:a="http://schemas.openxmlformats.org/drawingml/2006/main" xmlns:r="http://schemas.openxmlformats.org/officeDocument/2006/relationships" xmlns:p="http://schemas.openxmlformats.org/presentationml/2006/main">
-  <p:tag name="DVSHAPEID" val="mJ7lXqTFtejJPydMkN7ff3"/>
+  <p:tag name="DVSECTIONID" val="6GAmlzIPx70FcTpTC1Lhe6"/>
 </p:tagLst>
 </file>
 
 <file path=ppt/tags/tag13.xml><?xml version="1.0" encoding="utf-8"?>
 <p:tagLst xmlns:a="http://schemas.openxmlformats.org/drawingml/2006/main" xmlns:r="http://schemas.openxmlformats.org/officeDocument/2006/relationships" xmlns:p="http://schemas.openxmlformats.org/presentationml/2006/main">
-  <p:tag name="DVSHAPEID" val="hcmV5rZupdyu4Oodm0cYrn"/>
+  <p:tag name="DVSHAPEID" val="lapSjooDjR8M22GpUnGIB7"/>
 </p:tagLst>
 </file>
 
 <file path=ppt/tags/tag14.xml><?xml version="1.0" encoding="utf-8"?>
 <p:tagLst xmlns:a="http://schemas.openxmlformats.org/drawingml/2006/main" xmlns:r="http://schemas.openxmlformats.org/officeDocument/2006/relationships" xmlns:p="http://schemas.openxmlformats.org/presentationml/2006/main">
-  <p:tag name="DVSHAPEID" val="LXLKoLkr7A7jsVZ1lsGZP6"/>
+  <p:tag name="DVSECTIONID" val="6WSJl6bzgn75XPeR6Les6x"/>
 </p:tagLst>
 </file>
 
 <file path=ppt/tags/tag15.xml><?xml version="1.0" encoding="utf-8"?>
 <p:tagLst xmlns:a="http://schemas.openxmlformats.org/drawingml/2006/main" xmlns:r="http://schemas.openxmlformats.org/officeDocument/2006/relationships" xmlns:p="http://schemas.openxmlformats.org/presentationml/2006/main">
-  <p:tag name="DVSHAPEID" val="bkton6r63gBTrp9l3daY6X"/>
+  <p:tag name="DVSHAPEID" val="EkCNIioijwFKZTzqrsgJ18"/>
 </p:tagLst>
 </file>
 
 <file path=ppt/tags/tag16.xml><?xml version="1.0" encoding="utf-8"?>
 <p:tagLst xmlns:a="http://schemas.openxmlformats.org/drawingml/2006/main" xmlns:r="http://schemas.openxmlformats.org/officeDocument/2006/relationships" xmlns:p="http://schemas.openxmlformats.org/presentationml/2006/main">
-  <p:tag name="DVSHAPEID" val="nLmtekFKisyEMqhZndZ1xR"/>
+  <p:tag name="DVSECTIONID" val="mzxkNy4hcCU0zEtCdBDYQC"/>
 </p:tagLst>
 </file>
 
 <file path=ppt/tags/tag17.xml><?xml version="1.0" encoding="utf-8"?>
 <p:tagLst xmlns:a="http://schemas.openxmlformats.org/drawingml/2006/main" xmlns:r="http://schemas.openxmlformats.org/officeDocument/2006/relationships" xmlns:p="http://schemas.openxmlformats.org/presentationml/2006/main">
-  <p:tag name="DVSHAPEID" val="IyuzSZpsOQ0dXI2TS7rjX9"/>
+  <p:tag name="DVSHAPEID" val="RAERGmtltZcew4gwG6e0yB"/>
 </p:tagLst>
 </file>
 
 <file path=ppt/tags/tag18.xml><?xml version="1.0" encoding="utf-8"?>
 <p:tagLst xmlns:a="http://schemas.openxmlformats.org/drawingml/2006/main" xmlns:r="http://schemas.openxmlformats.org/officeDocument/2006/relationships" xmlns:p="http://schemas.openxmlformats.org/presentationml/2006/main">
-  <p:tag name="DVSHAPEID" val="lMCI43QWY5qw2OZEsFlQDH"/>
+  <p:tag name="DVSECTIONID" val="x6WAEKUZ3L0yzjb0jCvZbv"/>
 </p:tagLst>
 </file>
 
 <file path=ppt/tags/tag19.xml><?xml version="1.0" encoding="utf-8"?>
 <p:tagLst xmlns:a="http://schemas.openxmlformats.org/drawingml/2006/main" xmlns:r="http://schemas.openxmlformats.org/officeDocument/2006/relationships" xmlns:p="http://schemas.openxmlformats.org/presentationml/2006/main">
-  <p:tag name="DVSHAPEID" val="EztyXtlSzdTzdHW9VlCSSV"/>
+  <p:tag name="DVSHAPEID" val="7i2NQtVdrR5wt18RC2PX2F"/>
 </p:tagLst>
 </file>
 
 <file path=ppt/tags/tag2.xml><?xml version="1.0" encoding="utf-8"?>
 <p:tagLst xmlns:a="http://schemas.openxmlformats.org/drawingml/2006/main" xmlns:r="http://schemas.openxmlformats.org/officeDocument/2006/relationships" xmlns:p="http://schemas.openxmlformats.org/presentationml/2006/main">
-  <p:tag name="DVSHAPEID" val="36u3ZExqgD1Ibr7Ou8GBJL"/>
+  <p:tag name="DVSHAPEID" val="0el361ATYxVn7CIhxUw3rP"/>
 </p:tagLst>
 </file>
 
 <file path=ppt/tags/tag20.xml><?xml version="1.0" encoding="utf-8"?>
 <p:tagLst xmlns:a="http://schemas.openxmlformats.org/drawingml/2006/main" xmlns:r="http://schemas.openxmlformats.org/officeDocument/2006/relationships" xmlns:p="http://schemas.openxmlformats.org/presentationml/2006/main">
-  <p:tag name="DVSHAPEID" val="MqFdUeELY7vD73fv5mB6vc"/>
+  <p:tag name="DVSECTIONID" val="bWfAouxCP8HK1qodUjmcy8"/>
 </p:tagLst>
 </file>
 
 <file path=ppt/tags/tag21.xml><?xml version="1.0" encoding="utf-8"?>
 <p:tagLst xmlns:a="http://schemas.openxmlformats.org/drawingml/2006/main" xmlns:r="http://schemas.openxmlformats.org/officeDocument/2006/relationships" xmlns:p="http://schemas.openxmlformats.org/presentationml/2006/main">
-  <p:tag name="DVSHAPEID" val="CtBiHjKZdLPJM2TKz7dOfL"/>
+  <p:tag name="DVSHAPEID" val="xLnvaVMav0AftmOSwZpgyk"/>
 </p:tagLst>
 </file>
 
 <file path=ppt/tags/tag22.xml><?xml version="1.0" encoding="utf-8"?>
 <p:tagLst xmlns:a="http://schemas.openxmlformats.org/drawingml/2006/main" xmlns:r="http://schemas.openxmlformats.org/officeDocument/2006/relationships" xmlns:p="http://schemas.openxmlformats.org/presentationml/2006/main">
-  <p:tag name="DVSHAPEID" val="3zATTpfggMpzObCCwl0ZUK"/>
+  <p:tag name="DVSECTIONID" val="004aqdi0sRr2VZk4mqsrWS"/>
 </p:tagLst>
 </file>
 
 <file path=ppt/tags/tag23.xml><?xml version="1.0" encoding="utf-8"?>
 <p:tagLst xmlns:a="http://schemas.openxmlformats.org/drawingml/2006/main" xmlns:r="http://schemas.openxmlformats.org/officeDocument/2006/relationships" xmlns:p="http://schemas.openxmlformats.org/presentationml/2006/main">
-  <p:tag name="DVSHAPEID" val="OnhcClMuSGXRq1HOpkJXu2"/>
+  <p:tag name="DVSHAPEID" val="9ZBenOucbAzsLhpli0rhm4"/>
 </p:tagLst>
 </file>
 
 <file path=ppt/tags/tag24.xml><?xml version="1.0" encoding="utf-8"?>
 <p:tagLst xmlns:a="http://schemas.openxmlformats.org/drawingml/2006/main" xmlns:r="http://schemas.openxmlformats.org/officeDocument/2006/relationships" xmlns:p="http://schemas.openxmlformats.org/presentationml/2006/main">
-  <p:tag name="DVSECTIONID" val="3C0ysUuhA2MRjSTsyJAbhc"/>
+  <p:tag name="DVSECTIONID" val="RPhLB6IbDYX2Wfve3jkOFP"/>
 </p:tagLst>
 </file>
 
 <file path=ppt/tags/tag25.xml><?xml version="1.0" encoding="utf-8"?>
 <p:tagLst xmlns:a="http://schemas.openxmlformats.org/drawingml/2006/main" xmlns:r="http://schemas.openxmlformats.org/officeDocument/2006/relationships" xmlns:p="http://schemas.openxmlformats.org/presentationml/2006/main">
-  <p:tag name="DVSHAPEID" val="jMiABeJDkFJYdhOOh2C4gX"/>
+  <p:tag name="DVSHAPEID" val="WdyM2JwPxM7cBnTWyXGjOZ"/>
 </p:tagLst>
 </file>
 
 <file path=ppt/tags/tag26.xml><?xml version="1.0" encoding="utf-8"?>
 <p:tagLst xmlns:a="http://schemas.openxmlformats.org/drawingml/2006/main" xmlns:r="http://schemas.openxmlformats.org/officeDocument/2006/relationships" xmlns:p="http://schemas.openxmlformats.org/presentationml/2006/main">
-  <p:tag name="DVSHAPEID" val="CoSpEST9jPaFXxF7pJn9aO"/>
+  <p:tag name="DVSECTIONID" val="iYupSPXVK7c88eSFBbihds"/>
 </p:tagLst>
 </file>
 
 <file path=ppt/tags/tag27.xml><?xml version="1.0" encoding="utf-8"?>
+<p:tagLst xmlns:a="http://schemas.openxmlformats.org/drawingml/2006/main" xmlns:r="http://schemas.openxmlformats.org/officeDocument/2006/relationships" xmlns:p="http://schemas.openxmlformats.org/presentationml/2006/main">
+  <p:tag name="DVSHAPEID" val="F1AxtbGpOhY43nGAMKFm2N"/>
+</p:tagLst>
+</file>
+
+<file path=ppt/tags/tag28.xml><?xml version="1.0" encoding="utf-8"?>
+<p:tagLst xmlns:a="http://schemas.openxmlformats.org/drawingml/2006/main" xmlns:r="http://schemas.openxmlformats.org/officeDocument/2006/relationships" xmlns:p="http://schemas.openxmlformats.org/presentationml/2006/main">
+  <p:tag name="DVSECTIONID" val="5T25y8m868c1xigcdTdHeP"/>
+</p:tagLst>
+</file>
+
+<file path=ppt/tags/tag29.xml><?xml version="1.0" encoding="utf-8"?>
+<p:tagLst xmlns:a="http://schemas.openxmlformats.org/drawingml/2006/main" xmlns:r="http://schemas.openxmlformats.org/officeDocument/2006/relationships" xmlns:p="http://schemas.openxmlformats.org/presentationml/2006/main">
+  <p:tag name="DVSHAPEID" val="lzF1rmstA3fWxwcugk88XP"/>
+</p:tagLst>
+</file>
+
+<file path=ppt/tags/tag3.xml><?xml version="1.0" encoding="utf-8"?>
+<p:tagLst xmlns:a="http://schemas.openxmlformats.org/drawingml/2006/main" xmlns:r="http://schemas.openxmlformats.org/officeDocument/2006/relationships" xmlns:p="http://schemas.openxmlformats.org/presentationml/2006/main">
+  <p:tag name="DVSHAPEID" val="9GXR3BK6E2EUKvoPmRUH3b"/>
+</p:tagLst>
+</file>
+
+<file path=ppt/tags/tag30.xml><?xml version="1.0" encoding="utf-8"?>
+<p:tagLst xmlns:a="http://schemas.openxmlformats.org/drawingml/2006/main" xmlns:r="http://schemas.openxmlformats.org/officeDocument/2006/relationships" xmlns:p="http://schemas.openxmlformats.org/presentationml/2006/main">
+  <p:tag name="DVSHAPEID" val="dxkvfXbVDsWSG1SrJjXkGV"/>
+</p:tagLst>
+</file>
+
+<file path=ppt/tags/tag31.xml><?xml version="1.0" encoding="utf-8"?>
+<p:tagLst xmlns:a="http://schemas.openxmlformats.org/drawingml/2006/main" xmlns:r="http://schemas.openxmlformats.org/officeDocument/2006/relationships" xmlns:p="http://schemas.openxmlformats.org/presentationml/2006/main">
+  <p:tag name="DVSECTIONID" val="qhkYH0Y7Nuti7K6GDDlxrL"/>
+</p:tagLst>
+</file>
+
+<file path=ppt/tags/tag32.xml><?xml version="1.0" encoding="utf-8"?>
+<p:tagLst xmlns:a="http://schemas.openxmlformats.org/drawingml/2006/main" xmlns:r="http://schemas.openxmlformats.org/officeDocument/2006/relationships" xmlns:p="http://schemas.openxmlformats.org/presentationml/2006/main">
+  <p:tag name="DVSHAPEID" val="ynsdnNjpRHnwJt1mVYYP0Q"/>
+</p:tagLst>
+</file>
+
+<file path=ppt/tags/tag4.xml><?xml version="1.0" encoding="utf-8"?>
 <p:tagLst xmlns:a="http://schemas.openxmlformats.org/drawingml/2006/main" xmlns:r="http://schemas.openxmlformats.org/officeDocument/2006/relationships" xmlns:p="http://schemas.openxmlformats.org/presentationml/2006/main">
   <p:tag name="DVSECTIONID" val="954DLsONlp9SVYKHguXKrn"/>
 </p:tagLst>
 </file>
 
-<file path=ppt/tags/tag28.xml><?xml version="1.0" encoding="utf-8"?>
+<file path=ppt/tags/tag5.xml><?xml version="1.0" encoding="utf-8"?>
 <p:tagLst xmlns:a="http://schemas.openxmlformats.org/drawingml/2006/main" xmlns:r="http://schemas.openxmlformats.org/officeDocument/2006/relationships" xmlns:p="http://schemas.openxmlformats.org/presentationml/2006/main">
   <p:tag name="DVSHAPEID" val="y8xPSOljVmvmaUIbAQKblU"/>
 </p:tagLst>
 </file>
 
-<file path=ppt/tags/tag29.xml><?xml version="1.0" encoding="utf-8"?>
+<file path=ppt/tags/tag6.xml><?xml version="1.0" encoding="utf-8"?>
 <p:tagLst xmlns:a="http://schemas.openxmlformats.org/drawingml/2006/main" xmlns:r="http://schemas.openxmlformats.org/officeDocument/2006/relationships" xmlns:p="http://schemas.openxmlformats.org/presentationml/2006/main">
   <p:tag name="DVSECTIONID" val="KWab8awL47ERtVtO91tNHm"/>
 </p:tagLst>
 </file>
 
-<file path=ppt/tags/tag3.xml><?xml version="1.0" encoding="utf-8"?>
-<p:tagLst xmlns:a="http://schemas.openxmlformats.org/drawingml/2006/main" xmlns:r="http://schemas.openxmlformats.org/officeDocument/2006/relationships" xmlns:p="http://schemas.openxmlformats.org/presentationml/2006/main">
-  <p:tag name="DVSHAPEID" val="kS9QljkOt6JhXY5fb4Ixly"/>
-</p:tagLst>
-</file>
-
-<file path=ppt/tags/tag30.xml><?xml version="1.0" encoding="utf-8"?>
+<file path=ppt/tags/tag7.xml><?xml version="1.0" encoding="utf-8"?>
 <p:tagLst xmlns:a="http://schemas.openxmlformats.org/drawingml/2006/main" xmlns:r="http://schemas.openxmlformats.org/officeDocument/2006/relationships" xmlns:p="http://schemas.openxmlformats.org/presentationml/2006/main">
   <p:tag name="DVSHAPEID" val="Nxjg8aCSG7NOPJSP04O0UO"/>
 </p:tagLst>
 </file>
 
-<file path=ppt/tags/tag31.xml><?xml version="1.0" encoding="utf-8"?>
+<file path=ppt/tags/tag8.xml><?xml version="1.0" encoding="utf-8"?>
 <p:tagLst xmlns:a="http://schemas.openxmlformats.org/drawingml/2006/main" xmlns:r="http://schemas.openxmlformats.org/officeDocument/2006/relationships" xmlns:p="http://schemas.openxmlformats.org/presentationml/2006/main">
   <p:tag name="DVSECTIONID" val="HqXVIQt6dwKMk7tzjDgzl1"/>
 </p:tagLst>
 </file>
 
-<file path=ppt/tags/tag32.xml><?xml version="1.0" encoding="utf-8"?>
+<file path=ppt/tags/tag9.xml><?xml version="1.0" encoding="utf-8"?>
 <p:tagLst xmlns:a="http://schemas.openxmlformats.org/drawingml/2006/main" xmlns:r="http://schemas.openxmlformats.org/officeDocument/2006/relationships" xmlns:p="http://schemas.openxmlformats.org/presentationml/2006/main">
   <p:tag name="DVSHAPEID" val="aBnLoe9woYsEkZvBFaG2Gn"/>
 </p:tagLst>
 </file>
 
-<file path=ppt/tags/tag33.xml><?xml version="1.0" encoding="utf-8"?>
-<p:tagLst xmlns:a="http://schemas.openxmlformats.org/drawingml/2006/main" xmlns:r="http://schemas.openxmlformats.org/officeDocument/2006/relationships" xmlns:p="http://schemas.openxmlformats.org/presentationml/2006/main">
-  <p:tag name="DVSECTIONID" val="e4vPerkWhDFnfJedsGiXU8"/>
-</p:tagLst>
-</file>
-
-<file path=ppt/tags/tag34.xml><?xml version="1.0" encoding="utf-8"?>
-<p:tagLst xmlns:a="http://schemas.openxmlformats.org/drawingml/2006/main" xmlns:r="http://schemas.openxmlformats.org/officeDocument/2006/relationships" xmlns:p="http://schemas.openxmlformats.org/presentationml/2006/main">
-  <p:tag name="DVSHAPEID" val="yl4YjLQFnlZZnHTnMoJ9IO"/>
-</p:tagLst>
-</file>
-
-<file path=ppt/tags/tag35.xml><?xml version="1.0" encoding="utf-8"?>
-<p:tagLst xmlns:a="http://schemas.openxmlformats.org/drawingml/2006/main" xmlns:r="http://schemas.openxmlformats.org/officeDocument/2006/relationships" xmlns:p="http://schemas.openxmlformats.org/presentationml/2006/main">
-  <p:tag name="DVSECTIONID" val="6GAmlzIPx70FcTpTC1Lhe6"/>
-</p:tagLst>
-</file>
-
-<file path=ppt/tags/tag36.xml><?xml version="1.0" encoding="utf-8"?>
-<p:tagLst xmlns:a="http://schemas.openxmlformats.org/drawingml/2006/main" xmlns:r="http://schemas.openxmlformats.org/officeDocument/2006/relationships" xmlns:p="http://schemas.openxmlformats.org/presentationml/2006/main">
-  <p:tag name="DVSHAPEID" val="lapSjooDjR8M22GpUnGIB7"/>
-</p:tagLst>
-</file>
-
-<file path=ppt/tags/tag37.xml><?xml version="1.0" encoding="utf-8"?>
-<p:tagLst xmlns:a="http://schemas.openxmlformats.org/drawingml/2006/main" xmlns:r="http://schemas.openxmlformats.org/officeDocument/2006/relationships" xmlns:p="http://schemas.openxmlformats.org/presentationml/2006/main">
-  <p:tag name="DVSECTIONID" val="6WSJl6bzgn75XPeR6Les6x"/>
-</p:tagLst>
-</file>
-
-<file path=ppt/tags/tag38.xml><?xml version="1.0" encoding="utf-8"?>
-<p:tagLst xmlns:a="http://schemas.openxmlformats.org/drawingml/2006/main" xmlns:r="http://schemas.openxmlformats.org/officeDocument/2006/relationships" xmlns:p="http://schemas.openxmlformats.org/presentationml/2006/main">
-  <p:tag name="DVSHAPEID" val="EkCNIioijwFKZTzqrsgJ18"/>
-</p:tagLst>
-</file>
-
-<file path=ppt/tags/tag39.xml><?xml version="1.0" encoding="utf-8"?>
-<p:tagLst xmlns:a="http://schemas.openxmlformats.org/drawingml/2006/main" xmlns:r="http://schemas.openxmlformats.org/officeDocument/2006/relationships" xmlns:p="http://schemas.openxmlformats.org/presentationml/2006/main">
-  <p:tag name="DVSECTIONID" val="mzxkNy4hcCU0zEtCdBDYQC"/>
-</p:tagLst>
-</file>
-
-<file path=ppt/tags/tag4.xml><?xml version="1.0" encoding="utf-8"?>
-<p:tagLst xmlns:a="http://schemas.openxmlformats.org/drawingml/2006/main" xmlns:r="http://schemas.openxmlformats.org/officeDocument/2006/relationships" xmlns:p="http://schemas.openxmlformats.org/presentationml/2006/main">
-  <p:tag name="DVSHAPEID" val="PBYzuPFddvbiMBT8ie5saV"/>
-</p:tagLst>
-</file>
-
-<file path=ppt/tags/tag40.xml><?xml version="1.0" encoding="utf-8"?>
-<p:tagLst xmlns:a="http://schemas.openxmlformats.org/drawingml/2006/main" xmlns:r="http://schemas.openxmlformats.org/officeDocument/2006/relationships" xmlns:p="http://schemas.openxmlformats.org/presentationml/2006/main">
-  <p:tag name="DVSHAPEID" val="RAERGmtltZcew4gwG6e0yB"/>
-</p:tagLst>
-</file>
-
-<file path=ppt/tags/tag41.xml><?xml version="1.0" encoding="utf-8"?>
-<p:tagLst xmlns:a="http://schemas.openxmlformats.org/drawingml/2006/main" xmlns:r="http://schemas.openxmlformats.org/officeDocument/2006/relationships" xmlns:p="http://schemas.openxmlformats.org/presentationml/2006/main">
-  <p:tag name="DVSECTIONID" val="x6WAEKUZ3L0yzjb0jCvZbv"/>
-</p:tagLst>
-</file>
-
-<file path=ppt/tags/tag42.xml><?xml version="1.0" encoding="utf-8"?>
-<p:tagLst xmlns:a="http://schemas.openxmlformats.org/drawingml/2006/main" xmlns:r="http://schemas.openxmlformats.org/officeDocument/2006/relationships" xmlns:p="http://schemas.openxmlformats.org/presentationml/2006/main">
-  <p:tag name="DVSHAPEID" val="7i2NQtVdrR5wt18RC2PX2F"/>
-</p:tagLst>
-</file>
-
-<file path=ppt/tags/tag43.xml><?xml version="1.0" encoding="utf-8"?>
-<p:tagLst xmlns:a="http://schemas.openxmlformats.org/drawingml/2006/main" xmlns:r="http://schemas.openxmlformats.org/officeDocument/2006/relationships" xmlns:p="http://schemas.openxmlformats.org/presentationml/2006/main">
-  <p:tag name="DVSECTIONID" val="bWfAouxCP8HK1qodUjmcy8"/>
-</p:tagLst>
-</file>
-
-<file path=ppt/tags/tag44.xml><?xml version="1.0" encoding="utf-8"?>
-<p:tagLst xmlns:a="http://schemas.openxmlformats.org/drawingml/2006/main" xmlns:r="http://schemas.openxmlformats.org/officeDocument/2006/relationships" xmlns:p="http://schemas.openxmlformats.org/presentationml/2006/main">
-  <p:tag name="DVSHAPEID" val="xLnvaVMav0AftmOSwZpgyk"/>
-</p:tagLst>
-</file>
-
-<file path=ppt/tags/tag45.xml><?xml version="1.0" encoding="utf-8"?>
-<p:tagLst xmlns:a="http://schemas.openxmlformats.org/drawingml/2006/main" xmlns:r="http://schemas.openxmlformats.org/officeDocument/2006/relationships" xmlns:p="http://schemas.openxmlformats.org/presentationml/2006/main">
-  <p:tag name="DVSECTIONID" val="004aqdi0sRr2VZk4mqsrWS"/>
-</p:tagLst>
-</file>
-
-<file path=ppt/tags/tag46.xml><?xml version="1.0" encoding="utf-8"?>
-<p:tagLst xmlns:a="http://schemas.openxmlformats.org/drawingml/2006/main" xmlns:r="http://schemas.openxmlformats.org/officeDocument/2006/relationships" xmlns:p="http://schemas.openxmlformats.org/presentationml/2006/main">
-  <p:tag name="DVSHAPEID" val="9ZBenOucbAzsLhpli0rhm4"/>
-</p:tagLst>
-</file>
-
-<file path=ppt/tags/tag47.xml><?xml version="1.0" encoding="utf-8"?>
-<p:tagLst xmlns:a="http://schemas.openxmlformats.org/drawingml/2006/main" xmlns:r="http://schemas.openxmlformats.org/officeDocument/2006/relationships" xmlns:p="http://schemas.openxmlformats.org/presentationml/2006/main">
-  <p:tag name="DVSECTIONID" val="RPhLB6IbDYX2Wfve3jkOFP"/>
-</p:tagLst>
-</file>
-
-<file path=ppt/tags/tag48.xml><?xml version="1.0" encoding="utf-8"?>
-<p:tagLst xmlns:a="http://schemas.openxmlformats.org/drawingml/2006/main" xmlns:r="http://schemas.openxmlformats.org/officeDocument/2006/relationships" xmlns:p="http://schemas.openxmlformats.org/presentationml/2006/main">
-  <p:tag name="DVSHAPEID" val="WdyM2JwPxM7cBnTWyXGjOZ"/>
-</p:tagLst>
-</file>
-
-<file path=ppt/tags/tag49.xml><?xml version="1.0" encoding="utf-8"?>
-<p:tagLst xmlns:a="http://schemas.openxmlformats.org/drawingml/2006/main" xmlns:r="http://schemas.openxmlformats.org/officeDocument/2006/relationships" xmlns:p="http://schemas.openxmlformats.org/presentationml/2006/main">
-  <p:tag name="DVSECTIONID" val="iYupSPXVK7c88eSFBbihds"/>
-</p:tagLst>
-</file>
-
-<file path=ppt/tags/tag5.xml><?xml version="1.0" encoding="utf-8"?>
-<p:tagLst xmlns:a="http://schemas.openxmlformats.org/drawingml/2006/main" xmlns:r="http://schemas.openxmlformats.org/officeDocument/2006/relationships" xmlns:p="http://schemas.openxmlformats.org/presentationml/2006/main">
-  <p:tag name="DVSHAPEID" val="ZTt9JeWBTbpM3xSMOu8gSd"/>
-</p:tagLst>
-</file>
-
-<file path=ppt/tags/tag50.xml><?xml version="1.0" encoding="utf-8"?>
-<p:tagLst xmlns:a="http://schemas.openxmlformats.org/drawingml/2006/main" xmlns:r="http://schemas.openxmlformats.org/officeDocument/2006/relationships" xmlns:p="http://schemas.openxmlformats.org/presentationml/2006/main">
-  <p:tag name="DVSHAPEID" val="F1AxtbGpOhY43nGAMKFm2N"/>
-</p:tagLst>
-</file>
-
-<file path=ppt/tags/tag51.xml><?xml version="1.0" encoding="utf-8"?>
-<p:tagLst xmlns:a="http://schemas.openxmlformats.org/drawingml/2006/main" xmlns:r="http://schemas.openxmlformats.org/officeDocument/2006/relationships" xmlns:p="http://schemas.openxmlformats.org/presentationml/2006/main">
-  <p:tag name="DVSECTIONID" val="5T25y8m868c1xigcdTdHeP"/>
-</p:tagLst>
-</file>
-
-<file path=ppt/tags/tag52.xml><?xml version="1.0" encoding="utf-8"?>
-<p:tagLst xmlns:a="http://schemas.openxmlformats.org/drawingml/2006/main" xmlns:r="http://schemas.openxmlformats.org/officeDocument/2006/relationships" xmlns:p="http://schemas.openxmlformats.org/presentationml/2006/main">
-  <p:tag name="DVSHAPEID" val="lzF1rmstA3fWxwcugk88XP"/>
-</p:tagLst>
-</file>
-
-<file path=ppt/tags/tag53.xml><?xml version="1.0" encoding="utf-8"?>
-<p:tagLst xmlns:a="http://schemas.openxmlformats.org/drawingml/2006/main" xmlns:r="http://schemas.openxmlformats.org/officeDocument/2006/relationships" xmlns:p="http://schemas.openxmlformats.org/presentationml/2006/main">
-  <p:tag name="DVSHAPEID" val="dxkvfXbVDsWSG1SrJjXkGV"/>
-</p:tagLst>
-</file>
-
-<file path=ppt/tags/tag54.xml><?xml version="1.0" encoding="utf-8"?>
-<p:tagLst xmlns:a="http://schemas.openxmlformats.org/drawingml/2006/main" xmlns:r="http://schemas.openxmlformats.org/officeDocument/2006/relationships" xmlns:p="http://schemas.openxmlformats.org/presentationml/2006/main">
-  <p:tag name="DVSECTIONID" val="QO6hloI8woCPTBmMgPzB14"/>
-</p:tagLst>
-</file>
-
-<file path=ppt/tags/tag55.xml><?xml version="1.0" encoding="utf-8"?>
-<p:tagLst xmlns:a="http://schemas.openxmlformats.org/drawingml/2006/main" xmlns:r="http://schemas.openxmlformats.org/officeDocument/2006/relationships" xmlns:p="http://schemas.openxmlformats.org/presentationml/2006/main">
-  <p:tag name="DVSHAPEID" val="O7Q9ohuldUQvl8HV6uiFpM"/>
-</p:tagLst>
-</file>
-
-<file path=ppt/tags/tag56.xml><?xml version="1.0" encoding="utf-8"?>
-<p:tagLst xmlns:a="http://schemas.openxmlformats.org/drawingml/2006/main" xmlns:r="http://schemas.openxmlformats.org/officeDocument/2006/relationships" xmlns:p="http://schemas.openxmlformats.org/presentationml/2006/main">
-  <p:tag name="DVSHAPEID" val="ZFQbCOAOaC9iIcF6yTqif1"/>
-</p:tagLst>
-</file>
-
-<file path=ppt/tags/tag57.xml><?xml version="1.0" encoding="utf-8"?>
-<p:tagLst xmlns:a="http://schemas.openxmlformats.org/drawingml/2006/main" xmlns:r="http://schemas.openxmlformats.org/officeDocument/2006/relationships" xmlns:p="http://schemas.openxmlformats.org/presentationml/2006/main">
-  <p:tag name="DVSECTIONID" val="V6HzppYo3vef3dYhMYqXBO"/>
-</p:tagLst>
-</file>
-
-<file path=ppt/tags/tag58.xml><?xml version="1.0" encoding="utf-8"?>
-<p:tagLst xmlns:a="http://schemas.openxmlformats.org/drawingml/2006/main" xmlns:r="http://schemas.openxmlformats.org/officeDocument/2006/relationships" xmlns:p="http://schemas.openxmlformats.org/presentationml/2006/main">
-  <p:tag name="DVSHAPEID" val="1bFJJOds21v17bidEGKoKd"/>
-</p:tagLst>
-</file>
-
-<file path=ppt/tags/tag59.xml><?xml version="1.0" encoding="utf-8"?>
-<p:tagLst xmlns:a="http://schemas.openxmlformats.org/drawingml/2006/main" xmlns:r="http://schemas.openxmlformats.org/officeDocument/2006/relationships" xmlns:p="http://schemas.openxmlformats.org/presentationml/2006/main">
-  <p:tag name="DVSHAPEID" val="l3qug0Voe7xXDFvT5MBHA8"/>
-</p:tagLst>
-</file>
-
-<file path=ppt/tags/tag6.xml><?xml version="1.0" encoding="utf-8"?>
-<p:tagLst xmlns:a="http://schemas.openxmlformats.org/drawingml/2006/main" xmlns:r="http://schemas.openxmlformats.org/officeDocument/2006/relationships" xmlns:p="http://schemas.openxmlformats.org/presentationml/2006/main">
-  <p:tag name="DVSHAPEID" val="6Fbtl3MtrSoUC45l6qgCBZ"/>
-</p:tagLst>
-</file>
-
-<file path=ppt/tags/tag60.xml><?xml version="1.0" encoding="utf-8"?>
-<p:tagLst xmlns:a="http://schemas.openxmlformats.org/drawingml/2006/main" xmlns:r="http://schemas.openxmlformats.org/officeDocument/2006/relationships" xmlns:p="http://schemas.openxmlformats.org/presentationml/2006/main">
-  <p:tag name="DVSHAPEID" val="MG5uNlfKyRhOPCjexcwDNo"/>
-</p:tagLst>
-</file>
-
-<file path=ppt/tags/tag61.xml><?xml version="1.0" encoding="utf-8"?>
-<p:tagLst xmlns:a="http://schemas.openxmlformats.org/drawingml/2006/main" xmlns:r="http://schemas.openxmlformats.org/officeDocument/2006/relationships" xmlns:p="http://schemas.openxmlformats.org/presentationml/2006/main">
-  <p:tag name="DVSECTIONID" val="pHpEPrCo8COLT0zLZja7k6"/>
-</p:tagLst>
-</file>
-
-<file path=ppt/tags/tag62.xml><?xml version="1.0" encoding="utf-8"?>
-<p:tagLst xmlns:a="http://schemas.openxmlformats.org/drawingml/2006/main" xmlns:r="http://schemas.openxmlformats.org/officeDocument/2006/relationships" xmlns:p="http://schemas.openxmlformats.org/presentationml/2006/main">
-  <p:tag name="DVSHAPEID" val="u9xDILAXM2CdgJpMcA9tzG"/>
-</p:tagLst>
-</file>
-
-<file path=ppt/tags/tag63.xml><?xml version="1.0" encoding="utf-8"?>
-<p:tagLst xmlns:a="http://schemas.openxmlformats.org/drawingml/2006/main" xmlns:r="http://schemas.openxmlformats.org/officeDocument/2006/relationships" xmlns:p="http://schemas.openxmlformats.org/presentationml/2006/main">
-  <p:tag name="DVSHAPEID" val="GOPSzQepbXlnbVWaCuaA4f"/>
-</p:tagLst>
-</file>
-
-<file path=ppt/tags/tag64.xml><?xml version="1.0" encoding="utf-8"?>
-<p:tagLst xmlns:a="http://schemas.openxmlformats.org/drawingml/2006/main" xmlns:r="http://schemas.openxmlformats.org/officeDocument/2006/relationships" xmlns:p="http://schemas.openxmlformats.org/presentationml/2006/main">
-  <p:tag name="DVSECTIONID" val="AEy8NZ2Bb3s6HZaKzwMFnB"/>
-</p:tagLst>
-</file>
-
-<file path=ppt/tags/tag65.xml><?xml version="1.0" encoding="utf-8"?>
-<p:tagLst xmlns:a="http://schemas.openxmlformats.org/drawingml/2006/main" xmlns:r="http://schemas.openxmlformats.org/officeDocument/2006/relationships" xmlns:p="http://schemas.openxmlformats.org/presentationml/2006/main">
-  <p:tag name="DVSHAPEID" val="bCmzPL0WujPNtINPbKInRF"/>
-</p:tagLst>
-</file>
-
-<file path=ppt/tags/tag66.xml><?xml version="1.0" encoding="utf-8"?>
-<p:tagLst xmlns:a="http://schemas.openxmlformats.org/drawingml/2006/main" xmlns:r="http://schemas.openxmlformats.org/officeDocument/2006/relationships" xmlns:p="http://schemas.openxmlformats.org/presentationml/2006/main">
-  <p:tag name="DVSHAPEID" val="SSytP1XEjYBrDdw00tpft1"/>
-</p:tagLst>
-</file>
-
-<file path=ppt/tags/tag67.xml><?xml version="1.0" encoding="utf-8"?>
-<p:tagLst xmlns:a="http://schemas.openxmlformats.org/drawingml/2006/main" xmlns:r="http://schemas.openxmlformats.org/officeDocument/2006/relationships" xmlns:p="http://schemas.openxmlformats.org/presentationml/2006/main">
-  <p:tag name="DVSECTIONID" val="qhkYH0Y7Nuti7K6GDDlxrL"/>
-</p:tagLst>
-</file>
-
-<file path=ppt/tags/tag68.xml><?xml version="1.0" encoding="utf-8"?>
-<p:tagLst xmlns:a="http://schemas.openxmlformats.org/drawingml/2006/main" xmlns:r="http://schemas.openxmlformats.org/officeDocument/2006/relationships" xmlns:p="http://schemas.openxmlformats.org/presentationml/2006/main">
-  <p:tag name="DVSHAPEID" val="ynsdnNjpRHnwJt1mVYYP0Q"/>
-</p:tagLst>
-</file>
-
-<file path=ppt/tags/tag7.xml><?xml version="1.0" encoding="utf-8"?>
-<p:tagLst xmlns:a="http://schemas.openxmlformats.org/drawingml/2006/main" xmlns:r="http://schemas.openxmlformats.org/officeDocument/2006/relationships" xmlns:p="http://schemas.openxmlformats.org/presentationml/2006/main">
-  <p:tag name="DVSHAPEID" val="S0ylgvqAkT2LNNXfTTOpJw"/>
-</p:tagLst>
-</file>
-
-<file path=ppt/tags/tag8.xml><?xml version="1.0" encoding="utf-8"?>
-<p:tagLst xmlns:a="http://schemas.openxmlformats.org/drawingml/2006/main" xmlns:r="http://schemas.openxmlformats.org/officeDocument/2006/relationships" xmlns:p="http://schemas.openxmlformats.org/presentationml/2006/main">
-  <p:tag name="DVSHAPEID" val="n8VNGsoH0gB6NbVZMg3Qyu"/>
-</p:tagLst>
-</file>
-
-<file path=ppt/tags/tag9.xml><?xml version="1.0" encoding="utf-8"?>
-<p:tagLst xmlns:a="http://schemas.openxmlformats.org/drawingml/2006/main" xmlns:r="http://schemas.openxmlformats.org/officeDocument/2006/relationships" xmlns:p="http://schemas.openxmlformats.org/presentationml/2006/main">
-  <p:tag name="DVSHAPEID" val="RRhioRxmNcflCpqtPXcDSM"/>
-</p:tagLst>
-</file>
-
 <file path=ppt/theme/theme1.xml><?xml version="1.0" encoding="utf-8"?>
-<a:theme xmlns:a="http://schemas.openxmlformats.org/drawingml/2006/main" name="Headspring2">
+<a:theme xmlns:a="http://schemas.openxmlformats.org/drawingml/2006/main" name="Office Theme">
   <a:themeElements>
     <a:clrScheme name="Office">
       <a:dk1>
@@ -5923,104 +6546,46 @@
         <a:sysClr val="window" lastClr="FFFFFF"/>
       </a:lt1>
       <a:dk2>
-        <a:srgbClr val="1F497D"/>
+        <a:srgbClr val="44546A"/>
       </a:dk2>
       <a:lt2>
-        <a:srgbClr val="EEECE1"/>
+        <a:srgbClr val="E7E6E6"/>
       </a:lt2>
       <a:accent1>
-        <a:srgbClr val="4F81BD"/>
+        <a:srgbClr val="5B9BD5"/>
       </a:accent1>
       <a:accent2>
-        <a:srgbClr val="C0504D"/>
+        <a:srgbClr val="ED7D31"/>
       </a:accent2>
       <a:accent3>
-        <a:srgbClr val="9BBB59"/>
+        <a:srgbClr val="A5A5A5"/>
       </a:accent3>
       <a:accent4>
-        <a:srgbClr val="8064A2"/>
+        <a:srgbClr val="FFC000"/>
       </a:accent4>
       <a:accent5>
-        <a:srgbClr val="4BACC6"/>
+        <a:srgbClr val="4472C4"/>
       </a:accent5>
       <a:accent6>
-        <a:srgbClr val="F79646"/>
+        <a:srgbClr val="70AD47"/>
       </a:accent6>
       <a:hlink>
-        <a:srgbClr val="0000FF"/>
+        <a:srgbClr val="0563C1"/>
       </a:hlink>
       <a:folHlink>
-        <a:srgbClr val="800080"/>
+        <a:srgbClr val="954F72"/>
       </a:folHlink>
     </a:clrScheme>
-    <a:fontScheme name="Office">
+    <a:fontScheme name="Lucida Console">
       <a:majorFont>
-        <a:latin typeface="Calibri"/>
+        <a:latin typeface="Lucida Console"/>
         <a:ea typeface=""/>
         <a:cs typeface=""/>
-        <a:font script="Jpan" typeface="ＭＳ Ｐゴシック"/>
-        <a:font script="Hang" typeface="맑은 고딕"/>
-        <a:font script="Hans" typeface="宋体"/>
-        <a:font script="Hant" typeface="新細明體"/>
-        <a:font script="Arab" typeface="Times New Roman"/>
-        <a:font script="Hebr" typeface="Times New Roman"/>
-        <a:font script="Thai" typeface="Angsana New"/>
-        <a:font script="Ethi" typeface="Nyala"/>
-        <a:font script="Beng" typeface="Vrinda"/>
-        <a:font script="Gujr" typeface="Shruti"/>
-        <a:font script="Khmr" typeface="MoolBoran"/>
-        <a:font script="Knda" typeface="Tunga"/>
-        <a:font script="Guru" typeface="Raavi"/>
-        <a:font script="Cans" typeface="Euphemia"/>
-        <a:font script="Cher" typeface="Plantagenet Cherokee"/>
-        <a:font script="Yiii" typeface="Microsoft Yi Baiti"/>
-        <a:font script="Tibt" typeface="Microsoft Himalaya"/>
-        <a:font script="Thaa" typeface="MV Boli"/>
-        <a:font script="Deva" typeface="Mangal"/>
-        <a:font script="Telu" typeface="Gautami"/>
-        <a:font script="Taml" typeface="Latha"/>
-        <a:font script="Syrc" typeface="Estrangelo Edessa"/>
-        <a:font script="Orya" typeface="Kalinga"/>
-        <a:font script="Mlym" typeface="Kartika"/>
-        <a:font script="Laoo" typeface="DokChampa"/>
-        <a:font script="Sinh" typeface="Iskoola Pota"/>
-        <a:font script="Mong" typeface="Mongolian Baiti"/>
-        <a:font script="Viet" typeface="Times New Roman"/>
-        <a:font script="Uigh" typeface="Microsoft Uighur"/>
       </a:majorFont>
       <a:minorFont>
-        <a:latin typeface="Calibri"/>
+        <a:latin typeface="Lucida Console"/>
         <a:ea typeface=""/>
         <a:cs typeface=""/>
-        <a:font script="Jpan" typeface="ＭＳ Ｐゴシック"/>
-        <a:font script="Hang" typeface="맑은 고딕"/>
-        <a:font script="Hans" typeface="宋体"/>
-        <a:font script="Hant" typeface="新細明體"/>
-        <a:font script="Arab" typeface="Arial"/>
-        <a:font script="Hebr" typeface="Arial"/>
-        <a:font script="Thai" typeface="Cordia New"/>
-        <a:font script="Ethi" typeface="Nyala"/>
-        <a:font script="Beng" typeface="Vrinda"/>
-        <a:font script="Gujr" typeface="Shruti"/>
-        <a:font script="Khmr" typeface="DaunPenh"/>
-        <a:font script="Knda" typeface="Tunga"/>
-        <a:font script="Guru" typeface="Raavi"/>
-        <a:font script="Cans" typeface="Euphemia"/>
-        <a:font script="Cher" typeface="Plantagenet Cherokee"/>
-        <a:font script="Yiii" typeface="Microsoft Yi Baiti"/>
-        <a:font script="Tibt" typeface="Microsoft Himalaya"/>
-        <a:font script="Thaa" typeface="MV Boli"/>
-        <a:font script="Deva" typeface="Mangal"/>
-        <a:font script="Telu" typeface="Gautami"/>
-        <a:font script="Taml" typeface="Latha"/>
-        <a:font script="Syrc" typeface="Estrangelo Edessa"/>
-        <a:font script="Orya" typeface="Kalinga"/>
-        <a:font script="Mlym" typeface="Kartika"/>
-        <a:font script="Laoo" typeface="DokChampa"/>
-        <a:font script="Sinh" typeface="Iskoola Pota"/>
-        <a:font script="Mong" typeface="Mongolian Baiti"/>
-        <a:font script="Viet" typeface="Arial"/>
-        <a:font script="Uigh" typeface="Microsoft Uighur"/>
       </a:minorFont>
     </a:fontScheme>
     <a:fmtScheme name="Office">
@@ -6032,166 +6597,142 @@
           <a:gsLst>
             <a:gs pos="0">
               <a:schemeClr val="phClr">
-                <a:tint val="50000"/>
-                <a:satMod val="300000"/>
+                <a:lumMod val="110000"/>
+                <a:satMod val="105000"/>
+                <a:tint val="67000"/>
               </a:schemeClr>
             </a:gs>
-            <a:gs pos="35000">
+            <a:gs pos="50000">
               <a:schemeClr val="phClr">
-                <a:tint val="37000"/>
-                <a:satMod val="300000"/>
+                <a:lumMod val="105000"/>
+                <a:satMod val="103000"/>
+                <a:tint val="73000"/>
               </a:schemeClr>
             </a:gs>
             <a:gs pos="100000">
               <a:schemeClr val="phClr">
-                <a:tint val="15000"/>
-                <a:satMod val="350000"/>
+                <a:lumMod val="105000"/>
+                <a:satMod val="109000"/>
+                <a:tint val="81000"/>
               </a:schemeClr>
             </a:gs>
           </a:gsLst>
-          <a:lin ang="16200000" scaled="1"/>
+          <a:lin ang="5400000" scaled="0"/>
         </a:gradFill>
         <a:gradFill rotWithShape="1">
           <a:gsLst>
             <a:gs pos="0">
               <a:schemeClr val="phClr">
-                <a:shade val="51000"/>
-                <a:satMod val="130000"/>
+                <a:satMod val="103000"/>
+                <a:lumMod val="102000"/>
+                <a:tint val="94000"/>
               </a:schemeClr>
             </a:gs>
-            <a:gs pos="80000">
+            <a:gs pos="50000">
               <a:schemeClr val="phClr">
-                <a:shade val="93000"/>
-                <a:satMod val="130000"/>
+                <a:satMod val="110000"/>
+                <a:lumMod val="100000"/>
+                <a:shade val="100000"/>
               </a:schemeClr>
             </a:gs>
             <a:gs pos="100000">
               <a:schemeClr val="phClr">
-                <a:shade val="94000"/>
-                <a:satMod val="135000"/>
+                <a:lumMod val="99000"/>
+                <a:satMod val="120000"/>
+                <a:shade val="78000"/>
               </a:schemeClr>
             </a:gs>
           </a:gsLst>
-          <a:lin ang="16200000" scaled="0"/>
+          <a:lin ang="5400000" scaled="0"/>
         </a:gradFill>
       </a:fillStyleLst>
       <a:lnStyleLst>
-        <a:ln w="9525" cap="flat" cmpd="sng" algn="ctr">
-          <a:solidFill>
-            <a:schemeClr val="phClr">
-              <a:shade val="95000"/>
-              <a:satMod val="105000"/>
-            </a:schemeClr>
-          </a:solidFill>
-          <a:prstDash val="solid"/>
-        </a:ln>
-        <a:ln w="25400" cap="flat" cmpd="sng" algn="ctr">
+        <a:ln w="6350" cap="flat" cmpd="sng" algn="ctr">
           <a:solidFill>
             <a:schemeClr val="phClr"/>
           </a:solidFill>
           <a:prstDash val="solid"/>
+          <a:miter lim="800000"/>
         </a:ln>
-        <a:ln w="38100" cap="flat" cmpd="sng" algn="ctr">
+        <a:ln w="12700" cap="flat" cmpd="sng" algn="ctr">
           <a:solidFill>
             <a:schemeClr val="phClr"/>
           </a:solidFill>
           <a:prstDash val="solid"/>
+          <a:miter lim="800000"/>
+        </a:ln>
+        <a:ln w="19050" cap="flat" cmpd="sng" algn="ctr">
+          <a:solidFill>
+            <a:schemeClr val="phClr"/>
+          </a:solidFill>
+          <a:prstDash val="solid"/>
+          <a:miter lim="800000"/>
         </a:ln>
       </a:lnStyleLst>
       <a:effectStyleLst>
         <a:effectStyle>
+          <a:effectLst/>
+        </a:effectStyle>
+        <a:effectStyle>
+          <a:effectLst/>
+        </a:effectStyle>
+        <a:effectStyle>
           <a:effectLst>
-            <a:outerShdw blurRad="40000" dist="20000" dir="5400000" rotWithShape="0">
+            <a:outerShdw blurRad="57150" dist="19050" dir="5400000" algn="ctr" rotWithShape="0">
               <a:srgbClr val="000000">
-                <a:alpha val="38000"/>
+                <a:alpha val="63000"/>
               </a:srgbClr>
             </a:outerShdw>
           </a:effectLst>
-        </a:effectStyle>
-        <a:effectStyle>
-          <a:effectLst>
-            <a:outerShdw blurRad="40000" dist="23000" dir="5400000" rotWithShape="0">
-              <a:srgbClr val="000000">
-                <a:alpha val="35000"/>
-              </a:srgbClr>
-            </a:outerShdw>
-          </a:effectLst>
-        </a:effectStyle>
-        <a:effectStyle>
-          <a:effectLst>
-            <a:outerShdw blurRad="40000" dist="23000" dir="5400000" rotWithShape="0">
-              <a:srgbClr val="000000">
-                <a:alpha val="35000"/>
-              </a:srgbClr>
-            </a:outerShdw>
-          </a:effectLst>
-          <a:scene3d>
-            <a:camera prst="orthographicFront">
-              <a:rot lat="0" lon="0" rev="0"/>
-            </a:camera>
-            <a:lightRig rig="threePt" dir="t">
-              <a:rot lat="0" lon="0" rev="1200000"/>
-            </a:lightRig>
-          </a:scene3d>
-          <a:sp3d>
-            <a:bevelT w="63500" h="25400"/>
-          </a:sp3d>
         </a:effectStyle>
       </a:effectStyleLst>
       <a:bgFillStyleLst>
         <a:solidFill>
           <a:schemeClr val="phClr"/>
         </a:solidFill>
+        <a:solidFill>
+          <a:schemeClr val="phClr">
+            <a:tint val="95000"/>
+            <a:satMod val="170000"/>
+          </a:schemeClr>
+        </a:solidFill>
         <a:gradFill rotWithShape="1">
           <a:gsLst>
             <a:gs pos="0">
               <a:schemeClr val="phClr">
-                <a:tint val="40000"/>
-                <a:satMod val="350000"/>
+                <a:tint val="93000"/>
+                <a:satMod val="150000"/>
+                <a:shade val="98000"/>
+                <a:lumMod val="102000"/>
               </a:schemeClr>
             </a:gs>
-            <a:gs pos="40000">
+            <a:gs pos="50000">
               <a:schemeClr val="phClr">
-                <a:tint val="45000"/>
-                <a:shade val="99000"/>
-                <a:satMod val="350000"/>
+                <a:tint val="98000"/>
+                <a:satMod val="130000"/>
+                <a:shade val="90000"/>
+                <a:lumMod val="103000"/>
               </a:schemeClr>
             </a:gs>
             <a:gs pos="100000">
               <a:schemeClr val="phClr">
-                <a:shade val="20000"/>
-                <a:satMod val="255000"/>
+                <a:shade val="63000"/>
+                <a:satMod val="120000"/>
               </a:schemeClr>
             </a:gs>
           </a:gsLst>
-          <a:path path="circle">
-            <a:fillToRect l="50000" t="-80000" r="50000" b="180000"/>
-          </a:path>
-        </a:gradFill>
-        <a:gradFill rotWithShape="1">
-          <a:gsLst>
-            <a:gs pos="0">
-              <a:schemeClr val="phClr">
-                <a:tint val="80000"/>
-                <a:satMod val="300000"/>
-              </a:schemeClr>
-            </a:gs>
-            <a:gs pos="100000">
-              <a:schemeClr val="phClr">
-                <a:shade val="30000"/>
-                <a:satMod val="200000"/>
-              </a:schemeClr>
-            </a:gs>
-          </a:gsLst>
-          <a:path path="circle">
-            <a:fillToRect l="50000" t="50000" r="50000" b="50000"/>
-          </a:path>
+          <a:lin ang="5400000" scaled="0"/>
         </a:gradFill>
       </a:bgFillStyleLst>
     </a:fmtScheme>
   </a:themeElements>
   <a:objectDefaults/>
   <a:extraClrSchemeLst/>
+  <a:extLst>
+    <a:ext uri="{05A4C25C-085E-4340-85A3-A5531E510DB2}">
+      <thm15:themeFamily xmlns:thm15="http://schemas.microsoft.com/office/thememl/2012/main" name="Office Theme" id="{62F939B6-93AF-4DB8-9C6B-D6C7DFDC589F}" vid="{4A3C46E8-61CC-4603-A589-7422A47A8E4A}"/>
+    </a:ext>
+  </a:extLst>
 </a:theme>
 </file>
 
